--- a/Lec19/Lec19.pptx
+++ b/Lec19/Lec19.pptx
@@ -5,10 +5,10 @@
     <p:sldMasterId id="2147483648" r:id="rId1"/>
   </p:sldMasterIdLst>
   <p:notesMasterIdLst>
-    <p:notesMasterId r:id="rId40"/>
+    <p:notesMasterId r:id="rId44"/>
   </p:notesMasterIdLst>
   <p:handoutMasterIdLst>
-    <p:handoutMasterId r:id="rId41"/>
+    <p:handoutMasterId r:id="rId45"/>
   </p:handoutMasterIdLst>
   <p:sldIdLst>
     <p:sldId id="414" r:id="rId2"/>
@@ -33,22 +33,26 @@
     <p:sldId id="1286" r:id="rId21"/>
     <p:sldId id="1287" r:id="rId22"/>
     <p:sldId id="1288" r:id="rId23"/>
-    <p:sldId id="1289" r:id="rId24"/>
-    <p:sldId id="1290" r:id="rId25"/>
-    <p:sldId id="1291" r:id="rId26"/>
-    <p:sldId id="1292" r:id="rId27"/>
-    <p:sldId id="1293" r:id="rId28"/>
-    <p:sldId id="1294" r:id="rId29"/>
-    <p:sldId id="1295" r:id="rId30"/>
-    <p:sldId id="1296" r:id="rId31"/>
-    <p:sldId id="1297" r:id="rId32"/>
-    <p:sldId id="1298" r:id="rId33"/>
-    <p:sldId id="1299" r:id="rId34"/>
-    <p:sldId id="1300" r:id="rId35"/>
-    <p:sldId id="1301" r:id="rId36"/>
-    <p:sldId id="1302" r:id="rId37"/>
-    <p:sldId id="1303" r:id="rId38"/>
-    <p:sldId id="1304" r:id="rId39"/>
+    <p:sldId id="1311" r:id="rId24"/>
+    <p:sldId id="1305" r:id="rId25"/>
+    <p:sldId id="1309" r:id="rId26"/>
+    <p:sldId id="1310" r:id="rId27"/>
+    <p:sldId id="1289" r:id="rId28"/>
+    <p:sldId id="1290" r:id="rId29"/>
+    <p:sldId id="1291" r:id="rId30"/>
+    <p:sldId id="1292" r:id="rId31"/>
+    <p:sldId id="1293" r:id="rId32"/>
+    <p:sldId id="1294" r:id="rId33"/>
+    <p:sldId id="1295" r:id="rId34"/>
+    <p:sldId id="1296" r:id="rId35"/>
+    <p:sldId id="1297" r:id="rId36"/>
+    <p:sldId id="1298" r:id="rId37"/>
+    <p:sldId id="1299" r:id="rId38"/>
+    <p:sldId id="1300" r:id="rId39"/>
+    <p:sldId id="1301" r:id="rId40"/>
+    <p:sldId id="1302" r:id="rId41"/>
+    <p:sldId id="1303" r:id="rId42"/>
+    <p:sldId id="1304" r:id="rId43"/>
   </p:sldIdLst>
   <p:sldSz cx="12192000" cy="6858000"/>
   <p:notesSz cx="6858000" cy="9144000"/>
@@ -755,7 +759,7 @@
             </a:extLst>
           </p:cNvPr>
           <p:cNvSpPr>
-            <a:spLocks noRot="1" noChangeArrowheads="1" noTextEdit="1"/>
+            <a:spLocks noGrp="1" noRot="1" noChangeAspect="1" noChangeArrowheads="1" noTextEdit="1"/>
           </p:cNvSpPr>
           <p:nvPr>
             <p:ph type="sldImg"/>
@@ -857,7 +861,7 @@
             </a:extLst>
           </p:cNvPr>
           <p:cNvSpPr>
-            <a:spLocks noRot="1" noChangeArrowheads="1" noTextEdit="1"/>
+            <a:spLocks noGrp="1" noRot="1" noChangeAspect="1" noChangeArrowheads="1" noTextEdit="1"/>
           </p:cNvSpPr>
           <p:nvPr>
             <p:ph type="sldImg"/>
@@ -959,7 +963,7 @@
             </a:extLst>
           </p:cNvPr>
           <p:cNvSpPr>
-            <a:spLocks noRot="1" noChangeArrowheads="1" noTextEdit="1"/>
+            <a:spLocks noGrp="1" noRot="1" noChangeAspect="1" noChangeArrowheads="1" noTextEdit="1"/>
           </p:cNvSpPr>
           <p:nvPr>
             <p:ph type="sldImg"/>
@@ -1061,7 +1065,7 @@
             </a:extLst>
           </p:cNvPr>
           <p:cNvSpPr>
-            <a:spLocks noRot="1" noChangeArrowheads="1" noTextEdit="1"/>
+            <a:spLocks noGrp="1" noRot="1" noChangeAspect="1" noChangeArrowheads="1" noTextEdit="1"/>
           </p:cNvSpPr>
           <p:nvPr>
             <p:ph type="sldImg"/>
@@ -1168,7 +1172,7 @@
             </a:extLst>
           </p:cNvPr>
           <p:cNvSpPr>
-            <a:spLocks noRot="1" noChangeArrowheads="1" noTextEdit="1"/>
+            <a:spLocks noGrp="1" noRot="1" noChangeAspect="1" noChangeArrowheads="1" noTextEdit="1"/>
           </p:cNvSpPr>
           <p:nvPr>
             <p:ph type="sldImg"/>
@@ -1270,7 +1274,7 @@
             </a:extLst>
           </p:cNvPr>
           <p:cNvSpPr>
-            <a:spLocks noRot="1" noChangeArrowheads="1" noTextEdit="1"/>
+            <a:spLocks noGrp="1" noRot="1" noChangeAspect="1" noChangeArrowheads="1" noTextEdit="1"/>
           </p:cNvSpPr>
           <p:nvPr>
             <p:ph type="sldImg"/>
@@ -1377,7 +1381,7 @@
             </a:extLst>
           </p:cNvPr>
           <p:cNvSpPr>
-            <a:spLocks noRot="1" noChangeArrowheads="1" noTextEdit="1"/>
+            <a:spLocks noGrp="1" noRot="1" noChangeAspect="1" noChangeArrowheads="1" noTextEdit="1"/>
           </p:cNvSpPr>
           <p:nvPr>
             <p:ph type="sldImg"/>
@@ -1479,7 +1483,7 @@
             </a:extLst>
           </p:cNvPr>
           <p:cNvSpPr>
-            <a:spLocks noRot="1" noChangeArrowheads="1" noTextEdit="1"/>
+            <a:spLocks noGrp="1" noRot="1" noChangeAspect="1" noChangeArrowheads="1" noTextEdit="1"/>
           </p:cNvSpPr>
           <p:nvPr>
             <p:ph type="sldImg"/>
@@ -1581,7 +1585,7 @@
             </a:extLst>
           </p:cNvPr>
           <p:cNvSpPr>
-            <a:spLocks noRot="1" noChangeArrowheads="1" noTextEdit="1"/>
+            <a:spLocks noGrp="1" noRot="1" noChangeAspect="1" noChangeArrowheads="1" noTextEdit="1"/>
           </p:cNvSpPr>
           <p:nvPr>
             <p:ph type="sldImg"/>
@@ -1683,7 +1687,7 @@
             </a:extLst>
           </p:cNvPr>
           <p:cNvSpPr>
-            <a:spLocks noRot="1" noChangeArrowheads="1" noTextEdit="1"/>
+            <a:spLocks noGrp="1" noRot="1" noChangeAspect="1" noChangeArrowheads="1" noTextEdit="1"/>
           </p:cNvSpPr>
           <p:nvPr>
             <p:ph type="sldImg"/>
@@ -1785,7 +1789,7 @@
             </a:extLst>
           </p:cNvPr>
           <p:cNvSpPr>
-            <a:spLocks noRot="1" noChangeArrowheads="1" noTextEdit="1"/>
+            <a:spLocks noGrp="1" noRot="1" noChangeAspect="1" noChangeArrowheads="1" noTextEdit="1"/>
           </p:cNvSpPr>
           <p:nvPr>
             <p:ph type="sldImg"/>
@@ -1887,7 +1891,7 @@
             </a:extLst>
           </p:cNvPr>
           <p:cNvSpPr>
-            <a:spLocks noRot="1" noChangeArrowheads="1" noTextEdit="1"/>
+            <a:spLocks noGrp="1" noRot="1" noChangeAspect="1" noChangeArrowheads="1" noTextEdit="1"/>
           </p:cNvSpPr>
           <p:nvPr>
             <p:ph type="sldImg"/>
@@ -6821,7 +6825,7 @@
             </a:extLst>
           </p:cNvPr>
           <p:cNvGraphicFramePr>
-            <a:graphicFrameLocks noChangeAspect="1"/>
+            <a:graphicFrameLocks noGrp="1" noChangeAspect="1"/>
           </p:cNvGraphicFramePr>
           <p:nvPr>
             <p:ph idx="1"/>
@@ -6835,7 +6839,7 @@
           <a:graphicData uri="http://schemas.openxmlformats.org/presentationml/2006/ole">
             <mc:AlternateContent xmlns:mc="http://schemas.openxmlformats.org/markup-compatibility/2006">
               <mc:Choice xmlns:v="urn:schemas-microsoft-com:vml" Requires="v">
-                <p:oleObj spid="_x0000_s10254" name="Visio" r:id="rId4" imgW="3733800" imgH="3136900" progId="Visio.Drawing.6">
+                <p:oleObj spid="_x0000_s10255" name="Visio" r:id="rId4" imgW="3733800" imgH="3136900" progId="Visio.Drawing.6">
                   <p:embed/>
                 </p:oleObj>
               </mc:Choice>
@@ -9830,7 +9834,7 @@
             </a:extLst>
           </p:cNvPr>
           <p:cNvGraphicFramePr>
-            <a:graphicFrameLocks noChangeAspect="1"/>
+            <a:graphicFrameLocks noGrp="1" noChangeAspect="1"/>
           </p:cNvGraphicFramePr>
           <p:nvPr>
             <p:ph idx="1"/>
@@ -9844,7 +9848,7 @@
           <a:graphicData uri="http://schemas.openxmlformats.org/presentationml/2006/ole">
             <mc:AlternateContent xmlns:mc="http://schemas.openxmlformats.org/markup-compatibility/2006">
               <mc:Choice xmlns:v="urn:schemas-microsoft-com:vml" Requires="v">
-                <p:oleObj spid="_x0000_s20494" name="Visio" r:id="rId4" imgW="3733800" imgH="1968500" progId="Visio.Drawing.6">
+                <p:oleObj spid="_x0000_s20495" name="Visio" r:id="rId4" imgW="3733800" imgH="1968500" progId="Visio.Drawing.6">
                   <p:embed/>
                 </p:oleObj>
               </mc:Choice>
@@ -10622,7 +10626,7 @@
             </a:extLst>
           </p:cNvPr>
           <p:cNvGraphicFramePr>
-            <a:graphicFrameLocks noChangeAspect="1"/>
+            <a:graphicFrameLocks noGrp="1" noChangeAspect="1"/>
           </p:cNvGraphicFramePr>
           <p:nvPr>
             <p:ph idx="1"/>
@@ -10636,7 +10640,7 @@
           <a:graphicData uri="http://schemas.openxmlformats.org/presentationml/2006/ole">
             <mc:AlternateContent xmlns:mc="http://schemas.openxmlformats.org/markup-compatibility/2006">
               <mc:Choice xmlns:v="urn:schemas-microsoft-com:vml" Requires="v">
-                <p:oleObj spid="_x0000_s24580" name="Visio" r:id="rId4" imgW="3733800" imgH="1968500" progId="Visio.Drawing.6">
+                <p:oleObj spid="_x0000_s24581" name="Visio" r:id="rId4" imgW="3733800" imgH="1968500" progId="Visio.Drawing.6">
                   <p:embed/>
                 </p:oleObj>
               </mc:Choice>
@@ -11289,6 +11293,396 @@
           <p:cNvPr id="2" name="Title 1">
             <a:extLst>
               <a:ext uri="{FF2B5EF4-FFF2-40B4-BE49-F238E27FC236}">
+                <a16:creationId xmlns:a16="http://schemas.microsoft.com/office/drawing/2014/main" id="{77B118DB-35AD-9244-8147-94B0E6EF0690}"/>
+              </a:ext>
+            </a:extLst>
+          </p:cNvPr>
+          <p:cNvSpPr>
+            <a:spLocks noGrp="1"/>
+          </p:cNvSpPr>
+          <p:nvPr>
+            <p:ph type="title"/>
+          </p:nvPr>
+        </p:nvSpPr>
+        <p:spPr/>
+        <p:txBody>
+          <a:bodyPr>
+            <a:normAutofit fontScale="90000"/>
+          </a:bodyPr>
+          <a:lstStyle/>
+          <a:p>
+            <a:r>
+              <a:rPr lang="en-US" dirty="0"/>
+              <a:t>CMP highlights from paper of C-T Chou</a:t>
+            </a:r>
+          </a:p>
+        </p:txBody>
+      </p:sp>
+      <p:pic>
+        <p:nvPicPr>
+          <p:cNvPr id="4" name="Picture 3" descr="Graphical user interface, text&#10;&#10;Description automatically generated">
+            <a:extLst>
+              <a:ext uri="{FF2B5EF4-FFF2-40B4-BE49-F238E27FC236}">
+                <a16:creationId xmlns:a16="http://schemas.microsoft.com/office/drawing/2014/main" id="{42B0B9A0-AD72-AD4C-8629-7DAB4B30F76E}"/>
+              </a:ext>
+            </a:extLst>
+          </p:cNvPr>
+          <p:cNvPicPr>
+            <a:picLocks noChangeAspect="1"/>
+          </p:cNvPicPr>
+          <p:nvPr/>
+        </p:nvPicPr>
+        <p:blipFill>
+          <a:blip r:embed="rId2"/>
+          <a:stretch>
+            <a:fillRect/>
+          </a:stretch>
+        </p:blipFill>
+        <p:spPr>
+          <a:xfrm>
+            <a:off x="2698750" y="1930400"/>
+            <a:ext cx="6794500" cy="2997200"/>
+          </a:xfrm>
+          <a:prstGeom prst="rect">
+            <a:avLst/>
+          </a:prstGeom>
+        </p:spPr>
+      </p:pic>
+    </p:spTree>
+    <p:extLst>
+      <p:ext uri="{BB962C8B-B14F-4D97-AF65-F5344CB8AC3E}">
+        <p14:creationId xmlns:p14="http://schemas.microsoft.com/office/powerpoint/2010/main" val="3111904197"/>
+      </p:ext>
+    </p:extLst>
+  </p:cSld>
+  <p:clrMapOvr>
+    <a:masterClrMapping/>
+  </p:clrMapOvr>
+</p:sld>
+</file>
+
+<file path=ppt/slides/slide24.xml><?xml version="1.0" encoding="utf-8"?>
+<p:sld xmlns:a="http://schemas.openxmlformats.org/drawingml/2006/main" xmlns:r="http://schemas.openxmlformats.org/officeDocument/2006/relationships" xmlns:p="http://schemas.openxmlformats.org/presentationml/2006/main">
+  <p:cSld>
+    <p:spTree>
+      <p:nvGrpSpPr>
+        <p:cNvPr id="1" name=""/>
+        <p:cNvGrpSpPr/>
+        <p:nvPr/>
+      </p:nvGrpSpPr>
+      <p:grpSpPr>
+        <a:xfrm>
+          <a:off x="0" y="0"/>
+          <a:ext cx="0" cy="0"/>
+          <a:chOff x="0" y="0"/>
+          <a:chExt cx="0" cy="0"/>
+        </a:xfrm>
+      </p:grpSpPr>
+      <p:sp>
+        <p:nvSpPr>
+          <p:cNvPr id="2" name="Title 1">
+            <a:extLst>
+              <a:ext uri="{FF2B5EF4-FFF2-40B4-BE49-F238E27FC236}">
+                <a16:creationId xmlns:a16="http://schemas.microsoft.com/office/drawing/2014/main" id="{77B118DB-35AD-9244-8147-94B0E6EF0690}"/>
+              </a:ext>
+            </a:extLst>
+          </p:cNvPr>
+          <p:cNvSpPr>
+            <a:spLocks noGrp="1"/>
+          </p:cNvSpPr>
+          <p:nvPr>
+            <p:ph type="title"/>
+          </p:nvPr>
+        </p:nvSpPr>
+        <p:spPr/>
+        <p:txBody>
+          <a:bodyPr>
+            <a:normAutofit fontScale="90000"/>
+          </a:bodyPr>
+          <a:lstStyle/>
+          <a:p>
+            <a:r>
+              <a:rPr lang="en-US" dirty="0"/>
+              <a:t>CMP highlights from paper of C-T Chou</a:t>
+            </a:r>
+          </a:p>
+        </p:txBody>
+      </p:sp>
+      <p:pic>
+        <p:nvPicPr>
+          <p:cNvPr id="5" name="Picture 4" descr="Text&#10;&#10;Description automatically generated">
+            <a:extLst>
+              <a:ext uri="{FF2B5EF4-FFF2-40B4-BE49-F238E27FC236}">
+                <a16:creationId xmlns:a16="http://schemas.microsoft.com/office/drawing/2014/main" id="{BFD89320-429C-F04C-AB5D-E7771E598F2C}"/>
+              </a:ext>
+            </a:extLst>
+          </p:cNvPr>
+          <p:cNvPicPr>
+            <a:picLocks noChangeAspect="1"/>
+          </p:cNvPicPr>
+          <p:nvPr/>
+        </p:nvPicPr>
+        <p:blipFill>
+          <a:blip r:embed="rId2"/>
+          <a:stretch>
+            <a:fillRect/>
+          </a:stretch>
+        </p:blipFill>
+        <p:spPr>
+          <a:xfrm>
+            <a:off x="838200" y="1031903"/>
+            <a:ext cx="6375400" cy="2146300"/>
+          </a:xfrm>
+          <a:prstGeom prst="rect">
+            <a:avLst/>
+          </a:prstGeom>
+        </p:spPr>
+      </p:pic>
+      <p:pic>
+        <p:nvPicPr>
+          <p:cNvPr id="7" name="Picture 6" descr="Text&#10;&#10;Description automatically generated">
+            <a:extLst>
+              <a:ext uri="{FF2B5EF4-FFF2-40B4-BE49-F238E27FC236}">
+                <a16:creationId xmlns:a16="http://schemas.microsoft.com/office/drawing/2014/main" id="{40AF45DD-1105-F14F-9061-F366351E5B9B}"/>
+              </a:ext>
+            </a:extLst>
+          </p:cNvPr>
+          <p:cNvPicPr>
+            <a:picLocks noChangeAspect="1"/>
+          </p:cNvPicPr>
+          <p:nvPr/>
+        </p:nvPicPr>
+        <p:blipFill>
+          <a:blip r:embed="rId3"/>
+          <a:stretch>
+            <a:fillRect/>
+          </a:stretch>
+        </p:blipFill>
+        <p:spPr>
+          <a:xfrm>
+            <a:off x="3441700" y="3257550"/>
+            <a:ext cx="7543800" cy="2400300"/>
+          </a:xfrm>
+          <a:prstGeom prst="rect">
+            <a:avLst/>
+          </a:prstGeom>
+        </p:spPr>
+      </p:pic>
+    </p:spTree>
+    <p:extLst>
+      <p:ext uri="{BB962C8B-B14F-4D97-AF65-F5344CB8AC3E}">
+        <p14:creationId xmlns:p14="http://schemas.microsoft.com/office/powerpoint/2010/main" val="2899091425"/>
+      </p:ext>
+    </p:extLst>
+  </p:cSld>
+  <p:clrMapOvr>
+    <a:masterClrMapping/>
+  </p:clrMapOvr>
+</p:sld>
+</file>
+
+<file path=ppt/slides/slide25.xml><?xml version="1.0" encoding="utf-8"?>
+<p:sld xmlns:a="http://schemas.openxmlformats.org/drawingml/2006/main" xmlns:r="http://schemas.openxmlformats.org/officeDocument/2006/relationships" xmlns:p="http://schemas.openxmlformats.org/presentationml/2006/main">
+  <p:cSld>
+    <p:spTree>
+      <p:nvGrpSpPr>
+        <p:cNvPr id="1" name=""/>
+        <p:cNvGrpSpPr/>
+        <p:nvPr/>
+      </p:nvGrpSpPr>
+      <p:grpSpPr>
+        <a:xfrm>
+          <a:off x="0" y="0"/>
+          <a:ext cx="0" cy="0"/>
+          <a:chOff x="0" y="0"/>
+          <a:chExt cx="0" cy="0"/>
+        </a:xfrm>
+      </p:grpSpPr>
+      <p:sp>
+        <p:nvSpPr>
+          <p:cNvPr id="2" name="Title 1">
+            <a:extLst>
+              <a:ext uri="{FF2B5EF4-FFF2-40B4-BE49-F238E27FC236}">
+                <a16:creationId xmlns:a16="http://schemas.microsoft.com/office/drawing/2014/main" id="{77B118DB-35AD-9244-8147-94B0E6EF0690}"/>
+              </a:ext>
+            </a:extLst>
+          </p:cNvPr>
+          <p:cNvSpPr>
+            <a:spLocks noGrp="1"/>
+          </p:cNvSpPr>
+          <p:nvPr>
+            <p:ph type="title"/>
+          </p:nvPr>
+        </p:nvSpPr>
+        <p:spPr/>
+        <p:txBody>
+          <a:bodyPr>
+            <a:normAutofit fontScale="90000"/>
+          </a:bodyPr>
+          <a:lstStyle/>
+          <a:p>
+            <a:r>
+              <a:rPr lang="en-US" dirty="0"/>
+              <a:t>CMP highlights from paper of C-T Chou</a:t>
+            </a:r>
+          </a:p>
+        </p:txBody>
+      </p:sp>
+      <p:pic>
+        <p:nvPicPr>
+          <p:cNvPr id="4" name="Picture 3" descr="Text&#10;&#10;Description automatically generated">
+            <a:extLst>
+              <a:ext uri="{FF2B5EF4-FFF2-40B4-BE49-F238E27FC236}">
+                <a16:creationId xmlns:a16="http://schemas.microsoft.com/office/drawing/2014/main" id="{B44F027E-FAA7-9A49-AE7E-7D7C30E188B2}"/>
+              </a:ext>
+            </a:extLst>
+          </p:cNvPr>
+          <p:cNvPicPr>
+            <a:picLocks noChangeAspect="1"/>
+          </p:cNvPicPr>
+          <p:nvPr/>
+        </p:nvPicPr>
+        <p:blipFill>
+          <a:blip r:embed="rId2"/>
+          <a:stretch>
+            <a:fillRect/>
+          </a:stretch>
+        </p:blipFill>
+        <p:spPr>
+          <a:xfrm>
+            <a:off x="520700" y="1860550"/>
+            <a:ext cx="11150600" cy="3136900"/>
+          </a:xfrm>
+          <a:prstGeom prst="rect">
+            <a:avLst/>
+          </a:prstGeom>
+        </p:spPr>
+      </p:pic>
+    </p:spTree>
+    <p:extLst>
+      <p:ext uri="{BB962C8B-B14F-4D97-AF65-F5344CB8AC3E}">
+        <p14:creationId xmlns:p14="http://schemas.microsoft.com/office/powerpoint/2010/main" val="2728223777"/>
+      </p:ext>
+    </p:extLst>
+  </p:cSld>
+  <p:clrMapOvr>
+    <a:masterClrMapping/>
+  </p:clrMapOvr>
+</p:sld>
+</file>
+
+<file path=ppt/slides/slide26.xml><?xml version="1.0" encoding="utf-8"?>
+<p:sld xmlns:a="http://schemas.openxmlformats.org/drawingml/2006/main" xmlns:r="http://schemas.openxmlformats.org/officeDocument/2006/relationships" xmlns:p="http://schemas.openxmlformats.org/presentationml/2006/main">
+  <p:cSld>
+    <p:spTree>
+      <p:nvGrpSpPr>
+        <p:cNvPr id="1" name=""/>
+        <p:cNvGrpSpPr/>
+        <p:nvPr/>
+      </p:nvGrpSpPr>
+      <p:grpSpPr>
+        <a:xfrm>
+          <a:off x="0" y="0"/>
+          <a:ext cx="0" cy="0"/>
+          <a:chOff x="0" y="0"/>
+          <a:chExt cx="0" cy="0"/>
+        </a:xfrm>
+      </p:grpSpPr>
+      <p:sp>
+        <p:nvSpPr>
+          <p:cNvPr id="2" name="Title 1">
+            <a:extLst>
+              <a:ext uri="{FF2B5EF4-FFF2-40B4-BE49-F238E27FC236}">
+                <a16:creationId xmlns:a16="http://schemas.microsoft.com/office/drawing/2014/main" id="{77B118DB-35AD-9244-8147-94B0E6EF0690}"/>
+              </a:ext>
+            </a:extLst>
+          </p:cNvPr>
+          <p:cNvSpPr>
+            <a:spLocks noGrp="1"/>
+          </p:cNvSpPr>
+          <p:nvPr>
+            <p:ph type="title"/>
+          </p:nvPr>
+        </p:nvSpPr>
+        <p:spPr/>
+        <p:txBody>
+          <a:bodyPr>
+            <a:normAutofit fontScale="90000"/>
+          </a:bodyPr>
+          <a:lstStyle/>
+          <a:p>
+            <a:r>
+              <a:rPr lang="en-US" dirty="0"/>
+              <a:t>CMP highlights from paper of C-T Chou</a:t>
+            </a:r>
+          </a:p>
+        </p:txBody>
+      </p:sp>
+      <p:pic>
+        <p:nvPicPr>
+          <p:cNvPr id="4" name="Picture 3" descr="Text, letter&#10;&#10;Description automatically generated">
+            <a:extLst>
+              <a:ext uri="{FF2B5EF4-FFF2-40B4-BE49-F238E27FC236}">
+                <a16:creationId xmlns:a16="http://schemas.microsoft.com/office/drawing/2014/main" id="{BECFB103-B1B6-094E-8E37-8B73E404C133}"/>
+              </a:ext>
+            </a:extLst>
+          </p:cNvPr>
+          <p:cNvPicPr>
+            <a:picLocks noChangeAspect="1"/>
+          </p:cNvPicPr>
+          <p:nvPr/>
+        </p:nvPicPr>
+        <p:blipFill>
+          <a:blip r:embed="rId2"/>
+          <a:stretch>
+            <a:fillRect/>
+          </a:stretch>
+        </p:blipFill>
+        <p:spPr>
+          <a:xfrm>
+            <a:off x="838200" y="1111453"/>
+            <a:ext cx="9829223" cy="5381421"/>
+          </a:xfrm>
+          <a:prstGeom prst="rect">
+            <a:avLst/>
+          </a:prstGeom>
+        </p:spPr>
+      </p:pic>
+    </p:spTree>
+    <p:extLst>
+      <p:ext uri="{BB962C8B-B14F-4D97-AF65-F5344CB8AC3E}">
+        <p14:creationId xmlns:p14="http://schemas.microsoft.com/office/powerpoint/2010/main" val="1880304940"/>
+      </p:ext>
+    </p:extLst>
+  </p:cSld>
+  <p:clrMapOvr>
+    <a:masterClrMapping/>
+  </p:clrMapOvr>
+</p:sld>
+</file>
+
+<file path=ppt/slides/slide27.xml><?xml version="1.0" encoding="utf-8"?>
+<p:sld xmlns:a="http://schemas.openxmlformats.org/drawingml/2006/main" xmlns:r="http://schemas.openxmlformats.org/officeDocument/2006/relationships" xmlns:p="http://schemas.openxmlformats.org/presentationml/2006/main">
+  <p:cSld>
+    <p:spTree>
+      <p:nvGrpSpPr>
+        <p:cNvPr id="1" name=""/>
+        <p:cNvGrpSpPr/>
+        <p:nvPr/>
+      </p:nvGrpSpPr>
+      <p:grpSpPr>
+        <a:xfrm>
+          <a:off x="0" y="0"/>
+          <a:ext cx="0" cy="0"/>
+          <a:chOff x="0" y="0"/>
+          <a:chExt cx="0" cy="0"/>
+        </a:xfrm>
+      </p:grpSpPr>
+      <p:sp>
+        <p:nvSpPr>
+          <p:cNvPr id="2" name="Title 1">
+            <a:extLst>
+              <a:ext uri="{FF2B5EF4-FFF2-40B4-BE49-F238E27FC236}">
                 <a16:creationId xmlns:a16="http://schemas.microsoft.com/office/drawing/2014/main" id="{98865D28-9216-9041-B405-AC842EB68714}"/>
               </a:ext>
             </a:extLst>
@@ -11357,7 +11751,7 @@
 </p:sld>
 </file>
 
-<file path=ppt/slides/slide24.xml><?xml version="1.0" encoding="utf-8"?>
+<file path=ppt/slides/slide28.xml><?xml version="1.0" encoding="utf-8"?>
 <p:sld xmlns:a="http://schemas.openxmlformats.org/drawingml/2006/main" xmlns:r="http://schemas.openxmlformats.org/officeDocument/2006/relationships" xmlns:p="http://schemas.openxmlformats.org/presentationml/2006/main">
   <p:cSld>
     <p:spTree>
@@ -11447,7 +11841,7 @@
 </p:sld>
 </file>
 
-<file path=ppt/slides/slide25.xml><?xml version="1.0" encoding="utf-8"?>
+<file path=ppt/slides/slide29.xml><?xml version="1.0" encoding="utf-8"?>
 <p:sld xmlns:a="http://schemas.openxmlformats.org/drawingml/2006/main" xmlns:r="http://schemas.openxmlformats.org/officeDocument/2006/relationships" xmlns:p="http://schemas.openxmlformats.org/presentationml/2006/main">
   <p:cSld>
     <p:spTree>
@@ -11537,7 +11931,177 @@
 </p:sld>
 </file>
 
-<file path=ppt/slides/slide26.xml><?xml version="1.0" encoding="utf-8"?>
+<file path=ppt/slides/slide3.xml><?xml version="1.0" encoding="utf-8"?>
+<p:sld xmlns:a="http://schemas.openxmlformats.org/drawingml/2006/main" xmlns:r="http://schemas.openxmlformats.org/officeDocument/2006/relationships" xmlns:p="http://schemas.openxmlformats.org/presentationml/2006/main">
+  <p:cSld>
+    <p:spTree>
+      <p:nvGrpSpPr>
+        <p:cNvPr id="1" name=""/>
+        <p:cNvGrpSpPr/>
+        <p:nvPr/>
+      </p:nvGrpSpPr>
+      <p:grpSpPr>
+        <a:xfrm>
+          <a:off x="0" y="0"/>
+          <a:ext cx="0" cy="0"/>
+          <a:chOff x="0" y="0"/>
+          <a:chExt cx="0" cy="0"/>
+        </a:xfrm>
+      </p:grpSpPr>
+      <p:sp>
+        <p:nvSpPr>
+          <p:cNvPr id="2" name="Title 1">
+            <a:extLst>
+              <a:ext uri="{FF2B5EF4-FFF2-40B4-BE49-F238E27FC236}">
+                <a16:creationId xmlns:a16="http://schemas.microsoft.com/office/drawing/2014/main" id="{E0529347-8E03-5745-A305-AF41325E1120}"/>
+              </a:ext>
+            </a:extLst>
+          </p:cNvPr>
+          <p:cNvSpPr>
+            <a:spLocks noGrp="1"/>
+          </p:cNvSpPr>
+          <p:nvPr>
+            <p:ph type="title"/>
+          </p:nvPr>
+        </p:nvSpPr>
+        <p:spPr/>
+        <p:txBody>
+          <a:bodyPr>
+            <a:normAutofit fontScale="90000"/>
+          </a:bodyPr>
+          <a:lstStyle/>
+          <a:p>
+            <a:r>
+              <a:rPr lang="en-US" dirty="0"/>
+              <a:t>What is cache coherence?</a:t>
+            </a:r>
+          </a:p>
+        </p:txBody>
+      </p:sp>
+      <p:sp>
+        <p:nvSpPr>
+          <p:cNvPr id="3" name="Content Placeholder 2">
+            <a:extLst>
+              <a:ext uri="{FF2B5EF4-FFF2-40B4-BE49-F238E27FC236}">
+                <a16:creationId xmlns:a16="http://schemas.microsoft.com/office/drawing/2014/main" id="{F6F2EB0E-4EBA-9E41-A915-2E5A2D97575C}"/>
+              </a:ext>
+            </a:extLst>
+          </p:cNvPr>
+          <p:cNvSpPr>
+            <a:spLocks noGrp="1"/>
+          </p:cNvSpPr>
+          <p:nvPr>
+            <p:ph idx="1"/>
+          </p:nvPr>
+        </p:nvSpPr>
+        <p:spPr/>
+        <p:txBody>
+          <a:bodyPr/>
+          <a:lstStyle/>
+          <a:p>
+            <a:r>
+              <a:rPr lang="en-US" dirty="0"/>
+              <a:t>With shared-memory multiprocessors being the norm, we need a notion of sharing memory “as if it were one common area”</a:t>
+            </a:r>
+          </a:p>
+          <a:p>
+            <a:pPr lvl="1"/>
+            <a:r>
+              <a:rPr lang="en-US" dirty="0"/>
+              <a:t>What does this mean?</a:t>
+            </a:r>
+          </a:p>
+          <a:p>
+            <a:pPr lvl="2"/>
+            <a:r>
+              <a:rPr lang="en-US" dirty="0"/>
+              <a:t>Every write by Pi is readable by Pi as well as </a:t>
+            </a:r>
+            <a:r>
+              <a:rPr lang="en-US" dirty="0" err="1"/>
+              <a:t>Pj</a:t>
+            </a:r>
+            <a:r>
+              <a:rPr lang="en-US" dirty="0"/>
+              <a:t> where </a:t>
+            </a:r>
+            <a:r>
+              <a:rPr lang="en-US" dirty="0" err="1"/>
+              <a:t>i</a:t>
+            </a:r>
+            <a:r>
+              <a:rPr lang="en-US" dirty="0"/>
+              <a:t> != j</a:t>
+            </a:r>
+          </a:p>
+          <a:p>
+            <a:pPr lvl="1"/>
+            <a:r>
+              <a:rPr lang="en-US" dirty="0"/>
+              <a:t>This is not precise-enough</a:t>
+            </a:r>
+          </a:p>
+          <a:p>
+            <a:pPr lvl="2"/>
+            <a:r>
+              <a:rPr lang="en-US" dirty="0"/>
+              <a:t>A program can write more times to a location than once </a:t>
+            </a:r>
+            <a:r>
+              <a:rPr lang="en-US" dirty="0">
+                <a:sym typeface="Wingdings" pitchFamily="2" charset="2"/>
+              </a:rPr>
+              <a:t></a:t>
+            </a:r>
+          </a:p>
+          <a:p>
+            <a:pPr lvl="2"/>
+            <a:r>
+              <a:rPr lang="en-US" dirty="0">
+                <a:sym typeface="Wingdings" pitchFamily="2" charset="2"/>
+              </a:rPr>
+              <a:t>There could be multiple readers of a line</a:t>
+            </a:r>
+          </a:p>
+          <a:p>
+            <a:r>
+              <a:rPr lang="en-US" dirty="0">
+                <a:sym typeface="Wingdings" pitchFamily="2" charset="2"/>
+              </a:rPr>
+              <a:t>So,</a:t>
+            </a:r>
+          </a:p>
+          <a:p>
+            <a:pPr lvl="1"/>
+            <a:r>
+              <a:rPr lang="en-US" dirty="0">
+                <a:sym typeface="Wingdings" pitchFamily="2" charset="2"/>
+              </a:rPr>
+              <a:t>Formally define when write-events are observable by read-events that match</a:t>
+            </a:r>
+          </a:p>
+          <a:p>
+            <a:pPr marL="457200" lvl="1" indent="0">
+              <a:buNone/>
+            </a:pPr>
+            <a:endParaRPr lang="en-US" dirty="0"/>
+          </a:p>
+        </p:txBody>
+      </p:sp>
+    </p:spTree>
+    <p:extLst>
+      <p:ext uri="{BB962C8B-B14F-4D97-AF65-F5344CB8AC3E}">
+        <p14:creationId xmlns:p14="http://schemas.microsoft.com/office/powerpoint/2010/main" val="436531045"/>
+      </p:ext>
+    </p:extLst>
+  </p:cSld>
+  <p:clrMapOvr>
+    <a:masterClrMapping/>
+  </p:clrMapOvr>
+</p:sld>
+</file>
+
+<file path=ppt/slides/slide30.xml><?xml version="1.0" encoding="utf-8"?>
 <p:sld xmlns:a="http://schemas.openxmlformats.org/drawingml/2006/main" xmlns:r="http://schemas.openxmlformats.org/officeDocument/2006/relationships" xmlns:p="http://schemas.openxmlformats.org/presentationml/2006/main">
   <p:cSld>
     <p:spTree>
@@ -11627,7 +12191,7 @@
 </p:sld>
 </file>
 
-<file path=ppt/slides/slide27.xml><?xml version="1.0" encoding="utf-8"?>
+<file path=ppt/slides/slide31.xml><?xml version="1.0" encoding="utf-8"?>
 <p:sld xmlns:a="http://schemas.openxmlformats.org/drawingml/2006/main" xmlns:r="http://schemas.openxmlformats.org/officeDocument/2006/relationships" xmlns:p="http://schemas.openxmlformats.org/presentationml/2006/main">
   <p:cSld>
     <p:spTree>
@@ -11717,7 +12281,7 @@
 </p:sld>
 </file>
 
-<file path=ppt/slides/slide28.xml><?xml version="1.0" encoding="utf-8"?>
+<file path=ppt/slides/slide32.xml><?xml version="1.0" encoding="utf-8"?>
 <p:sld xmlns:a="http://schemas.openxmlformats.org/drawingml/2006/main" xmlns:r="http://schemas.openxmlformats.org/officeDocument/2006/relationships" xmlns:p="http://schemas.openxmlformats.org/presentationml/2006/main">
   <p:cSld>
     <p:spTree>
@@ -11807,7 +12371,7 @@
 </p:sld>
 </file>
 
-<file path=ppt/slides/slide29.xml><?xml version="1.0" encoding="utf-8"?>
+<file path=ppt/slides/slide33.xml><?xml version="1.0" encoding="utf-8"?>
 <p:sld xmlns:a="http://schemas.openxmlformats.org/drawingml/2006/main" xmlns:r="http://schemas.openxmlformats.org/officeDocument/2006/relationships" xmlns:p="http://schemas.openxmlformats.org/presentationml/2006/main">
   <p:cSld>
     <p:spTree>
@@ -11897,177 +12461,7 @@
 </p:sld>
 </file>
 
-<file path=ppt/slides/slide3.xml><?xml version="1.0" encoding="utf-8"?>
-<p:sld xmlns:a="http://schemas.openxmlformats.org/drawingml/2006/main" xmlns:r="http://schemas.openxmlformats.org/officeDocument/2006/relationships" xmlns:p="http://schemas.openxmlformats.org/presentationml/2006/main">
-  <p:cSld>
-    <p:spTree>
-      <p:nvGrpSpPr>
-        <p:cNvPr id="1" name=""/>
-        <p:cNvGrpSpPr/>
-        <p:nvPr/>
-      </p:nvGrpSpPr>
-      <p:grpSpPr>
-        <a:xfrm>
-          <a:off x="0" y="0"/>
-          <a:ext cx="0" cy="0"/>
-          <a:chOff x="0" y="0"/>
-          <a:chExt cx="0" cy="0"/>
-        </a:xfrm>
-      </p:grpSpPr>
-      <p:sp>
-        <p:nvSpPr>
-          <p:cNvPr id="2" name="Title 1">
-            <a:extLst>
-              <a:ext uri="{FF2B5EF4-FFF2-40B4-BE49-F238E27FC236}">
-                <a16:creationId xmlns:a16="http://schemas.microsoft.com/office/drawing/2014/main" id="{E0529347-8E03-5745-A305-AF41325E1120}"/>
-              </a:ext>
-            </a:extLst>
-          </p:cNvPr>
-          <p:cNvSpPr>
-            <a:spLocks noGrp="1"/>
-          </p:cNvSpPr>
-          <p:nvPr>
-            <p:ph type="title"/>
-          </p:nvPr>
-        </p:nvSpPr>
-        <p:spPr/>
-        <p:txBody>
-          <a:bodyPr>
-            <a:normAutofit fontScale="90000"/>
-          </a:bodyPr>
-          <a:lstStyle/>
-          <a:p>
-            <a:r>
-              <a:rPr lang="en-US" dirty="0"/>
-              <a:t>What is cache coherence?</a:t>
-            </a:r>
-          </a:p>
-        </p:txBody>
-      </p:sp>
-      <p:sp>
-        <p:nvSpPr>
-          <p:cNvPr id="3" name="Content Placeholder 2">
-            <a:extLst>
-              <a:ext uri="{FF2B5EF4-FFF2-40B4-BE49-F238E27FC236}">
-                <a16:creationId xmlns:a16="http://schemas.microsoft.com/office/drawing/2014/main" id="{F6F2EB0E-4EBA-9E41-A915-2E5A2D97575C}"/>
-              </a:ext>
-            </a:extLst>
-          </p:cNvPr>
-          <p:cNvSpPr>
-            <a:spLocks noGrp="1"/>
-          </p:cNvSpPr>
-          <p:nvPr>
-            <p:ph idx="1"/>
-          </p:nvPr>
-        </p:nvSpPr>
-        <p:spPr/>
-        <p:txBody>
-          <a:bodyPr/>
-          <a:lstStyle/>
-          <a:p>
-            <a:r>
-              <a:rPr lang="en-US" dirty="0"/>
-              <a:t>With shared-memory multiprocessors being the norm, we need a notion of sharing memory “as if it were one common area”</a:t>
-            </a:r>
-          </a:p>
-          <a:p>
-            <a:pPr lvl="1"/>
-            <a:r>
-              <a:rPr lang="en-US" dirty="0"/>
-              <a:t>What does this mean?</a:t>
-            </a:r>
-          </a:p>
-          <a:p>
-            <a:pPr lvl="2"/>
-            <a:r>
-              <a:rPr lang="en-US" dirty="0"/>
-              <a:t>Every write by Pi is readable by Pi as well as </a:t>
-            </a:r>
-            <a:r>
-              <a:rPr lang="en-US" dirty="0" err="1"/>
-              <a:t>Pj</a:t>
-            </a:r>
-            <a:r>
-              <a:rPr lang="en-US" dirty="0"/>
-              <a:t> where </a:t>
-            </a:r>
-            <a:r>
-              <a:rPr lang="en-US" dirty="0" err="1"/>
-              <a:t>i</a:t>
-            </a:r>
-            <a:r>
-              <a:rPr lang="en-US" dirty="0"/>
-              <a:t> != j</a:t>
-            </a:r>
-          </a:p>
-          <a:p>
-            <a:pPr lvl="1"/>
-            <a:r>
-              <a:rPr lang="en-US" dirty="0"/>
-              <a:t>This is not precise-enough</a:t>
-            </a:r>
-          </a:p>
-          <a:p>
-            <a:pPr lvl="2"/>
-            <a:r>
-              <a:rPr lang="en-US" dirty="0"/>
-              <a:t>A program can write more times to a location than once </a:t>
-            </a:r>
-            <a:r>
-              <a:rPr lang="en-US" dirty="0">
-                <a:sym typeface="Wingdings" pitchFamily="2" charset="2"/>
-              </a:rPr>
-              <a:t></a:t>
-            </a:r>
-          </a:p>
-          <a:p>
-            <a:pPr lvl="2"/>
-            <a:r>
-              <a:rPr lang="en-US" dirty="0">
-                <a:sym typeface="Wingdings" pitchFamily="2" charset="2"/>
-              </a:rPr>
-              <a:t>There could be multiple readers of a line</a:t>
-            </a:r>
-          </a:p>
-          <a:p>
-            <a:r>
-              <a:rPr lang="en-US" dirty="0">
-                <a:sym typeface="Wingdings" pitchFamily="2" charset="2"/>
-              </a:rPr>
-              <a:t>So,</a:t>
-            </a:r>
-          </a:p>
-          <a:p>
-            <a:pPr lvl="1"/>
-            <a:r>
-              <a:rPr lang="en-US" dirty="0">
-                <a:sym typeface="Wingdings" pitchFamily="2" charset="2"/>
-              </a:rPr>
-              <a:t>Formally define when write-events are observable by read-events that match</a:t>
-            </a:r>
-          </a:p>
-          <a:p>
-            <a:pPr marL="457200" lvl="1" indent="0">
-              <a:buNone/>
-            </a:pPr>
-            <a:endParaRPr lang="en-US" dirty="0"/>
-          </a:p>
-        </p:txBody>
-      </p:sp>
-    </p:spTree>
-    <p:extLst>
-      <p:ext uri="{BB962C8B-B14F-4D97-AF65-F5344CB8AC3E}">
-        <p14:creationId xmlns:p14="http://schemas.microsoft.com/office/powerpoint/2010/main" val="436531045"/>
-      </p:ext>
-    </p:extLst>
-  </p:cSld>
-  <p:clrMapOvr>
-    <a:masterClrMapping/>
-  </p:clrMapOvr>
-</p:sld>
-</file>
-
-<file path=ppt/slides/slide30.xml><?xml version="1.0" encoding="utf-8"?>
+<file path=ppt/slides/slide34.xml><?xml version="1.0" encoding="utf-8"?>
 <p:sld xmlns:a="http://schemas.openxmlformats.org/drawingml/2006/main" xmlns:r="http://schemas.openxmlformats.org/officeDocument/2006/relationships" xmlns:p="http://schemas.openxmlformats.org/presentationml/2006/main">
   <p:cSld>
     <p:spTree>
@@ -12157,7 +12551,7 @@
 </p:sld>
 </file>
 
-<file path=ppt/slides/slide31.xml><?xml version="1.0" encoding="utf-8"?>
+<file path=ppt/slides/slide35.xml><?xml version="1.0" encoding="utf-8"?>
 <p:sld xmlns:a="http://schemas.openxmlformats.org/drawingml/2006/main" xmlns:r="http://schemas.openxmlformats.org/officeDocument/2006/relationships" xmlns:p="http://schemas.openxmlformats.org/presentationml/2006/main">
   <p:cSld>
     <p:spTree>
@@ -12247,7 +12641,7 @@
 </p:sld>
 </file>
 
-<file path=ppt/slides/slide32.xml><?xml version="1.0" encoding="utf-8"?>
+<file path=ppt/slides/slide36.xml><?xml version="1.0" encoding="utf-8"?>
 <p:sld xmlns:a="http://schemas.openxmlformats.org/drawingml/2006/main" xmlns:r="http://schemas.openxmlformats.org/officeDocument/2006/relationships" xmlns:p="http://schemas.openxmlformats.org/presentationml/2006/main">
   <p:cSld>
     <p:spTree>
@@ -12337,7 +12731,7 @@
 </p:sld>
 </file>
 
-<file path=ppt/slides/slide33.xml><?xml version="1.0" encoding="utf-8"?>
+<file path=ppt/slides/slide37.xml><?xml version="1.0" encoding="utf-8"?>
 <p:sld xmlns:a="http://schemas.openxmlformats.org/drawingml/2006/main" xmlns:r="http://schemas.openxmlformats.org/officeDocument/2006/relationships" xmlns:p="http://schemas.openxmlformats.org/presentationml/2006/main">
   <p:cSld>
     <p:spTree>
@@ -12427,7 +12821,7 @@
 </p:sld>
 </file>
 
-<file path=ppt/slides/slide34.xml><?xml version="1.0" encoding="utf-8"?>
+<file path=ppt/slides/slide38.xml><?xml version="1.0" encoding="utf-8"?>
 <p:sld xmlns:a="http://schemas.openxmlformats.org/drawingml/2006/main" xmlns:r="http://schemas.openxmlformats.org/officeDocument/2006/relationships" xmlns:p="http://schemas.openxmlformats.org/presentationml/2006/main">
   <p:cSld>
     <p:spTree>
@@ -12517,7 +12911,7 @@
 </p:sld>
 </file>
 
-<file path=ppt/slides/slide35.xml><?xml version="1.0" encoding="utf-8"?>
+<file path=ppt/slides/slide39.xml><?xml version="1.0" encoding="utf-8"?>
 <p:sld xmlns:a="http://schemas.openxmlformats.org/drawingml/2006/main" xmlns:r="http://schemas.openxmlformats.org/officeDocument/2006/relationships" xmlns:p="http://schemas.openxmlformats.org/presentationml/2006/main">
   <p:cSld>
     <p:spTree>
@@ -12607,7 +13001,183 @@
 </p:sld>
 </file>
 
-<file path=ppt/slides/slide36.xml><?xml version="1.0" encoding="utf-8"?>
+<file path=ppt/slides/slide4.xml><?xml version="1.0" encoding="utf-8"?>
+<p:sld xmlns:a="http://schemas.openxmlformats.org/drawingml/2006/main" xmlns:r="http://schemas.openxmlformats.org/officeDocument/2006/relationships" xmlns:p="http://schemas.openxmlformats.org/presentationml/2006/main">
+  <p:cSld>
+    <p:spTree>
+      <p:nvGrpSpPr>
+        <p:cNvPr id="1" name=""/>
+        <p:cNvGrpSpPr/>
+        <p:nvPr/>
+      </p:nvGrpSpPr>
+      <p:grpSpPr>
+        <a:xfrm>
+          <a:off x="0" y="0"/>
+          <a:ext cx="0" cy="0"/>
+          <a:chOff x="0" y="0"/>
+          <a:chExt cx="0" cy="0"/>
+        </a:xfrm>
+      </p:grpSpPr>
+      <p:sp>
+        <p:nvSpPr>
+          <p:cNvPr id="2" name="Title 1">
+            <a:extLst>
+              <a:ext uri="{FF2B5EF4-FFF2-40B4-BE49-F238E27FC236}">
+                <a16:creationId xmlns:a16="http://schemas.microsoft.com/office/drawing/2014/main" id="{E0529347-8E03-5745-A305-AF41325E1120}"/>
+              </a:ext>
+            </a:extLst>
+          </p:cNvPr>
+          <p:cNvSpPr>
+            <a:spLocks noGrp="1"/>
+          </p:cNvSpPr>
+          <p:nvPr>
+            <p:ph type="title"/>
+          </p:nvPr>
+        </p:nvSpPr>
+        <p:spPr/>
+        <p:txBody>
+          <a:bodyPr>
+            <a:normAutofit fontScale="90000"/>
+          </a:bodyPr>
+          <a:lstStyle/>
+          <a:p>
+            <a:r>
+              <a:rPr lang="en-US" dirty="0"/>
+              <a:t>What is cache coherence?</a:t>
+            </a:r>
+          </a:p>
+        </p:txBody>
+      </p:sp>
+      <p:sp>
+        <p:nvSpPr>
+          <p:cNvPr id="3" name="Content Placeholder 2">
+            <a:extLst>
+              <a:ext uri="{FF2B5EF4-FFF2-40B4-BE49-F238E27FC236}">
+                <a16:creationId xmlns:a16="http://schemas.microsoft.com/office/drawing/2014/main" id="{F6F2EB0E-4EBA-9E41-A915-2E5A2D97575C}"/>
+              </a:ext>
+            </a:extLst>
+          </p:cNvPr>
+          <p:cNvSpPr>
+            <a:spLocks noGrp="1"/>
+          </p:cNvSpPr>
+          <p:nvPr>
+            <p:ph idx="1"/>
+          </p:nvPr>
+        </p:nvSpPr>
+        <p:spPr/>
+        <p:txBody>
+          <a:bodyPr>
+            <a:normAutofit/>
+          </a:bodyPr>
+          <a:lstStyle/>
+          <a:p>
+            <a:r>
+              <a:rPr lang="en-US" dirty="0"/>
+              <a:t>To define memory views as shared by multiple processors, we need to define a formal shared memory consistency model</a:t>
+            </a:r>
+          </a:p>
+          <a:p>
+            <a:r>
+              <a:rPr lang="en-US" dirty="0">
+                <a:sym typeface="Wingdings" pitchFamily="2" charset="2"/>
+              </a:rPr>
+              <a:t>Coherence is one of the basic models</a:t>
+            </a:r>
+          </a:p>
+          <a:p>
+            <a:pPr lvl="1"/>
+            <a:r>
+              <a:rPr lang="en-US" dirty="0">
+                <a:sym typeface="Wingdings" pitchFamily="2" charset="2"/>
+              </a:rPr>
+              <a:t>Each location has a latest data that every reader agrees on</a:t>
+            </a:r>
+          </a:p>
+          <a:p>
+            <a:pPr lvl="1"/>
+            <a:r>
+              <a:rPr lang="en-US" dirty="0">
+                <a:sym typeface="Wingdings" pitchFamily="2" charset="2"/>
+              </a:rPr>
+              <a:t>Also known as “per-location sequential consistency”</a:t>
+            </a:r>
+          </a:p>
+          <a:p>
+            <a:r>
+              <a:rPr lang="en-US" dirty="0">
+                <a:sym typeface="Wingdings" pitchFamily="2" charset="2"/>
+              </a:rPr>
+              <a:t>There are some interesting complexity results that help us understand coherence</a:t>
+            </a:r>
+          </a:p>
+          <a:p>
+            <a:pPr lvl="1"/>
+            <a:r>
+              <a:rPr lang="en-US" dirty="0">
+                <a:sym typeface="Wingdings" pitchFamily="2" charset="2"/>
+              </a:rPr>
+              <a:t>Given a “finished execution trace”, checking coherence is NP-Complete</a:t>
+            </a:r>
+          </a:p>
+          <a:p>
+            <a:pPr lvl="2"/>
+            <a:r>
+              <a:rPr lang="en-US" dirty="0">
+                <a:sym typeface="Wingdings" pitchFamily="2" charset="2"/>
+              </a:rPr>
+              <a:t>Very insightful proof by Jason </a:t>
+            </a:r>
+            <a:r>
+              <a:rPr lang="en-US" dirty="0" err="1">
+                <a:sym typeface="Wingdings" pitchFamily="2" charset="2"/>
+              </a:rPr>
+              <a:t>Cantin</a:t>
+            </a:r>
+            <a:r>
+              <a:rPr lang="en-US" dirty="0">
+                <a:sym typeface="Wingdings" pitchFamily="2" charset="2"/>
+              </a:rPr>
+              <a:t> et al</a:t>
+            </a:r>
+          </a:p>
+          <a:p>
+            <a:pPr lvl="2"/>
+            <a:r>
+              <a:rPr lang="en-US" dirty="0">
+                <a:sym typeface="Wingdings" pitchFamily="2" charset="2"/>
+                <a:hlinkClick r:id="rId2"/>
+              </a:rPr>
+              <a:t>https://ieeexplore.ieee.org/stamp/stamp.jsp?arnumber=1435343</a:t>
+            </a:r>
+            <a:r>
+              <a:rPr lang="en-US" dirty="0">
+                <a:sym typeface="Wingdings" pitchFamily="2" charset="2"/>
+              </a:rPr>
+              <a:t>  </a:t>
+            </a:r>
+          </a:p>
+          <a:p>
+            <a:pPr marL="457200" lvl="1" indent="0">
+              <a:buNone/>
+            </a:pPr>
+            <a:endParaRPr lang="en-US" dirty="0"/>
+          </a:p>
+        </p:txBody>
+      </p:sp>
+    </p:spTree>
+    <p:extLst>
+      <p:ext uri="{BB962C8B-B14F-4D97-AF65-F5344CB8AC3E}">
+        <p14:creationId xmlns:p14="http://schemas.microsoft.com/office/powerpoint/2010/main" val="3415468341"/>
+      </p:ext>
+    </p:extLst>
+  </p:cSld>
+  <p:clrMapOvr>
+    <a:masterClrMapping/>
+  </p:clrMapOvr>
+</p:sld>
+</file>
+
+<file path=ppt/slides/slide40.xml><?xml version="1.0" encoding="utf-8"?>
 <p:sld xmlns:a="http://schemas.openxmlformats.org/drawingml/2006/main" xmlns:r="http://schemas.openxmlformats.org/officeDocument/2006/relationships" xmlns:p="http://schemas.openxmlformats.org/presentationml/2006/main">
   <p:cSld>
     <p:spTree>
@@ -12697,7 +13267,7 @@
 </p:sld>
 </file>
 
-<file path=ppt/slides/slide37.xml><?xml version="1.0" encoding="utf-8"?>
+<file path=ppt/slides/slide41.xml><?xml version="1.0" encoding="utf-8"?>
 <p:sld xmlns:a="http://schemas.openxmlformats.org/drawingml/2006/main" xmlns:r="http://schemas.openxmlformats.org/officeDocument/2006/relationships" xmlns:p="http://schemas.openxmlformats.org/presentationml/2006/main">
   <p:cSld>
     <p:spTree>
@@ -12787,7 +13357,7 @@
 </p:sld>
 </file>
 
-<file path=ppt/slides/slide38.xml><?xml version="1.0" encoding="utf-8"?>
+<file path=ppt/slides/slide42.xml><?xml version="1.0" encoding="utf-8"?>
 <p:sld xmlns:a="http://schemas.openxmlformats.org/drawingml/2006/main" xmlns:r="http://schemas.openxmlformats.org/officeDocument/2006/relationships" xmlns:p="http://schemas.openxmlformats.org/presentationml/2006/main">
   <p:cSld>
     <p:spTree>
@@ -12868,182 +13438,6 @@
     <p:extLst>
       <p:ext uri="{BB962C8B-B14F-4D97-AF65-F5344CB8AC3E}">
         <p14:creationId xmlns:p14="http://schemas.microsoft.com/office/powerpoint/2010/main" val="1923591166"/>
-      </p:ext>
-    </p:extLst>
-  </p:cSld>
-  <p:clrMapOvr>
-    <a:masterClrMapping/>
-  </p:clrMapOvr>
-</p:sld>
-</file>
-
-<file path=ppt/slides/slide4.xml><?xml version="1.0" encoding="utf-8"?>
-<p:sld xmlns:a="http://schemas.openxmlformats.org/drawingml/2006/main" xmlns:r="http://schemas.openxmlformats.org/officeDocument/2006/relationships" xmlns:p="http://schemas.openxmlformats.org/presentationml/2006/main">
-  <p:cSld>
-    <p:spTree>
-      <p:nvGrpSpPr>
-        <p:cNvPr id="1" name=""/>
-        <p:cNvGrpSpPr/>
-        <p:nvPr/>
-      </p:nvGrpSpPr>
-      <p:grpSpPr>
-        <a:xfrm>
-          <a:off x="0" y="0"/>
-          <a:ext cx="0" cy="0"/>
-          <a:chOff x="0" y="0"/>
-          <a:chExt cx="0" cy="0"/>
-        </a:xfrm>
-      </p:grpSpPr>
-      <p:sp>
-        <p:nvSpPr>
-          <p:cNvPr id="2" name="Title 1">
-            <a:extLst>
-              <a:ext uri="{FF2B5EF4-FFF2-40B4-BE49-F238E27FC236}">
-                <a16:creationId xmlns:a16="http://schemas.microsoft.com/office/drawing/2014/main" id="{E0529347-8E03-5745-A305-AF41325E1120}"/>
-              </a:ext>
-            </a:extLst>
-          </p:cNvPr>
-          <p:cNvSpPr>
-            <a:spLocks noGrp="1"/>
-          </p:cNvSpPr>
-          <p:nvPr>
-            <p:ph type="title"/>
-          </p:nvPr>
-        </p:nvSpPr>
-        <p:spPr/>
-        <p:txBody>
-          <a:bodyPr>
-            <a:normAutofit fontScale="90000"/>
-          </a:bodyPr>
-          <a:lstStyle/>
-          <a:p>
-            <a:r>
-              <a:rPr lang="en-US" dirty="0"/>
-              <a:t>What is cache coherence?</a:t>
-            </a:r>
-          </a:p>
-        </p:txBody>
-      </p:sp>
-      <p:sp>
-        <p:nvSpPr>
-          <p:cNvPr id="3" name="Content Placeholder 2">
-            <a:extLst>
-              <a:ext uri="{FF2B5EF4-FFF2-40B4-BE49-F238E27FC236}">
-                <a16:creationId xmlns:a16="http://schemas.microsoft.com/office/drawing/2014/main" id="{F6F2EB0E-4EBA-9E41-A915-2E5A2D97575C}"/>
-              </a:ext>
-            </a:extLst>
-          </p:cNvPr>
-          <p:cNvSpPr>
-            <a:spLocks noGrp="1"/>
-          </p:cNvSpPr>
-          <p:nvPr>
-            <p:ph idx="1"/>
-          </p:nvPr>
-        </p:nvSpPr>
-        <p:spPr/>
-        <p:txBody>
-          <a:bodyPr>
-            <a:normAutofit/>
-          </a:bodyPr>
-          <a:lstStyle/>
-          <a:p>
-            <a:r>
-              <a:rPr lang="en-US" dirty="0"/>
-              <a:t>To define memory views as shared by multiple processors, we need to define a formal shared memory consistency model</a:t>
-            </a:r>
-          </a:p>
-          <a:p>
-            <a:r>
-              <a:rPr lang="en-US" dirty="0">
-                <a:sym typeface="Wingdings" pitchFamily="2" charset="2"/>
-              </a:rPr>
-              <a:t>Coherence is one of the basic models</a:t>
-            </a:r>
-          </a:p>
-          <a:p>
-            <a:pPr lvl="1"/>
-            <a:r>
-              <a:rPr lang="en-US" dirty="0">
-                <a:sym typeface="Wingdings" pitchFamily="2" charset="2"/>
-              </a:rPr>
-              <a:t>Each location has a latest data that every reader agrees on</a:t>
-            </a:r>
-          </a:p>
-          <a:p>
-            <a:pPr lvl="1"/>
-            <a:r>
-              <a:rPr lang="en-US" dirty="0">
-                <a:sym typeface="Wingdings" pitchFamily="2" charset="2"/>
-              </a:rPr>
-              <a:t>Also known as “per-location sequential consistency”</a:t>
-            </a:r>
-          </a:p>
-          <a:p>
-            <a:r>
-              <a:rPr lang="en-US" dirty="0">
-                <a:sym typeface="Wingdings" pitchFamily="2" charset="2"/>
-              </a:rPr>
-              <a:t>There are some interesting complexity results that help us understand coherence</a:t>
-            </a:r>
-          </a:p>
-          <a:p>
-            <a:pPr lvl="1"/>
-            <a:r>
-              <a:rPr lang="en-US" dirty="0">
-                <a:sym typeface="Wingdings" pitchFamily="2" charset="2"/>
-              </a:rPr>
-              <a:t>Given a “finished execution trace”, checking coherence is NP-Complete</a:t>
-            </a:r>
-          </a:p>
-          <a:p>
-            <a:pPr lvl="2"/>
-            <a:r>
-              <a:rPr lang="en-US" dirty="0">
-                <a:sym typeface="Wingdings" pitchFamily="2" charset="2"/>
-              </a:rPr>
-              <a:t>Very insightful proof by Jason </a:t>
-            </a:r>
-            <a:r>
-              <a:rPr lang="en-US" dirty="0" err="1">
-                <a:sym typeface="Wingdings" pitchFamily="2" charset="2"/>
-              </a:rPr>
-              <a:t>Cantin</a:t>
-            </a:r>
-            <a:r>
-              <a:rPr lang="en-US" dirty="0">
-                <a:sym typeface="Wingdings" pitchFamily="2" charset="2"/>
-              </a:rPr>
-              <a:t> et al</a:t>
-            </a:r>
-          </a:p>
-          <a:p>
-            <a:pPr lvl="2"/>
-            <a:r>
-              <a:rPr lang="en-US" dirty="0">
-                <a:sym typeface="Wingdings" pitchFamily="2" charset="2"/>
-                <a:hlinkClick r:id="rId2"/>
-              </a:rPr>
-              <a:t>https://ieeexplore.ieee.org/stamp/stamp.jsp?arnumber=1435343</a:t>
-            </a:r>
-            <a:r>
-              <a:rPr lang="en-US" dirty="0">
-                <a:sym typeface="Wingdings" pitchFamily="2" charset="2"/>
-              </a:rPr>
-              <a:t>  </a:t>
-            </a:r>
-          </a:p>
-          <a:p>
-            <a:pPr marL="457200" lvl="1" indent="0">
-              <a:buNone/>
-            </a:pPr>
-            <a:endParaRPr lang="en-US" dirty="0"/>
-          </a:p>
-        </p:txBody>
-      </p:sp>
-    </p:spTree>
-    <p:extLst>
-      <p:ext uri="{BB962C8B-B14F-4D97-AF65-F5344CB8AC3E}">
-        <p14:creationId xmlns:p14="http://schemas.microsoft.com/office/powerpoint/2010/main" val="3415468341"/>
       </p:ext>
     </p:extLst>
   </p:cSld>

--- a/Lec19/Lec19.pptx
+++ b/Lec19/Lec19.pptx
@@ -5,10 +5,10 @@
     <p:sldMasterId id="2147483648" r:id="rId1"/>
   </p:sldMasterIdLst>
   <p:notesMasterIdLst>
-    <p:notesMasterId r:id="rId44"/>
+    <p:notesMasterId r:id="rId45"/>
   </p:notesMasterIdLst>
   <p:handoutMasterIdLst>
-    <p:handoutMasterId r:id="rId45"/>
+    <p:handoutMasterId r:id="rId46"/>
   </p:handoutMasterIdLst>
   <p:sldIdLst>
     <p:sldId id="414" r:id="rId2"/>
@@ -21,38 +21,39 @@
     <p:sldId id="1284" r:id="rId9"/>
     <p:sldId id="392" r:id="rId10"/>
     <p:sldId id="395" r:id="rId11"/>
-    <p:sldId id="1285" r:id="rId12"/>
-    <p:sldId id="396" r:id="rId13"/>
-    <p:sldId id="397" r:id="rId14"/>
-    <p:sldId id="412" r:id="rId15"/>
-    <p:sldId id="411" r:id="rId16"/>
-    <p:sldId id="408" r:id="rId17"/>
-    <p:sldId id="409" r:id="rId18"/>
-    <p:sldId id="410" r:id="rId19"/>
-    <p:sldId id="383" r:id="rId20"/>
-    <p:sldId id="1286" r:id="rId21"/>
-    <p:sldId id="1287" r:id="rId22"/>
-    <p:sldId id="1288" r:id="rId23"/>
-    <p:sldId id="1311" r:id="rId24"/>
-    <p:sldId id="1305" r:id="rId25"/>
-    <p:sldId id="1309" r:id="rId26"/>
-    <p:sldId id="1310" r:id="rId27"/>
-    <p:sldId id="1289" r:id="rId28"/>
-    <p:sldId id="1290" r:id="rId29"/>
-    <p:sldId id="1291" r:id="rId30"/>
-    <p:sldId id="1292" r:id="rId31"/>
-    <p:sldId id="1293" r:id="rId32"/>
-    <p:sldId id="1294" r:id="rId33"/>
-    <p:sldId id="1295" r:id="rId34"/>
-    <p:sldId id="1296" r:id="rId35"/>
-    <p:sldId id="1297" r:id="rId36"/>
-    <p:sldId id="1298" r:id="rId37"/>
-    <p:sldId id="1299" r:id="rId38"/>
-    <p:sldId id="1300" r:id="rId39"/>
-    <p:sldId id="1301" r:id="rId40"/>
-    <p:sldId id="1302" r:id="rId41"/>
-    <p:sldId id="1303" r:id="rId42"/>
-    <p:sldId id="1304" r:id="rId43"/>
+    <p:sldId id="1312" r:id="rId12"/>
+    <p:sldId id="1285" r:id="rId13"/>
+    <p:sldId id="396" r:id="rId14"/>
+    <p:sldId id="397" r:id="rId15"/>
+    <p:sldId id="412" r:id="rId16"/>
+    <p:sldId id="411" r:id="rId17"/>
+    <p:sldId id="408" r:id="rId18"/>
+    <p:sldId id="409" r:id="rId19"/>
+    <p:sldId id="410" r:id="rId20"/>
+    <p:sldId id="383" r:id="rId21"/>
+    <p:sldId id="1286" r:id="rId22"/>
+    <p:sldId id="1287" r:id="rId23"/>
+    <p:sldId id="1288" r:id="rId24"/>
+    <p:sldId id="1311" r:id="rId25"/>
+    <p:sldId id="1305" r:id="rId26"/>
+    <p:sldId id="1309" r:id="rId27"/>
+    <p:sldId id="1310" r:id="rId28"/>
+    <p:sldId id="1289" r:id="rId29"/>
+    <p:sldId id="1290" r:id="rId30"/>
+    <p:sldId id="1291" r:id="rId31"/>
+    <p:sldId id="1292" r:id="rId32"/>
+    <p:sldId id="1293" r:id="rId33"/>
+    <p:sldId id="1294" r:id="rId34"/>
+    <p:sldId id="1295" r:id="rId35"/>
+    <p:sldId id="1296" r:id="rId36"/>
+    <p:sldId id="1297" r:id="rId37"/>
+    <p:sldId id="1298" r:id="rId38"/>
+    <p:sldId id="1299" r:id="rId39"/>
+    <p:sldId id="1300" r:id="rId40"/>
+    <p:sldId id="1301" r:id="rId41"/>
+    <p:sldId id="1302" r:id="rId42"/>
+    <p:sldId id="1303" r:id="rId43"/>
+    <p:sldId id="1304" r:id="rId44"/>
   </p:sldIdLst>
   <p:sldSz cx="12192000" cy="6858000"/>
   <p:notesSz cx="6858000" cy="9144000"/>
@@ -845,7 +846,7 @@
             <a:fld id="{F19B37C6-C329-7E4F-8CC3-389D13BFDF8F}" type="slidenum">
               <a:rPr lang="en-US" altLang="en-US"/>
               <a:pPr/>
-              <a:t>18</a:t>
+              <a:t>19</a:t>
             </a:fld>
             <a:endParaRPr lang="en-US" altLang="en-US"/>
           </a:p>
@@ -947,7 +948,7 @@
             <a:fld id="{1A3A5A11-DECA-1044-AEBD-5F1E09E4FDDF}" type="slidenum">
               <a:rPr lang="en-US" altLang="en-US"/>
               <a:pPr/>
-              <a:t>19</a:t>
+              <a:t>20</a:t>
             </a:fld>
             <a:endParaRPr lang="en-US" altLang="en-US"/>
           </a:p>
@@ -1049,7 +1050,7 @@
             <a:fld id="{1A3A5A11-DECA-1044-AEBD-5F1E09E4FDDF}" type="slidenum">
               <a:rPr lang="en-US" altLang="en-US"/>
               <a:pPr/>
-              <a:t>20</a:t>
+              <a:t>21</a:t>
             </a:fld>
             <a:endParaRPr lang="en-US" altLang="en-US"/>
           </a:p>
@@ -1258,7 +1259,7 @@
             <a:fld id="{4C3F7F00-57E9-1F47-BD77-D70201B2D4B4}" type="slidenum">
               <a:rPr lang="en-US" altLang="en-US"/>
               <a:pPr/>
-              <a:t>11</a:t>
+              <a:t>12</a:t>
             </a:fld>
             <a:endParaRPr lang="en-US" altLang="en-US"/>
           </a:p>
@@ -1365,7 +1366,7 @@
             <a:fld id="{3147B38A-6FD7-7549-A3B4-9082FBFE324A}" type="slidenum">
               <a:rPr lang="en-US" altLang="en-US"/>
               <a:pPr/>
-              <a:t>12</a:t>
+              <a:t>13</a:t>
             </a:fld>
             <a:endParaRPr lang="en-US" altLang="en-US"/>
           </a:p>
@@ -1467,7 +1468,7 @@
             <a:fld id="{94DE0AC2-156F-274E-B0B1-352B56D2F946}" type="slidenum">
               <a:rPr lang="en-US" altLang="en-US"/>
               <a:pPr/>
-              <a:t>13</a:t>
+              <a:t>14</a:t>
             </a:fld>
             <a:endParaRPr lang="en-US" altLang="en-US"/>
           </a:p>
@@ -1569,7 +1570,7 @@
             <a:fld id="{563F0662-656F-1940-B96D-216931034875}" type="slidenum">
               <a:rPr lang="en-US" altLang="en-US"/>
               <a:pPr/>
-              <a:t>14</a:t>
+              <a:t>15</a:t>
             </a:fld>
             <a:endParaRPr lang="en-US" altLang="en-US"/>
           </a:p>
@@ -1671,7 +1672,7 @@
             <a:fld id="{3EA2A005-DBF8-EC41-913D-D19B735BD189}" type="slidenum">
               <a:rPr lang="en-US" altLang="en-US"/>
               <a:pPr/>
-              <a:t>15</a:t>
+              <a:t>16</a:t>
             </a:fld>
             <a:endParaRPr lang="en-US" altLang="en-US"/>
           </a:p>
@@ -1773,7 +1774,7 @@
             <a:fld id="{AA0E2D05-E339-704D-AC16-F0E81B4CFB3C}" type="slidenum">
               <a:rPr lang="en-US" altLang="en-US"/>
               <a:pPr/>
-              <a:t>16</a:t>
+              <a:t>17</a:t>
             </a:fld>
             <a:endParaRPr lang="en-US" altLang="en-US"/>
           </a:p>
@@ -1875,7 +1876,7 @@
             <a:fld id="{67B7EF8A-9D59-DB4C-A253-D70D0263A994}" type="slidenum">
               <a:rPr lang="en-US" altLang="en-US"/>
               <a:pPr/>
-              <a:t>17</a:t>
+              <a:t>18</a:t>
             </a:fld>
             <a:endParaRPr lang="en-US" altLang="en-US"/>
           </a:p>
@@ -5223,45 +5224,15 @@
       </p:grpSpPr>
       <p:sp>
         <p:nvSpPr>
-          <p:cNvPr id="4" name="Slide Number Placeholder 4">
-            <a:extLst>
-              <a:ext uri="{FF2B5EF4-FFF2-40B4-BE49-F238E27FC236}">
-                <a16:creationId xmlns:a16="http://schemas.microsoft.com/office/drawing/2014/main" id="{6296EA76-AB68-B84D-A109-7C639DB92F8F}"/>
+          <p:cNvPr id="2" name="Title 1">
+            <a:extLst>
+              <a:ext uri="{FF2B5EF4-FFF2-40B4-BE49-F238E27FC236}">
+                <a16:creationId xmlns:a16="http://schemas.microsoft.com/office/drawing/2014/main" id="{86CB251F-D075-F645-930F-5767A5538612}"/>
               </a:ext>
             </a:extLst>
           </p:cNvPr>
           <p:cNvSpPr>
             <a:spLocks noGrp="1"/>
-          </p:cNvSpPr>
-          <p:nvPr>
-            <p:ph type="sldNum" sz="quarter" idx="11"/>
-          </p:nvPr>
-        </p:nvSpPr>
-        <p:spPr/>
-        <p:txBody>
-          <a:bodyPr/>
-          <a:lstStyle/>
-          <a:p>
-            <a:fld id="{CCC4F333-A19A-F144-B508-5CE24EDBF3DA}" type="slidenum">
-              <a:rPr lang="en-US" altLang="en-US"/>
-              <a:pPr/>
-              <a:t>11</a:t>
-            </a:fld>
-            <a:endParaRPr lang="en-US" altLang="en-US"/>
-          </a:p>
-        </p:txBody>
-      </p:sp>
-      <p:sp>
-        <p:nvSpPr>
-          <p:cNvPr id="699394" name="Rectangle 2">
-            <a:extLst>
-              <a:ext uri="{FF2B5EF4-FFF2-40B4-BE49-F238E27FC236}">
-                <a16:creationId xmlns:a16="http://schemas.microsoft.com/office/drawing/2014/main" id="{D46078FD-8BDE-9E44-AB06-0BC98CE04462}"/>
-              </a:ext>
-            </a:extLst>
-          </p:cNvPr>
-          <p:cNvSpPr>
-            <a:spLocks noGrp="1" noChangeArrowheads="1"/>
           </p:cNvSpPr>
           <p:nvPr>
             <p:ph type="title"/>
@@ -5275,290 +5246,76 @@
           <a:lstStyle/>
           <a:p>
             <a:r>
-              <a:rPr lang="en-US" altLang="en-US" sz="2800" dirty="0"/>
-              <a:t>Let us understand how we may safely transform such rule-based specifications. The first few will be warmups. Then the real thing!</a:t>
-            </a:r>
-          </a:p>
-        </p:txBody>
-      </p:sp>
-      <p:sp>
-        <p:nvSpPr>
-          <p:cNvPr id="699395" name="Rectangle 3">
-            <a:extLst>
-              <a:ext uri="{FF2B5EF4-FFF2-40B4-BE49-F238E27FC236}">
-                <a16:creationId xmlns:a16="http://schemas.microsoft.com/office/drawing/2014/main" id="{B70A545D-29E9-7448-8BBE-150411B63BD6}"/>
-              </a:ext>
-            </a:extLst>
-          </p:cNvPr>
-          <p:cNvSpPr>
-            <a:spLocks noGrp="1" noChangeArrowheads="1"/>
-          </p:cNvSpPr>
-          <p:nvPr>
-            <p:ph type="body" idx="1"/>
-          </p:nvPr>
-        </p:nvSpPr>
-        <p:spPr>
-          <a:xfrm>
-            <a:off x="2090738" y="1752600"/>
-            <a:ext cx="8272462" cy="4572000"/>
-          </a:xfrm>
-        </p:spPr>
-        <p:txBody>
-          <a:bodyPr>
-            <a:normAutofit fontScale="85000" lnSpcReduction="20000"/>
-          </a:bodyPr>
+              <a:rPr lang="en-US" dirty="0"/>
+              <a:t>The name of the game – “invariants” !!</a:t>
+            </a:r>
+          </a:p>
+        </p:txBody>
+      </p:sp>
+      <p:sp>
+        <p:nvSpPr>
+          <p:cNvPr id="3" name="Content Placeholder 2">
+            <a:extLst>
+              <a:ext uri="{FF2B5EF4-FFF2-40B4-BE49-F238E27FC236}">
+                <a16:creationId xmlns:a16="http://schemas.microsoft.com/office/drawing/2014/main" id="{4CE78B14-653D-4C42-AEA6-A0578AE0E994}"/>
+              </a:ext>
+            </a:extLst>
+          </p:cNvPr>
+          <p:cNvSpPr>
+            <a:spLocks noGrp="1"/>
+          </p:cNvSpPr>
+          <p:nvPr>
+            <p:ph idx="1"/>
+          </p:nvPr>
+        </p:nvSpPr>
+        <p:spPr/>
+        <p:txBody>
+          <a:bodyPr/>
           <a:lstStyle/>
           <a:p>
-            <a:pPr>
-              <a:lnSpc>
-                <a:spcPct val="100000"/>
-              </a:lnSpc>
-            </a:pPr>
-            <a:r>
-              <a:rPr lang="en-US" altLang="en-US" sz="1900" dirty="0"/>
-              <a:t>Observation: </a:t>
-            </a:r>
-            <a:r>
-              <a:rPr lang="en-US" altLang="en-US" sz="1900" dirty="0">
-                <a:solidFill>
-                  <a:srgbClr val="FF0000"/>
-                </a:solidFill>
-              </a:rPr>
-              <a:t>Weakening a guard is sound</a:t>
-            </a:r>
-          </a:p>
-          <a:p>
-            <a:pPr>
-              <a:lnSpc>
-                <a:spcPct val="100000"/>
-              </a:lnSpc>
-            </a:pPr>
-            <a:r>
-              <a:rPr lang="en-US" altLang="en-US" sz="1900" dirty="0"/>
-              <a:t>Suppose we add a disjunct as below (Cond1) and still manage to show that P is an invariant, then without adding Cond1, the result must still hold</a:t>
-            </a:r>
-          </a:p>
-          <a:p>
-            <a:pPr lvl="1">
-              <a:lnSpc>
-                <a:spcPct val="100000"/>
-              </a:lnSpc>
-              <a:buFont typeface="Wingdings" pitchFamily="2" charset="2"/>
-              <a:buNone/>
-            </a:pPr>
-            <a:r>
-              <a:rPr lang="en-US" altLang="en-US" sz="2000" b="1" dirty="0"/>
-              <a:t>Rule1:  g1 \/ </a:t>
-            </a:r>
-            <a:r>
-              <a:rPr lang="en-US" altLang="en-US" sz="2000" b="1" dirty="0">
-                <a:solidFill>
-                  <a:srgbClr val="0000FF"/>
-                </a:solidFill>
-              </a:rPr>
-              <a:t>Cond1</a:t>
-            </a:r>
-            <a:r>
-              <a:rPr lang="en-US" altLang="en-US" sz="2000" b="1" dirty="0"/>
-              <a:t> </a:t>
-            </a:r>
-            <a:r>
-              <a:rPr lang="en-US" altLang="en-US" sz="2000" b="1" dirty="0">
-                <a:sym typeface="Wingdings" pitchFamily="2" charset="2"/>
-              </a:rPr>
-              <a:t>==&gt; a1</a:t>
-            </a:r>
-          </a:p>
-          <a:p>
-            <a:pPr lvl="1">
-              <a:lnSpc>
-                <a:spcPct val="100000"/>
-              </a:lnSpc>
-              <a:buFont typeface="Wingdings" pitchFamily="2" charset="2"/>
-              <a:buNone/>
-            </a:pPr>
-            <a:r>
-              <a:rPr lang="en-US" altLang="en-US" sz="2000" b="1" dirty="0">
-                <a:sym typeface="Wingdings" pitchFamily="2" charset="2"/>
-              </a:rPr>
-              <a:t>Rule2:  g2 ==&gt; a2</a:t>
-            </a:r>
-          </a:p>
-          <a:p>
-            <a:pPr lvl="1">
-              <a:lnSpc>
-                <a:spcPct val="100000"/>
-              </a:lnSpc>
-              <a:buFont typeface="Wingdings" pitchFamily="2" charset="2"/>
-              <a:buNone/>
-            </a:pPr>
-            <a:r>
-              <a:rPr lang="en-US" altLang="en-US" sz="2000" b="1" dirty="0">
-                <a:sym typeface="Wingdings" pitchFamily="2" charset="2"/>
-              </a:rPr>
-              <a:t>Invariant P</a:t>
-            </a:r>
-          </a:p>
-          <a:p>
-            <a:pPr lvl="1">
-              <a:lnSpc>
-                <a:spcPct val="100000"/>
-              </a:lnSpc>
-              <a:buFont typeface="Wingdings" pitchFamily="2" charset="2"/>
-              <a:buNone/>
-            </a:pPr>
-            <a:endParaRPr lang="en-US" altLang="en-US" sz="2000" b="1" dirty="0">
-              <a:sym typeface="Wingdings" pitchFamily="2" charset="2"/>
-            </a:endParaRPr>
-          </a:p>
-          <a:p>
-            <a:pPr>
-              <a:lnSpc>
-                <a:spcPct val="100000"/>
-              </a:lnSpc>
-            </a:pPr>
-            <a:r>
-              <a:rPr lang="en-US" altLang="en-US" sz="1900" dirty="0">
-                <a:sym typeface="Wingdings" pitchFamily="2" charset="2"/>
-              </a:rPr>
-              <a:t>Reason: Rule1 fires more often with Cond1 added!</a:t>
-            </a:r>
-            <a:endParaRPr lang="en-US" altLang="en-US" sz="1900" dirty="0">
-              <a:solidFill>
-                <a:srgbClr val="0000FF"/>
-              </a:solidFill>
-              <a:sym typeface="Wingdings" pitchFamily="2" charset="2"/>
-            </a:endParaRPr>
-          </a:p>
-          <a:p>
-            <a:pPr>
-              <a:lnSpc>
-                <a:spcPct val="100000"/>
-              </a:lnSpc>
-            </a:pPr>
-            <a:r>
-              <a:rPr lang="en-US" altLang="en-US" sz="1900" dirty="0">
-                <a:solidFill>
-                  <a:srgbClr val="FF0000"/>
-                </a:solidFill>
-                <a:sym typeface="Wingdings" pitchFamily="2" charset="2"/>
-              </a:rPr>
-              <a:t>May get false alarms (</a:t>
-            </a:r>
-            <a:r>
-              <a:rPr lang="en-US" altLang="en-US" sz="1900" b="1" dirty="0">
-                <a:solidFill>
-                  <a:srgbClr val="FF0000"/>
-                </a:solidFill>
-                <a:sym typeface="Wingdings" pitchFamily="2" charset="2"/>
-              </a:rPr>
-              <a:t>P</a:t>
-            </a:r>
-            <a:r>
-              <a:rPr lang="en-US" altLang="en-US" sz="1900" dirty="0">
-                <a:solidFill>
-                  <a:srgbClr val="FF0000"/>
-                </a:solidFill>
-                <a:sym typeface="Wingdings" pitchFamily="2" charset="2"/>
-              </a:rPr>
-              <a:t> may fail if Rule1 fires spuriously)</a:t>
-            </a:r>
-          </a:p>
-          <a:p>
-            <a:pPr>
-              <a:lnSpc>
-                <a:spcPct val="100000"/>
-              </a:lnSpc>
-            </a:pPr>
-            <a:r>
-              <a:rPr lang="en-US" altLang="en-US" sz="1900" dirty="0">
-                <a:sym typeface="Wingdings" pitchFamily="2" charset="2"/>
-              </a:rPr>
-              <a:t>For many “weak properties” </a:t>
-            </a:r>
-            <a:r>
-              <a:rPr lang="en-US" altLang="en-US" sz="1900" b="1" dirty="0">
-                <a:sym typeface="Wingdings" pitchFamily="2" charset="2"/>
-              </a:rPr>
-              <a:t>P</a:t>
-            </a:r>
-            <a:r>
-              <a:rPr lang="en-US" altLang="en-US" sz="1900" dirty="0">
-                <a:sym typeface="Wingdings" pitchFamily="2" charset="2"/>
-              </a:rPr>
-              <a:t>, </a:t>
-            </a:r>
-            <a:r>
-              <a:rPr lang="en-US" altLang="en-US" sz="1900" dirty="0">
-                <a:solidFill>
-                  <a:srgbClr val="0432FF"/>
-                </a:solidFill>
-                <a:sym typeface="Wingdings" pitchFamily="2" charset="2"/>
-              </a:rPr>
-              <a:t>we can “get away” by guard weakening</a:t>
-            </a:r>
-            <a:endParaRPr lang="en-US" altLang="en-US" sz="1900" dirty="0">
-              <a:sym typeface="Wingdings" pitchFamily="2" charset="2"/>
-            </a:endParaRPr>
-          </a:p>
-          <a:p>
-            <a:pPr lvl="1">
-              <a:lnSpc>
-                <a:spcPct val="100000"/>
-              </a:lnSpc>
-            </a:pPr>
-            <a:r>
-              <a:rPr lang="en-US" altLang="en-US" sz="1700" dirty="0">
-                <a:sym typeface="Wingdings" pitchFamily="2" charset="2"/>
-              </a:rPr>
-              <a:t>This is a standard abstraction, first proposed by </a:t>
-            </a:r>
-            <a:r>
-              <a:rPr lang="en-US" altLang="en-US" sz="1700" dirty="0" err="1">
-                <a:sym typeface="Wingdings" pitchFamily="2" charset="2"/>
-              </a:rPr>
-              <a:t>Kurshan</a:t>
-            </a:r>
-            <a:r>
-              <a:rPr lang="en-US" altLang="en-US" sz="1700" dirty="0">
-                <a:sym typeface="Wingdings" pitchFamily="2" charset="2"/>
-              </a:rPr>
-              <a:t> (E.g. removing a module that is driving this module, letting inputs “dangle”)</a:t>
-            </a:r>
-          </a:p>
-          <a:p>
-            <a:pPr>
-              <a:lnSpc>
-                <a:spcPct val="100000"/>
-              </a:lnSpc>
-            </a:pPr>
-            <a:r>
-              <a:rPr lang="en-US" altLang="en-US" sz="2100" dirty="0">
-                <a:sym typeface="Wingdings" pitchFamily="2" charset="2"/>
-              </a:rPr>
-              <a:t>BUT in the CMP method, we won’t do this – </a:t>
-            </a:r>
-            <a:r>
-              <a:rPr lang="en-US" altLang="en-US" sz="2100" dirty="0">
-                <a:solidFill>
-                  <a:srgbClr val="FF0000"/>
-                </a:solidFill>
-                <a:sym typeface="Wingdings" pitchFamily="2" charset="2"/>
-              </a:rPr>
-              <a:t>rather we will do guard strengthening!</a:t>
-            </a:r>
-          </a:p>
-          <a:p>
-            <a:pPr>
-              <a:lnSpc>
-                <a:spcPct val="100000"/>
-              </a:lnSpc>
-            </a:pPr>
-            <a:r>
-              <a:rPr lang="en-US" altLang="en-US" sz="2100" dirty="0">
-                <a:sym typeface="Wingdings" pitchFamily="2" charset="2"/>
-              </a:rPr>
-              <a:t>Except it is useful to know this disjunction property in thinking about certain steps of CMP</a:t>
+            <a:r>
+              <a:rPr lang="en-US" dirty="0"/>
+              <a:t>Much like loop invariants, except</a:t>
+            </a:r>
+          </a:p>
+          <a:p>
+            <a:pPr lvl="1"/>
+            <a:r>
+              <a:rPr lang="en-US" dirty="0"/>
+              <a:t>These are invariants pertaining to formal state-transition systems</a:t>
+            </a:r>
+          </a:p>
+          <a:p>
+            <a:r>
+              <a:rPr lang="en-US" dirty="0"/>
+              <a:t>We are really talking about inductive invariants</a:t>
+            </a:r>
+          </a:p>
+          <a:p>
+            <a:pPr lvl="1"/>
+            <a:r>
+              <a:rPr lang="en-US" dirty="0"/>
+              <a:t>Invariants P such that</a:t>
+            </a:r>
+          </a:p>
+          <a:p>
+            <a:pPr lvl="2"/>
+            <a:r>
+              <a:rPr lang="en-US" dirty="0"/>
+              <a:t>They are true in the initial state</a:t>
+            </a:r>
+          </a:p>
+          <a:p>
+            <a:pPr lvl="2"/>
+            <a:r>
+              <a:rPr lang="en-US" dirty="0"/>
+              <a:t>When held at a state, every transition rule preserves it</a:t>
+            </a:r>
+          </a:p>
+          <a:p>
+            <a:r>
+              <a:rPr lang="en-US" dirty="0"/>
+              <a:t>This is a hugely important topic (invariant discovery)</a:t>
             </a:r>
           </a:p>
         </p:txBody>
@@ -5566,7 +5323,7 @@
     </p:spTree>
     <p:extLst>
       <p:ext uri="{BB962C8B-B14F-4D97-AF65-F5344CB8AC3E}">
-        <p14:creationId xmlns:p14="http://schemas.microsoft.com/office/powerpoint/2010/main" val="424985300"/>
+        <p14:creationId xmlns:p14="http://schemas.microsoft.com/office/powerpoint/2010/main" val="1982505001"/>
       </p:ext>
     </p:extLst>
   </p:cSld>
@@ -5598,7 +5355,7 @@
           <p:cNvPr id="4" name="Slide Number Placeholder 4">
             <a:extLst>
               <a:ext uri="{FF2B5EF4-FFF2-40B4-BE49-F238E27FC236}">
-                <a16:creationId xmlns:a16="http://schemas.microsoft.com/office/drawing/2014/main" id="{54A14A4C-5F60-0C4C-AF58-6525AAC45326}"/>
+                <a16:creationId xmlns:a16="http://schemas.microsoft.com/office/drawing/2014/main" id="{6296EA76-AB68-B84D-A109-7C639DB92F8F}"/>
               </a:ext>
             </a:extLst>
           </p:cNvPr>
@@ -5614,7 +5371,7 @@
           <a:bodyPr/>
           <a:lstStyle/>
           <a:p>
-            <a:fld id="{384077DD-362F-9248-93E9-EF8EE236B452}" type="slidenum">
+            <a:fld id="{CCC4F333-A19A-F144-B508-5CE24EDBF3DA}" type="slidenum">
               <a:rPr lang="en-US" altLang="en-US"/>
               <a:pPr/>
               <a:t>12</a:t>
@@ -5625,10 +5382,10 @@
       </p:sp>
       <p:sp>
         <p:nvSpPr>
-          <p:cNvPr id="701442" name="Rectangle 2">
-            <a:extLst>
-              <a:ext uri="{FF2B5EF4-FFF2-40B4-BE49-F238E27FC236}">
-                <a16:creationId xmlns:a16="http://schemas.microsoft.com/office/drawing/2014/main" id="{C30057A7-8E14-AD48-8028-32A1C5C082D8}"/>
+          <p:cNvPr id="699394" name="Rectangle 2">
+            <a:extLst>
+              <a:ext uri="{FF2B5EF4-FFF2-40B4-BE49-F238E27FC236}">
+                <a16:creationId xmlns:a16="http://schemas.microsoft.com/office/drawing/2014/main" id="{D46078FD-8BDE-9E44-AB06-0BC98CE04462}"/>
               </a:ext>
             </a:extLst>
           </p:cNvPr>
@@ -5642,23 +5399,23 @@
         <p:spPr/>
         <p:txBody>
           <a:bodyPr>
-            <a:normAutofit/>
+            <a:normAutofit fontScale="90000"/>
           </a:bodyPr>
           <a:lstStyle/>
           <a:p>
             <a:r>
-              <a:rPr lang="en-US" altLang="en-US" sz="3400" dirty="0"/>
-              <a:t>But… Guard Strengthening is, by itself, Unsound</a:t>
-            </a:r>
-          </a:p>
-        </p:txBody>
-      </p:sp>
-      <p:sp>
-        <p:nvSpPr>
-          <p:cNvPr id="701443" name="Rectangle 3">
-            <a:extLst>
-              <a:ext uri="{FF2B5EF4-FFF2-40B4-BE49-F238E27FC236}">
-                <a16:creationId xmlns:a16="http://schemas.microsoft.com/office/drawing/2014/main" id="{6B4784AC-2006-FD45-987D-B0BC370176B9}"/>
+              <a:rPr lang="en-US" altLang="en-US" sz="2800" dirty="0"/>
+              <a:t>Let us understand how we may safely transform such rule-based specifications. The first few will be warmups. Then the real thing!</a:t>
+            </a:r>
+          </a:p>
+        </p:txBody>
+      </p:sp>
+      <p:sp>
+        <p:nvSpPr>
+          <p:cNvPr id="699395" name="Rectangle 3">
+            <a:extLst>
+              <a:ext uri="{FF2B5EF4-FFF2-40B4-BE49-F238E27FC236}">
+                <a16:creationId xmlns:a16="http://schemas.microsoft.com/office/drawing/2014/main" id="{B70A545D-29E9-7448-8BBE-150411B63BD6}"/>
               </a:ext>
             </a:extLst>
           </p:cNvPr>
@@ -5669,27 +5426,61 @@
             <p:ph type="body" idx="1"/>
           </p:nvPr>
         </p:nvSpPr>
-        <p:spPr/>
-        <p:txBody>
-          <a:bodyPr/>
+        <p:spPr>
+          <a:xfrm>
+            <a:off x="2090738" y="1752600"/>
+            <a:ext cx="8272462" cy="4572000"/>
+          </a:xfrm>
+        </p:spPr>
+        <p:txBody>
+          <a:bodyPr>
+            <a:normAutofit fontScale="85000" lnSpcReduction="20000"/>
+          </a:bodyPr>
           <a:lstStyle/>
           <a:p>
-            <a:r>
-              <a:rPr lang="en-US" altLang="en-US" dirty="0"/>
-              <a:t>Strengthening a guard is not sound</a:t>
+            <a:pPr>
+              <a:lnSpc>
+                <a:spcPct val="100000"/>
+              </a:lnSpc>
+            </a:pPr>
+            <a:r>
+              <a:rPr lang="en-US" altLang="en-US" sz="1900" dirty="0"/>
+              <a:t>Observation: </a:t>
+            </a:r>
+            <a:r>
+              <a:rPr lang="en-US" altLang="en-US" sz="1900" dirty="0">
+                <a:solidFill>
+                  <a:srgbClr val="FF0000"/>
+                </a:solidFill>
+              </a:rPr>
+              <a:t>Weakening a guard is sound</a:t>
+            </a:r>
+          </a:p>
+          <a:p>
+            <a:pPr>
+              <a:lnSpc>
+                <a:spcPct val="100000"/>
+              </a:lnSpc>
+            </a:pPr>
+            <a:r>
+              <a:rPr lang="en-US" altLang="en-US" sz="1900" dirty="0"/>
+              <a:t>Suppose we add a disjunct as below (Cond1) and still manage to show that P is an invariant, then without adding Cond1, the result must still hold</a:t>
             </a:r>
           </a:p>
           <a:p>
             <a:pPr lvl="1">
+              <a:lnSpc>
+                <a:spcPct val="100000"/>
+              </a:lnSpc>
               <a:buFont typeface="Wingdings" pitchFamily="2" charset="2"/>
               <a:buNone/>
             </a:pPr>
             <a:r>
-              <a:rPr lang="en-US" altLang="en-US" b="1" dirty="0"/>
-              <a:t>Rule1:  g1 /\ </a:t>
-            </a:r>
-            <a:r>
-              <a:rPr lang="en-US" altLang="en-US" b="1" dirty="0">
+              <a:rPr lang="en-US" altLang="en-US" sz="2000" b="1" dirty="0"/>
+              <a:t>Rule1:  g1 \/ </a:t>
+            </a:r>
+            <a:r>
+              <a:rPr lang="en-US" altLang="en-US" sz="2000" b="1" dirty="0">
                 <a:solidFill>
                   <a:srgbClr val="0000FF"/>
                 </a:solidFill>
@@ -5697,11 +5488,11 @@
               <a:t>Cond1</a:t>
             </a:r>
             <a:r>
-              <a:rPr lang="en-US" altLang="en-US" b="1" dirty="0"/>
+              <a:rPr lang="en-US" altLang="en-US" sz="2000" b="1" dirty="0"/>
               <a:t> </a:t>
             </a:r>
             <a:r>
-              <a:rPr lang="en-US" altLang="en-US" b="1" dirty="0">
+              <a:rPr lang="en-US" altLang="en-US" sz="2000" b="1" dirty="0">
                 <a:sym typeface="Wingdings" pitchFamily="2" charset="2"/>
               </a:rPr>
               <a:t>==&gt; a1</a:t>
@@ -5709,11 +5500,14 @@
           </a:p>
           <a:p>
             <a:pPr lvl="1">
+              <a:lnSpc>
+                <a:spcPct val="100000"/>
+              </a:lnSpc>
               <a:buFont typeface="Wingdings" pitchFamily="2" charset="2"/>
               <a:buNone/>
             </a:pPr>
             <a:r>
-              <a:rPr lang="en-US" altLang="en-US" b="1" dirty="0">
+              <a:rPr lang="en-US" altLang="en-US" sz="2000" b="1" dirty="0">
                 <a:sym typeface="Wingdings" pitchFamily="2" charset="2"/>
               </a:rPr>
               <a:t>Rule2:  g2 ==&gt; a2</a:t>
@@ -5721,73 +5515,189 @@
           </a:p>
           <a:p>
             <a:pPr lvl="1">
+              <a:lnSpc>
+                <a:spcPct val="100000"/>
+              </a:lnSpc>
               <a:buFont typeface="Wingdings" pitchFamily="2" charset="2"/>
               <a:buNone/>
             </a:pPr>
             <a:r>
-              <a:rPr lang="en-US" altLang="en-US" b="1" dirty="0">
+              <a:rPr lang="en-US" altLang="en-US" sz="2000" b="1" dirty="0">
                 <a:sym typeface="Wingdings" pitchFamily="2" charset="2"/>
               </a:rPr>
               <a:t>Invariant P</a:t>
             </a:r>
           </a:p>
           <a:p>
-            <a:r>
-              <a:rPr lang="en-US" altLang="en-US" dirty="0">
+            <a:pPr lvl="1">
+              <a:lnSpc>
+                <a:spcPct val="100000"/>
+              </a:lnSpc>
+              <a:buFont typeface="Wingdings" pitchFamily="2" charset="2"/>
+              <a:buNone/>
+            </a:pPr>
+            <a:endParaRPr lang="en-US" altLang="en-US" sz="2000" b="1" dirty="0">
+              <a:sym typeface="Wingdings" pitchFamily="2" charset="2"/>
+            </a:endParaRPr>
+          </a:p>
+          <a:p>
+            <a:pPr>
+              <a:lnSpc>
+                <a:spcPct val="100000"/>
+              </a:lnSpc>
+            </a:pPr>
+            <a:r>
+              <a:rPr lang="en-US" altLang="en-US" sz="1900" dirty="0">
                 <a:sym typeface="Wingdings" pitchFamily="2" charset="2"/>
               </a:rPr>
-              <a:t>Reason: Rule1 fires only when </a:t>
-            </a:r>
-            <a:r>
-              <a:rPr lang="en-US" altLang="en-US" b="1" dirty="0">
+              <a:t>Reason: Rule1 fires more often with Cond1 added!</a:t>
+            </a:r>
+            <a:endParaRPr lang="en-US" altLang="en-US" sz="1900" dirty="0">
+              <a:solidFill>
+                <a:srgbClr val="0000FF"/>
+              </a:solidFill>
+              <a:sym typeface="Wingdings" pitchFamily="2" charset="2"/>
+            </a:endParaRPr>
+          </a:p>
+          <a:p>
+            <a:pPr>
+              <a:lnSpc>
+                <a:spcPct val="100000"/>
+              </a:lnSpc>
+            </a:pPr>
+            <a:r>
+              <a:rPr lang="en-US" altLang="en-US" sz="1900" dirty="0">
+                <a:solidFill>
+                  <a:srgbClr val="FF0000"/>
+                </a:solidFill>
                 <a:sym typeface="Wingdings" pitchFamily="2" charset="2"/>
               </a:rPr>
-              <a:t>g1 /\ </a:t>
-            </a:r>
-            <a:r>
-              <a:rPr lang="en-US" altLang="en-US" b="1" dirty="0">
-                <a:solidFill>
-                  <a:srgbClr val="0000FF"/>
-                </a:solidFill>
-                <a:sym typeface="Wingdings" pitchFamily="2" charset="2"/>
-              </a:rPr>
-              <a:t>Cond1</a:t>
-            </a:r>
-          </a:p>
-          <a:p>
-            <a:r>
-              <a:rPr lang="en-US" altLang="en-US" dirty="0">
-                <a:sym typeface="Wingdings" pitchFamily="2" charset="2"/>
-              </a:rPr>
-              <a:t>So, less behaviors examined in checking </a:t>
-            </a:r>
-            <a:r>
-              <a:rPr lang="en-US" altLang="en-US" b="1" dirty="0">
+              <a:t>May get false alarms (</a:t>
+            </a:r>
+            <a:r>
+              <a:rPr lang="en-US" altLang="en-US" sz="1900" b="1" dirty="0">
+                <a:solidFill>
+                  <a:srgbClr val="FF0000"/>
+                </a:solidFill>
                 <a:sym typeface="Wingdings" pitchFamily="2" charset="2"/>
               </a:rPr>
               <a:t>P</a:t>
             </a:r>
-          </a:p>
-          <a:p>
-            <a:pPr lvl="1"/>
-            <a:r>
-              <a:rPr lang="en-US" altLang="en-US" b="1" dirty="0">
+            <a:r>
+              <a:rPr lang="en-US" altLang="en-US" sz="1900" dirty="0">
+                <a:solidFill>
+                  <a:srgbClr val="FF0000"/>
+                </a:solidFill>
                 <a:sym typeface="Wingdings" pitchFamily="2" charset="2"/>
               </a:rPr>
-              <a:t>Thus, verifying _with_ Cond1 means nothing for verification without Cond1</a:t>
-            </a:r>
-          </a:p>
-          <a:p>
-            <a:r>
-              <a:rPr lang="en-US" altLang="en-US" b="1" dirty="0">
+              <a:t> may fail if Rule1 fires spuriously)</a:t>
+            </a:r>
+          </a:p>
+          <a:p>
+            <a:pPr>
+              <a:lnSpc>
+                <a:spcPct val="100000"/>
+              </a:lnSpc>
+            </a:pPr>
+            <a:r>
+              <a:rPr lang="en-US" altLang="en-US" sz="1900" dirty="0">
                 <a:sym typeface="Wingdings" pitchFamily="2" charset="2"/>
               </a:rPr>
-              <a:t>But hang on, there is more in the CMP method </a:t>
+              <a:t>For many “weak properties” </a:t>
+            </a:r>
+            <a:r>
+              <a:rPr lang="en-US" altLang="en-US" sz="1900" b="1" dirty="0">
+                <a:sym typeface="Wingdings" pitchFamily="2" charset="2"/>
+              </a:rPr>
+              <a:t>P</a:t>
+            </a:r>
+            <a:r>
+              <a:rPr lang="en-US" altLang="en-US" sz="1900" dirty="0">
+                <a:sym typeface="Wingdings" pitchFamily="2" charset="2"/>
+              </a:rPr>
+              <a:t>, </a:t>
+            </a:r>
+            <a:r>
+              <a:rPr lang="en-US" altLang="en-US" sz="1900" dirty="0">
+                <a:solidFill>
+                  <a:srgbClr val="0432FF"/>
+                </a:solidFill>
+                <a:sym typeface="Wingdings" pitchFamily="2" charset="2"/>
+              </a:rPr>
+              <a:t>we can “get away” by guard weakening</a:t>
+            </a:r>
+            <a:endParaRPr lang="en-US" altLang="en-US" sz="1900" dirty="0">
+              <a:sym typeface="Wingdings" pitchFamily="2" charset="2"/>
+            </a:endParaRPr>
+          </a:p>
+          <a:p>
+            <a:pPr lvl="1">
+              <a:lnSpc>
+                <a:spcPct val="100000"/>
+              </a:lnSpc>
+            </a:pPr>
+            <a:r>
+              <a:rPr lang="en-US" altLang="en-US" sz="1700" dirty="0">
+                <a:sym typeface="Wingdings" pitchFamily="2" charset="2"/>
+              </a:rPr>
+              <a:t>This is a standard abstraction, first proposed by </a:t>
+            </a:r>
+            <a:r>
+              <a:rPr lang="en-US" altLang="en-US" sz="1700" dirty="0" err="1">
+                <a:sym typeface="Wingdings" pitchFamily="2" charset="2"/>
+              </a:rPr>
+              <a:t>Kurshan</a:t>
+            </a:r>
+            <a:r>
+              <a:rPr lang="en-US" altLang="en-US" sz="1700" dirty="0">
+                <a:sym typeface="Wingdings" pitchFamily="2" charset="2"/>
+              </a:rPr>
+              <a:t> (E.g. removing a module that is driving this module, letting inputs “dangle”)</a:t>
+            </a:r>
+          </a:p>
+          <a:p>
+            <a:pPr>
+              <a:lnSpc>
+                <a:spcPct val="100000"/>
+              </a:lnSpc>
+            </a:pPr>
+            <a:r>
+              <a:rPr lang="en-US" altLang="en-US" sz="2100" dirty="0">
+                <a:sym typeface="Wingdings" pitchFamily="2" charset="2"/>
+              </a:rPr>
+              <a:t>BUT in the CMP method, we won’t do this – </a:t>
+            </a:r>
+            <a:r>
+              <a:rPr lang="en-US" altLang="en-US" sz="2100" dirty="0">
+                <a:solidFill>
+                  <a:srgbClr val="FF0000"/>
+                </a:solidFill>
+                <a:sym typeface="Wingdings" pitchFamily="2" charset="2"/>
+              </a:rPr>
+              <a:t>rather we will do guard strengthening!</a:t>
+            </a:r>
+          </a:p>
+          <a:p>
+            <a:pPr>
+              <a:lnSpc>
+                <a:spcPct val="100000"/>
+              </a:lnSpc>
+            </a:pPr>
+            <a:r>
+              <a:rPr lang="en-US" altLang="en-US" sz="2100" dirty="0">
+                <a:sym typeface="Wingdings" pitchFamily="2" charset="2"/>
+              </a:rPr>
+              <a:t>Except it is useful to know this disjunction property in thinking about certain steps of CMP</a:t>
             </a:r>
           </a:p>
         </p:txBody>
       </p:sp>
     </p:spTree>
+    <p:extLst>
+      <p:ext uri="{BB962C8B-B14F-4D97-AF65-F5344CB8AC3E}">
+        <p14:creationId xmlns:p14="http://schemas.microsoft.com/office/powerpoint/2010/main" val="424985300"/>
+      </p:ext>
+    </p:extLst>
   </p:cSld>
   <p:clrMapOvr>
     <a:masterClrMapping/>
@@ -5814,10 +5724,10 @@
       </p:grpSpPr>
       <p:sp>
         <p:nvSpPr>
-          <p:cNvPr id="6" name="Slide Number Placeholder 4">
-            <a:extLst>
-              <a:ext uri="{FF2B5EF4-FFF2-40B4-BE49-F238E27FC236}">
-                <a16:creationId xmlns:a16="http://schemas.microsoft.com/office/drawing/2014/main" id="{CB03AB5F-183B-2346-B487-51BA01327271}"/>
+          <p:cNvPr id="4" name="Slide Number Placeholder 4">
+            <a:extLst>
+              <a:ext uri="{FF2B5EF4-FFF2-40B4-BE49-F238E27FC236}">
+                <a16:creationId xmlns:a16="http://schemas.microsoft.com/office/drawing/2014/main" id="{54A14A4C-5F60-0C4C-AF58-6525AAC45326}"/>
               </a:ext>
             </a:extLst>
           </p:cNvPr>
@@ -5833,7 +5743,7 @@
           <a:bodyPr/>
           <a:lstStyle/>
           <a:p>
-            <a:fld id="{712C3585-9D46-EA4C-B7BA-F21626C30ABD}" type="slidenum">
+            <a:fld id="{384077DD-362F-9248-93E9-EF8EE236B452}" type="slidenum">
               <a:rPr lang="en-US" altLang="en-US"/>
               <a:pPr/>
               <a:t>13</a:t>
@@ -5844,10 +5754,10 @@
       </p:sp>
       <p:sp>
         <p:nvSpPr>
-          <p:cNvPr id="703490" name="Rectangle 2">
-            <a:extLst>
-              <a:ext uri="{FF2B5EF4-FFF2-40B4-BE49-F238E27FC236}">
-                <a16:creationId xmlns:a16="http://schemas.microsoft.com/office/drawing/2014/main" id="{2F87F805-E33E-0841-AF0B-EC2D96FAA4EC}"/>
+          <p:cNvPr id="701442" name="Rectangle 2">
+            <a:extLst>
+              <a:ext uri="{FF2B5EF4-FFF2-40B4-BE49-F238E27FC236}">
+                <a16:creationId xmlns:a16="http://schemas.microsoft.com/office/drawing/2014/main" id="{C30057A7-8E14-AD48-8028-32A1C5C082D8}"/>
               </a:ext>
             </a:extLst>
           </p:cNvPr>
@@ -5858,12 +5768,7 @@
             <p:ph type="title"/>
           </p:nvPr>
         </p:nvSpPr>
-        <p:spPr>
-          <a:xfrm>
-            <a:off x="838200" y="365125"/>
-            <a:ext cx="10515600" cy="1023407"/>
-          </a:xfrm>
-        </p:spPr>
+        <p:spPr/>
         <p:txBody>
           <a:bodyPr>
             <a:normAutofit/>
@@ -5871,18 +5776,18 @@
           <a:lstStyle/>
           <a:p>
             <a:r>
-              <a:rPr lang="en-US" altLang="en-US" sz="3200" dirty="0"/>
-              <a:t>Guard Strengthening can be made sound, if the conjunct is implied by the guard</a:t>
-            </a:r>
-          </a:p>
-        </p:txBody>
-      </p:sp>
-      <p:sp>
-        <p:nvSpPr>
-          <p:cNvPr id="703491" name="Rectangle 3">
-            <a:extLst>
-              <a:ext uri="{FF2B5EF4-FFF2-40B4-BE49-F238E27FC236}">
-                <a16:creationId xmlns:a16="http://schemas.microsoft.com/office/drawing/2014/main" id="{98050FA8-12F0-C343-9F67-1FA3634BC703}"/>
+              <a:rPr lang="en-US" altLang="en-US" sz="3400" dirty="0"/>
+              <a:t>But… Guard Strengthening is, by itself, Unsound</a:t>
+            </a:r>
+          </a:p>
+        </p:txBody>
+      </p:sp>
+      <p:sp>
+        <p:nvSpPr>
+          <p:cNvPr id="701443" name="Rectangle 3">
+            <a:extLst>
+              <a:ext uri="{FF2B5EF4-FFF2-40B4-BE49-F238E27FC236}">
+                <a16:creationId xmlns:a16="http://schemas.microsoft.com/office/drawing/2014/main" id="{6B4784AC-2006-FD45-987D-B0BC370176B9}"/>
               </a:ext>
             </a:extLst>
           </p:cNvPr>
@@ -5893,21 +5798,14 @@
             <p:ph type="body" idx="1"/>
           </p:nvPr>
         </p:nvSpPr>
-        <p:spPr>
-          <a:xfrm>
-            <a:off x="838200" y="1557867"/>
-            <a:ext cx="10515600" cy="5034844"/>
-          </a:xfrm>
-        </p:spPr>
-        <p:txBody>
-          <a:bodyPr>
-            <a:normAutofit fontScale="85000" lnSpcReduction="20000"/>
-          </a:bodyPr>
+        <p:spPr/>
+        <p:txBody>
+          <a:bodyPr/>
           <a:lstStyle/>
           <a:p>
             <a:r>
-              <a:rPr lang="en-US" altLang="en-US" sz="2600" dirty="0"/>
-              <a:t>This is sound</a:t>
+              <a:rPr lang="en-US" altLang="en-US" dirty="0"/>
+              <a:t>Strengthening a guard is not sound</a:t>
             </a:r>
           </a:p>
           <a:p>
@@ -5916,11 +5814,11 @@
               <a:buNone/>
             </a:pPr>
             <a:r>
-              <a:rPr lang="en-US" altLang="en-US" sz="2200" b="1" dirty="0"/>
+              <a:rPr lang="en-US" altLang="en-US" b="1" dirty="0"/>
               <a:t>Rule1:  g1 /\ </a:t>
             </a:r>
             <a:r>
-              <a:rPr lang="en-US" altLang="en-US" sz="2200" b="1" dirty="0">
+              <a:rPr lang="en-US" altLang="en-US" b="1" dirty="0">
                 <a:solidFill>
                   <a:srgbClr val="0000FF"/>
                 </a:solidFill>
@@ -5928,11 +5826,11 @@
               <a:t>Cond1</a:t>
             </a:r>
             <a:r>
-              <a:rPr lang="en-US" altLang="en-US" sz="2200" b="1" dirty="0"/>
+              <a:rPr lang="en-US" altLang="en-US" b="1" dirty="0"/>
               <a:t> </a:t>
             </a:r>
             <a:r>
-              <a:rPr lang="en-US" altLang="en-US" sz="2200" b="1" dirty="0">
+              <a:rPr lang="en-US" altLang="en-US" b="1" dirty="0">
                 <a:sym typeface="Wingdings" pitchFamily="2" charset="2"/>
               </a:rPr>
               <a:t>==&gt; a1</a:t>
@@ -5944,7 +5842,7 @@
               <a:buNone/>
             </a:pPr>
             <a:r>
-              <a:rPr lang="en-US" altLang="en-US" sz="2200" b="1" dirty="0">
+              <a:rPr lang="en-US" altLang="en-US" b="1" dirty="0">
                 <a:sym typeface="Wingdings" pitchFamily="2" charset="2"/>
               </a:rPr>
               <a:t>Rule2:  g2 ==&gt; a2</a:t>
@@ -5956,45 +5854,27 @@
               <a:buNone/>
             </a:pPr>
             <a:r>
-              <a:rPr lang="en-US" altLang="en-US" sz="2200" b="1" dirty="0">
+              <a:rPr lang="en-US" altLang="en-US" b="1" dirty="0">
                 <a:sym typeface="Wingdings" pitchFamily="2" charset="2"/>
               </a:rPr>
-              <a:t>Invariant P /\</a:t>
-            </a:r>
-            <a:r>
-              <a:rPr lang="en-US" altLang="en-US" sz="2200" b="1" dirty="0">
-                <a:solidFill>
-                  <a:srgbClr val="0432FF"/>
-                </a:solidFill>
-                <a:sym typeface="Wingdings" pitchFamily="2" charset="2"/>
-              </a:rPr>
-              <a:t> (g1 </a:t>
-            </a:r>
-            <a:r>
-              <a:rPr lang="en-US" altLang="en-US" sz="2200" b="1" dirty="0">
-                <a:solidFill>
-                  <a:srgbClr val="0000FF"/>
-                </a:solidFill>
-                <a:sym typeface="Wingdings" pitchFamily="2" charset="2"/>
-              </a:rPr>
-              <a:t>==&gt; Cond1)</a:t>
-            </a:r>
-          </a:p>
-          <a:p>
-            <a:r>
-              <a:rPr lang="en-US" altLang="en-US" sz="2600" dirty="0">
+              <a:t>Invariant P</a:t>
+            </a:r>
+          </a:p>
+          <a:p>
+            <a:r>
+              <a:rPr lang="en-US" altLang="en-US" dirty="0">
                 <a:sym typeface="Wingdings" pitchFamily="2" charset="2"/>
               </a:rPr>
               <a:t>Reason: Rule1 fires only when </a:t>
             </a:r>
             <a:r>
-              <a:rPr lang="en-US" altLang="en-US" sz="2600" b="1" dirty="0">
+              <a:rPr lang="en-US" altLang="en-US" b="1" dirty="0">
                 <a:sym typeface="Wingdings" pitchFamily="2" charset="2"/>
               </a:rPr>
               <a:t>g1 /\ </a:t>
             </a:r>
             <a:r>
-              <a:rPr lang="en-US" altLang="en-US" sz="2600" b="1" dirty="0">
+              <a:rPr lang="en-US" altLang="en-US" b="1" dirty="0">
                 <a:solidFill>
                   <a:srgbClr val="0000FF"/>
                 </a:solidFill>
@@ -6005,141 +5885,33 @@
           </a:p>
           <a:p>
             <a:r>
-              <a:rPr lang="en-US" altLang="en-US" sz="2600" dirty="0">
+              <a:rPr lang="en-US" altLang="en-US" dirty="0">
                 <a:sym typeface="Wingdings" pitchFamily="2" charset="2"/>
               </a:rPr>
-              <a:t>BUT, </a:t>
-            </a:r>
-            <a:r>
-              <a:rPr lang="en-US" altLang="en-US" sz="2600" b="1" dirty="0">
+              <a:t>So, less behaviors examined in checking </a:t>
+            </a:r>
+            <a:r>
+              <a:rPr lang="en-US" altLang="en-US" b="1" dirty="0">
                 <a:sym typeface="Wingdings" pitchFamily="2" charset="2"/>
               </a:rPr>
-              <a:t>Cond1</a:t>
-            </a:r>
-            <a:r>
-              <a:rPr lang="en-US" altLang="en-US" sz="2600" dirty="0">
+              <a:t>P</a:t>
+            </a:r>
+          </a:p>
+          <a:p>
+            <a:pPr lvl="1"/>
+            <a:r>
+              <a:rPr lang="en-US" altLang="en-US" b="1" dirty="0">
                 <a:sym typeface="Wingdings" pitchFamily="2" charset="2"/>
               </a:rPr>
-              <a:t> is always implied by </a:t>
-            </a:r>
-            <a:r>
-              <a:rPr lang="en-US" altLang="en-US" sz="2600" b="1" dirty="0">
+              <a:t>Thus, verifying _with_ Cond1 means nothing for verification without Cond1</a:t>
+            </a:r>
+          </a:p>
+          <a:p>
+            <a:r>
+              <a:rPr lang="en-US" altLang="en-US" b="1" dirty="0">
                 <a:sym typeface="Wingdings" pitchFamily="2" charset="2"/>
               </a:rPr>
-              <a:t>g1; we are showing g1Cond1 is an invariant also </a:t>
-            </a:r>
-            <a:r>
-              <a:rPr lang="en-US" altLang="en-US" sz="2600" dirty="0">
-                <a:sym typeface="Wingdings" pitchFamily="2" charset="2"/>
-              </a:rPr>
-              <a:t>, so no real loss of states over which Rule1 fires…</a:t>
-            </a:r>
-          </a:p>
-          <a:p>
-            <a:pPr lvl="1"/>
-            <a:r>
-              <a:rPr lang="en-US" altLang="en-US" sz="2200" dirty="0">
-                <a:sym typeface="Wingdings" pitchFamily="2" charset="2"/>
-              </a:rPr>
-              <a:t>Call this “Guard Strengthening </a:t>
-            </a:r>
-            <a:r>
-              <a:rPr lang="en-US" altLang="en-US" sz="2200" dirty="0">
-                <a:solidFill>
-                  <a:srgbClr val="0432FF"/>
-                </a:solidFill>
-                <a:sym typeface="Wingdings" pitchFamily="2" charset="2"/>
-              </a:rPr>
-              <a:t>Supported by Lemma</a:t>
-            </a:r>
-            <a:r>
-              <a:rPr lang="en-US" altLang="en-US" sz="2200" dirty="0">
-                <a:sym typeface="Wingdings" pitchFamily="2" charset="2"/>
-              </a:rPr>
-              <a:t>”</a:t>
-            </a:r>
-          </a:p>
-          <a:p>
-            <a:r>
-              <a:rPr lang="en-US" altLang="en-US" sz="2600" dirty="0">
-                <a:sym typeface="Wingdings" pitchFamily="2" charset="2"/>
-              </a:rPr>
-              <a:t>Except, you are showing the invariant in the same modified system!</a:t>
-            </a:r>
-          </a:p>
-          <a:p>
-            <a:pPr lvl="1"/>
-            <a:r>
-              <a:rPr lang="en-US" altLang="en-US" sz="2200" dirty="0">
-                <a:sym typeface="Wingdings" pitchFamily="2" charset="2"/>
-              </a:rPr>
-              <a:t>This is fine:</a:t>
-            </a:r>
-          </a:p>
-          <a:p>
-            <a:pPr lvl="2"/>
-            <a:r>
-              <a:rPr lang="en-US" altLang="en-US" sz="1800" dirty="0">
-                <a:sym typeface="Wingdings" pitchFamily="2" charset="2"/>
-              </a:rPr>
-              <a:t>Initial state satisfies P, and also (g1  Cond1). Thus, whenever g1 is true in the initial state, Cond1 is an implied fact. So g1 /\ Cond1 is like g1 by itself.</a:t>
-            </a:r>
-          </a:p>
-          <a:p>
-            <a:pPr lvl="2"/>
-            <a:r>
-              <a:rPr lang="en-US" altLang="en-US" sz="1800" dirty="0">
-                <a:sym typeface="Wingdings" pitchFamily="2" charset="2"/>
-              </a:rPr>
-              <a:t>Thus “a1” can be conducted in the initial state , to obtain the next set of states. (No change </a:t>
-            </a:r>
-            <a:r>
-              <a:rPr lang="en-US" altLang="en-US" sz="1800" dirty="0" err="1">
-                <a:sym typeface="Wingdings" pitchFamily="2" charset="2"/>
-              </a:rPr>
-              <a:t>wrt</a:t>
-            </a:r>
-            <a:r>
-              <a:rPr lang="en-US" altLang="en-US" sz="1800" dirty="0">
-                <a:sym typeface="Wingdings" pitchFamily="2" charset="2"/>
-              </a:rPr>
-              <a:t> g2 and a2, so they are like before.)</a:t>
-            </a:r>
-          </a:p>
-          <a:p>
-            <a:pPr lvl="1"/>
-            <a:r>
-              <a:rPr lang="en-US" altLang="en-US" sz="2200" dirty="0">
-                <a:sym typeface="Wingdings" pitchFamily="2" charset="2"/>
-              </a:rPr>
-              <a:t>In general</a:t>
-            </a:r>
-          </a:p>
-          <a:p>
-            <a:pPr lvl="2"/>
-            <a:r>
-              <a:rPr lang="en-US" altLang="en-US" sz="1800" dirty="0">
-                <a:sym typeface="Wingdings" pitchFamily="2" charset="2"/>
-              </a:rPr>
-              <a:t>At state t (by induction over time), we have P true and (g1  Cond1) true.</a:t>
-            </a:r>
-          </a:p>
-          <a:p>
-            <a:pPr lvl="2"/>
-            <a:r>
-              <a:rPr lang="en-US" altLang="en-US" sz="1800" dirty="0">
-                <a:sym typeface="Wingdings" pitchFamily="2" charset="2"/>
-              </a:rPr>
-              <a:t>Thus , g1, when true, implies Cond1 at time t. Thus g1 /\ Cond1 is like g1 (same truth status) at time t</a:t>
-            </a:r>
-          </a:p>
-          <a:p>
-            <a:pPr lvl="3"/>
-            <a:r>
-              <a:rPr lang="en-US" altLang="en-US" sz="1600" dirty="0">
-                <a:sym typeface="Wingdings" pitchFamily="2" charset="2"/>
-              </a:rPr>
-              <a:t>Thus we can obtain the state at t+1 safely via “a1”</a:t>
+              <a:t>But hang on, there is more in the CMP method </a:t>
             </a:r>
           </a:p>
         </p:txBody>
@@ -6171,6 +5943,363 @@
       </p:grpSpPr>
       <p:sp>
         <p:nvSpPr>
+          <p:cNvPr id="6" name="Slide Number Placeholder 4">
+            <a:extLst>
+              <a:ext uri="{FF2B5EF4-FFF2-40B4-BE49-F238E27FC236}">
+                <a16:creationId xmlns:a16="http://schemas.microsoft.com/office/drawing/2014/main" id="{CB03AB5F-183B-2346-B487-51BA01327271}"/>
+              </a:ext>
+            </a:extLst>
+          </p:cNvPr>
+          <p:cNvSpPr>
+            <a:spLocks noGrp="1"/>
+          </p:cNvSpPr>
+          <p:nvPr>
+            <p:ph type="sldNum" sz="quarter" idx="11"/>
+          </p:nvPr>
+        </p:nvSpPr>
+        <p:spPr/>
+        <p:txBody>
+          <a:bodyPr/>
+          <a:lstStyle/>
+          <a:p>
+            <a:fld id="{712C3585-9D46-EA4C-B7BA-F21626C30ABD}" type="slidenum">
+              <a:rPr lang="en-US" altLang="en-US"/>
+              <a:pPr/>
+              <a:t>14</a:t>
+            </a:fld>
+            <a:endParaRPr lang="en-US" altLang="en-US"/>
+          </a:p>
+        </p:txBody>
+      </p:sp>
+      <p:sp>
+        <p:nvSpPr>
+          <p:cNvPr id="703490" name="Rectangle 2">
+            <a:extLst>
+              <a:ext uri="{FF2B5EF4-FFF2-40B4-BE49-F238E27FC236}">
+                <a16:creationId xmlns:a16="http://schemas.microsoft.com/office/drawing/2014/main" id="{2F87F805-E33E-0841-AF0B-EC2D96FAA4EC}"/>
+              </a:ext>
+            </a:extLst>
+          </p:cNvPr>
+          <p:cNvSpPr>
+            <a:spLocks noGrp="1" noChangeArrowheads="1"/>
+          </p:cNvSpPr>
+          <p:nvPr>
+            <p:ph type="title"/>
+          </p:nvPr>
+        </p:nvSpPr>
+        <p:spPr>
+          <a:xfrm>
+            <a:off x="838200" y="365125"/>
+            <a:ext cx="10515600" cy="1023407"/>
+          </a:xfrm>
+        </p:spPr>
+        <p:txBody>
+          <a:bodyPr>
+            <a:normAutofit/>
+          </a:bodyPr>
+          <a:lstStyle/>
+          <a:p>
+            <a:r>
+              <a:rPr lang="en-US" altLang="en-US" sz="3200" dirty="0"/>
+              <a:t>Guard Strengthening can be made sound, if the conjunct is implied by the guard</a:t>
+            </a:r>
+          </a:p>
+        </p:txBody>
+      </p:sp>
+      <p:sp>
+        <p:nvSpPr>
+          <p:cNvPr id="703491" name="Rectangle 3">
+            <a:extLst>
+              <a:ext uri="{FF2B5EF4-FFF2-40B4-BE49-F238E27FC236}">
+                <a16:creationId xmlns:a16="http://schemas.microsoft.com/office/drawing/2014/main" id="{98050FA8-12F0-C343-9F67-1FA3634BC703}"/>
+              </a:ext>
+            </a:extLst>
+          </p:cNvPr>
+          <p:cNvSpPr>
+            <a:spLocks noGrp="1" noChangeArrowheads="1"/>
+          </p:cNvSpPr>
+          <p:nvPr>
+            <p:ph type="body" idx="1"/>
+          </p:nvPr>
+        </p:nvSpPr>
+        <p:spPr>
+          <a:xfrm>
+            <a:off x="838200" y="1557867"/>
+            <a:ext cx="10515600" cy="5034844"/>
+          </a:xfrm>
+        </p:spPr>
+        <p:txBody>
+          <a:bodyPr>
+            <a:normAutofit fontScale="85000" lnSpcReduction="20000"/>
+          </a:bodyPr>
+          <a:lstStyle/>
+          <a:p>
+            <a:r>
+              <a:rPr lang="en-US" altLang="en-US" sz="2600" dirty="0"/>
+              <a:t>This is sound</a:t>
+            </a:r>
+          </a:p>
+          <a:p>
+            <a:pPr lvl="1">
+              <a:buFont typeface="Wingdings" pitchFamily="2" charset="2"/>
+              <a:buNone/>
+            </a:pPr>
+            <a:r>
+              <a:rPr lang="en-US" altLang="en-US" sz="2200" b="1" dirty="0"/>
+              <a:t>Rule1:  g1 /\ </a:t>
+            </a:r>
+            <a:r>
+              <a:rPr lang="en-US" altLang="en-US" sz="2200" b="1" dirty="0">
+                <a:solidFill>
+                  <a:srgbClr val="0000FF"/>
+                </a:solidFill>
+              </a:rPr>
+              <a:t>Cond1</a:t>
+            </a:r>
+            <a:r>
+              <a:rPr lang="en-US" altLang="en-US" sz="2200" b="1" dirty="0"/>
+              <a:t> </a:t>
+            </a:r>
+            <a:r>
+              <a:rPr lang="en-US" altLang="en-US" sz="2200" b="1" dirty="0">
+                <a:sym typeface="Wingdings" pitchFamily="2" charset="2"/>
+              </a:rPr>
+              <a:t>==&gt; a1</a:t>
+            </a:r>
+          </a:p>
+          <a:p>
+            <a:pPr lvl="1">
+              <a:buFont typeface="Wingdings" pitchFamily="2" charset="2"/>
+              <a:buNone/>
+            </a:pPr>
+            <a:r>
+              <a:rPr lang="en-US" altLang="en-US" sz="2200" b="1" dirty="0">
+                <a:sym typeface="Wingdings" pitchFamily="2" charset="2"/>
+              </a:rPr>
+              <a:t>Rule2:  g2 ==&gt; a2</a:t>
+            </a:r>
+          </a:p>
+          <a:p>
+            <a:pPr lvl="1">
+              <a:buFont typeface="Wingdings" pitchFamily="2" charset="2"/>
+              <a:buNone/>
+            </a:pPr>
+            <a:r>
+              <a:rPr lang="en-US" altLang="en-US" sz="2200" b="1" dirty="0">
+                <a:sym typeface="Wingdings" pitchFamily="2" charset="2"/>
+              </a:rPr>
+              <a:t>Invariant P /\</a:t>
+            </a:r>
+            <a:r>
+              <a:rPr lang="en-US" altLang="en-US" sz="2200" b="1" dirty="0">
+                <a:solidFill>
+                  <a:srgbClr val="0432FF"/>
+                </a:solidFill>
+                <a:sym typeface="Wingdings" pitchFamily="2" charset="2"/>
+              </a:rPr>
+              <a:t> (g1 </a:t>
+            </a:r>
+            <a:r>
+              <a:rPr lang="en-US" altLang="en-US" sz="2200" b="1" dirty="0">
+                <a:solidFill>
+                  <a:srgbClr val="0000FF"/>
+                </a:solidFill>
+                <a:sym typeface="Wingdings" pitchFamily="2" charset="2"/>
+              </a:rPr>
+              <a:t>==&gt; Cond1)</a:t>
+            </a:r>
+          </a:p>
+          <a:p>
+            <a:r>
+              <a:rPr lang="en-US" altLang="en-US" sz="2600" dirty="0">
+                <a:sym typeface="Wingdings" pitchFamily="2" charset="2"/>
+              </a:rPr>
+              <a:t>Reason: Rule1 fires only when </a:t>
+            </a:r>
+            <a:r>
+              <a:rPr lang="en-US" altLang="en-US" sz="2600" b="1" dirty="0">
+                <a:sym typeface="Wingdings" pitchFamily="2" charset="2"/>
+              </a:rPr>
+              <a:t>g1 /\ </a:t>
+            </a:r>
+            <a:r>
+              <a:rPr lang="en-US" altLang="en-US" sz="2600" b="1" dirty="0">
+                <a:solidFill>
+                  <a:srgbClr val="0000FF"/>
+                </a:solidFill>
+                <a:sym typeface="Wingdings" pitchFamily="2" charset="2"/>
+              </a:rPr>
+              <a:t>Cond1</a:t>
+            </a:r>
+          </a:p>
+          <a:p>
+            <a:r>
+              <a:rPr lang="en-US" altLang="en-US" sz="2600" dirty="0">
+                <a:sym typeface="Wingdings" pitchFamily="2" charset="2"/>
+              </a:rPr>
+              <a:t>BUT, </a:t>
+            </a:r>
+            <a:r>
+              <a:rPr lang="en-US" altLang="en-US" sz="2600" b="1" dirty="0">
+                <a:sym typeface="Wingdings" pitchFamily="2" charset="2"/>
+              </a:rPr>
+              <a:t>Cond1</a:t>
+            </a:r>
+            <a:r>
+              <a:rPr lang="en-US" altLang="en-US" sz="2600" dirty="0">
+                <a:sym typeface="Wingdings" pitchFamily="2" charset="2"/>
+              </a:rPr>
+              <a:t> is always implied by </a:t>
+            </a:r>
+            <a:r>
+              <a:rPr lang="en-US" altLang="en-US" sz="2600" b="1" dirty="0">
+                <a:sym typeface="Wingdings" pitchFamily="2" charset="2"/>
+              </a:rPr>
+              <a:t>g1; we are showing g1Cond1 is an invariant also </a:t>
+            </a:r>
+            <a:r>
+              <a:rPr lang="en-US" altLang="en-US" sz="2600" dirty="0">
+                <a:sym typeface="Wingdings" pitchFamily="2" charset="2"/>
+              </a:rPr>
+              <a:t>, so no real loss of states over which Rule1 fires…</a:t>
+            </a:r>
+          </a:p>
+          <a:p>
+            <a:pPr lvl="1"/>
+            <a:r>
+              <a:rPr lang="en-US" altLang="en-US" sz="2200" dirty="0">
+                <a:sym typeface="Wingdings" pitchFamily="2" charset="2"/>
+              </a:rPr>
+              <a:t>Call this “Guard Strengthening </a:t>
+            </a:r>
+            <a:r>
+              <a:rPr lang="en-US" altLang="en-US" sz="2200" dirty="0">
+                <a:solidFill>
+                  <a:srgbClr val="0432FF"/>
+                </a:solidFill>
+                <a:sym typeface="Wingdings" pitchFamily="2" charset="2"/>
+              </a:rPr>
+              <a:t>Supported by Lemma</a:t>
+            </a:r>
+            <a:r>
+              <a:rPr lang="en-US" altLang="en-US" sz="2200" dirty="0">
+                <a:sym typeface="Wingdings" pitchFamily="2" charset="2"/>
+              </a:rPr>
+              <a:t>”</a:t>
+            </a:r>
+          </a:p>
+          <a:p>
+            <a:r>
+              <a:rPr lang="en-US" altLang="en-US" sz="2600" dirty="0">
+                <a:sym typeface="Wingdings" pitchFamily="2" charset="2"/>
+              </a:rPr>
+              <a:t>Except, you are showing the invariant in the same modified system!</a:t>
+            </a:r>
+          </a:p>
+          <a:p>
+            <a:pPr lvl="1"/>
+            <a:r>
+              <a:rPr lang="en-US" altLang="en-US" sz="2200" dirty="0">
+                <a:sym typeface="Wingdings" pitchFamily="2" charset="2"/>
+              </a:rPr>
+              <a:t>This is fine:</a:t>
+            </a:r>
+          </a:p>
+          <a:p>
+            <a:pPr lvl="2"/>
+            <a:r>
+              <a:rPr lang="en-US" altLang="en-US" sz="1800" dirty="0">
+                <a:sym typeface="Wingdings" pitchFamily="2" charset="2"/>
+              </a:rPr>
+              <a:t>Initial state satisfies P, and also (g1  Cond1). Thus, whenever g1 is true in the initial state, Cond1 is an implied fact. So g1 /\ Cond1 is like g1 by itself.</a:t>
+            </a:r>
+          </a:p>
+          <a:p>
+            <a:pPr lvl="2"/>
+            <a:r>
+              <a:rPr lang="en-US" altLang="en-US" sz="1800" dirty="0">
+                <a:sym typeface="Wingdings" pitchFamily="2" charset="2"/>
+              </a:rPr>
+              <a:t>Thus “a1” can be conducted in the initial state , to obtain the next set of states. (No change </a:t>
+            </a:r>
+            <a:r>
+              <a:rPr lang="en-US" altLang="en-US" sz="1800" dirty="0" err="1">
+                <a:sym typeface="Wingdings" pitchFamily="2" charset="2"/>
+              </a:rPr>
+              <a:t>wrt</a:t>
+            </a:r>
+            <a:r>
+              <a:rPr lang="en-US" altLang="en-US" sz="1800" dirty="0">
+                <a:sym typeface="Wingdings" pitchFamily="2" charset="2"/>
+              </a:rPr>
+              <a:t> g2 and a2, so they are like before.)</a:t>
+            </a:r>
+          </a:p>
+          <a:p>
+            <a:pPr lvl="1"/>
+            <a:r>
+              <a:rPr lang="en-US" altLang="en-US" sz="2200" dirty="0">
+                <a:sym typeface="Wingdings" pitchFamily="2" charset="2"/>
+              </a:rPr>
+              <a:t>In general</a:t>
+            </a:r>
+          </a:p>
+          <a:p>
+            <a:pPr lvl="2"/>
+            <a:r>
+              <a:rPr lang="en-US" altLang="en-US" sz="1800" dirty="0">
+                <a:sym typeface="Wingdings" pitchFamily="2" charset="2"/>
+              </a:rPr>
+              <a:t>At state t (by induction over time), we have P true and (g1  Cond1) true.</a:t>
+            </a:r>
+          </a:p>
+          <a:p>
+            <a:pPr lvl="2"/>
+            <a:r>
+              <a:rPr lang="en-US" altLang="en-US" sz="1800" dirty="0">
+                <a:sym typeface="Wingdings" pitchFamily="2" charset="2"/>
+              </a:rPr>
+              <a:t>Thus , g1, when true, implies Cond1 at time t. Thus g1 /\ Cond1 is like g1 (same truth status) at time t</a:t>
+            </a:r>
+          </a:p>
+          <a:p>
+            <a:pPr lvl="3"/>
+            <a:r>
+              <a:rPr lang="en-US" altLang="en-US" sz="1600" dirty="0">
+                <a:sym typeface="Wingdings" pitchFamily="2" charset="2"/>
+              </a:rPr>
+              <a:t>Thus we can obtain the state at t+1 safely via “a1”</a:t>
+            </a:r>
+          </a:p>
+        </p:txBody>
+      </p:sp>
+    </p:spTree>
+  </p:cSld>
+  <p:clrMapOvr>
+    <a:masterClrMapping/>
+  </p:clrMapOvr>
+</p:sld>
+</file>
+
+<file path=ppt/slides/slide15.xml><?xml version="1.0" encoding="utf-8"?>
+<p:sld xmlns:a="http://schemas.openxmlformats.org/drawingml/2006/main" xmlns:r="http://schemas.openxmlformats.org/officeDocument/2006/relationships" xmlns:p="http://schemas.openxmlformats.org/presentationml/2006/main">
+  <p:cSld>
+    <p:spTree>
+      <p:nvGrpSpPr>
+        <p:cNvPr id="1" name=""/>
+        <p:cNvGrpSpPr/>
+        <p:nvPr/>
+      </p:nvGrpSpPr>
+      <p:grpSpPr>
+        <a:xfrm>
+          <a:off x="0" y="0"/>
+          <a:ext cx="0" cy="0"/>
+          <a:chOff x="0" y="0"/>
+          <a:chExt cx="0" cy="0"/>
+        </a:xfrm>
+      </p:grpSpPr>
+      <p:sp>
+        <p:nvSpPr>
           <p:cNvPr id="7" name="Slide Number Placeholder 4">
             <a:extLst>
               <a:ext uri="{FF2B5EF4-FFF2-40B4-BE49-F238E27FC236}">
@@ -6193,7 +6322,7 @@
             <a:fld id="{A2E1FAD9-630B-2C49-ACA2-DED4191688FD}" type="slidenum">
               <a:rPr lang="en-US" altLang="en-US"/>
               <a:pPr/>
-              <a:t>14</a:t>
+              <a:t>15</a:t>
             </a:fld>
             <a:endParaRPr lang="en-US" altLang="en-US"/>
           </a:p>
@@ -6839,7 +6968,7 @@
           <a:graphicData uri="http://schemas.openxmlformats.org/presentationml/2006/ole">
             <mc:AlternateContent xmlns:mc="http://schemas.openxmlformats.org/markup-compatibility/2006">
               <mc:Choice xmlns:v="urn:schemas-microsoft-com:vml" Requires="v">
-                <p:oleObj spid="_x0000_s10255" name="Visio" r:id="rId4" imgW="3733800" imgH="3136900" progId="Visio.Drawing.6">
+                <p:oleObj spid="_x0000_s10257" name="Visio" r:id="rId4" imgW="3733800" imgH="3136900" progId="Visio.Drawing.6">
                   <p:embed/>
                 </p:oleObj>
               </mc:Choice>
@@ -7101,125 +7230,6 @@
 </p:sld>
 </file>
 
-<file path=ppt/slides/slide15.xml><?xml version="1.0" encoding="utf-8"?>
-<p:sld xmlns:a="http://schemas.openxmlformats.org/drawingml/2006/main" xmlns:r="http://schemas.openxmlformats.org/officeDocument/2006/relationships" xmlns:p="http://schemas.openxmlformats.org/presentationml/2006/main">
-  <p:cSld>
-    <p:spTree>
-      <p:nvGrpSpPr>
-        <p:cNvPr id="1" name=""/>
-        <p:cNvGrpSpPr/>
-        <p:nvPr/>
-      </p:nvGrpSpPr>
-      <p:grpSpPr>
-        <a:xfrm>
-          <a:off x="0" y="0"/>
-          <a:ext cx="0" cy="0"/>
-          <a:chOff x="0" y="0"/>
-          <a:chExt cx="0" cy="0"/>
-        </a:xfrm>
-      </p:grpSpPr>
-      <p:sp>
-        <p:nvSpPr>
-          <p:cNvPr id="4" name="Slide Number Placeholder 4">
-            <a:extLst>
-              <a:ext uri="{FF2B5EF4-FFF2-40B4-BE49-F238E27FC236}">
-                <a16:creationId xmlns:a16="http://schemas.microsoft.com/office/drawing/2014/main" id="{461A030F-AD16-9943-AEC3-49BDD026C600}"/>
-              </a:ext>
-            </a:extLst>
-          </p:cNvPr>
-          <p:cNvSpPr>
-            <a:spLocks noGrp="1"/>
-          </p:cNvSpPr>
-          <p:nvPr>
-            <p:ph type="sldNum" sz="quarter" idx="11"/>
-          </p:nvPr>
-        </p:nvSpPr>
-        <p:spPr/>
-        <p:txBody>
-          <a:bodyPr/>
-          <a:lstStyle/>
-          <a:p>
-            <a:fld id="{8815C8A4-232F-1B49-B077-177DB39ECBA0}" type="slidenum">
-              <a:rPr lang="en-US" altLang="en-US"/>
-              <a:pPr/>
-              <a:t>15</a:t>
-            </a:fld>
-            <a:endParaRPr lang="en-US" altLang="en-US"/>
-          </a:p>
-        </p:txBody>
-      </p:sp>
-      <p:sp>
-        <p:nvSpPr>
-          <p:cNvPr id="737282" name="Rectangle 2">
-            <a:extLst>
-              <a:ext uri="{FF2B5EF4-FFF2-40B4-BE49-F238E27FC236}">
-                <a16:creationId xmlns:a16="http://schemas.microsoft.com/office/drawing/2014/main" id="{16B329F7-E383-D44D-89D8-87D61EDFE4F1}"/>
-              </a:ext>
-            </a:extLst>
-          </p:cNvPr>
-          <p:cNvSpPr>
-            <a:spLocks noGrp="1" noChangeArrowheads="1"/>
-          </p:cNvSpPr>
-          <p:nvPr>
-            <p:ph type="title"/>
-          </p:nvPr>
-        </p:nvSpPr>
-        <p:spPr/>
-        <p:txBody>
-          <a:bodyPr>
-            <a:normAutofit fontScale="90000"/>
-          </a:bodyPr>
-          <a:lstStyle/>
-          <a:p>
-            <a:r>
-              <a:rPr lang="en-US" altLang="en-US" dirty="0"/>
-              <a:t>The CMP Approach</a:t>
-            </a:r>
-          </a:p>
-        </p:txBody>
-      </p:sp>
-      <p:sp>
-        <p:nvSpPr>
-          <p:cNvPr id="737283" name="Rectangle 3">
-            <a:extLst>
-              <a:ext uri="{FF2B5EF4-FFF2-40B4-BE49-F238E27FC236}">
-                <a16:creationId xmlns:a16="http://schemas.microsoft.com/office/drawing/2014/main" id="{9CC4CB9F-EA6A-DE43-A474-1F6DD39E40C7}"/>
-              </a:ext>
-            </a:extLst>
-          </p:cNvPr>
-          <p:cNvSpPr>
-            <a:spLocks noGrp="1" noChangeArrowheads="1"/>
-          </p:cNvSpPr>
-          <p:nvPr>
-            <p:ph type="body" idx="1"/>
-          </p:nvPr>
-        </p:nvSpPr>
-        <p:spPr/>
-        <p:txBody>
-          <a:bodyPr/>
-          <a:lstStyle/>
-          <a:p>
-            <a:r>
-              <a:rPr lang="en-US" altLang="en-US"/>
-              <a:t>Weaken to the Extreme</a:t>
-            </a:r>
-          </a:p>
-          <a:p>
-            <a:r>
-              <a:rPr lang="en-US" altLang="en-US"/>
-              <a:t>Then Strengthen Back Just Enough (to pass all properties)</a:t>
-            </a:r>
-          </a:p>
-        </p:txBody>
-      </p:sp>
-    </p:spTree>
-  </p:cSld>
-  <p:clrMapOvr>
-    <a:masterClrMapping/>
-  </p:clrMapOvr>
-</p:sld>
-</file>
-
 <file path=ppt/slides/slide16.xml><?xml version="1.0" encoding="utf-8"?>
 <p:sld xmlns:a="http://schemas.openxmlformats.org/drawingml/2006/main" xmlns:r="http://schemas.openxmlformats.org/officeDocument/2006/relationships" xmlns:p="http://schemas.openxmlformats.org/presentationml/2006/main">
   <p:cSld>
@@ -7239,10 +7249,10 @@
       </p:grpSpPr>
       <p:sp>
         <p:nvSpPr>
-          <p:cNvPr id="7" name="Slide Number Placeholder 4">
-            <a:extLst>
-              <a:ext uri="{FF2B5EF4-FFF2-40B4-BE49-F238E27FC236}">
-                <a16:creationId xmlns:a16="http://schemas.microsoft.com/office/drawing/2014/main" id="{967656E2-1C7A-4044-81DE-E3EA12D85513}"/>
+          <p:cNvPr id="4" name="Slide Number Placeholder 4">
+            <a:extLst>
+              <a:ext uri="{FF2B5EF4-FFF2-40B4-BE49-F238E27FC236}">
+                <a16:creationId xmlns:a16="http://schemas.microsoft.com/office/drawing/2014/main" id="{461A030F-AD16-9943-AEC3-49BDD026C600}"/>
               </a:ext>
             </a:extLst>
           </p:cNvPr>
@@ -7258,7 +7268,7 @@
           <a:bodyPr/>
           <a:lstStyle/>
           <a:p>
-            <a:fld id="{792ABE0A-7EC7-4847-827B-88938AEDCC85}" type="slidenum">
+            <a:fld id="{8815C8A4-232F-1B49-B077-177DB39ECBA0}" type="slidenum">
               <a:rPr lang="en-US" altLang="en-US"/>
               <a:pPr/>
               <a:t>16</a:t>
@@ -7269,10 +7279,10 @@
       </p:sp>
       <p:sp>
         <p:nvSpPr>
-          <p:cNvPr id="729090" name="Rectangle 2">
-            <a:extLst>
-              <a:ext uri="{FF2B5EF4-FFF2-40B4-BE49-F238E27FC236}">
-                <a16:creationId xmlns:a16="http://schemas.microsoft.com/office/drawing/2014/main" id="{04F1ED81-FB87-6D49-ABA7-DA409575337C}"/>
+          <p:cNvPr id="737282" name="Rectangle 2">
+            <a:extLst>
+              <a:ext uri="{FF2B5EF4-FFF2-40B4-BE49-F238E27FC236}">
+                <a16:creationId xmlns:a16="http://schemas.microsoft.com/office/drawing/2014/main" id="{16B329F7-E383-D44D-89D8-87D61EDFE4F1}"/>
               </a:ext>
             </a:extLst>
           </p:cNvPr>
@@ -7281,6 +7291,36 @@
           </p:cNvSpPr>
           <p:nvPr>
             <p:ph type="title"/>
+          </p:nvPr>
+        </p:nvSpPr>
+        <p:spPr/>
+        <p:txBody>
+          <a:bodyPr>
+            <a:normAutofit fontScale="90000"/>
+          </a:bodyPr>
+          <a:lstStyle/>
+          <a:p>
+            <a:r>
+              <a:rPr lang="en-US" altLang="en-US" dirty="0"/>
+              <a:t>The CMP Approach</a:t>
+            </a:r>
+          </a:p>
+        </p:txBody>
+      </p:sp>
+      <p:sp>
+        <p:nvSpPr>
+          <p:cNvPr id="737283" name="Rectangle 3">
+            <a:extLst>
+              <a:ext uri="{FF2B5EF4-FFF2-40B4-BE49-F238E27FC236}">
+                <a16:creationId xmlns:a16="http://schemas.microsoft.com/office/drawing/2014/main" id="{9CC4CB9F-EA6A-DE43-A474-1F6DD39E40C7}"/>
+              </a:ext>
+            </a:extLst>
+          </p:cNvPr>
+          <p:cNvSpPr>
+            <a:spLocks noGrp="1" noChangeArrowheads="1"/>
+          </p:cNvSpPr>
+          <p:nvPr>
+            <p:ph type="body" idx="1"/>
           </p:nvPr>
         </p:nvSpPr>
         <p:spPr/>
@@ -7289,580 +7329,15 @@
           <a:lstStyle/>
           <a:p>
             <a:r>
-              <a:rPr lang="en-US" altLang="en-US" sz="3200" dirty="0"/>
-              <a:t>Weaken to the Extreme sounds crazy at first!</a:t>
-            </a:r>
-          </a:p>
-        </p:txBody>
-      </p:sp>
-      <p:sp>
-        <p:nvSpPr>
-          <p:cNvPr id="729091" name="Rectangle 3">
-            <a:extLst>
-              <a:ext uri="{FF2B5EF4-FFF2-40B4-BE49-F238E27FC236}">
-                <a16:creationId xmlns:a16="http://schemas.microsoft.com/office/drawing/2014/main" id="{8C05991D-8C95-E946-914D-AF6689B80410}"/>
-              </a:ext>
-            </a:extLst>
-          </p:cNvPr>
-          <p:cNvSpPr>
-            <a:spLocks noGrp="1" noChangeArrowheads="1"/>
-          </p:cNvSpPr>
-          <p:nvPr>
-            <p:ph type="body" idx="1"/>
-          </p:nvPr>
-        </p:nvSpPr>
-        <p:spPr>
-          <a:xfrm>
-            <a:off x="1752601" y="1905000"/>
-            <a:ext cx="4614863" cy="1600200"/>
-          </a:xfrm>
-        </p:spPr>
-        <p:txBody>
-          <a:bodyPr/>
-          <a:lstStyle/>
-          <a:p>
-            <a:pPr lvl="1">
-              <a:lnSpc>
-                <a:spcPct val="110000"/>
-              </a:lnSpc>
-              <a:buFont typeface="Wingdings" pitchFamily="2" charset="2"/>
-              <a:buNone/>
-            </a:pPr>
-            <a:r>
-              <a:rPr lang="en-US" altLang="en-US" b="1"/>
-              <a:t>Rule1:  g1 \/ </a:t>
-            </a:r>
-            <a:r>
-              <a:rPr lang="en-US" altLang="en-US" b="1">
-                <a:solidFill>
-                  <a:srgbClr val="0000FF"/>
-                </a:solidFill>
-              </a:rPr>
-              <a:t>True</a:t>
-            </a:r>
-            <a:r>
-              <a:rPr lang="en-US" altLang="en-US" b="1"/>
-              <a:t> </a:t>
-            </a:r>
-            <a:r>
-              <a:rPr lang="en-US" altLang="en-US" b="1">
-                <a:sym typeface="Wingdings" pitchFamily="2" charset="2"/>
-              </a:rPr>
-              <a:t>==&gt; a1</a:t>
-            </a:r>
-          </a:p>
-          <a:p>
-            <a:pPr lvl="1">
-              <a:lnSpc>
-                <a:spcPct val="110000"/>
-              </a:lnSpc>
-              <a:buFont typeface="Wingdings" pitchFamily="2" charset="2"/>
-              <a:buNone/>
-            </a:pPr>
-            <a:r>
-              <a:rPr lang="en-US" altLang="en-US" b="1">
-                <a:sym typeface="Wingdings" pitchFamily="2" charset="2"/>
-              </a:rPr>
-              <a:t>Rule2:  g2 ==&gt; a2</a:t>
-            </a:r>
-          </a:p>
-          <a:p>
-            <a:pPr lvl="1">
-              <a:lnSpc>
-                <a:spcPct val="110000"/>
-              </a:lnSpc>
-              <a:buFont typeface="Wingdings" pitchFamily="2" charset="2"/>
-              <a:buNone/>
-            </a:pPr>
-            <a:r>
-              <a:rPr lang="en-US" altLang="en-US" b="1">
-                <a:sym typeface="Wingdings" pitchFamily="2" charset="2"/>
-              </a:rPr>
-              <a:t>Invariant P</a:t>
-            </a:r>
-            <a:endParaRPr lang="en-US" altLang="en-US" b="1">
-              <a:solidFill>
-                <a:srgbClr val="0000FF"/>
-              </a:solidFill>
-              <a:sym typeface="Wingdings" pitchFamily="2" charset="2"/>
-            </a:endParaRPr>
-          </a:p>
-        </p:txBody>
-      </p:sp>
-      <p:sp>
-        <p:nvSpPr>
-          <p:cNvPr id="729095" name="Text Box 7">
-            <a:extLst>
-              <a:ext uri="{FF2B5EF4-FFF2-40B4-BE49-F238E27FC236}">
-                <a16:creationId xmlns:a16="http://schemas.microsoft.com/office/drawing/2014/main" id="{993AC955-4D0F-F648-B57C-9EE1BA3905CC}"/>
-              </a:ext>
-            </a:extLst>
-          </p:cNvPr>
-          <p:cNvSpPr txBox="1">
-            <a:spLocks noChangeArrowheads="1"/>
-          </p:cNvSpPr>
-          <p:nvPr/>
-        </p:nvSpPr>
-        <p:spPr bwMode="auto">
-          <a:xfrm>
-            <a:off x="535011" y="3217196"/>
-            <a:ext cx="10076221" cy="1034129"/>
-          </a:xfrm>
-          <a:prstGeom prst="rect">
-            <a:avLst/>
-          </a:prstGeom>
-          <a:noFill/>
-          <a:ln>
-            <a:noFill/>
-          </a:ln>
-          <a:effectLst/>
-          <a:extLst>
-            <a:ext uri="{909E8E84-426E-40DD-AFC4-6F175D3DCCD1}">
-              <a14:hiddenFill xmlns:a14="http://schemas.microsoft.com/office/drawing/2010/main">
-                <a:solidFill>
-                  <a:schemeClr val="accent1"/>
-                </a:solidFill>
-              </a14:hiddenFill>
-            </a:ext>
-            <a:ext uri="{91240B29-F687-4F45-9708-019B960494DF}">
-              <a14:hiddenLine xmlns:a14="http://schemas.microsoft.com/office/drawing/2010/main" w="9525" algn="ctr">
-                <a:solidFill>
-                  <a:schemeClr val="tx1"/>
-                </a:solidFill>
-                <a:miter lim="800000"/>
-                <a:headEnd/>
-                <a:tailEnd/>
-              </a14:hiddenLine>
-            </a:ext>
-            <a:ext uri="{AF507438-7753-43E0-B8FC-AC1667EBCBE1}">
-              <a14:hiddenEffects xmlns:a14="http://schemas.microsoft.com/office/drawing/2010/main">
-                <a:effectLst>
-                  <a:outerShdw dist="35921" dir="2700000" algn="ctr" rotWithShape="0">
-                    <a:schemeClr val="bg2"/>
-                  </a:outerShdw>
-                </a:effectLst>
-              </a14:hiddenEffects>
-            </a:ext>
-          </a:extLst>
-        </p:spPr>
-        <p:txBody>
-          <a:bodyPr wrap="none">
-            <a:spAutoFit/>
-          </a:bodyPr>
-          <a:lstStyle>
-            <a:lvl1pPr marL="469900" indent="-469900" algn="l">
-              <a:spcBef>
-                <a:spcPct val="0"/>
-              </a:spcBef>
-              <a:defRPr>
-                <a:solidFill>
-                  <a:schemeClr val="tx1"/>
-                </a:solidFill>
-                <a:latin typeface="Arial" panose="020B0604020202020204" pitchFamily="34" charset="0"/>
-              </a:defRPr>
-            </a:lvl1pPr>
-            <a:lvl2pPr algn="l">
-              <a:spcBef>
-                <a:spcPct val="0"/>
-              </a:spcBef>
-              <a:defRPr>
-                <a:solidFill>
-                  <a:schemeClr val="tx1"/>
-                </a:solidFill>
-                <a:latin typeface="Arial" panose="020B0604020202020204" pitchFamily="34" charset="0"/>
-              </a:defRPr>
-            </a:lvl2pPr>
-            <a:lvl3pPr algn="l">
-              <a:spcBef>
-                <a:spcPct val="0"/>
-              </a:spcBef>
-              <a:defRPr>
-                <a:solidFill>
-                  <a:schemeClr val="tx1"/>
-                </a:solidFill>
-                <a:latin typeface="Arial" panose="020B0604020202020204" pitchFamily="34" charset="0"/>
-              </a:defRPr>
-            </a:lvl3pPr>
-            <a:lvl4pPr algn="l">
-              <a:spcBef>
-                <a:spcPct val="0"/>
-              </a:spcBef>
-              <a:defRPr>
-                <a:solidFill>
-                  <a:schemeClr val="tx1"/>
-                </a:solidFill>
-                <a:latin typeface="Arial" panose="020B0604020202020204" pitchFamily="34" charset="0"/>
-              </a:defRPr>
-            </a:lvl4pPr>
-            <a:lvl5pPr algn="l">
-              <a:spcBef>
-                <a:spcPct val="0"/>
-              </a:spcBef>
-              <a:defRPr>
-                <a:solidFill>
-                  <a:schemeClr val="tx1"/>
-                </a:solidFill>
-                <a:latin typeface="Arial" panose="020B0604020202020204" pitchFamily="34" charset="0"/>
-              </a:defRPr>
-            </a:lvl5pPr>
-            <a:lvl6pPr fontAlgn="base">
-              <a:spcBef>
-                <a:spcPct val="0"/>
-              </a:spcBef>
-              <a:spcAft>
-                <a:spcPct val="0"/>
-              </a:spcAft>
-              <a:defRPr>
-                <a:solidFill>
-                  <a:schemeClr val="tx1"/>
-                </a:solidFill>
-                <a:latin typeface="Arial" panose="020B0604020202020204" pitchFamily="34" charset="0"/>
-              </a:defRPr>
-            </a:lvl6pPr>
-            <a:lvl7pPr fontAlgn="base">
-              <a:spcBef>
-                <a:spcPct val="0"/>
-              </a:spcBef>
-              <a:spcAft>
-                <a:spcPct val="0"/>
-              </a:spcAft>
-              <a:defRPr>
-                <a:solidFill>
-                  <a:schemeClr val="tx1"/>
-                </a:solidFill>
-                <a:latin typeface="Arial" panose="020B0604020202020204" pitchFamily="34" charset="0"/>
-              </a:defRPr>
-            </a:lvl7pPr>
-            <a:lvl8pPr fontAlgn="base">
-              <a:spcBef>
-                <a:spcPct val="0"/>
-              </a:spcBef>
-              <a:spcAft>
-                <a:spcPct val="0"/>
-              </a:spcAft>
-              <a:defRPr>
-                <a:solidFill>
-                  <a:schemeClr val="tx1"/>
-                </a:solidFill>
-                <a:latin typeface="Arial" panose="020B0604020202020204" pitchFamily="34" charset="0"/>
-              </a:defRPr>
-            </a:lvl8pPr>
-            <a:lvl9pPr fontAlgn="base">
-              <a:spcBef>
-                <a:spcPct val="0"/>
-              </a:spcBef>
-              <a:spcAft>
-                <a:spcPct val="0"/>
-              </a:spcAft>
-              <a:defRPr>
-                <a:solidFill>
-                  <a:schemeClr val="tx1"/>
-                </a:solidFill>
-                <a:latin typeface="Arial" panose="020B0604020202020204" pitchFamily="34" charset="0"/>
-              </a:defRPr>
-            </a:lvl9pPr>
-          </a:lstStyle>
-          <a:p>
-            <a:pPr algn="ctr">
-              <a:spcBef>
-                <a:spcPct val="20000"/>
-              </a:spcBef>
-              <a:buFont typeface="Wingdings" pitchFamily="2" charset="2"/>
-              <a:buNone/>
-            </a:pPr>
-            <a:r>
-              <a:rPr lang="en-US" altLang="en-US" i="1" dirty="0"/>
-              <a:t>The transition system above</a:t>
-            </a:r>
-          </a:p>
-          <a:p>
-            <a:pPr algn="ctr">
-              <a:spcBef>
-                <a:spcPct val="20000"/>
-              </a:spcBef>
-              <a:buFont typeface="Wingdings" pitchFamily="2" charset="2"/>
-              <a:buNone/>
-            </a:pPr>
-            <a:r>
-              <a:rPr lang="en-US" altLang="en-US" i="1" dirty="0"/>
-              <a:t>can be transformed to the one below without any issues</a:t>
-            </a:r>
-          </a:p>
-          <a:p>
-            <a:pPr algn="ctr">
-              <a:spcBef>
-                <a:spcPct val="20000"/>
-              </a:spcBef>
-              <a:buFont typeface="Wingdings" pitchFamily="2" charset="2"/>
-              <a:buNone/>
-            </a:pPr>
-            <a:r>
-              <a:rPr lang="en-US" altLang="en-US" i="1" dirty="0"/>
-              <a:t>(except the proof of P being an invariant might not go through) – but that will be fixed momentarily</a:t>
-            </a:r>
-          </a:p>
-        </p:txBody>
-      </p:sp>
-      <p:sp>
-        <p:nvSpPr>
-          <p:cNvPr id="729096" name="Rectangle 8">
-            <a:extLst>
-              <a:ext uri="{FF2B5EF4-FFF2-40B4-BE49-F238E27FC236}">
-                <a16:creationId xmlns:a16="http://schemas.microsoft.com/office/drawing/2014/main" id="{3D9D7F00-DAD2-D44B-AF8B-D70C97CE741C}"/>
-              </a:ext>
-            </a:extLst>
-          </p:cNvPr>
-          <p:cNvSpPr>
-            <a:spLocks noChangeArrowheads="1"/>
-          </p:cNvSpPr>
-          <p:nvPr/>
-        </p:nvSpPr>
-        <p:spPr bwMode="auto">
-          <a:xfrm>
-            <a:off x="1752601" y="4419600"/>
-            <a:ext cx="4614863" cy="1600200"/>
-          </a:xfrm>
-          <a:prstGeom prst="rect">
-            <a:avLst/>
-          </a:prstGeom>
-          <a:noFill/>
-          <a:ln>
-            <a:noFill/>
-          </a:ln>
-          <a:effectLst/>
-          <a:extLst>
-            <a:ext uri="{909E8E84-426E-40DD-AFC4-6F175D3DCCD1}">
-              <a14:hiddenFill xmlns:a14="http://schemas.microsoft.com/office/drawing/2010/main">
-                <a:solidFill>
-                  <a:schemeClr val="accent1"/>
-                </a:solidFill>
-              </a14:hiddenFill>
-            </a:ext>
-            <a:ext uri="{91240B29-F687-4F45-9708-019B960494DF}">
-              <a14:hiddenLine xmlns:a14="http://schemas.microsoft.com/office/drawing/2010/main" w="9525">
-                <a:solidFill>
-                  <a:schemeClr val="tx1"/>
-                </a:solidFill>
-                <a:miter lim="800000"/>
-                <a:headEnd/>
-                <a:tailEnd/>
-              </a14:hiddenLine>
-            </a:ext>
-            <a:ext uri="{AF507438-7753-43E0-B8FC-AC1667EBCBE1}">
-              <a14:hiddenEffects xmlns:a14="http://schemas.microsoft.com/office/drawing/2010/main">
-                <a:effectLst>
-                  <a:outerShdw dist="35921" dir="2700000" algn="ctr" rotWithShape="0">
-                    <a:schemeClr val="bg2"/>
-                  </a:outerShdw>
-                </a:effectLst>
-              </a14:hiddenEffects>
-            </a:ext>
-          </a:extLst>
-        </p:spPr>
-        <p:txBody>
-          <a:bodyPr/>
-          <a:lstStyle>
-            <a:lvl1pPr marL="469900" indent="-469900" algn="l">
-              <a:defRPr sz="3000">
-                <a:solidFill>
-                  <a:schemeClr val="tx1"/>
-                </a:solidFill>
-                <a:latin typeface="Arial" panose="020B0604020202020204" pitchFamily="34" charset="0"/>
-              </a:defRPr>
-            </a:lvl1pPr>
-            <a:lvl2pPr marL="908050" indent="-436563" algn="l">
-              <a:buChar char="n"/>
-              <a:defRPr sz="2600">
-                <a:solidFill>
-                  <a:schemeClr val="tx1"/>
-                </a:solidFill>
-                <a:latin typeface="Arial" panose="020B0604020202020204" pitchFamily="34" charset="0"/>
-              </a:defRPr>
-            </a:lvl2pPr>
-            <a:lvl3pPr marL="1304925" indent="-395288" algn="l">
-              <a:defRPr sz="2300">
-                <a:solidFill>
-                  <a:schemeClr val="tx1"/>
-                </a:solidFill>
-                <a:latin typeface="Arial" panose="020B0604020202020204" pitchFamily="34" charset="0"/>
-              </a:defRPr>
-            </a:lvl3pPr>
-            <a:lvl4pPr marL="1693863" indent="-387350" algn="l">
-              <a:buChar char="n"/>
-              <a:defRPr sz="2000">
-                <a:solidFill>
-                  <a:schemeClr val="tx1"/>
-                </a:solidFill>
-                <a:latin typeface="Arial" panose="020B0604020202020204" pitchFamily="34" charset="0"/>
-              </a:defRPr>
-            </a:lvl4pPr>
-            <a:lvl5pPr marL="2093913" indent="-398463" algn="l">
-              <a:spcBef>
-                <a:spcPct val="25000"/>
-              </a:spcBef>
-              <a:buChar char="§"/>
-              <a:defRPr sz="2000">
-                <a:solidFill>
-                  <a:schemeClr val="tx1"/>
-                </a:solidFill>
-                <a:latin typeface="Arial" panose="020B0604020202020204" pitchFamily="34" charset="0"/>
-              </a:defRPr>
-            </a:lvl5pPr>
-            <a:lvl6pPr marL="2551113" indent="-398463" fontAlgn="base">
-              <a:lnSpc>
-                <a:spcPct val="120000"/>
-              </a:lnSpc>
-              <a:spcBef>
-                <a:spcPct val="25000"/>
-              </a:spcBef>
-              <a:spcAft>
-                <a:spcPct val="0"/>
-              </a:spcAft>
-              <a:buClr>
-                <a:schemeClr val="accent2"/>
-              </a:buClr>
-              <a:buFont typeface="Wingdings" pitchFamily="2" charset="2"/>
-              <a:buChar char="§"/>
-              <a:defRPr sz="2000">
-                <a:solidFill>
-                  <a:schemeClr val="tx1"/>
-                </a:solidFill>
-                <a:latin typeface="Arial" panose="020B0604020202020204" pitchFamily="34" charset="0"/>
-              </a:defRPr>
-            </a:lvl6pPr>
-            <a:lvl7pPr marL="3008313" indent="-398463" fontAlgn="base">
-              <a:lnSpc>
-                <a:spcPct val="120000"/>
-              </a:lnSpc>
-              <a:spcBef>
-                <a:spcPct val="25000"/>
-              </a:spcBef>
-              <a:spcAft>
-                <a:spcPct val="0"/>
-              </a:spcAft>
-              <a:buClr>
-                <a:schemeClr val="accent2"/>
-              </a:buClr>
-              <a:buFont typeface="Wingdings" pitchFamily="2" charset="2"/>
-              <a:buChar char="§"/>
-              <a:defRPr sz="2000">
-                <a:solidFill>
-                  <a:schemeClr val="tx1"/>
-                </a:solidFill>
-                <a:latin typeface="Arial" panose="020B0604020202020204" pitchFamily="34" charset="0"/>
-              </a:defRPr>
-            </a:lvl7pPr>
-            <a:lvl8pPr marL="3465513" indent="-398463" fontAlgn="base">
-              <a:lnSpc>
-                <a:spcPct val="120000"/>
-              </a:lnSpc>
-              <a:spcBef>
-                <a:spcPct val="25000"/>
-              </a:spcBef>
-              <a:spcAft>
-                <a:spcPct val="0"/>
-              </a:spcAft>
-              <a:buClr>
-                <a:schemeClr val="accent2"/>
-              </a:buClr>
-              <a:buFont typeface="Wingdings" pitchFamily="2" charset="2"/>
-              <a:buChar char="§"/>
-              <a:defRPr sz="2000">
-                <a:solidFill>
-                  <a:schemeClr val="tx1"/>
-                </a:solidFill>
-                <a:latin typeface="Arial" panose="020B0604020202020204" pitchFamily="34" charset="0"/>
-              </a:defRPr>
-            </a:lvl8pPr>
-            <a:lvl9pPr marL="3922713" indent="-398463" fontAlgn="base">
-              <a:lnSpc>
-                <a:spcPct val="120000"/>
-              </a:lnSpc>
-              <a:spcBef>
-                <a:spcPct val="25000"/>
-              </a:spcBef>
-              <a:spcAft>
-                <a:spcPct val="0"/>
-              </a:spcAft>
-              <a:buClr>
-                <a:schemeClr val="accent2"/>
-              </a:buClr>
-              <a:buFont typeface="Wingdings" pitchFamily="2" charset="2"/>
-              <a:buChar char="§"/>
-              <a:defRPr sz="2000">
-                <a:solidFill>
-                  <a:schemeClr val="tx1"/>
-                </a:solidFill>
-                <a:latin typeface="Arial" panose="020B0604020202020204" pitchFamily="34" charset="0"/>
-              </a:defRPr>
-            </a:lvl9pPr>
-          </a:lstStyle>
-          <a:p>
-            <a:pPr lvl="1">
-              <a:lnSpc>
-                <a:spcPct val="110000"/>
-              </a:lnSpc>
-              <a:buFont typeface="Wingdings" pitchFamily="2" charset="2"/>
-              <a:buNone/>
-            </a:pPr>
-            <a:r>
-              <a:rPr lang="en-US" altLang="en-US" b="1" dirty="0"/>
-              <a:t>Rule1:  </a:t>
-            </a:r>
-            <a:r>
-              <a:rPr lang="en-US" altLang="en-US" b="1" dirty="0">
-                <a:solidFill>
-                  <a:srgbClr val="0000FF"/>
-                </a:solidFill>
-              </a:rPr>
-              <a:t>True</a:t>
-            </a:r>
-            <a:r>
-              <a:rPr lang="en-US" altLang="en-US" b="1" dirty="0"/>
-              <a:t> </a:t>
-            </a:r>
-            <a:r>
-              <a:rPr lang="en-US" altLang="en-US" b="1" dirty="0">
-                <a:sym typeface="Wingdings" pitchFamily="2" charset="2"/>
-              </a:rPr>
-              <a:t>==&gt; a1</a:t>
-            </a:r>
-          </a:p>
-          <a:p>
-            <a:pPr lvl="1">
-              <a:lnSpc>
-                <a:spcPct val="110000"/>
-              </a:lnSpc>
-              <a:buFont typeface="Wingdings" pitchFamily="2" charset="2"/>
-              <a:buNone/>
-            </a:pPr>
-            <a:r>
-              <a:rPr lang="en-US" altLang="en-US" b="1" dirty="0">
-                <a:sym typeface="Wingdings" pitchFamily="2" charset="2"/>
-              </a:rPr>
-              <a:t>Rule2:  g2 ==&gt; a2</a:t>
-            </a:r>
-          </a:p>
-          <a:p>
-            <a:pPr lvl="1">
-              <a:lnSpc>
-                <a:spcPct val="110000"/>
-              </a:lnSpc>
-              <a:buFont typeface="Wingdings" pitchFamily="2" charset="2"/>
-              <a:buNone/>
-            </a:pPr>
-            <a:r>
-              <a:rPr lang="en-US" altLang="en-US" b="1" dirty="0">
-                <a:sym typeface="Wingdings" pitchFamily="2" charset="2"/>
-              </a:rPr>
-              <a:t>Invariant P</a:t>
-            </a:r>
-            <a:endParaRPr lang="en-US" altLang="en-US" b="1" dirty="0">
-              <a:solidFill>
-                <a:srgbClr val="0000FF"/>
-              </a:solidFill>
-              <a:sym typeface="Wingdings" pitchFamily="2" charset="2"/>
-            </a:endParaRPr>
+              <a:rPr lang="en-US" altLang="en-US"/>
+              <a:t>Weaken to the Extreme</a:t>
+            </a:r>
+          </a:p>
+          <a:p>
+            <a:r>
+              <a:rPr lang="en-US" altLang="en-US"/>
+              <a:t>Then Strengthen Back Just Enough (to pass all properties)</a:t>
+            </a:r>
           </a:p>
         </p:txBody>
       </p:sp>
@@ -7893,10 +7368,10 @@
       </p:grpSpPr>
       <p:sp>
         <p:nvSpPr>
-          <p:cNvPr id="5" name="Slide Number Placeholder 4">
-            <a:extLst>
-              <a:ext uri="{FF2B5EF4-FFF2-40B4-BE49-F238E27FC236}">
-                <a16:creationId xmlns:a16="http://schemas.microsoft.com/office/drawing/2014/main" id="{A38BD66D-60BC-7E40-AA98-98FB484601DD}"/>
+          <p:cNvPr id="7" name="Slide Number Placeholder 4">
+            <a:extLst>
+              <a:ext uri="{FF2B5EF4-FFF2-40B4-BE49-F238E27FC236}">
+                <a16:creationId xmlns:a16="http://schemas.microsoft.com/office/drawing/2014/main" id="{967656E2-1C7A-4044-81DE-E3EA12D85513}"/>
               </a:ext>
             </a:extLst>
           </p:cNvPr>
@@ -7912,7 +7387,7 @@
           <a:bodyPr/>
           <a:lstStyle/>
           <a:p>
-            <a:fld id="{9EB4539E-5128-4D4D-BDE0-E39F161B0AA1}" type="slidenum">
+            <a:fld id="{792ABE0A-7EC7-4847-827B-88938AEDCC85}" type="slidenum">
               <a:rPr lang="en-US" altLang="en-US"/>
               <a:pPr/>
               <a:t>17</a:t>
@@ -7923,10 +7398,10 @@
       </p:sp>
       <p:sp>
         <p:nvSpPr>
-          <p:cNvPr id="733186" name="Rectangle 2">
-            <a:extLst>
-              <a:ext uri="{FF2B5EF4-FFF2-40B4-BE49-F238E27FC236}">
-                <a16:creationId xmlns:a16="http://schemas.microsoft.com/office/drawing/2014/main" id="{36231EC9-6E56-4345-B32B-18564C053013}"/>
+          <p:cNvPr id="729090" name="Rectangle 2">
+            <a:extLst>
+              <a:ext uri="{FF2B5EF4-FFF2-40B4-BE49-F238E27FC236}">
+                <a16:creationId xmlns:a16="http://schemas.microsoft.com/office/drawing/2014/main" id="{04F1ED81-FB87-6D49-ABA7-DA409575337C}"/>
               </a:ext>
             </a:extLst>
           </p:cNvPr>
@@ -7943,30 +7418,124 @@
           <a:lstStyle/>
           <a:p>
             <a:r>
-              <a:rPr lang="en-US" altLang="en-US" sz="3200"/>
-              <a:t>Strengthen Back Some</a:t>
-            </a:r>
-          </a:p>
-        </p:txBody>
-      </p:sp>
-      <p:sp>
-        <p:nvSpPr>
-          <p:cNvPr id="733189" name="Rectangle 5">
-            <a:extLst>
-              <a:ext uri="{FF2B5EF4-FFF2-40B4-BE49-F238E27FC236}">
-                <a16:creationId xmlns:a16="http://schemas.microsoft.com/office/drawing/2014/main" id="{24714553-2B9D-1949-82FD-32D65CDD45E6}"/>
-              </a:ext>
-            </a:extLst>
-          </p:cNvPr>
-          <p:cNvSpPr>
-            <a:spLocks noChangeArrowheads="1"/>
-          </p:cNvSpPr>
-          <p:nvPr/>
-        </p:nvSpPr>
-        <p:spPr bwMode="auto">
+              <a:rPr lang="en-US" altLang="en-US" sz="3200" dirty="0"/>
+              <a:t>Weaken to the Extreme sounds crazy at first!</a:t>
+            </a:r>
+          </a:p>
+        </p:txBody>
+      </p:sp>
+      <p:sp>
+        <p:nvSpPr>
+          <p:cNvPr id="729091" name="Rectangle 3">
+            <a:extLst>
+              <a:ext uri="{FF2B5EF4-FFF2-40B4-BE49-F238E27FC236}">
+                <a16:creationId xmlns:a16="http://schemas.microsoft.com/office/drawing/2014/main" id="{8C05991D-8C95-E946-914D-AF6689B80410}"/>
+              </a:ext>
+            </a:extLst>
+          </p:cNvPr>
+          <p:cNvSpPr>
+            <a:spLocks noGrp="1" noChangeArrowheads="1"/>
+          </p:cNvSpPr>
+          <p:nvPr>
+            <p:ph type="body" idx="1"/>
+          </p:nvPr>
+        </p:nvSpPr>
+        <p:spPr>
           <a:xfrm>
             <a:off x="1752601" y="1905000"/>
             <a:ext cx="4614863" cy="1600200"/>
+          </a:xfrm>
+        </p:spPr>
+        <p:txBody>
+          <a:bodyPr/>
+          <a:lstStyle/>
+          <a:p>
+            <a:pPr lvl="1">
+              <a:lnSpc>
+                <a:spcPct val="110000"/>
+              </a:lnSpc>
+              <a:buFont typeface="Wingdings" pitchFamily="2" charset="2"/>
+              <a:buNone/>
+            </a:pPr>
+            <a:r>
+              <a:rPr lang="en-US" altLang="en-US" b="1"/>
+              <a:t>Rule1:  g1 \/ </a:t>
+            </a:r>
+            <a:r>
+              <a:rPr lang="en-US" altLang="en-US" b="1">
+                <a:solidFill>
+                  <a:srgbClr val="0000FF"/>
+                </a:solidFill>
+              </a:rPr>
+              <a:t>True</a:t>
+            </a:r>
+            <a:r>
+              <a:rPr lang="en-US" altLang="en-US" b="1"/>
+              <a:t> </a:t>
+            </a:r>
+            <a:r>
+              <a:rPr lang="en-US" altLang="en-US" b="1">
+                <a:sym typeface="Wingdings" pitchFamily="2" charset="2"/>
+              </a:rPr>
+              <a:t>==&gt; a1</a:t>
+            </a:r>
+          </a:p>
+          <a:p>
+            <a:pPr lvl="1">
+              <a:lnSpc>
+                <a:spcPct val="110000"/>
+              </a:lnSpc>
+              <a:buFont typeface="Wingdings" pitchFamily="2" charset="2"/>
+              <a:buNone/>
+            </a:pPr>
+            <a:r>
+              <a:rPr lang="en-US" altLang="en-US" b="1">
+                <a:sym typeface="Wingdings" pitchFamily="2" charset="2"/>
+              </a:rPr>
+              <a:t>Rule2:  g2 ==&gt; a2</a:t>
+            </a:r>
+          </a:p>
+          <a:p>
+            <a:pPr lvl="1">
+              <a:lnSpc>
+                <a:spcPct val="110000"/>
+              </a:lnSpc>
+              <a:buFont typeface="Wingdings" pitchFamily="2" charset="2"/>
+              <a:buNone/>
+            </a:pPr>
+            <a:r>
+              <a:rPr lang="en-US" altLang="en-US" b="1">
+                <a:sym typeface="Wingdings" pitchFamily="2" charset="2"/>
+              </a:rPr>
+              <a:t>Invariant P</a:t>
+            </a:r>
+            <a:endParaRPr lang="en-US" altLang="en-US" b="1">
+              <a:solidFill>
+                <a:srgbClr val="0000FF"/>
+              </a:solidFill>
+              <a:sym typeface="Wingdings" pitchFamily="2" charset="2"/>
+            </a:endParaRPr>
+          </a:p>
+        </p:txBody>
+      </p:sp>
+      <p:sp>
+        <p:nvSpPr>
+          <p:cNvPr id="729095" name="Text Box 7">
+            <a:extLst>
+              <a:ext uri="{FF2B5EF4-FFF2-40B4-BE49-F238E27FC236}">
+                <a16:creationId xmlns:a16="http://schemas.microsoft.com/office/drawing/2014/main" id="{993AC955-4D0F-F648-B57C-9EE1BA3905CC}"/>
+              </a:ext>
+            </a:extLst>
+          </p:cNvPr>
+          <p:cNvSpPr txBox="1">
+            <a:spLocks noChangeArrowheads="1"/>
+          </p:cNvSpPr>
+          <p:nvPr/>
+        </p:nvSpPr>
+        <p:spPr bwMode="auto">
+          <a:xfrm>
+            <a:off x="535011" y="3217196"/>
+            <a:ext cx="10076221" cy="1034129"/>
           </a:xfrm>
           <a:prstGeom prst="rect">
             <a:avLst/>
@@ -7985,7 +7554,7 @@
               </a14:hiddenFill>
             </a:ext>
             <a:ext uri="{91240B29-F687-4F45-9708-019B960494DF}">
-              <a14:hiddenLine xmlns:a14="http://schemas.microsoft.com/office/drawing/2010/main" w="9525">
+              <a14:hiddenLine xmlns:a14="http://schemas.microsoft.com/office/drawing/2010/main" w="9525" algn="ctr">
                 <a:solidFill>
                   <a:schemeClr val="tx1"/>
                 </a:solidFill>
@@ -8006,136 +7575,115 @@
           </a:extLst>
         </p:spPr>
         <p:txBody>
-          <a:bodyPr/>
+          <a:bodyPr wrap="none">
+            <a:spAutoFit/>
+          </a:bodyPr>
           <a:lstStyle>
             <a:lvl1pPr marL="469900" indent="-469900" algn="l">
-              <a:defRPr sz="3000">
+              <a:spcBef>
+                <a:spcPct val="0"/>
+              </a:spcBef>
+              <a:defRPr>
                 <a:solidFill>
                   <a:schemeClr val="tx1"/>
                 </a:solidFill>
                 <a:latin typeface="Arial" panose="020B0604020202020204" pitchFamily="34" charset="0"/>
               </a:defRPr>
             </a:lvl1pPr>
-            <a:lvl2pPr marL="908050" indent="-436563" algn="l">
-              <a:buChar char="n"/>
-              <a:defRPr sz="2600">
+            <a:lvl2pPr algn="l">
+              <a:spcBef>
+                <a:spcPct val="0"/>
+              </a:spcBef>
+              <a:defRPr>
                 <a:solidFill>
                   <a:schemeClr val="tx1"/>
                 </a:solidFill>
                 <a:latin typeface="Arial" panose="020B0604020202020204" pitchFamily="34" charset="0"/>
               </a:defRPr>
             </a:lvl2pPr>
-            <a:lvl3pPr marL="1304925" indent="-395288" algn="l">
-              <a:defRPr sz="2300">
+            <a:lvl3pPr algn="l">
+              <a:spcBef>
+                <a:spcPct val="0"/>
+              </a:spcBef>
+              <a:defRPr>
                 <a:solidFill>
                   <a:schemeClr val="tx1"/>
                 </a:solidFill>
                 <a:latin typeface="Arial" panose="020B0604020202020204" pitchFamily="34" charset="0"/>
               </a:defRPr>
             </a:lvl3pPr>
-            <a:lvl4pPr marL="1693863" indent="-387350" algn="l">
-              <a:buChar char="n"/>
-              <a:defRPr sz="2000">
+            <a:lvl4pPr algn="l">
+              <a:spcBef>
+                <a:spcPct val="0"/>
+              </a:spcBef>
+              <a:defRPr>
                 <a:solidFill>
                   <a:schemeClr val="tx1"/>
                 </a:solidFill>
                 <a:latin typeface="Arial" panose="020B0604020202020204" pitchFamily="34" charset="0"/>
               </a:defRPr>
             </a:lvl4pPr>
-            <a:lvl5pPr marL="2093913" indent="-398463" algn="l">
+            <a:lvl5pPr algn="l">
               <a:spcBef>
-                <a:spcPct val="25000"/>
+                <a:spcPct val="0"/>
               </a:spcBef>
-              <a:buChar char="§"/>
-              <a:defRPr sz="2000">
+              <a:defRPr>
                 <a:solidFill>
                   <a:schemeClr val="tx1"/>
                 </a:solidFill>
                 <a:latin typeface="Arial" panose="020B0604020202020204" pitchFamily="34" charset="0"/>
               </a:defRPr>
             </a:lvl5pPr>
-            <a:lvl6pPr marL="2551113" indent="-398463" fontAlgn="base">
-              <a:lnSpc>
-                <a:spcPct val="120000"/>
-              </a:lnSpc>
+            <a:lvl6pPr fontAlgn="base">
               <a:spcBef>
-                <a:spcPct val="25000"/>
+                <a:spcPct val="0"/>
               </a:spcBef>
               <a:spcAft>
                 <a:spcPct val="0"/>
               </a:spcAft>
-              <a:buClr>
-                <a:schemeClr val="accent2"/>
-              </a:buClr>
-              <a:buFont typeface="Wingdings" pitchFamily="2" charset="2"/>
-              <a:buChar char="§"/>
-              <a:defRPr sz="2000">
+              <a:defRPr>
                 <a:solidFill>
                   <a:schemeClr val="tx1"/>
                 </a:solidFill>
                 <a:latin typeface="Arial" panose="020B0604020202020204" pitchFamily="34" charset="0"/>
               </a:defRPr>
             </a:lvl6pPr>
-            <a:lvl7pPr marL="3008313" indent="-398463" fontAlgn="base">
-              <a:lnSpc>
-                <a:spcPct val="120000"/>
-              </a:lnSpc>
+            <a:lvl7pPr fontAlgn="base">
               <a:spcBef>
-                <a:spcPct val="25000"/>
+                <a:spcPct val="0"/>
               </a:spcBef>
               <a:spcAft>
                 <a:spcPct val="0"/>
               </a:spcAft>
-              <a:buClr>
-                <a:schemeClr val="accent2"/>
-              </a:buClr>
-              <a:buFont typeface="Wingdings" pitchFamily="2" charset="2"/>
-              <a:buChar char="§"/>
-              <a:defRPr sz="2000">
+              <a:defRPr>
                 <a:solidFill>
                   <a:schemeClr val="tx1"/>
                 </a:solidFill>
                 <a:latin typeface="Arial" panose="020B0604020202020204" pitchFamily="34" charset="0"/>
               </a:defRPr>
             </a:lvl7pPr>
-            <a:lvl8pPr marL="3465513" indent="-398463" fontAlgn="base">
-              <a:lnSpc>
-                <a:spcPct val="120000"/>
-              </a:lnSpc>
+            <a:lvl8pPr fontAlgn="base">
               <a:spcBef>
-                <a:spcPct val="25000"/>
+                <a:spcPct val="0"/>
               </a:spcBef>
               <a:spcAft>
                 <a:spcPct val="0"/>
               </a:spcAft>
-              <a:buClr>
-                <a:schemeClr val="accent2"/>
-              </a:buClr>
-              <a:buFont typeface="Wingdings" pitchFamily="2" charset="2"/>
-              <a:buChar char="§"/>
-              <a:defRPr sz="2000">
+              <a:defRPr>
                 <a:solidFill>
                   <a:schemeClr val="tx1"/>
                 </a:solidFill>
                 <a:latin typeface="Arial" panose="020B0604020202020204" pitchFamily="34" charset="0"/>
               </a:defRPr>
             </a:lvl8pPr>
-            <a:lvl9pPr marL="3922713" indent="-398463" fontAlgn="base">
-              <a:lnSpc>
-                <a:spcPct val="120000"/>
-              </a:lnSpc>
+            <a:lvl9pPr fontAlgn="base">
               <a:spcBef>
-                <a:spcPct val="25000"/>
+                <a:spcPct val="0"/>
               </a:spcBef>
               <a:spcAft>
                 <a:spcPct val="0"/>
               </a:spcAft>
-              <a:buClr>
-                <a:schemeClr val="accent2"/>
-              </a:buClr>
-              <a:buFont typeface="Wingdings" pitchFamily="2" charset="2"/>
-              <a:buChar char="§"/>
-              <a:defRPr sz="2000">
+              <a:defRPr>
                 <a:solidFill>
                   <a:schemeClr val="tx1"/>
                 </a:solidFill>
@@ -8144,104 +7692,64 @@
             </a:lvl9pPr>
           </a:lstStyle>
           <a:p>
-            <a:pPr lvl="1">
-              <a:lnSpc>
-                <a:spcPct val="110000"/>
-              </a:lnSpc>
+            <a:pPr algn="ctr">
+              <a:spcBef>
+                <a:spcPct val="20000"/>
+              </a:spcBef>
               <a:buFont typeface="Wingdings" pitchFamily="2" charset="2"/>
               <a:buNone/>
             </a:pPr>
             <a:r>
-              <a:rPr lang="en-US" altLang="en-US" b="1" dirty="0"/>
-              <a:t>Rule1:  </a:t>
-            </a:r>
-            <a:r>
-              <a:rPr lang="en-US" altLang="en-US" b="1" dirty="0">
-                <a:solidFill>
-                  <a:srgbClr val="0000FF"/>
-                </a:solidFill>
-              </a:rPr>
-              <a:t>True /\ C1</a:t>
-            </a:r>
-            <a:r>
-              <a:rPr lang="en-US" altLang="en-US" b="1" dirty="0"/>
-              <a:t> </a:t>
-            </a:r>
-            <a:r>
-              <a:rPr lang="en-US" altLang="en-US" b="1" dirty="0">
-                <a:sym typeface="Wingdings" pitchFamily="2" charset="2"/>
-              </a:rPr>
-              <a:t>==&gt; a1</a:t>
-            </a:r>
-          </a:p>
-          <a:p>
-            <a:pPr lvl="1">
-              <a:lnSpc>
-                <a:spcPct val="110000"/>
-              </a:lnSpc>
+              <a:rPr lang="en-US" altLang="en-US" i="1" dirty="0"/>
+              <a:t>The transition system above</a:t>
+            </a:r>
+          </a:p>
+          <a:p>
+            <a:pPr algn="ctr">
+              <a:spcBef>
+                <a:spcPct val="20000"/>
+              </a:spcBef>
               <a:buFont typeface="Wingdings" pitchFamily="2" charset="2"/>
               <a:buNone/>
             </a:pPr>
             <a:r>
-              <a:rPr lang="en-US" altLang="en-US" b="1" dirty="0">
-                <a:sym typeface="Wingdings" pitchFamily="2" charset="2"/>
-              </a:rPr>
-              <a:t>Rule2:  g2 ==&gt; a2</a:t>
-            </a:r>
-          </a:p>
-          <a:p>
-            <a:pPr lvl="1">
-              <a:lnSpc>
-                <a:spcPct val="110000"/>
-              </a:lnSpc>
+              <a:rPr lang="en-US" altLang="en-US" i="1" dirty="0"/>
+              <a:t>can be transformed to the one below without any issues</a:t>
+            </a:r>
+          </a:p>
+          <a:p>
+            <a:pPr algn="ctr">
+              <a:spcBef>
+                <a:spcPct val="20000"/>
+              </a:spcBef>
               <a:buFont typeface="Wingdings" pitchFamily="2" charset="2"/>
               <a:buNone/>
             </a:pPr>
             <a:r>
-              <a:rPr lang="en-US" altLang="en-US" b="1" dirty="0">
-                <a:sym typeface="Wingdings" pitchFamily="2" charset="2"/>
-              </a:rPr>
-              <a:t>Invariant P /\ </a:t>
-            </a:r>
-            <a:r>
-              <a:rPr lang="en-US" altLang="en-US" b="1" dirty="0">
-                <a:solidFill>
-                  <a:srgbClr val="0432FF"/>
-                </a:solidFill>
-                <a:sym typeface="Wingdings" pitchFamily="2" charset="2"/>
-              </a:rPr>
-              <a:t>(g1 =&gt; </a:t>
-            </a:r>
-            <a:r>
-              <a:rPr lang="en-US" altLang="en-US" b="1" dirty="0">
-                <a:solidFill>
-                  <a:srgbClr val="0000FF"/>
-                </a:solidFill>
-                <a:sym typeface="Wingdings" pitchFamily="2" charset="2"/>
-              </a:rPr>
-              <a:t>C1)</a:t>
-            </a:r>
-          </a:p>
-        </p:txBody>
-      </p:sp>
-      <p:sp>
-        <p:nvSpPr>
-          <p:cNvPr id="733190" name="Text Box 6">
-            <a:extLst>
-              <a:ext uri="{FF2B5EF4-FFF2-40B4-BE49-F238E27FC236}">
-                <a16:creationId xmlns:a16="http://schemas.microsoft.com/office/drawing/2014/main" id="{CB8D9538-123C-104B-8320-52672439B99E}"/>
-              </a:ext>
-            </a:extLst>
-          </p:cNvPr>
-          <p:cNvSpPr txBox="1">
+              <a:rPr lang="en-US" altLang="en-US" i="1" dirty="0"/>
+              <a:t>(except the proof of P being an invariant might not go through) – but that will be fixed momentarily</a:t>
+            </a:r>
+          </a:p>
+        </p:txBody>
+      </p:sp>
+      <p:sp>
+        <p:nvSpPr>
+          <p:cNvPr id="729096" name="Rectangle 8">
+            <a:extLst>
+              <a:ext uri="{FF2B5EF4-FFF2-40B4-BE49-F238E27FC236}">
+                <a16:creationId xmlns:a16="http://schemas.microsoft.com/office/drawing/2014/main" id="{3D9D7F00-DAD2-D44B-AF8B-D70C97CE741C}"/>
+              </a:ext>
+            </a:extLst>
+          </p:cNvPr>
+          <p:cNvSpPr>
             <a:spLocks noChangeArrowheads="1"/>
           </p:cNvSpPr>
           <p:nvPr/>
         </p:nvSpPr>
         <p:spPr bwMode="auto">
           <a:xfrm>
-            <a:off x="6313856" y="2438400"/>
-            <a:ext cx="4160113" cy="2031325"/>
+            <a:off x="1752601" y="4419600"/>
+            <a:ext cx="4614863" cy="1600200"/>
           </a:xfrm>
           <a:prstGeom prst="rect">
             <a:avLst/>
@@ -8260,7 +7768,7 @@
               </a14:hiddenFill>
             </a:ext>
             <a:ext uri="{91240B29-F687-4F45-9708-019B960494DF}">
-              <a14:hiddenLine xmlns:a14="http://schemas.microsoft.com/office/drawing/2010/main" w="9525" algn="ctr">
+              <a14:hiddenLine xmlns:a14="http://schemas.microsoft.com/office/drawing/2010/main" w="9525">
                 <a:solidFill>
                   <a:schemeClr val="tx1"/>
                 </a:solidFill>
@@ -8281,115 +7789,136 @@
           </a:extLst>
         </p:spPr>
         <p:txBody>
-          <a:bodyPr wrap="none">
-            <a:spAutoFit/>
-          </a:bodyPr>
+          <a:bodyPr/>
           <a:lstStyle>
             <a:lvl1pPr marL="469900" indent="-469900" algn="l">
-              <a:spcBef>
-                <a:spcPct val="0"/>
-              </a:spcBef>
-              <a:defRPr>
+              <a:defRPr sz="3000">
                 <a:solidFill>
                   <a:schemeClr val="tx1"/>
                 </a:solidFill>
                 <a:latin typeface="Arial" panose="020B0604020202020204" pitchFamily="34" charset="0"/>
               </a:defRPr>
             </a:lvl1pPr>
-            <a:lvl2pPr algn="l">
-              <a:spcBef>
-                <a:spcPct val="0"/>
-              </a:spcBef>
-              <a:defRPr>
+            <a:lvl2pPr marL="908050" indent="-436563" algn="l">
+              <a:buChar char="n"/>
+              <a:defRPr sz="2600">
                 <a:solidFill>
                   <a:schemeClr val="tx1"/>
                 </a:solidFill>
                 <a:latin typeface="Arial" panose="020B0604020202020204" pitchFamily="34" charset="0"/>
               </a:defRPr>
             </a:lvl2pPr>
-            <a:lvl3pPr algn="l">
-              <a:spcBef>
-                <a:spcPct val="0"/>
-              </a:spcBef>
-              <a:defRPr>
+            <a:lvl3pPr marL="1304925" indent="-395288" algn="l">
+              <a:defRPr sz="2300">
                 <a:solidFill>
                   <a:schemeClr val="tx1"/>
                 </a:solidFill>
                 <a:latin typeface="Arial" panose="020B0604020202020204" pitchFamily="34" charset="0"/>
               </a:defRPr>
             </a:lvl3pPr>
-            <a:lvl4pPr algn="l">
-              <a:spcBef>
-                <a:spcPct val="0"/>
-              </a:spcBef>
-              <a:defRPr>
+            <a:lvl4pPr marL="1693863" indent="-387350" algn="l">
+              <a:buChar char="n"/>
+              <a:defRPr sz="2000">
                 <a:solidFill>
                   <a:schemeClr val="tx1"/>
                 </a:solidFill>
                 <a:latin typeface="Arial" panose="020B0604020202020204" pitchFamily="34" charset="0"/>
               </a:defRPr>
             </a:lvl4pPr>
-            <a:lvl5pPr algn="l">
+            <a:lvl5pPr marL="2093913" indent="-398463" algn="l">
               <a:spcBef>
-                <a:spcPct val="0"/>
+                <a:spcPct val="25000"/>
               </a:spcBef>
-              <a:defRPr>
+              <a:buChar char="§"/>
+              <a:defRPr sz="2000">
                 <a:solidFill>
                   <a:schemeClr val="tx1"/>
                 </a:solidFill>
                 <a:latin typeface="Arial" panose="020B0604020202020204" pitchFamily="34" charset="0"/>
               </a:defRPr>
             </a:lvl5pPr>
-            <a:lvl6pPr fontAlgn="base">
+            <a:lvl6pPr marL="2551113" indent="-398463" fontAlgn="base">
+              <a:lnSpc>
+                <a:spcPct val="120000"/>
+              </a:lnSpc>
               <a:spcBef>
-                <a:spcPct val="0"/>
+                <a:spcPct val="25000"/>
               </a:spcBef>
               <a:spcAft>
                 <a:spcPct val="0"/>
               </a:spcAft>
-              <a:defRPr>
+              <a:buClr>
+                <a:schemeClr val="accent2"/>
+              </a:buClr>
+              <a:buFont typeface="Wingdings" pitchFamily="2" charset="2"/>
+              <a:buChar char="§"/>
+              <a:defRPr sz="2000">
                 <a:solidFill>
                   <a:schemeClr val="tx1"/>
                 </a:solidFill>
                 <a:latin typeface="Arial" panose="020B0604020202020204" pitchFamily="34" charset="0"/>
               </a:defRPr>
             </a:lvl6pPr>
-            <a:lvl7pPr fontAlgn="base">
+            <a:lvl7pPr marL="3008313" indent="-398463" fontAlgn="base">
+              <a:lnSpc>
+                <a:spcPct val="120000"/>
+              </a:lnSpc>
               <a:spcBef>
-                <a:spcPct val="0"/>
+                <a:spcPct val="25000"/>
               </a:spcBef>
               <a:spcAft>
                 <a:spcPct val="0"/>
               </a:spcAft>
-              <a:defRPr>
+              <a:buClr>
+                <a:schemeClr val="accent2"/>
+              </a:buClr>
+              <a:buFont typeface="Wingdings" pitchFamily="2" charset="2"/>
+              <a:buChar char="§"/>
+              <a:defRPr sz="2000">
                 <a:solidFill>
                   <a:schemeClr val="tx1"/>
                 </a:solidFill>
                 <a:latin typeface="Arial" panose="020B0604020202020204" pitchFamily="34" charset="0"/>
               </a:defRPr>
             </a:lvl7pPr>
-            <a:lvl8pPr fontAlgn="base">
+            <a:lvl8pPr marL="3465513" indent="-398463" fontAlgn="base">
+              <a:lnSpc>
+                <a:spcPct val="120000"/>
+              </a:lnSpc>
               <a:spcBef>
-                <a:spcPct val="0"/>
+                <a:spcPct val="25000"/>
               </a:spcBef>
               <a:spcAft>
                 <a:spcPct val="0"/>
               </a:spcAft>
-              <a:defRPr>
+              <a:buClr>
+                <a:schemeClr val="accent2"/>
+              </a:buClr>
+              <a:buFont typeface="Wingdings" pitchFamily="2" charset="2"/>
+              <a:buChar char="§"/>
+              <a:defRPr sz="2000">
                 <a:solidFill>
                   <a:schemeClr val="tx1"/>
                 </a:solidFill>
                 <a:latin typeface="Arial" panose="020B0604020202020204" pitchFamily="34" charset="0"/>
               </a:defRPr>
             </a:lvl8pPr>
-            <a:lvl9pPr fontAlgn="base">
+            <a:lvl9pPr marL="3922713" indent="-398463" fontAlgn="base">
+              <a:lnSpc>
+                <a:spcPct val="120000"/>
+              </a:lnSpc>
               <a:spcBef>
-                <a:spcPct val="0"/>
+                <a:spcPct val="25000"/>
               </a:spcBef>
               <a:spcAft>
                 <a:spcPct val="0"/>
               </a:spcAft>
-              <a:defRPr>
+              <a:buClr>
+                <a:schemeClr val="accent2"/>
+              </a:buClr>
+              <a:buFont typeface="Wingdings" pitchFamily="2" charset="2"/>
+              <a:buChar char="§"/>
+              <a:defRPr sz="2000">
                 <a:solidFill>
                   <a:schemeClr val="tx1"/>
                 </a:solidFill>
@@ -8398,79 +7927,71 @@
             </a:lvl9pPr>
           </a:lstStyle>
           <a:p>
-            <a:pPr algn="ctr">
-              <a:spcBef>
-                <a:spcPct val="20000"/>
-              </a:spcBef>
+            <a:pPr lvl="1">
+              <a:lnSpc>
+                <a:spcPct val="110000"/>
+              </a:lnSpc>
               <a:buFont typeface="Wingdings" pitchFamily="2" charset="2"/>
               <a:buNone/>
             </a:pPr>
             <a:r>
-              <a:rPr lang="en-US" altLang="en-US" i="1" dirty="0"/>
-              <a:t>“Not Enough!” may be</a:t>
-            </a:r>
-          </a:p>
-          <a:p>
-            <a:pPr algn="ctr">
-              <a:spcBef>
-                <a:spcPct val="20000"/>
-              </a:spcBef>
+              <a:rPr lang="en-US" altLang="en-US" b="1" dirty="0"/>
+              <a:t>Rule1:  </a:t>
+            </a:r>
+            <a:r>
+              <a:rPr lang="en-US" altLang="en-US" b="1" dirty="0">
+                <a:solidFill>
+                  <a:srgbClr val="0000FF"/>
+                </a:solidFill>
+              </a:rPr>
+              <a:t>True</a:t>
+            </a:r>
+            <a:r>
+              <a:rPr lang="en-US" altLang="en-US" b="1" dirty="0"/>
+              <a:t> </a:t>
+            </a:r>
+            <a:r>
+              <a:rPr lang="en-US" altLang="en-US" b="1" dirty="0">
+                <a:sym typeface="Wingdings" pitchFamily="2" charset="2"/>
+              </a:rPr>
+              <a:t>==&gt; a1</a:t>
+            </a:r>
+          </a:p>
+          <a:p>
+            <a:pPr lvl="1">
+              <a:lnSpc>
+                <a:spcPct val="110000"/>
+              </a:lnSpc>
               <a:buFont typeface="Wingdings" pitchFamily="2" charset="2"/>
               <a:buNone/>
             </a:pPr>
             <a:r>
-              <a:rPr lang="en-US" altLang="en-US" i="1" dirty="0"/>
-              <a:t>the outcome of strengthening.</a:t>
-            </a:r>
-          </a:p>
-          <a:p>
-            <a:pPr algn="ctr">
-              <a:spcBef>
-                <a:spcPct val="20000"/>
-              </a:spcBef>
+              <a:rPr lang="en-US" altLang="en-US" b="1" dirty="0">
+                <a:sym typeface="Wingdings" pitchFamily="2" charset="2"/>
+              </a:rPr>
+              <a:t>Rule2:  g2 ==&gt; a2</a:t>
+            </a:r>
+          </a:p>
+          <a:p>
+            <a:pPr lvl="1">
+              <a:lnSpc>
+                <a:spcPct val="110000"/>
+              </a:lnSpc>
               <a:buFont typeface="Wingdings" pitchFamily="2" charset="2"/>
               <a:buNone/>
             </a:pPr>
             <a:r>
-              <a:rPr lang="en-US" altLang="en-US" i="1" dirty="0"/>
-              <a:t>That is, while we added C1 back,</a:t>
-            </a:r>
-          </a:p>
-          <a:p>
-            <a:pPr algn="ctr">
-              <a:spcBef>
-                <a:spcPct val="20000"/>
-              </a:spcBef>
-              <a:buFont typeface="Wingdings" pitchFamily="2" charset="2"/>
-              <a:buNone/>
-            </a:pPr>
-            <a:r>
-              <a:rPr lang="en-US" altLang="en-US" i="1" dirty="0"/>
-              <a:t>it may not be strong-enough.</a:t>
-            </a:r>
-          </a:p>
-          <a:p>
-            <a:pPr algn="ctr">
-              <a:spcBef>
-                <a:spcPct val="20000"/>
-              </a:spcBef>
-              <a:buFont typeface="Wingdings" pitchFamily="2" charset="2"/>
-              <a:buNone/>
-            </a:pPr>
-            <a:endParaRPr lang="en-US" altLang="en-US" i="1" dirty="0"/>
-          </a:p>
-          <a:p>
-            <a:pPr algn="ctr">
-              <a:spcBef>
-                <a:spcPct val="20000"/>
-              </a:spcBef>
-              <a:buFont typeface="Wingdings" pitchFamily="2" charset="2"/>
-              <a:buNone/>
-            </a:pPr>
-            <a:r>
-              <a:rPr lang="en-US" altLang="en-US" i="1" dirty="0"/>
-              <a:t>How to pick C1 will be discussed soon.</a:t>
-            </a:r>
+              <a:rPr lang="en-US" altLang="en-US" b="1" dirty="0">
+                <a:sym typeface="Wingdings" pitchFamily="2" charset="2"/>
+              </a:rPr>
+              <a:t>Invariant P</a:t>
+            </a:r>
+            <a:endParaRPr lang="en-US" altLang="en-US" b="1" dirty="0">
+              <a:solidFill>
+                <a:srgbClr val="0000FF"/>
+              </a:solidFill>
+              <a:sym typeface="Wingdings" pitchFamily="2" charset="2"/>
+            </a:endParaRPr>
           </a:p>
         </p:txBody>
       </p:sp>
@@ -8501,6 +8022,614 @@
       </p:grpSpPr>
       <p:sp>
         <p:nvSpPr>
+          <p:cNvPr id="5" name="Slide Number Placeholder 4">
+            <a:extLst>
+              <a:ext uri="{FF2B5EF4-FFF2-40B4-BE49-F238E27FC236}">
+                <a16:creationId xmlns:a16="http://schemas.microsoft.com/office/drawing/2014/main" id="{A38BD66D-60BC-7E40-AA98-98FB484601DD}"/>
+              </a:ext>
+            </a:extLst>
+          </p:cNvPr>
+          <p:cNvSpPr>
+            <a:spLocks noGrp="1"/>
+          </p:cNvSpPr>
+          <p:nvPr>
+            <p:ph type="sldNum" sz="quarter" idx="11"/>
+          </p:nvPr>
+        </p:nvSpPr>
+        <p:spPr/>
+        <p:txBody>
+          <a:bodyPr/>
+          <a:lstStyle/>
+          <a:p>
+            <a:fld id="{9EB4539E-5128-4D4D-BDE0-E39F161B0AA1}" type="slidenum">
+              <a:rPr lang="en-US" altLang="en-US"/>
+              <a:pPr/>
+              <a:t>18</a:t>
+            </a:fld>
+            <a:endParaRPr lang="en-US" altLang="en-US"/>
+          </a:p>
+        </p:txBody>
+      </p:sp>
+      <p:sp>
+        <p:nvSpPr>
+          <p:cNvPr id="733186" name="Rectangle 2">
+            <a:extLst>
+              <a:ext uri="{FF2B5EF4-FFF2-40B4-BE49-F238E27FC236}">
+                <a16:creationId xmlns:a16="http://schemas.microsoft.com/office/drawing/2014/main" id="{36231EC9-6E56-4345-B32B-18564C053013}"/>
+              </a:ext>
+            </a:extLst>
+          </p:cNvPr>
+          <p:cNvSpPr>
+            <a:spLocks noGrp="1" noChangeArrowheads="1"/>
+          </p:cNvSpPr>
+          <p:nvPr>
+            <p:ph type="title"/>
+          </p:nvPr>
+        </p:nvSpPr>
+        <p:spPr/>
+        <p:txBody>
+          <a:bodyPr/>
+          <a:lstStyle/>
+          <a:p>
+            <a:r>
+              <a:rPr lang="en-US" altLang="en-US" sz="3200"/>
+              <a:t>Strengthen Back Some</a:t>
+            </a:r>
+          </a:p>
+        </p:txBody>
+      </p:sp>
+      <p:sp>
+        <p:nvSpPr>
+          <p:cNvPr id="733189" name="Rectangle 5">
+            <a:extLst>
+              <a:ext uri="{FF2B5EF4-FFF2-40B4-BE49-F238E27FC236}">
+                <a16:creationId xmlns:a16="http://schemas.microsoft.com/office/drawing/2014/main" id="{24714553-2B9D-1949-82FD-32D65CDD45E6}"/>
+              </a:ext>
+            </a:extLst>
+          </p:cNvPr>
+          <p:cNvSpPr>
+            <a:spLocks noChangeArrowheads="1"/>
+          </p:cNvSpPr>
+          <p:nvPr/>
+        </p:nvSpPr>
+        <p:spPr bwMode="auto">
+          <a:xfrm>
+            <a:off x="1752601" y="1905000"/>
+            <a:ext cx="4614863" cy="1600200"/>
+          </a:xfrm>
+          <a:prstGeom prst="rect">
+            <a:avLst/>
+          </a:prstGeom>
+          <a:noFill/>
+          <a:ln>
+            <a:noFill/>
+          </a:ln>
+          <a:effectLst/>
+          <a:extLst>
+            <a:ext uri="{909E8E84-426E-40DD-AFC4-6F175D3DCCD1}">
+              <a14:hiddenFill xmlns:a14="http://schemas.microsoft.com/office/drawing/2010/main">
+                <a:solidFill>
+                  <a:schemeClr val="accent1"/>
+                </a:solidFill>
+              </a14:hiddenFill>
+            </a:ext>
+            <a:ext uri="{91240B29-F687-4F45-9708-019B960494DF}">
+              <a14:hiddenLine xmlns:a14="http://schemas.microsoft.com/office/drawing/2010/main" w="9525">
+                <a:solidFill>
+                  <a:schemeClr val="tx1"/>
+                </a:solidFill>
+                <a:miter lim="800000"/>
+                <a:headEnd/>
+                <a:tailEnd/>
+              </a14:hiddenLine>
+            </a:ext>
+            <a:ext uri="{AF507438-7753-43E0-B8FC-AC1667EBCBE1}">
+              <a14:hiddenEffects xmlns:a14="http://schemas.microsoft.com/office/drawing/2010/main">
+                <a:effectLst>
+                  <a:outerShdw dist="35921" dir="2700000" algn="ctr" rotWithShape="0">
+                    <a:schemeClr val="bg2"/>
+                  </a:outerShdw>
+                </a:effectLst>
+              </a14:hiddenEffects>
+            </a:ext>
+          </a:extLst>
+        </p:spPr>
+        <p:txBody>
+          <a:bodyPr/>
+          <a:lstStyle>
+            <a:lvl1pPr marL="469900" indent="-469900" algn="l">
+              <a:defRPr sz="3000">
+                <a:solidFill>
+                  <a:schemeClr val="tx1"/>
+                </a:solidFill>
+                <a:latin typeface="Arial" panose="020B0604020202020204" pitchFamily="34" charset="0"/>
+              </a:defRPr>
+            </a:lvl1pPr>
+            <a:lvl2pPr marL="908050" indent="-436563" algn="l">
+              <a:buChar char="n"/>
+              <a:defRPr sz="2600">
+                <a:solidFill>
+                  <a:schemeClr val="tx1"/>
+                </a:solidFill>
+                <a:latin typeface="Arial" panose="020B0604020202020204" pitchFamily="34" charset="0"/>
+              </a:defRPr>
+            </a:lvl2pPr>
+            <a:lvl3pPr marL="1304925" indent="-395288" algn="l">
+              <a:defRPr sz="2300">
+                <a:solidFill>
+                  <a:schemeClr val="tx1"/>
+                </a:solidFill>
+                <a:latin typeface="Arial" panose="020B0604020202020204" pitchFamily="34" charset="0"/>
+              </a:defRPr>
+            </a:lvl3pPr>
+            <a:lvl4pPr marL="1693863" indent="-387350" algn="l">
+              <a:buChar char="n"/>
+              <a:defRPr sz="2000">
+                <a:solidFill>
+                  <a:schemeClr val="tx1"/>
+                </a:solidFill>
+                <a:latin typeface="Arial" panose="020B0604020202020204" pitchFamily="34" charset="0"/>
+              </a:defRPr>
+            </a:lvl4pPr>
+            <a:lvl5pPr marL="2093913" indent="-398463" algn="l">
+              <a:spcBef>
+                <a:spcPct val="25000"/>
+              </a:spcBef>
+              <a:buChar char="§"/>
+              <a:defRPr sz="2000">
+                <a:solidFill>
+                  <a:schemeClr val="tx1"/>
+                </a:solidFill>
+                <a:latin typeface="Arial" panose="020B0604020202020204" pitchFamily="34" charset="0"/>
+              </a:defRPr>
+            </a:lvl5pPr>
+            <a:lvl6pPr marL="2551113" indent="-398463" fontAlgn="base">
+              <a:lnSpc>
+                <a:spcPct val="120000"/>
+              </a:lnSpc>
+              <a:spcBef>
+                <a:spcPct val="25000"/>
+              </a:spcBef>
+              <a:spcAft>
+                <a:spcPct val="0"/>
+              </a:spcAft>
+              <a:buClr>
+                <a:schemeClr val="accent2"/>
+              </a:buClr>
+              <a:buFont typeface="Wingdings" pitchFamily="2" charset="2"/>
+              <a:buChar char="§"/>
+              <a:defRPr sz="2000">
+                <a:solidFill>
+                  <a:schemeClr val="tx1"/>
+                </a:solidFill>
+                <a:latin typeface="Arial" panose="020B0604020202020204" pitchFamily="34" charset="0"/>
+              </a:defRPr>
+            </a:lvl6pPr>
+            <a:lvl7pPr marL="3008313" indent="-398463" fontAlgn="base">
+              <a:lnSpc>
+                <a:spcPct val="120000"/>
+              </a:lnSpc>
+              <a:spcBef>
+                <a:spcPct val="25000"/>
+              </a:spcBef>
+              <a:spcAft>
+                <a:spcPct val="0"/>
+              </a:spcAft>
+              <a:buClr>
+                <a:schemeClr val="accent2"/>
+              </a:buClr>
+              <a:buFont typeface="Wingdings" pitchFamily="2" charset="2"/>
+              <a:buChar char="§"/>
+              <a:defRPr sz="2000">
+                <a:solidFill>
+                  <a:schemeClr val="tx1"/>
+                </a:solidFill>
+                <a:latin typeface="Arial" panose="020B0604020202020204" pitchFamily="34" charset="0"/>
+              </a:defRPr>
+            </a:lvl7pPr>
+            <a:lvl8pPr marL="3465513" indent="-398463" fontAlgn="base">
+              <a:lnSpc>
+                <a:spcPct val="120000"/>
+              </a:lnSpc>
+              <a:spcBef>
+                <a:spcPct val="25000"/>
+              </a:spcBef>
+              <a:spcAft>
+                <a:spcPct val="0"/>
+              </a:spcAft>
+              <a:buClr>
+                <a:schemeClr val="accent2"/>
+              </a:buClr>
+              <a:buFont typeface="Wingdings" pitchFamily="2" charset="2"/>
+              <a:buChar char="§"/>
+              <a:defRPr sz="2000">
+                <a:solidFill>
+                  <a:schemeClr val="tx1"/>
+                </a:solidFill>
+                <a:latin typeface="Arial" panose="020B0604020202020204" pitchFamily="34" charset="0"/>
+              </a:defRPr>
+            </a:lvl8pPr>
+            <a:lvl9pPr marL="3922713" indent="-398463" fontAlgn="base">
+              <a:lnSpc>
+                <a:spcPct val="120000"/>
+              </a:lnSpc>
+              <a:spcBef>
+                <a:spcPct val="25000"/>
+              </a:spcBef>
+              <a:spcAft>
+                <a:spcPct val="0"/>
+              </a:spcAft>
+              <a:buClr>
+                <a:schemeClr val="accent2"/>
+              </a:buClr>
+              <a:buFont typeface="Wingdings" pitchFamily="2" charset="2"/>
+              <a:buChar char="§"/>
+              <a:defRPr sz="2000">
+                <a:solidFill>
+                  <a:schemeClr val="tx1"/>
+                </a:solidFill>
+                <a:latin typeface="Arial" panose="020B0604020202020204" pitchFamily="34" charset="0"/>
+              </a:defRPr>
+            </a:lvl9pPr>
+          </a:lstStyle>
+          <a:p>
+            <a:pPr lvl="1">
+              <a:lnSpc>
+                <a:spcPct val="110000"/>
+              </a:lnSpc>
+              <a:buFont typeface="Wingdings" pitchFamily="2" charset="2"/>
+              <a:buNone/>
+            </a:pPr>
+            <a:r>
+              <a:rPr lang="en-US" altLang="en-US" b="1" dirty="0"/>
+              <a:t>Rule1:  </a:t>
+            </a:r>
+            <a:r>
+              <a:rPr lang="en-US" altLang="en-US" b="1" dirty="0">
+                <a:solidFill>
+                  <a:srgbClr val="0000FF"/>
+                </a:solidFill>
+              </a:rPr>
+              <a:t>True /\ C1</a:t>
+            </a:r>
+            <a:r>
+              <a:rPr lang="en-US" altLang="en-US" b="1" dirty="0"/>
+              <a:t> </a:t>
+            </a:r>
+            <a:r>
+              <a:rPr lang="en-US" altLang="en-US" b="1" dirty="0">
+                <a:sym typeface="Wingdings" pitchFamily="2" charset="2"/>
+              </a:rPr>
+              <a:t>==&gt; a1</a:t>
+            </a:r>
+          </a:p>
+          <a:p>
+            <a:pPr lvl="1">
+              <a:lnSpc>
+                <a:spcPct val="110000"/>
+              </a:lnSpc>
+              <a:buFont typeface="Wingdings" pitchFamily="2" charset="2"/>
+              <a:buNone/>
+            </a:pPr>
+            <a:r>
+              <a:rPr lang="en-US" altLang="en-US" b="1" dirty="0">
+                <a:sym typeface="Wingdings" pitchFamily="2" charset="2"/>
+              </a:rPr>
+              <a:t>Rule2:  g2 ==&gt; a2</a:t>
+            </a:r>
+          </a:p>
+          <a:p>
+            <a:pPr lvl="1">
+              <a:lnSpc>
+                <a:spcPct val="110000"/>
+              </a:lnSpc>
+              <a:buFont typeface="Wingdings" pitchFamily="2" charset="2"/>
+              <a:buNone/>
+            </a:pPr>
+            <a:r>
+              <a:rPr lang="en-US" altLang="en-US" b="1" dirty="0">
+                <a:sym typeface="Wingdings" pitchFamily="2" charset="2"/>
+              </a:rPr>
+              <a:t>Invariant P /\ </a:t>
+            </a:r>
+            <a:r>
+              <a:rPr lang="en-US" altLang="en-US" b="1" dirty="0">
+                <a:solidFill>
+                  <a:srgbClr val="0432FF"/>
+                </a:solidFill>
+                <a:sym typeface="Wingdings" pitchFamily="2" charset="2"/>
+              </a:rPr>
+              <a:t>(g1 =&gt; </a:t>
+            </a:r>
+            <a:r>
+              <a:rPr lang="en-US" altLang="en-US" b="1" dirty="0">
+                <a:solidFill>
+                  <a:srgbClr val="0000FF"/>
+                </a:solidFill>
+                <a:sym typeface="Wingdings" pitchFamily="2" charset="2"/>
+              </a:rPr>
+              <a:t>C1)</a:t>
+            </a:r>
+          </a:p>
+        </p:txBody>
+      </p:sp>
+      <p:sp>
+        <p:nvSpPr>
+          <p:cNvPr id="733190" name="Text Box 6">
+            <a:extLst>
+              <a:ext uri="{FF2B5EF4-FFF2-40B4-BE49-F238E27FC236}">
+                <a16:creationId xmlns:a16="http://schemas.microsoft.com/office/drawing/2014/main" id="{CB8D9538-123C-104B-8320-52672439B99E}"/>
+              </a:ext>
+            </a:extLst>
+          </p:cNvPr>
+          <p:cNvSpPr txBox="1">
+            <a:spLocks noChangeArrowheads="1"/>
+          </p:cNvSpPr>
+          <p:nvPr/>
+        </p:nvSpPr>
+        <p:spPr bwMode="auto">
+          <a:xfrm>
+            <a:off x="6313856" y="2438400"/>
+            <a:ext cx="4160113" cy="2031325"/>
+          </a:xfrm>
+          <a:prstGeom prst="rect">
+            <a:avLst/>
+          </a:prstGeom>
+          <a:noFill/>
+          <a:ln>
+            <a:noFill/>
+          </a:ln>
+          <a:effectLst/>
+          <a:extLst>
+            <a:ext uri="{909E8E84-426E-40DD-AFC4-6F175D3DCCD1}">
+              <a14:hiddenFill xmlns:a14="http://schemas.microsoft.com/office/drawing/2010/main">
+                <a:solidFill>
+                  <a:schemeClr val="accent1"/>
+                </a:solidFill>
+              </a14:hiddenFill>
+            </a:ext>
+            <a:ext uri="{91240B29-F687-4F45-9708-019B960494DF}">
+              <a14:hiddenLine xmlns:a14="http://schemas.microsoft.com/office/drawing/2010/main" w="9525" algn="ctr">
+                <a:solidFill>
+                  <a:schemeClr val="tx1"/>
+                </a:solidFill>
+                <a:miter lim="800000"/>
+                <a:headEnd/>
+                <a:tailEnd/>
+              </a14:hiddenLine>
+            </a:ext>
+            <a:ext uri="{AF507438-7753-43E0-B8FC-AC1667EBCBE1}">
+              <a14:hiddenEffects xmlns:a14="http://schemas.microsoft.com/office/drawing/2010/main">
+                <a:effectLst>
+                  <a:outerShdw dist="35921" dir="2700000" algn="ctr" rotWithShape="0">
+                    <a:schemeClr val="bg2"/>
+                  </a:outerShdw>
+                </a:effectLst>
+              </a14:hiddenEffects>
+            </a:ext>
+          </a:extLst>
+        </p:spPr>
+        <p:txBody>
+          <a:bodyPr wrap="none">
+            <a:spAutoFit/>
+          </a:bodyPr>
+          <a:lstStyle>
+            <a:lvl1pPr marL="469900" indent="-469900" algn="l">
+              <a:spcBef>
+                <a:spcPct val="0"/>
+              </a:spcBef>
+              <a:defRPr>
+                <a:solidFill>
+                  <a:schemeClr val="tx1"/>
+                </a:solidFill>
+                <a:latin typeface="Arial" panose="020B0604020202020204" pitchFamily="34" charset="0"/>
+              </a:defRPr>
+            </a:lvl1pPr>
+            <a:lvl2pPr algn="l">
+              <a:spcBef>
+                <a:spcPct val="0"/>
+              </a:spcBef>
+              <a:defRPr>
+                <a:solidFill>
+                  <a:schemeClr val="tx1"/>
+                </a:solidFill>
+                <a:latin typeface="Arial" panose="020B0604020202020204" pitchFamily="34" charset="0"/>
+              </a:defRPr>
+            </a:lvl2pPr>
+            <a:lvl3pPr algn="l">
+              <a:spcBef>
+                <a:spcPct val="0"/>
+              </a:spcBef>
+              <a:defRPr>
+                <a:solidFill>
+                  <a:schemeClr val="tx1"/>
+                </a:solidFill>
+                <a:latin typeface="Arial" panose="020B0604020202020204" pitchFamily="34" charset="0"/>
+              </a:defRPr>
+            </a:lvl3pPr>
+            <a:lvl4pPr algn="l">
+              <a:spcBef>
+                <a:spcPct val="0"/>
+              </a:spcBef>
+              <a:defRPr>
+                <a:solidFill>
+                  <a:schemeClr val="tx1"/>
+                </a:solidFill>
+                <a:latin typeface="Arial" panose="020B0604020202020204" pitchFamily="34" charset="0"/>
+              </a:defRPr>
+            </a:lvl4pPr>
+            <a:lvl5pPr algn="l">
+              <a:spcBef>
+                <a:spcPct val="0"/>
+              </a:spcBef>
+              <a:defRPr>
+                <a:solidFill>
+                  <a:schemeClr val="tx1"/>
+                </a:solidFill>
+                <a:latin typeface="Arial" panose="020B0604020202020204" pitchFamily="34" charset="0"/>
+              </a:defRPr>
+            </a:lvl5pPr>
+            <a:lvl6pPr fontAlgn="base">
+              <a:spcBef>
+                <a:spcPct val="0"/>
+              </a:spcBef>
+              <a:spcAft>
+                <a:spcPct val="0"/>
+              </a:spcAft>
+              <a:defRPr>
+                <a:solidFill>
+                  <a:schemeClr val="tx1"/>
+                </a:solidFill>
+                <a:latin typeface="Arial" panose="020B0604020202020204" pitchFamily="34" charset="0"/>
+              </a:defRPr>
+            </a:lvl6pPr>
+            <a:lvl7pPr fontAlgn="base">
+              <a:spcBef>
+                <a:spcPct val="0"/>
+              </a:spcBef>
+              <a:spcAft>
+                <a:spcPct val="0"/>
+              </a:spcAft>
+              <a:defRPr>
+                <a:solidFill>
+                  <a:schemeClr val="tx1"/>
+                </a:solidFill>
+                <a:latin typeface="Arial" panose="020B0604020202020204" pitchFamily="34" charset="0"/>
+              </a:defRPr>
+            </a:lvl7pPr>
+            <a:lvl8pPr fontAlgn="base">
+              <a:spcBef>
+                <a:spcPct val="0"/>
+              </a:spcBef>
+              <a:spcAft>
+                <a:spcPct val="0"/>
+              </a:spcAft>
+              <a:defRPr>
+                <a:solidFill>
+                  <a:schemeClr val="tx1"/>
+                </a:solidFill>
+                <a:latin typeface="Arial" panose="020B0604020202020204" pitchFamily="34" charset="0"/>
+              </a:defRPr>
+            </a:lvl8pPr>
+            <a:lvl9pPr fontAlgn="base">
+              <a:spcBef>
+                <a:spcPct val="0"/>
+              </a:spcBef>
+              <a:spcAft>
+                <a:spcPct val="0"/>
+              </a:spcAft>
+              <a:defRPr>
+                <a:solidFill>
+                  <a:schemeClr val="tx1"/>
+                </a:solidFill>
+                <a:latin typeface="Arial" panose="020B0604020202020204" pitchFamily="34" charset="0"/>
+              </a:defRPr>
+            </a:lvl9pPr>
+          </a:lstStyle>
+          <a:p>
+            <a:pPr algn="ctr">
+              <a:spcBef>
+                <a:spcPct val="20000"/>
+              </a:spcBef>
+              <a:buFont typeface="Wingdings" pitchFamily="2" charset="2"/>
+              <a:buNone/>
+            </a:pPr>
+            <a:r>
+              <a:rPr lang="en-US" altLang="en-US" i="1" dirty="0"/>
+              <a:t>“Not Enough!” may be</a:t>
+            </a:r>
+          </a:p>
+          <a:p>
+            <a:pPr algn="ctr">
+              <a:spcBef>
+                <a:spcPct val="20000"/>
+              </a:spcBef>
+              <a:buFont typeface="Wingdings" pitchFamily="2" charset="2"/>
+              <a:buNone/>
+            </a:pPr>
+            <a:r>
+              <a:rPr lang="en-US" altLang="en-US" i="1" dirty="0"/>
+              <a:t>the outcome of strengthening.</a:t>
+            </a:r>
+          </a:p>
+          <a:p>
+            <a:pPr algn="ctr">
+              <a:spcBef>
+                <a:spcPct val="20000"/>
+              </a:spcBef>
+              <a:buFont typeface="Wingdings" pitchFamily="2" charset="2"/>
+              <a:buNone/>
+            </a:pPr>
+            <a:r>
+              <a:rPr lang="en-US" altLang="en-US" i="1" dirty="0"/>
+              <a:t>That is, while we added C1 back,</a:t>
+            </a:r>
+          </a:p>
+          <a:p>
+            <a:pPr algn="ctr">
+              <a:spcBef>
+                <a:spcPct val="20000"/>
+              </a:spcBef>
+              <a:buFont typeface="Wingdings" pitchFamily="2" charset="2"/>
+              <a:buNone/>
+            </a:pPr>
+            <a:r>
+              <a:rPr lang="en-US" altLang="en-US" i="1" dirty="0"/>
+              <a:t>it may not be strong-enough.</a:t>
+            </a:r>
+          </a:p>
+          <a:p>
+            <a:pPr algn="ctr">
+              <a:spcBef>
+                <a:spcPct val="20000"/>
+              </a:spcBef>
+              <a:buFont typeface="Wingdings" pitchFamily="2" charset="2"/>
+              <a:buNone/>
+            </a:pPr>
+            <a:endParaRPr lang="en-US" altLang="en-US" i="1" dirty="0"/>
+          </a:p>
+          <a:p>
+            <a:pPr algn="ctr">
+              <a:spcBef>
+                <a:spcPct val="20000"/>
+              </a:spcBef>
+              <a:buFont typeface="Wingdings" pitchFamily="2" charset="2"/>
+              <a:buNone/>
+            </a:pPr>
+            <a:r>
+              <a:rPr lang="en-US" altLang="en-US" i="1" dirty="0"/>
+              <a:t>How to pick C1 will be discussed soon.</a:t>
+            </a:r>
+          </a:p>
+        </p:txBody>
+      </p:sp>
+    </p:spTree>
+  </p:cSld>
+  <p:clrMapOvr>
+    <a:masterClrMapping/>
+  </p:clrMapOvr>
+</p:sld>
+</file>
+
+<file path=ppt/slides/slide19.xml><?xml version="1.0" encoding="utf-8"?>
+<p:sld xmlns:a="http://schemas.openxmlformats.org/drawingml/2006/main" xmlns:r="http://schemas.openxmlformats.org/officeDocument/2006/relationships" xmlns:p="http://schemas.openxmlformats.org/presentationml/2006/main">
+  <p:cSld>
+    <p:spTree>
+      <p:nvGrpSpPr>
+        <p:cNvPr id="1" name=""/>
+        <p:cNvGrpSpPr/>
+        <p:nvPr/>
+      </p:nvGrpSpPr>
+      <p:grpSpPr>
+        <a:xfrm>
+          <a:off x="0" y="0"/>
+          <a:ext cx="0" cy="0"/>
+          <a:chOff x="0" y="0"/>
+          <a:chExt cx="0" cy="0"/>
+        </a:xfrm>
+      </p:grpSpPr>
+      <p:sp>
+        <p:nvSpPr>
           <p:cNvPr id="8" name="Slide Number Placeholder 4">
             <a:extLst>
               <a:ext uri="{FF2B5EF4-FFF2-40B4-BE49-F238E27FC236}">
@@ -8523,7 +8652,7 @@
             <a:fld id="{30EC2833-F8DE-5947-B809-DCAA39435966}" type="slidenum">
               <a:rPr lang="en-US" altLang="en-US"/>
               <a:pPr/>
-              <a:t>18</a:t>
+              <a:t>19</a:t>
             </a:fld>
             <a:endParaRPr lang="en-US" altLang="en-US"/>
           </a:p>
@@ -9539,7 +9668,7 @@
 </p:sld>
 </file>
 
-<file path=ppt/slides/slide19.xml><?xml version="1.0" encoding="utf-8"?>
+<file path=ppt/slides/slide2.xml><?xml version="1.0" encoding="utf-8"?>
 <p:sld xmlns:a="http://schemas.openxmlformats.org/drawingml/2006/main" xmlns:r="http://schemas.openxmlformats.org/officeDocument/2006/relationships" xmlns:p="http://schemas.openxmlformats.org/presentationml/2006/main">
   <p:cSld>
     <p:spTree>
@@ -9558,6 +9687,128 @@
       </p:grpSpPr>
       <p:sp>
         <p:nvSpPr>
+          <p:cNvPr id="2" name="Title 1">
+            <a:extLst>
+              <a:ext uri="{FF2B5EF4-FFF2-40B4-BE49-F238E27FC236}">
+                <a16:creationId xmlns:a16="http://schemas.microsoft.com/office/drawing/2014/main" id="{E0529347-8E03-5745-A305-AF41325E1120}"/>
+              </a:ext>
+            </a:extLst>
+          </p:cNvPr>
+          <p:cNvSpPr>
+            <a:spLocks noGrp="1"/>
+          </p:cNvSpPr>
+          <p:nvPr>
+            <p:ph type="title"/>
+          </p:nvPr>
+        </p:nvSpPr>
+        <p:spPr/>
+        <p:txBody>
+          <a:bodyPr>
+            <a:normAutofit fontScale="90000"/>
+          </a:bodyPr>
+          <a:lstStyle/>
+          <a:p>
+            <a:r>
+              <a:rPr lang="en-US" dirty="0"/>
+              <a:t>Overview of Lecture 19</a:t>
+            </a:r>
+          </a:p>
+        </p:txBody>
+      </p:sp>
+      <p:sp>
+        <p:nvSpPr>
+          <p:cNvPr id="3" name="Content Placeholder 2">
+            <a:extLst>
+              <a:ext uri="{FF2B5EF4-FFF2-40B4-BE49-F238E27FC236}">
+                <a16:creationId xmlns:a16="http://schemas.microsoft.com/office/drawing/2014/main" id="{F6F2EB0E-4EBA-9E41-A915-2E5A2D97575C}"/>
+              </a:ext>
+            </a:extLst>
+          </p:cNvPr>
+          <p:cNvSpPr>
+            <a:spLocks noGrp="1"/>
+          </p:cNvSpPr>
+          <p:nvPr>
+            <p:ph idx="1"/>
+          </p:nvPr>
+        </p:nvSpPr>
+        <p:spPr/>
+        <p:txBody>
+          <a:bodyPr/>
+          <a:lstStyle/>
+          <a:p>
+            <a:r>
+              <a:rPr lang="en-US" dirty="0"/>
+              <a:t>Projects</a:t>
+            </a:r>
+          </a:p>
+          <a:p>
+            <a:pPr lvl="1"/>
+            <a:r>
+              <a:rPr lang="en-US" dirty="0"/>
+              <a:t>Please fix meeting this week (schedule online) to</a:t>
+            </a:r>
+          </a:p>
+          <a:p>
+            <a:pPr lvl="2"/>
+            <a:r>
+              <a:rPr lang="en-US" dirty="0"/>
+              <a:t>Select/Refine projects</a:t>
+            </a:r>
+          </a:p>
+          <a:p>
+            <a:pPr lvl="2"/>
+            <a:r>
+              <a:rPr lang="en-US" dirty="0"/>
+              <a:t>Seek resources</a:t>
+            </a:r>
+          </a:p>
+          <a:p>
+            <a:pPr lvl="3"/>
+            <a:r>
+              <a:rPr lang="en-US" dirty="0"/>
+              <a:t>Projects will be the central aspect of your class</a:t>
+            </a:r>
+          </a:p>
+          <a:p>
+            <a:r>
+              <a:rPr lang="en-US" dirty="0"/>
+              <a:t>Today’s topic : Cache Coherence</a:t>
+            </a:r>
+          </a:p>
+        </p:txBody>
+      </p:sp>
+    </p:spTree>
+    <p:extLst>
+      <p:ext uri="{BB962C8B-B14F-4D97-AF65-F5344CB8AC3E}">
+        <p14:creationId xmlns:p14="http://schemas.microsoft.com/office/powerpoint/2010/main" val="3039521154"/>
+      </p:ext>
+    </p:extLst>
+  </p:cSld>
+  <p:clrMapOvr>
+    <a:masterClrMapping/>
+  </p:clrMapOvr>
+</p:sld>
+</file>
+
+<file path=ppt/slides/slide20.xml><?xml version="1.0" encoding="utf-8"?>
+<p:sld xmlns:a="http://schemas.openxmlformats.org/drawingml/2006/main" xmlns:r="http://schemas.openxmlformats.org/officeDocument/2006/relationships" xmlns:p="http://schemas.openxmlformats.org/presentationml/2006/main">
+  <p:cSld>
+    <p:spTree>
+      <p:nvGrpSpPr>
+        <p:cNvPr id="1" name=""/>
+        <p:cNvGrpSpPr/>
+        <p:nvPr/>
+      </p:nvGrpSpPr>
+      <p:grpSpPr>
+        <a:xfrm>
+          <a:off x="0" y="0"/>
+          <a:ext cx="0" cy="0"/>
+          <a:chOff x="0" y="0"/>
+          <a:chExt cx="0" cy="0"/>
+        </a:xfrm>
+      </p:grpSpPr>
+      <p:sp>
+        <p:nvSpPr>
           <p:cNvPr id="6" name="Slide Number Placeholder 4">
             <a:extLst>
               <a:ext uri="{FF2B5EF4-FFF2-40B4-BE49-F238E27FC236}">
@@ -9580,7 +9831,7 @@
             <a:fld id="{A1CDEC3F-A323-A849-B43B-B4232CF53285}" type="slidenum">
               <a:rPr lang="en-US" altLang="en-US"/>
               <a:pPr/>
-              <a:t>19</a:t>
+              <a:t>20</a:t>
             </a:fld>
             <a:endParaRPr lang="en-US" altLang="en-US"/>
           </a:p>
@@ -9848,7 +10099,7 @@
           <a:graphicData uri="http://schemas.openxmlformats.org/presentationml/2006/ole">
             <mc:AlternateContent xmlns:mc="http://schemas.openxmlformats.org/markup-compatibility/2006">
               <mc:Choice xmlns:v="urn:schemas-microsoft-com:vml" Requires="v">
-                <p:oleObj spid="_x0000_s20495" name="Visio" r:id="rId4" imgW="3733800" imgH="1968500" progId="Visio.Drawing.6">
+                <p:oleObj spid="_x0000_s20497" name="Visio" r:id="rId4" imgW="3733800" imgH="1968500" progId="Visio.Drawing.6">
                   <p:embed/>
                 </p:oleObj>
               </mc:Choice>
@@ -10121,803 +10372,6 @@
         </p:txBody>
       </p:sp>
     </p:spTree>
-  </p:cSld>
-  <p:clrMapOvr>
-    <a:masterClrMapping/>
-  </p:clrMapOvr>
-  <p:timing>
-    <p:tnLst>
-      <p:par>
-        <p:cTn id="1" dur="indefinite" restart="never" nodeType="tmRoot">
-          <p:childTnLst>
-            <p:seq concurrent="1" nextAc="seek">
-              <p:cTn id="2" dur="indefinite" nodeType="mainSeq">
-                <p:childTnLst>
-                  <p:par>
-                    <p:cTn id="3" fill="hold" nodeType="clickPar">
-                      <p:stCondLst>
-                        <p:cond delay="indefinite"/>
-                      </p:stCondLst>
-                      <p:childTnLst>
-                        <p:par>
-                          <p:cTn id="4" fill="hold" nodeType="withGroup">
-                            <p:stCondLst>
-                              <p:cond delay="0"/>
-                            </p:stCondLst>
-                            <p:childTnLst>
-                              <p:par>
-                                <p:cTn id="5" presetID="1" presetClass="entr" presetSubtype="0" fill="hold" grpId="0" nodeType="clickEffect">
-                                  <p:stCondLst>
-                                    <p:cond delay="0"/>
-                                  </p:stCondLst>
-                                  <p:childTnLst>
-                                    <p:set>
-                                      <p:cBhvr>
-                                        <p:cTn id="6" dur="1" fill="hold">
-                                          <p:stCondLst>
-                                            <p:cond delay="0"/>
-                                          </p:stCondLst>
-                                        </p:cTn>
-                                        <p:tgtEl>
-                                          <p:spTgt spid="653315"/>
-                                        </p:tgtEl>
-                                        <p:attrNameLst>
-                                          <p:attrName>style.visibility</p:attrName>
-                                        </p:attrNameLst>
-                                      </p:cBhvr>
-                                      <p:to>
-                                        <p:strVal val="visible"/>
-                                      </p:to>
-                                    </p:set>
-                                  </p:childTnLst>
-                                </p:cTn>
-                              </p:par>
-                            </p:childTnLst>
-                          </p:cTn>
-                        </p:par>
-                      </p:childTnLst>
-                    </p:cTn>
-                  </p:par>
-                </p:childTnLst>
-              </p:cTn>
-              <p:prevCondLst>
-                <p:cond evt="onPrev" delay="0">
-                  <p:tgtEl>
-                    <p:sldTgt/>
-                  </p:tgtEl>
-                </p:cond>
-              </p:prevCondLst>
-              <p:nextCondLst>
-                <p:cond evt="onNext" delay="0">
-                  <p:tgtEl>
-                    <p:sldTgt/>
-                  </p:tgtEl>
-                </p:cond>
-              </p:nextCondLst>
-            </p:seq>
-          </p:childTnLst>
-        </p:cTn>
-      </p:par>
-    </p:tnLst>
-    <p:bldLst>
-      <p:bldP spid="653315" grpId="0"/>
-    </p:bldLst>
-  </p:timing>
-</p:sld>
-</file>
-
-<file path=ppt/slides/slide2.xml><?xml version="1.0" encoding="utf-8"?>
-<p:sld xmlns:a="http://schemas.openxmlformats.org/drawingml/2006/main" xmlns:r="http://schemas.openxmlformats.org/officeDocument/2006/relationships" xmlns:p="http://schemas.openxmlformats.org/presentationml/2006/main">
-  <p:cSld>
-    <p:spTree>
-      <p:nvGrpSpPr>
-        <p:cNvPr id="1" name=""/>
-        <p:cNvGrpSpPr/>
-        <p:nvPr/>
-      </p:nvGrpSpPr>
-      <p:grpSpPr>
-        <a:xfrm>
-          <a:off x="0" y="0"/>
-          <a:ext cx="0" cy="0"/>
-          <a:chOff x="0" y="0"/>
-          <a:chExt cx="0" cy="0"/>
-        </a:xfrm>
-      </p:grpSpPr>
-      <p:sp>
-        <p:nvSpPr>
-          <p:cNvPr id="2" name="Title 1">
-            <a:extLst>
-              <a:ext uri="{FF2B5EF4-FFF2-40B4-BE49-F238E27FC236}">
-                <a16:creationId xmlns:a16="http://schemas.microsoft.com/office/drawing/2014/main" id="{E0529347-8E03-5745-A305-AF41325E1120}"/>
-              </a:ext>
-            </a:extLst>
-          </p:cNvPr>
-          <p:cNvSpPr>
-            <a:spLocks noGrp="1"/>
-          </p:cNvSpPr>
-          <p:nvPr>
-            <p:ph type="title"/>
-          </p:nvPr>
-        </p:nvSpPr>
-        <p:spPr/>
-        <p:txBody>
-          <a:bodyPr>
-            <a:normAutofit fontScale="90000"/>
-          </a:bodyPr>
-          <a:lstStyle/>
-          <a:p>
-            <a:r>
-              <a:rPr lang="en-US" dirty="0"/>
-              <a:t>Overview of Lecture 19</a:t>
-            </a:r>
-          </a:p>
-        </p:txBody>
-      </p:sp>
-      <p:sp>
-        <p:nvSpPr>
-          <p:cNvPr id="3" name="Content Placeholder 2">
-            <a:extLst>
-              <a:ext uri="{FF2B5EF4-FFF2-40B4-BE49-F238E27FC236}">
-                <a16:creationId xmlns:a16="http://schemas.microsoft.com/office/drawing/2014/main" id="{F6F2EB0E-4EBA-9E41-A915-2E5A2D97575C}"/>
-              </a:ext>
-            </a:extLst>
-          </p:cNvPr>
-          <p:cNvSpPr>
-            <a:spLocks noGrp="1"/>
-          </p:cNvSpPr>
-          <p:nvPr>
-            <p:ph idx="1"/>
-          </p:nvPr>
-        </p:nvSpPr>
-        <p:spPr/>
-        <p:txBody>
-          <a:bodyPr/>
-          <a:lstStyle/>
-          <a:p>
-            <a:r>
-              <a:rPr lang="en-US" dirty="0"/>
-              <a:t>Projects</a:t>
-            </a:r>
-          </a:p>
-          <a:p>
-            <a:pPr lvl="1"/>
-            <a:r>
-              <a:rPr lang="en-US" dirty="0"/>
-              <a:t>Please fix meeting this week (schedule online) to</a:t>
-            </a:r>
-          </a:p>
-          <a:p>
-            <a:pPr lvl="2"/>
-            <a:r>
-              <a:rPr lang="en-US" dirty="0"/>
-              <a:t>Select/Refine projects</a:t>
-            </a:r>
-          </a:p>
-          <a:p>
-            <a:pPr lvl="2"/>
-            <a:r>
-              <a:rPr lang="en-US" dirty="0"/>
-              <a:t>Seek resources</a:t>
-            </a:r>
-          </a:p>
-          <a:p>
-            <a:pPr lvl="3"/>
-            <a:r>
-              <a:rPr lang="en-US" dirty="0"/>
-              <a:t>Projects will be the central aspect of your class</a:t>
-            </a:r>
-          </a:p>
-          <a:p>
-            <a:r>
-              <a:rPr lang="en-US" dirty="0"/>
-              <a:t>Today’s topic : Cache Coherence</a:t>
-            </a:r>
-          </a:p>
-        </p:txBody>
-      </p:sp>
-    </p:spTree>
-    <p:extLst>
-      <p:ext uri="{BB962C8B-B14F-4D97-AF65-F5344CB8AC3E}">
-        <p14:creationId xmlns:p14="http://schemas.microsoft.com/office/powerpoint/2010/main" val="3039521154"/>
-      </p:ext>
-    </p:extLst>
-  </p:cSld>
-  <p:clrMapOvr>
-    <a:masterClrMapping/>
-  </p:clrMapOvr>
-</p:sld>
-</file>
-
-<file path=ppt/slides/slide20.xml><?xml version="1.0" encoding="utf-8"?>
-<p:sld xmlns:a="http://schemas.openxmlformats.org/drawingml/2006/main" xmlns:r="http://schemas.openxmlformats.org/officeDocument/2006/relationships" xmlns:p="http://schemas.openxmlformats.org/presentationml/2006/main">
-  <p:cSld>
-    <p:spTree>
-      <p:nvGrpSpPr>
-        <p:cNvPr id="1" name=""/>
-        <p:cNvGrpSpPr/>
-        <p:nvPr/>
-      </p:nvGrpSpPr>
-      <p:grpSpPr>
-        <a:xfrm>
-          <a:off x="0" y="0"/>
-          <a:ext cx="0" cy="0"/>
-          <a:chOff x="0" y="0"/>
-          <a:chExt cx="0" cy="0"/>
-        </a:xfrm>
-      </p:grpSpPr>
-      <p:sp>
-        <p:nvSpPr>
-          <p:cNvPr id="6" name="Slide Number Placeholder 4">
-            <a:extLst>
-              <a:ext uri="{FF2B5EF4-FFF2-40B4-BE49-F238E27FC236}">
-                <a16:creationId xmlns:a16="http://schemas.microsoft.com/office/drawing/2014/main" id="{BB2DA4FD-ABA3-2F49-9B38-5C60B9B98729}"/>
-              </a:ext>
-            </a:extLst>
-          </p:cNvPr>
-          <p:cNvSpPr>
-            <a:spLocks noGrp="1"/>
-          </p:cNvSpPr>
-          <p:nvPr>
-            <p:ph type="sldNum" sz="quarter" idx="11"/>
-          </p:nvPr>
-        </p:nvSpPr>
-        <p:spPr/>
-        <p:txBody>
-          <a:bodyPr/>
-          <a:lstStyle/>
-          <a:p>
-            <a:fld id="{A1CDEC3F-A323-A849-B43B-B4232CF53285}" type="slidenum">
-              <a:rPr lang="en-US" altLang="en-US"/>
-              <a:pPr/>
-              <a:t>20</a:t>
-            </a:fld>
-            <a:endParaRPr lang="en-US" altLang="en-US"/>
-          </a:p>
-        </p:txBody>
-      </p:sp>
-      <p:sp>
-        <p:nvSpPr>
-          <p:cNvPr id="653314" name="Rectangle 2">
-            <a:extLst>
-              <a:ext uri="{FF2B5EF4-FFF2-40B4-BE49-F238E27FC236}">
-                <a16:creationId xmlns:a16="http://schemas.microsoft.com/office/drawing/2014/main" id="{931CF536-CCE0-F84C-857C-4FE4A19CBC62}"/>
-              </a:ext>
-            </a:extLst>
-          </p:cNvPr>
-          <p:cNvSpPr>
-            <a:spLocks noGrp="1" noChangeArrowheads="1"/>
-          </p:cNvSpPr>
-          <p:nvPr>
-            <p:ph type="title"/>
-          </p:nvPr>
-        </p:nvSpPr>
-        <p:spPr>
-          <a:xfrm>
-            <a:off x="838200" y="365125"/>
-            <a:ext cx="10515600" cy="1734607"/>
-          </a:xfrm>
-        </p:spPr>
-        <p:txBody>
-          <a:bodyPr>
-            <a:normAutofit fontScale="90000"/>
-          </a:bodyPr>
-          <a:lstStyle/>
-          <a:p>
-            <a:r>
-              <a:rPr lang="en-US" altLang="en-US" sz="1800" dirty="0"/>
-              <a:t>Now the secret: in the CMP method, the designer decouples all nodes beyond k (typically 2) explicitly modeled nodes. Then, brings back the N-k nodes, but in ‘spirit’ – i.e., in terms of the non-interference conditions they must obey (note that “N” is a free parameter). </a:t>
-            </a:r>
-            <a:br>
-              <a:rPr lang="en-US" altLang="en-US" sz="1800" dirty="0"/>
-            </a:br>
-            <a:br>
-              <a:rPr lang="en-US" altLang="en-US" sz="1800" dirty="0"/>
-            </a:br>
-            <a:r>
-              <a:rPr lang="en-US" altLang="en-US" sz="1800" dirty="0"/>
-              <a:t>The Ci are thus the non-interference lemmas. Each is discovered upon seeing a counterexample, and then added back into the system! If the coherence invariant is proved (usually this happens), then you ended up having used a model-checker to prove a parametric theorem – which is a big deal!</a:t>
-            </a:r>
-            <a:endParaRPr lang="en-US" altLang="en-US" sz="1800" dirty="0">
-              <a:cs typeface="Arial" panose="020B0604020202020204" pitchFamily="34" charset="0"/>
-            </a:endParaRPr>
-          </a:p>
-        </p:txBody>
-      </p:sp>
-      <p:sp>
-        <p:nvSpPr>
-          <p:cNvPr id="653315" name="Rectangle 3">
-            <a:extLst>
-              <a:ext uri="{FF2B5EF4-FFF2-40B4-BE49-F238E27FC236}">
-                <a16:creationId xmlns:a16="http://schemas.microsoft.com/office/drawing/2014/main" id="{A8F0BAA0-3D3D-8441-BFC5-5BCCAA698B80}"/>
-              </a:ext>
-            </a:extLst>
-          </p:cNvPr>
-          <p:cNvSpPr>
-            <a:spLocks noChangeArrowheads="1"/>
-          </p:cNvSpPr>
-          <p:nvPr/>
-        </p:nvSpPr>
-        <p:spPr bwMode="auto">
-          <a:xfrm>
-            <a:off x="8991601" y="3429000"/>
-            <a:ext cx="523875" cy="369332"/>
-          </a:xfrm>
-          <a:prstGeom prst="rect">
-            <a:avLst/>
-          </a:prstGeom>
-          <a:noFill/>
-          <a:ln>
-            <a:noFill/>
-          </a:ln>
-          <a:effectLst/>
-          <a:extLst>
-            <a:ext uri="{909E8E84-426E-40DD-AFC4-6F175D3DCCD1}">
-              <a14:hiddenFill xmlns:a14="http://schemas.microsoft.com/office/drawing/2010/main">
-                <a:solidFill>
-                  <a:schemeClr val="accent1"/>
-                </a:solidFill>
-              </a14:hiddenFill>
-            </a:ext>
-            <a:ext uri="{91240B29-F687-4F45-9708-019B960494DF}">
-              <a14:hiddenLine xmlns:a14="http://schemas.microsoft.com/office/drawing/2010/main" w="9525" algn="ctr">
-                <a:solidFill>
-                  <a:schemeClr val="tx1"/>
-                </a:solidFill>
-                <a:miter lim="800000"/>
-                <a:headEnd/>
-                <a:tailEnd/>
-              </a14:hiddenLine>
-            </a:ext>
-            <a:ext uri="{AF507438-7753-43E0-B8FC-AC1667EBCBE1}">
-              <a14:hiddenEffects xmlns:a14="http://schemas.microsoft.com/office/drawing/2010/main">
-                <a:effectLst>
-                  <a:outerShdw dist="35921" dir="2700000" algn="ctr" rotWithShape="0">
-                    <a:schemeClr val="bg2"/>
-                  </a:outerShdw>
-                </a:effectLst>
-              </a14:hiddenEffects>
-            </a:ext>
-          </a:extLst>
-        </p:spPr>
-        <p:txBody>
-          <a:bodyPr>
-            <a:spAutoFit/>
-          </a:bodyPr>
-          <a:lstStyle>
-            <a:lvl1pPr marL="469900" indent="-469900" algn="l">
-              <a:spcBef>
-                <a:spcPct val="0"/>
-              </a:spcBef>
-              <a:defRPr>
-                <a:solidFill>
-                  <a:schemeClr val="tx1"/>
-                </a:solidFill>
-                <a:latin typeface="Arial" panose="020B0604020202020204" pitchFamily="34" charset="0"/>
-              </a:defRPr>
-            </a:lvl1pPr>
-            <a:lvl2pPr algn="l">
-              <a:spcBef>
-                <a:spcPct val="0"/>
-              </a:spcBef>
-              <a:defRPr>
-                <a:solidFill>
-                  <a:schemeClr val="tx1"/>
-                </a:solidFill>
-                <a:latin typeface="Arial" panose="020B0604020202020204" pitchFamily="34" charset="0"/>
-              </a:defRPr>
-            </a:lvl2pPr>
-            <a:lvl3pPr algn="l">
-              <a:spcBef>
-                <a:spcPct val="0"/>
-              </a:spcBef>
-              <a:defRPr>
-                <a:solidFill>
-                  <a:schemeClr val="tx1"/>
-                </a:solidFill>
-                <a:latin typeface="Arial" panose="020B0604020202020204" pitchFamily="34" charset="0"/>
-              </a:defRPr>
-            </a:lvl3pPr>
-            <a:lvl4pPr algn="l">
-              <a:spcBef>
-                <a:spcPct val="0"/>
-              </a:spcBef>
-              <a:defRPr>
-                <a:solidFill>
-                  <a:schemeClr val="tx1"/>
-                </a:solidFill>
-                <a:latin typeface="Arial" panose="020B0604020202020204" pitchFamily="34" charset="0"/>
-              </a:defRPr>
-            </a:lvl4pPr>
-            <a:lvl5pPr algn="l">
-              <a:spcBef>
-                <a:spcPct val="0"/>
-              </a:spcBef>
-              <a:defRPr>
-                <a:solidFill>
-                  <a:schemeClr val="tx1"/>
-                </a:solidFill>
-                <a:latin typeface="Arial" panose="020B0604020202020204" pitchFamily="34" charset="0"/>
-              </a:defRPr>
-            </a:lvl5pPr>
-            <a:lvl6pPr fontAlgn="base">
-              <a:spcBef>
-                <a:spcPct val="0"/>
-              </a:spcBef>
-              <a:spcAft>
-                <a:spcPct val="0"/>
-              </a:spcAft>
-              <a:defRPr>
-                <a:solidFill>
-                  <a:schemeClr val="tx1"/>
-                </a:solidFill>
-                <a:latin typeface="Arial" panose="020B0604020202020204" pitchFamily="34" charset="0"/>
-              </a:defRPr>
-            </a:lvl6pPr>
-            <a:lvl7pPr fontAlgn="base">
-              <a:spcBef>
-                <a:spcPct val="0"/>
-              </a:spcBef>
-              <a:spcAft>
-                <a:spcPct val="0"/>
-              </a:spcAft>
-              <a:defRPr>
-                <a:solidFill>
-                  <a:schemeClr val="tx1"/>
-                </a:solidFill>
-                <a:latin typeface="Arial" panose="020B0604020202020204" pitchFamily="34" charset="0"/>
-              </a:defRPr>
-            </a:lvl7pPr>
-            <a:lvl8pPr fontAlgn="base">
-              <a:spcBef>
-                <a:spcPct val="0"/>
-              </a:spcBef>
-              <a:spcAft>
-                <a:spcPct val="0"/>
-              </a:spcAft>
-              <a:defRPr>
-                <a:solidFill>
-                  <a:schemeClr val="tx1"/>
-                </a:solidFill>
-                <a:latin typeface="Arial" panose="020B0604020202020204" pitchFamily="34" charset="0"/>
-              </a:defRPr>
-            </a:lvl8pPr>
-            <a:lvl9pPr fontAlgn="base">
-              <a:spcBef>
-                <a:spcPct val="0"/>
-              </a:spcBef>
-              <a:spcAft>
-                <a:spcPct val="0"/>
-              </a:spcAft>
-              <a:defRPr>
-                <a:solidFill>
-                  <a:schemeClr val="tx1"/>
-                </a:solidFill>
-                <a:latin typeface="Arial" panose="020B0604020202020204" pitchFamily="34" charset="0"/>
-              </a:defRPr>
-            </a:lvl9pPr>
-          </a:lstStyle>
-          <a:p>
-            <a:pPr algn="ctr">
-              <a:spcBef>
-                <a:spcPct val="20000"/>
-              </a:spcBef>
-              <a:buFont typeface="Wingdings" pitchFamily="2" charset="2"/>
-              <a:buNone/>
-            </a:pPr>
-            <a:r>
-              <a:rPr lang="en-US" altLang="en-US" b="1">
-                <a:solidFill>
-                  <a:schemeClr val="accent2"/>
-                </a:solidFill>
-                <a:sym typeface="Wingdings" pitchFamily="2" charset="2"/>
-              </a:rPr>
-              <a:t></a:t>
-            </a:r>
-          </a:p>
-        </p:txBody>
-      </p:sp>
-      <p:graphicFrame>
-        <p:nvGraphicFramePr>
-          <p:cNvPr id="653320" name="Object 8">
-            <a:extLst>
-              <a:ext uri="{FF2B5EF4-FFF2-40B4-BE49-F238E27FC236}">
-                <a16:creationId xmlns:a16="http://schemas.microsoft.com/office/drawing/2014/main" id="{BA1D98C5-C812-9842-9A0E-227B10EDA72C}"/>
-              </a:ext>
-            </a:extLst>
-          </p:cNvPr>
-          <p:cNvGraphicFramePr>
-            <a:graphicFrameLocks noGrp="1" noChangeAspect="1"/>
-          </p:cNvGraphicFramePr>
-          <p:nvPr>
-            <p:ph idx="1"/>
-          </p:nvPr>
-        </p:nvGraphicFramePr>
-        <p:xfrm>
-          <a:off x="2667000" y="2362201"/>
-          <a:ext cx="5715000" cy="3006725"/>
-        </p:xfrm>
-        <a:graphic>
-          <a:graphicData uri="http://schemas.openxmlformats.org/presentationml/2006/ole">
-            <mc:AlternateContent xmlns:mc="http://schemas.openxmlformats.org/markup-compatibility/2006">
-              <mc:Choice xmlns:v="urn:schemas-microsoft-com:vml" Requires="v">
-                <p:oleObj spid="_x0000_s24581" name="Visio" r:id="rId4" imgW="3733800" imgH="1968500" progId="Visio.Drawing.6">
-                  <p:embed/>
-                </p:oleObj>
-              </mc:Choice>
-              <mc:Fallback>
-                <p:oleObj name="Visio" r:id="rId4" imgW="3733800" imgH="1968500" progId="Visio.Drawing.6">
-                  <p:embed/>
-                  <p:pic>
-                    <p:nvPicPr>
-                      <p:cNvPr id="653320" name="Object 8">
-                        <a:extLst>
-                          <a:ext uri="{FF2B5EF4-FFF2-40B4-BE49-F238E27FC236}">
-                            <a16:creationId xmlns:a16="http://schemas.microsoft.com/office/drawing/2014/main" id="{BA1D98C5-C812-9842-9A0E-227B10EDA72C}"/>
-                          </a:ext>
-                        </a:extLst>
-                      </p:cNvPr>
-                      <p:cNvPicPr>
-                        <a:picLocks noChangeAspect="1" noChangeArrowheads="1"/>
-                      </p:cNvPicPr>
-                      <p:nvPr/>
-                    </p:nvPicPr>
-                    <p:blipFill>
-                      <a:blip r:embed="rId5">
-                        <a:extLst>
-                          <a:ext uri="{28A0092B-C50C-407E-A947-70E740481C1C}">
-                            <a14:useLocalDpi xmlns:a14="http://schemas.microsoft.com/office/drawing/2010/main" val="0"/>
-                          </a:ext>
-                        </a:extLst>
-                      </a:blip>
-                      <a:srcRect/>
-                      <a:stretch>
-                        <a:fillRect/>
-                      </a:stretch>
-                    </p:blipFill>
-                    <p:spPr bwMode="auto">
-                      <a:xfrm>
-                        <a:off x="2667000" y="2362201"/>
-                        <a:ext cx="5715000" cy="3006725"/>
-                      </a:xfrm>
-                      <a:prstGeom prst="rect">
-                        <a:avLst/>
-                      </a:prstGeom>
-                      <a:noFill/>
-                      <a:ln>
-                        <a:noFill/>
-                      </a:ln>
-                      <a:effectLst/>
-                      <a:extLst>
-                        <a:ext uri="{909E8E84-426E-40DD-AFC4-6F175D3DCCD1}">
-                          <a14:hiddenFill xmlns:a14="http://schemas.microsoft.com/office/drawing/2010/main">
-                            <a:solidFill>
-                              <a:schemeClr val="accent1"/>
-                            </a:solidFill>
-                          </a14:hiddenFill>
-                        </a:ext>
-                        <a:ext uri="{91240B29-F687-4F45-9708-019B960494DF}">
-                          <a14:hiddenLine xmlns:a14="http://schemas.microsoft.com/office/drawing/2010/main" w="9525" cap="flat" cmpd="sng" algn="ctr">
-                            <a:solidFill>
-                              <a:schemeClr val="tx1"/>
-                            </a:solidFill>
-                            <a:prstDash val="solid"/>
-                            <a:miter lim="800000"/>
-                            <a:headEnd/>
-                            <a:tailEnd/>
-                          </a14:hiddenLine>
-                        </a:ext>
-                        <a:ext uri="{AF507438-7753-43E0-B8FC-AC1667EBCBE1}">
-                          <a14:hiddenEffects xmlns:a14="http://schemas.microsoft.com/office/drawing/2010/main">
-                            <a:effectLst>
-                              <a:outerShdw dist="35921" dir="2700000" algn="ctr" rotWithShape="0">
-                                <a:schemeClr val="bg2"/>
-                              </a:outerShdw>
-                            </a:effectLst>
-                          </a14:hiddenEffects>
-                        </a:ext>
-                      </a:extLst>
-                    </p:spPr>
-                  </p:pic>
-                </p:oleObj>
-              </mc:Fallback>
-            </mc:AlternateContent>
-          </a:graphicData>
-        </a:graphic>
-      </p:graphicFrame>
-      <p:sp>
-        <p:nvSpPr>
-          <p:cNvPr id="653322" name="Text Box 10">
-            <a:extLst>
-              <a:ext uri="{FF2B5EF4-FFF2-40B4-BE49-F238E27FC236}">
-                <a16:creationId xmlns:a16="http://schemas.microsoft.com/office/drawing/2014/main" id="{65775A1D-4AF1-8D42-8B08-A02CF993ADD2}"/>
-              </a:ext>
-            </a:extLst>
-          </p:cNvPr>
-          <p:cNvSpPr txBox="1">
-            <a:spLocks noChangeArrowheads="1"/>
-          </p:cNvSpPr>
-          <p:nvPr/>
-        </p:nvSpPr>
-        <p:spPr bwMode="auto">
-          <a:xfrm>
-            <a:off x="4259066" y="5394325"/>
-            <a:ext cx="3454792" cy="369332"/>
-          </a:xfrm>
-          <a:prstGeom prst="rect">
-            <a:avLst/>
-          </a:prstGeom>
-          <a:noFill/>
-          <a:ln>
-            <a:noFill/>
-          </a:ln>
-          <a:effectLst/>
-          <a:extLst>
-            <a:ext uri="{909E8E84-426E-40DD-AFC4-6F175D3DCCD1}">
-              <a14:hiddenFill xmlns:a14="http://schemas.microsoft.com/office/drawing/2010/main">
-                <a:solidFill>
-                  <a:schemeClr val="accent1"/>
-                </a:solidFill>
-              </a14:hiddenFill>
-            </a:ext>
-            <a:ext uri="{91240B29-F687-4F45-9708-019B960494DF}">
-              <a14:hiddenLine xmlns:a14="http://schemas.microsoft.com/office/drawing/2010/main" w="9525" algn="ctr">
-                <a:solidFill>
-                  <a:schemeClr val="tx1"/>
-                </a:solidFill>
-                <a:miter lim="800000"/>
-                <a:headEnd/>
-                <a:tailEnd/>
-              </a14:hiddenLine>
-            </a:ext>
-            <a:ext uri="{AF507438-7753-43E0-B8FC-AC1667EBCBE1}">
-              <a14:hiddenEffects xmlns:a14="http://schemas.microsoft.com/office/drawing/2010/main">
-                <a:effectLst>
-                  <a:outerShdw dist="35921" dir="2700000" algn="ctr" rotWithShape="0">
-                    <a:schemeClr val="bg2"/>
-                  </a:outerShdw>
-                </a:effectLst>
-              </a14:hiddenEffects>
-            </a:ext>
-          </a:extLst>
-        </p:spPr>
-        <p:txBody>
-          <a:bodyPr wrap="none">
-            <a:spAutoFit/>
-          </a:bodyPr>
-          <a:lstStyle>
-            <a:lvl1pPr marL="469900" indent="-469900" algn="l">
-              <a:spcBef>
-                <a:spcPct val="0"/>
-              </a:spcBef>
-              <a:defRPr>
-                <a:solidFill>
-                  <a:schemeClr val="tx1"/>
-                </a:solidFill>
-                <a:latin typeface="Arial" panose="020B0604020202020204" pitchFamily="34" charset="0"/>
-              </a:defRPr>
-            </a:lvl1pPr>
-            <a:lvl2pPr algn="l">
-              <a:spcBef>
-                <a:spcPct val="0"/>
-              </a:spcBef>
-              <a:defRPr>
-                <a:solidFill>
-                  <a:schemeClr val="tx1"/>
-                </a:solidFill>
-                <a:latin typeface="Arial" panose="020B0604020202020204" pitchFamily="34" charset="0"/>
-              </a:defRPr>
-            </a:lvl2pPr>
-            <a:lvl3pPr algn="l">
-              <a:spcBef>
-                <a:spcPct val="0"/>
-              </a:spcBef>
-              <a:defRPr>
-                <a:solidFill>
-                  <a:schemeClr val="tx1"/>
-                </a:solidFill>
-                <a:latin typeface="Arial" panose="020B0604020202020204" pitchFamily="34" charset="0"/>
-              </a:defRPr>
-            </a:lvl3pPr>
-            <a:lvl4pPr algn="l">
-              <a:spcBef>
-                <a:spcPct val="0"/>
-              </a:spcBef>
-              <a:defRPr>
-                <a:solidFill>
-                  <a:schemeClr val="tx1"/>
-                </a:solidFill>
-                <a:latin typeface="Arial" panose="020B0604020202020204" pitchFamily="34" charset="0"/>
-              </a:defRPr>
-            </a:lvl4pPr>
-            <a:lvl5pPr algn="l">
-              <a:spcBef>
-                <a:spcPct val="0"/>
-              </a:spcBef>
-              <a:defRPr>
-                <a:solidFill>
-                  <a:schemeClr val="tx1"/>
-                </a:solidFill>
-                <a:latin typeface="Arial" panose="020B0604020202020204" pitchFamily="34" charset="0"/>
-              </a:defRPr>
-            </a:lvl5pPr>
-            <a:lvl6pPr fontAlgn="base">
-              <a:spcBef>
-                <a:spcPct val="0"/>
-              </a:spcBef>
-              <a:spcAft>
-                <a:spcPct val="0"/>
-              </a:spcAft>
-              <a:defRPr>
-                <a:solidFill>
-                  <a:schemeClr val="tx1"/>
-                </a:solidFill>
-                <a:latin typeface="Arial" panose="020B0604020202020204" pitchFamily="34" charset="0"/>
-              </a:defRPr>
-            </a:lvl6pPr>
-            <a:lvl7pPr fontAlgn="base">
-              <a:spcBef>
-                <a:spcPct val="0"/>
-              </a:spcBef>
-              <a:spcAft>
-                <a:spcPct val="0"/>
-              </a:spcAft>
-              <a:defRPr>
-                <a:solidFill>
-                  <a:schemeClr val="tx1"/>
-                </a:solidFill>
-                <a:latin typeface="Arial" panose="020B0604020202020204" pitchFamily="34" charset="0"/>
-              </a:defRPr>
-            </a:lvl7pPr>
-            <a:lvl8pPr fontAlgn="base">
-              <a:spcBef>
-                <a:spcPct val="0"/>
-              </a:spcBef>
-              <a:spcAft>
-                <a:spcPct val="0"/>
-              </a:spcAft>
-              <a:defRPr>
-                <a:solidFill>
-                  <a:schemeClr val="tx1"/>
-                </a:solidFill>
-                <a:latin typeface="Arial" panose="020B0604020202020204" pitchFamily="34" charset="0"/>
-              </a:defRPr>
-            </a:lvl8pPr>
-            <a:lvl9pPr fontAlgn="base">
-              <a:spcBef>
-                <a:spcPct val="0"/>
-              </a:spcBef>
-              <a:spcAft>
-                <a:spcPct val="0"/>
-              </a:spcAft>
-              <a:defRPr>
-                <a:solidFill>
-                  <a:schemeClr val="tx1"/>
-                </a:solidFill>
-                <a:latin typeface="Arial" panose="020B0604020202020204" pitchFamily="34" charset="0"/>
-              </a:defRPr>
-            </a:lvl9pPr>
-          </a:lstStyle>
-          <a:p>
-            <a:pPr algn="ctr">
-              <a:spcBef>
-                <a:spcPct val="20000"/>
-              </a:spcBef>
-              <a:buFont typeface="Wingdings" pitchFamily="2" charset="2"/>
-              <a:buNone/>
-            </a:pPr>
-            <a:r>
-              <a:rPr lang="en-US" altLang="en-US"/>
-              <a:t>This is the approach in our work</a:t>
-            </a:r>
-          </a:p>
-        </p:txBody>
-      </p:sp>
-    </p:spTree>
-    <p:extLst>
-      <p:ext uri="{BB962C8B-B14F-4D97-AF65-F5344CB8AC3E}">
-        <p14:creationId xmlns:p14="http://schemas.microsoft.com/office/powerpoint/2010/main" val="601288937"/>
-      </p:ext>
-    </p:extLst>
   </p:cSld>
   <p:clrMapOvr>
     <a:masterClrMapping/>
@@ -11022,10 +10476,10 @@
       </p:grpSpPr>
       <p:sp>
         <p:nvSpPr>
-          <p:cNvPr id="2" name="Title 1">
-            <a:extLst>
-              <a:ext uri="{FF2B5EF4-FFF2-40B4-BE49-F238E27FC236}">
-                <a16:creationId xmlns:a16="http://schemas.microsoft.com/office/drawing/2014/main" id="{9CB0A421-EE6F-9D4A-A528-E5140E38254A}"/>
+          <p:cNvPr id="6" name="Slide Number Placeholder 4">
+            <a:extLst>
+              <a:ext uri="{FF2B5EF4-FFF2-40B4-BE49-F238E27FC236}">
+                <a16:creationId xmlns:a16="http://schemas.microsoft.com/office/drawing/2014/main" id="{BB2DA4FD-ABA3-2F49-9B38-5C60B9B98729}"/>
               </a:ext>
             </a:extLst>
           </p:cNvPr>
@@ -11033,106 +10487,556 @@
             <a:spLocks noGrp="1"/>
           </p:cNvSpPr>
           <p:nvPr>
+            <p:ph type="sldNum" sz="quarter" idx="11"/>
+          </p:nvPr>
+        </p:nvSpPr>
+        <p:spPr/>
+        <p:txBody>
+          <a:bodyPr/>
+          <a:lstStyle/>
+          <a:p>
+            <a:fld id="{A1CDEC3F-A323-A849-B43B-B4232CF53285}" type="slidenum">
+              <a:rPr lang="en-US" altLang="en-US"/>
+              <a:pPr/>
+              <a:t>21</a:t>
+            </a:fld>
+            <a:endParaRPr lang="en-US" altLang="en-US"/>
+          </a:p>
+        </p:txBody>
+      </p:sp>
+      <p:sp>
+        <p:nvSpPr>
+          <p:cNvPr id="653314" name="Rectangle 2">
+            <a:extLst>
+              <a:ext uri="{FF2B5EF4-FFF2-40B4-BE49-F238E27FC236}">
+                <a16:creationId xmlns:a16="http://schemas.microsoft.com/office/drawing/2014/main" id="{931CF536-CCE0-F84C-857C-4FE4A19CBC62}"/>
+              </a:ext>
+            </a:extLst>
+          </p:cNvPr>
+          <p:cNvSpPr>
+            <a:spLocks noGrp="1" noChangeArrowheads="1"/>
+          </p:cNvSpPr>
+          <p:nvPr>
             <p:ph type="title"/>
           </p:nvPr>
         </p:nvSpPr>
-        <p:spPr/>
+        <p:spPr>
+          <a:xfrm>
+            <a:off x="838200" y="365125"/>
+            <a:ext cx="10515600" cy="1734607"/>
+          </a:xfrm>
+        </p:spPr>
         <p:txBody>
           <a:bodyPr>
-            <a:normAutofit/>
+            <a:normAutofit fontScale="90000"/>
           </a:bodyPr>
           <a:lstStyle/>
           <a:p>
             <a:r>
-              <a:rPr lang="en-US" sz="2800" dirty="0"/>
-              <a:t>This method has been perfected at Intel and in production use!</a:t>
-            </a:r>
-          </a:p>
-        </p:txBody>
-      </p:sp>
-      <p:sp>
-        <p:nvSpPr>
-          <p:cNvPr id="3" name="Content Placeholder 2">
-            <a:extLst>
-              <a:ext uri="{FF2B5EF4-FFF2-40B4-BE49-F238E27FC236}">
-                <a16:creationId xmlns:a16="http://schemas.microsoft.com/office/drawing/2014/main" id="{5CBFDA10-64FE-2A4D-B82A-172CD79A4092}"/>
-              </a:ext>
-            </a:extLst>
-          </p:cNvPr>
-          <p:cNvSpPr>
-            <a:spLocks noGrp="1"/>
-          </p:cNvSpPr>
+              <a:rPr lang="en-US" altLang="en-US" sz="1800" dirty="0"/>
+              <a:t>Now the secret: in the CMP method, the designer decouples all nodes beyond k (typically 2) explicitly modeled nodes. Then, brings back the N-k nodes, but in ‘spirit’ – i.e., in terms of the non-interference conditions they must obey (note that “N” is a free parameter). </a:t>
+            </a:r>
+            <a:br>
+              <a:rPr lang="en-US" altLang="en-US" sz="1800" dirty="0"/>
+            </a:br>
+            <a:br>
+              <a:rPr lang="en-US" altLang="en-US" sz="1800" dirty="0"/>
+            </a:br>
+            <a:r>
+              <a:rPr lang="en-US" altLang="en-US" sz="1800" dirty="0"/>
+              <a:t>The Ci are thus the non-interference lemmas. Each is discovered upon seeing a counterexample, and then added back into the system! If the coherence invariant is proved (usually this happens), then you ended up having used a model-checker to prove a parametric theorem – which is a big deal!</a:t>
+            </a:r>
+            <a:endParaRPr lang="en-US" altLang="en-US" sz="1800" dirty="0">
+              <a:cs typeface="Arial" panose="020B0604020202020204" pitchFamily="34" charset="0"/>
+            </a:endParaRPr>
+          </a:p>
+        </p:txBody>
+      </p:sp>
+      <p:sp>
+        <p:nvSpPr>
+          <p:cNvPr id="653315" name="Rectangle 3">
+            <a:extLst>
+              <a:ext uri="{FF2B5EF4-FFF2-40B4-BE49-F238E27FC236}">
+                <a16:creationId xmlns:a16="http://schemas.microsoft.com/office/drawing/2014/main" id="{A8F0BAA0-3D3D-8441-BFC5-5BCCAA698B80}"/>
+              </a:ext>
+            </a:extLst>
+          </p:cNvPr>
+          <p:cNvSpPr>
+            <a:spLocks noChangeArrowheads="1"/>
+          </p:cNvSpPr>
+          <p:nvPr/>
+        </p:nvSpPr>
+        <p:spPr bwMode="auto">
+          <a:xfrm>
+            <a:off x="8991601" y="3429000"/>
+            <a:ext cx="523875" cy="369332"/>
+          </a:xfrm>
+          <a:prstGeom prst="rect">
+            <a:avLst/>
+          </a:prstGeom>
+          <a:noFill/>
+          <a:ln>
+            <a:noFill/>
+          </a:ln>
+          <a:effectLst/>
+          <a:extLst>
+            <a:ext uri="{909E8E84-426E-40DD-AFC4-6F175D3DCCD1}">
+              <a14:hiddenFill xmlns:a14="http://schemas.microsoft.com/office/drawing/2010/main">
+                <a:solidFill>
+                  <a:schemeClr val="accent1"/>
+                </a:solidFill>
+              </a14:hiddenFill>
+            </a:ext>
+            <a:ext uri="{91240B29-F687-4F45-9708-019B960494DF}">
+              <a14:hiddenLine xmlns:a14="http://schemas.microsoft.com/office/drawing/2010/main" w="9525" algn="ctr">
+                <a:solidFill>
+                  <a:schemeClr val="tx1"/>
+                </a:solidFill>
+                <a:miter lim="800000"/>
+                <a:headEnd/>
+                <a:tailEnd/>
+              </a14:hiddenLine>
+            </a:ext>
+            <a:ext uri="{AF507438-7753-43E0-B8FC-AC1667EBCBE1}">
+              <a14:hiddenEffects xmlns:a14="http://schemas.microsoft.com/office/drawing/2010/main">
+                <a:effectLst>
+                  <a:outerShdw dist="35921" dir="2700000" algn="ctr" rotWithShape="0">
+                    <a:schemeClr val="bg2"/>
+                  </a:outerShdw>
+                </a:effectLst>
+              </a14:hiddenEffects>
+            </a:ext>
+          </a:extLst>
+        </p:spPr>
+        <p:txBody>
+          <a:bodyPr>
+            <a:spAutoFit/>
+          </a:bodyPr>
+          <a:lstStyle>
+            <a:lvl1pPr marL="469900" indent="-469900" algn="l">
+              <a:spcBef>
+                <a:spcPct val="0"/>
+              </a:spcBef>
+              <a:defRPr>
+                <a:solidFill>
+                  <a:schemeClr val="tx1"/>
+                </a:solidFill>
+                <a:latin typeface="Arial" panose="020B0604020202020204" pitchFamily="34" charset="0"/>
+              </a:defRPr>
+            </a:lvl1pPr>
+            <a:lvl2pPr algn="l">
+              <a:spcBef>
+                <a:spcPct val="0"/>
+              </a:spcBef>
+              <a:defRPr>
+                <a:solidFill>
+                  <a:schemeClr val="tx1"/>
+                </a:solidFill>
+                <a:latin typeface="Arial" panose="020B0604020202020204" pitchFamily="34" charset="0"/>
+              </a:defRPr>
+            </a:lvl2pPr>
+            <a:lvl3pPr algn="l">
+              <a:spcBef>
+                <a:spcPct val="0"/>
+              </a:spcBef>
+              <a:defRPr>
+                <a:solidFill>
+                  <a:schemeClr val="tx1"/>
+                </a:solidFill>
+                <a:latin typeface="Arial" panose="020B0604020202020204" pitchFamily="34" charset="0"/>
+              </a:defRPr>
+            </a:lvl3pPr>
+            <a:lvl4pPr algn="l">
+              <a:spcBef>
+                <a:spcPct val="0"/>
+              </a:spcBef>
+              <a:defRPr>
+                <a:solidFill>
+                  <a:schemeClr val="tx1"/>
+                </a:solidFill>
+                <a:latin typeface="Arial" panose="020B0604020202020204" pitchFamily="34" charset="0"/>
+              </a:defRPr>
+            </a:lvl4pPr>
+            <a:lvl5pPr algn="l">
+              <a:spcBef>
+                <a:spcPct val="0"/>
+              </a:spcBef>
+              <a:defRPr>
+                <a:solidFill>
+                  <a:schemeClr val="tx1"/>
+                </a:solidFill>
+                <a:latin typeface="Arial" panose="020B0604020202020204" pitchFamily="34" charset="0"/>
+              </a:defRPr>
+            </a:lvl5pPr>
+            <a:lvl6pPr fontAlgn="base">
+              <a:spcBef>
+                <a:spcPct val="0"/>
+              </a:spcBef>
+              <a:spcAft>
+                <a:spcPct val="0"/>
+              </a:spcAft>
+              <a:defRPr>
+                <a:solidFill>
+                  <a:schemeClr val="tx1"/>
+                </a:solidFill>
+                <a:latin typeface="Arial" panose="020B0604020202020204" pitchFamily="34" charset="0"/>
+              </a:defRPr>
+            </a:lvl6pPr>
+            <a:lvl7pPr fontAlgn="base">
+              <a:spcBef>
+                <a:spcPct val="0"/>
+              </a:spcBef>
+              <a:spcAft>
+                <a:spcPct val="0"/>
+              </a:spcAft>
+              <a:defRPr>
+                <a:solidFill>
+                  <a:schemeClr val="tx1"/>
+                </a:solidFill>
+                <a:latin typeface="Arial" panose="020B0604020202020204" pitchFamily="34" charset="0"/>
+              </a:defRPr>
+            </a:lvl7pPr>
+            <a:lvl8pPr fontAlgn="base">
+              <a:spcBef>
+                <a:spcPct val="0"/>
+              </a:spcBef>
+              <a:spcAft>
+                <a:spcPct val="0"/>
+              </a:spcAft>
+              <a:defRPr>
+                <a:solidFill>
+                  <a:schemeClr val="tx1"/>
+                </a:solidFill>
+                <a:latin typeface="Arial" panose="020B0604020202020204" pitchFamily="34" charset="0"/>
+              </a:defRPr>
+            </a:lvl8pPr>
+            <a:lvl9pPr fontAlgn="base">
+              <a:spcBef>
+                <a:spcPct val="0"/>
+              </a:spcBef>
+              <a:spcAft>
+                <a:spcPct val="0"/>
+              </a:spcAft>
+              <a:defRPr>
+                <a:solidFill>
+                  <a:schemeClr val="tx1"/>
+                </a:solidFill>
+                <a:latin typeface="Arial" panose="020B0604020202020204" pitchFamily="34" charset="0"/>
+              </a:defRPr>
+            </a:lvl9pPr>
+          </a:lstStyle>
+          <a:p>
+            <a:pPr algn="ctr">
+              <a:spcBef>
+                <a:spcPct val="20000"/>
+              </a:spcBef>
+              <a:buFont typeface="Wingdings" pitchFamily="2" charset="2"/>
+              <a:buNone/>
+            </a:pPr>
+            <a:r>
+              <a:rPr lang="en-US" altLang="en-US" b="1">
+                <a:solidFill>
+                  <a:schemeClr val="accent2"/>
+                </a:solidFill>
+                <a:sym typeface="Wingdings" pitchFamily="2" charset="2"/>
+              </a:rPr>
+              <a:t></a:t>
+            </a:r>
+          </a:p>
+        </p:txBody>
+      </p:sp>
+      <p:graphicFrame>
+        <p:nvGraphicFramePr>
+          <p:cNvPr id="653320" name="Object 8">
+            <a:extLst>
+              <a:ext uri="{FF2B5EF4-FFF2-40B4-BE49-F238E27FC236}">
+                <a16:creationId xmlns:a16="http://schemas.microsoft.com/office/drawing/2014/main" id="{BA1D98C5-C812-9842-9A0E-227B10EDA72C}"/>
+              </a:ext>
+            </a:extLst>
+          </p:cNvPr>
+          <p:cNvGraphicFramePr>
+            <a:graphicFrameLocks noGrp="1" noChangeAspect="1"/>
+          </p:cNvGraphicFramePr>
           <p:nvPr>
             <p:ph idx="1"/>
           </p:nvPr>
-        </p:nvSpPr>
-        <p:spPr/>
-        <p:txBody>
-          <a:bodyPr>
-            <a:normAutofit fontScale="92500" lnSpcReduction="20000"/>
+        </p:nvGraphicFramePr>
+        <p:xfrm>
+          <a:off x="2667000" y="2362201"/>
+          <a:ext cx="5715000" cy="3006725"/>
+        </p:xfrm>
+        <a:graphic>
+          <a:graphicData uri="http://schemas.openxmlformats.org/presentationml/2006/ole">
+            <mc:AlternateContent xmlns:mc="http://schemas.openxmlformats.org/markup-compatibility/2006">
+              <mc:Choice xmlns:v="urn:schemas-microsoft-com:vml" Requires="v">
+                <p:oleObj spid="_x0000_s24583" name="Visio" r:id="rId4" imgW="3733800" imgH="1968500" progId="Visio.Drawing.6">
+                  <p:embed/>
+                </p:oleObj>
+              </mc:Choice>
+              <mc:Fallback>
+                <p:oleObj name="Visio" r:id="rId4" imgW="3733800" imgH="1968500" progId="Visio.Drawing.6">
+                  <p:embed/>
+                  <p:pic>
+                    <p:nvPicPr>
+                      <p:cNvPr id="653320" name="Object 8">
+                        <a:extLst>
+                          <a:ext uri="{FF2B5EF4-FFF2-40B4-BE49-F238E27FC236}">
+                            <a16:creationId xmlns:a16="http://schemas.microsoft.com/office/drawing/2014/main" id="{BA1D98C5-C812-9842-9A0E-227B10EDA72C}"/>
+                          </a:ext>
+                        </a:extLst>
+                      </p:cNvPr>
+                      <p:cNvPicPr>
+                        <a:picLocks noChangeAspect="1" noChangeArrowheads="1"/>
+                      </p:cNvPicPr>
+                      <p:nvPr/>
+                    </p:nvPicPr>
+                    <p:blipFill>
+                      <a:blip r:embed="rId5">
+                        <a:extLst>
+                          <a:ext uri="{28A0092B-C50C-407E-A947-70E740481C1C}">
+                            <a14:useLocalDpi xmlns:a14="http://schemas.microsoft.com/office/drawing/2010/main" val="0"/>
+                          </a:ext>
+                        </a:extLst>
+                      </a:blip>
+                      <a:srcRect/>
+                      <a:stretch>
+                        <a:fillRect/>
+                      </a:stretch>
+                    </p:blipFill>
+                    <p:spPr bwMode="auto">
+                      <a:xfrm>
+                        <a:off x="2667000" y="2362201"/>
+                        <a:ext cx="5715000" cy="3006725"/>
+                      </a:xfrm>
+                      <a:prstGeom prst="rect">
+                        <a:avLst/>
+                      </a:prstGeom>
+                      <a:noFill/>
+                      <a:ln>
+                        <a:noFill/>
+                      </a:ln>
+                      <a:effectLst/>
+                      <a:extLst>
+                        <a:ext uri="{909E8E84-426E-40DD-AFC4-6F175D3DCCD1}">
+                          <a14:hiddenFill xmlns:a14="http://schemas.microsoft.com/office/drawing/2010/main">
+                            <a:solidFill>
+                              <a:schemeClr val="accent1"/>
+                            </a:solidFill>
+                          </a14:hiddenFill>
+                        </a:ext>
+                        <a:ext uri="{91240B29-F687-4F45-9708-019B960494DF}">
+                          <a14:hiddenLine xmlns:a14="http://schemas.microsoft.com/office/drawing/2010/main" w="9525" cap="flat" cmpd="sng" algn="ctr">
+                            <a:solidFill>
+                              <a:schemeClr val="tx1"/>
+                            </a:solidFill>
+                            <a:prstDash val="solid"/>
+                            <a:miter lim="800000"/>
+                            <a:headEnd/>
+                            <a:tailEnd/>
+                          </a14:hiddenLine>
+                        </a:ext>
+                        <a:ext uri="{AF507438-7753-43E0-B8FC-AC1667EBCBE1}">
+                          <a14:hiddenEffects xmlns:a14="http://schemas.microsoft.com/office/drawing/2010/main">
+                            <a:effectLst>
+                              <a:outerShdw dist="35921" dir="2700000" algn="ctr" rotWithShape="0">
+                                <a:schemeClr val="bg2"/>
+                              </a:outerShdw>
+                            </a:effectLst>
+                          </a14:hiddenEffects>
+                        </a:ext>
+                      </a:extLst>
+                    </p:spPr>
+                  </p:pic>
+                </p:oleObj>
+              </mc:Fallback>
+            </mc:AlternateContent>
+          </a:graphicData>
+        </a:graphic>
+      </p:graphicFrame>
+      <p:sp>
+        <p:nvSpPr>
+          <p:cNvPr id="653322" name="Text Box 10">
+            <a:extLst>
+              <a:ext uri="{FF2B5EF4-FFF2-40B4-BE49-F238E27FC236}">
+                <a16:creationId xmlns:a16="http://schemas.microsoft.com/office/drawing/2014/main" id="{65775A1D-4AF1-8D42-8B08-A02CF993ADD2}"/>
+              </a:ext>
+            </a:extLst>
+          </p:cNvPr>
+          <p:cNvSpPr txBox="1">
+            <a:spLocks noChangeArrowheads="1"/>
+          </p:cNvSpPr>
+          <p:nvPr/>
+        </p:nvSpPr>
+        <p:spPr bwMode="auto">
+          <a:xfrm>
+            <a:off x="4259066" y="5394325"/>
+            <a:ext cx="3454792" cy="369332"/>
+          </a:xfrm>
+          <a:prstGeom prst="rect">
+            <a:avLst/>
+          </a:prstGeom>
+          <a:noFill/>
+          <a:ln>
+            <a:noFill/>
+          </a:ln>
+          <a:effectLst/>
+          <a:extLst>
+            <a:ext uri="{909E8E84-426E-40DD-AFC4-6F175D3DCCD1}">
+              <a14:hiddenFill xmlns:a14="http://schemas.microsoft.com/office/drawing/2010/main">
+                <a:solidFill>
+                  <a:schemeClr val="accent1"/>
+                </a:solidFill>
+              </a14:hiddenFill>
+            </a:ext>
+            <a:ext uri="{91240B29-F687-4F45-9708-019B960494DF}">
+              <a14:hiddenLine xmlns:a14="http://schemas.microsoft.com/office/drawing/2010/main" w="9525" algn="ctr">
+                <a:solidFill>
+                  <a:schemeClr val="tx1"/>
+                </a:solidFill>
+                <a:miter lim="800000"/>
+                <a:headEnd/>
+                <a:tailEnd/>
+              </a14:hiddenLine>
+            </a:ext>
+            <a:ext uri="{AF507438-7753-43E0-B8FC-AC1667EBCBE1}">
+              <a14:hiddenEffects xmlns:a14="http://schemas.microsoft.com/office/drawing/2010/main">
+                <a:effectLst>
+                  <a:outerShdw dist="35921" dir="2700000" algn="ctr" rotWithShape="0">
+                    <a:schemeClr val="bg2"/>
+                  </a:outerShdw>
+                </a:effectLst>
+              </a14:hiddenEffects>
+            </a:ext>
+          </a:extLst>
+        </p:spPr>
+        <p:txBody>
+          <a:bodyPr wrap="none">
+            <a:spAutoFit/>
           </a:bodyPr>
-          <a:lstStyle/>
-          <a:p>
-            <a:r>
-              <a:rPr lang="en-US" dirty="0"/>
-              <a:t>See </a:t>
-            </a:r>
-            <a:r>
-              <a:rPr lang="en-US" dirty="0">
-                <a:hlinkClick r:id="rId2"/>
-              </a:rPr>
-              <a:t>https://www.cs.utexas.edu/~hunt/FMCAD/FMCAD09/slides/talupur.pdf</a:t>
-            </a:r>
-            <a:r>
-              <a:rPr lang="en-US" dirty="0"/>
-              <a:t> </a:t>
-            </a:r>
-          </a:p>
-          <a:p>
-            <a:r>
-              <a:rPr lang="en-US" dirty="0">
-                <a:hlinkClick r:id="rId3"/>
-              </a:rPr>
-              <a:t>https://dl.acm.org/doi/pdf/10.5555/1517424.1517434</a:t>
-            </a:r>
-            <a:r>
-              <a:rPr lang="en-US" dirty="0"/>
-              <a:t> </a:t>
-            </a:r>
-          </a:p>
-          <a:p>
-            <a:r>
-              <a:rPr lang="en-US" dirty="0"/>
-              <a:t>Designers write “protocol flow” diagrams as part of standard documentation</a:t>
-            </a:r>
-          </a:p>
-          <a:p>
-            <a:pPr lvl="1"/>
-            <a:r>
-              <a:rPr lang="en-US" dirty="0"/>
-              <a:t>These are mined to obtain the non-interference lemmas</a:t>
-            </a:r>
-          </a:p>
-          <a:p>
-            <a:r>
-              <a:rPr lang="en-US" dirty="0"/>
-              <a:t>See </a:t>
-            </a:r>
-            <a:r>
-              <a:rPr lang="en-US" dirty="0">
-                <a:hlinkClick r:id="rId4"/>
-              </a:rPr>
-              <a:t>http://formalverification.cs.utah.edu/presentations/fmcad04_tutorial2/chou/ctchou-tutorial.pdf</a:t>
-            </a:r>
-            <a:r>
-              <a:rPr lang="en-US" dirty="0"/>
-              <a:t> for details of how this is done</a:t>
-            </a:r>
-          </a:p>
-          <a:p>
-            <a:r>
-              <a:rPr lang="en-US" dirty="0"/>
-              <a:t>NOTE the table-style specification recommended in the above tutorial at fmcad04 !!</a:t>
+          <a:lstStyle>
+            <a:lvl1pPr marL="469900" indent="-469900" algn="l">
+              <a:spcBef>
+                <a:spcPct val="0"/>
+              </a:spcBef>
+              <a:defRPr>
+                <a:solidFill>
+                  <a:schemeClr val="tx1"/>
+                </a:solidFill>
+                <a:latin typeface="Arial" panose="020B0604020202020204" pitchFamily="34" charset="0"/>
+              </a:defRPr>
+            </a:lvl1pPr>
+            <a:lvl2pPr algn="l">
+              <a:spcBef>
+                <a:spcPct val="0"/>
+              </a:spcBef>
+              <a:defRPr>
+                <a:solidFill>
+                  <a:schemeClr val="tx1"/>
+                </a:solidFill>
+                <a:latin typeface="Arial" panose="020B0604020202020204" pitchFamily="34" charset="0"/>
+              </a:defRPr>
+            </a:lvl2pPr>
+            <a:lvl3pPr algn="l">
+              <a:spcBef>
+                <a:spcPct val="0"/>
+              </a:spcBef>
+              <a:defRPr>
+                <a:solidFill>
+                  <a:schemeClr val="tx1"/>
+                </a:solidFill>
+                <a:latin typeface="Arial" panose="020B0604020202020204" pitchFamily="34" charset="0"/>
+              </a:defRPr>
+            </a:lvl3pPr>
+            <a:lvl4pPr algn="l">
+              <a:spcBef>
+                <a:spcPct val="0"/>
+              </a:spcBef>
+              <a:defRPr>
+                <a:solidFill>
+                  <a:schemeClr val="tx1"/>
+                </a:solidFill>
+                <a:latin typeface="Arial" panose="020B0604020202020204" pitchFamily="34" charset="0"/>
+              </a:defRPr>
+            </a:lvl4pPr>
+            <a:lvl5pPr algn="l">
+              <a:spcBef>
+                <a:spcPct val="0"/>
+              </a:spcBef>
+              <a:defRPr>
+                <a:solidFill>
+                  <a:schemeClr val="tx1"/>
+                </a:solidFill>
+                <a:latin typeface="Arial" panose="020B0604020202020204" pitchFamily="34" charset="0"/>
+              </a:defRPr>
+            </a:lvl5pPr>
+            <a:lvl6pPr fontAlgn="base">
+              <a:spcBef>
+                <a:spcPct val="0"/>
+              </a:spcBef>
+              <a:spcAft>
+                <a:spcPct val="0"/>
+              </a:spcAft>
+              <a:defRPr>
+                <a:solidFill>
+                  <a:schemeClr val="tx1"/>
+                </a:solidFill>
+                <a:latin typeface="Arial" panose="020B0604020202020204" pitchFamily="34" charset="0"/>
+              </a:defRPr>
+            </a:lvl6pPr>
+            <a:lvl7pPr fontAlgn="base">
+              <a:spcBef>
+                <a:spcPct val="0"/>
+              </a:spcBef>
+              <a:spcAft>
+                <a:spcPct val="0"/>
+              </a:spcAft>
+              <a:defRPr>
+                <a:solidFill>
+                  <a:schemeClr val="tx1"/>
+                </a:solidFill>
+                <a:latin typeface="Arial" panose="020B0604020202020204" pitchFamily="34" charset="0"/>
+              </a:defRPr>
+            </a:lvl7pPr>
+            <a:lvl8pPr fontAlgn="base">
+              <a:spcBef>
+                <a:spcPct val="0"/>
+              </a:spcBef>
+              <a:spcAft>
+                <a:spcPct val="0"/>
+              </a:spcAft>
+              <a:defRPr>
+                <a:solidFill>
+                  <a:schemeClr val="tx1"/>
+                </a:solidFill>
+                <a:latin typeface="Arial" panose="020B0604020202020204" pitchFamily="34" charset="0"/>
+              </a:defRPr>
+            </a:lvl8pPr>
+            <a:lvl9pPr fontAlgn="base">
+              <a:spcBef>
+                <a:spcPct val="0"/>
+              </a:spcBef>
+              <a:spcAft>
+                <a:spcPct val="0"/>
+              </a:spcAft>
+              <a:defRPr>
+                <a:solidFill>
+                  <a:schemeClr val="tx1"/>
+                </a:solidFill>
+                <a:latin typeface="Arial" panose="020B0604020202020204" pitchFamily="34" charset="0"/>
+              </a:defRPr>
+            </a:lvl9pPr>
+          </a:lstStyle>
+          <a:p>
+            <a:pPr algn="ctr">
+              <a:spcBef>
+                <a:spcPct val="20000"/>
+              </a:spcBef>
+              <a:buFont typeface="Wingdings" pitchFamily="2" charset="2"/>
+              <a:buNone/>
+            </a:pPr>
+            <a:r>
+              <a:rPr lang="en-US" altLang="en-US"/>
+              <a:t>This is the approach in our work</a:t>
             </a:r>
           </a:p>
         </p:txBody>
@@ -11140,13 +11044,91 @@
     </p:spTree>
     <p:extLst>
       <p:ext uri="{BB962C8B-B14F-4D97-AF65-F5344CB8AC3E}">
-        <p14:creationId xmlns:p14="http://schemas.microsoft.com/office/powerpoint/2010/main" val="1395723447"/>
+        <p14:creationId xmlns:p14="http://schemas.microsoft.com/office/powerpoint/2010/main" val="601288937"/>
       </p:ext>
     </p:extLst>
   </p:cSld>
   <p:clrMapOvr>
     <a:masterClrMapping/>
   </p:clrMapOvr>
+  <p:timing>
+    <p:tnLst>
+      <p:par>
+        <p:cTn id="1" dur="indefinite" restart="never" nodeType="tmRoot">
+          <p:childTnLst>
+            <p:seq concurrent="1" nextAc="seek">
+              <p:cTn id="2" dur="indefinite" nodeType="mainSeq">
+                <p:childTnLst>
+                  <p:par>
+                    <p:cTn id="3" fill="hold" nodeType="clickPar">
+                      <p:stCondLst>
+                        <p:cond delay="indefinite"/>
+                      </p:stCondLst>
+                      <p:childTnLst>
+                        <p:par>
+                          <p:cTn id="4" fill="hold" nodeType="withGroup">
+                            <p:stCondLst>
+                              <p:cond delay="0"/>
+                            </p:stCondLst>
+                            <p:childTnLst>
+                              <p:par>
+                                <p:cTn id="5" presetID="1" presetClass="entr" presetSubtype="0" fill="hold" grpId="0" nodeType="clickEffect">
+                                  <p:stCondLst>
+                                    <p:cond delay="0"/>
+                                  </p:stCondLst>
+                                  <p:childTnLst>
+                                    <p:set>
+                                      <p:cBhvr>
+                                        <p:cTn id="6" dur="1" fill="hold">
+                                          <p:stCondLst>
+                                            <p:cond delay="0"/>
+                                          </p:stCondLst>
+                                        </p:cTn>
+                                        <p:tgtEl>
+                                          <p:spTgt spid="653315"/>
+                                        </p:tgtEl>
+                                        <p:attrNameLst>
+                                          <p:attrName>style.visibility</p:attrName>
+                                        </p:attrNameLst>
+                                      </p:cBhvr>
+                                      <p:to>
+                                        <p:strVal val="visible"/>
+                                      </p:to>
+                                    </p:set>
+                                  </p:childTnLst>
+                                </p:cTn>
+                              </p:par>
+                            </p:childTnLst>
+                          </p:cTn>
+                        </p:par>
+                      </p:childTnLst>
+                    </p:cTn>
+                  </p:par>
+                </p:childTnLst>
+              </p:cTn>
+              <p:prevCondLst>
+                <p:cond evt="onPrev" delay="0">
+                  <p:tgtEl>
+                    <p:sldTgt/>
+                  </p:tgtEl>
+                </p:cond>
+              </p:prevCondLst>
+              <p:nextCondLst>
+                <p:cond evt="onNext" delay="0">
+                  <p:tgtEl>
+                    <p:sldTgt/>
+                  </p:tgtEl>
+                </p:cond>
+              </p:nextCondLst>
+            </p:seq>
+          </p:childTnLst>
+        </p:cTn>
+      </p:par>
+    </p:tnLst>
+    <p:bldLst>
+      <p:bldP spid="653315" grpId="0"/>
+    </p:bldLst>
+  </p:timing>
 </p:sld>
 </file>
 
@@ -11172,6 +11154,153 @@
           <p:cNvPr id="2" name="Title 1">
             <a:extLst>
               <a:ext uri="{FF2B5EF4-FFF2-40B4-BE49-F238E27FC236}">
+                <a16:creationId xmlns:a16="http://schemas.microsoft.com/office/drawing/2014/main" id="{9CB0A421-EE6F-9D4A-A528-E5140E38254A}"/>
+              </a:ext>
+            </a:extLst>
+          </p:cNvPr>
+          <p:cNvSpPr>
+            <a:spLocks noGrp="1"/>
+          </p:cNvSpPr>
+          <p:nvPr>
+            <p:ph type="title"/>
+          </p:nvPr>
+        </p:nvSpPr>
+        <p:spPr/>
+        <p:txBody>
+          <a:bodyPr>
+            <a:normAutofit/>
+          </a:bodyPr>
+          <a:lstStyle/>
+          <a:p>
+            <a:r>
+              <a:rPr lang="en-US" sz="2800" dirty="0"/>
+              <a:t>This method has been perfected at Intel and in production use!</a:t>
+            </a:r>
+          </a:p>
+        </p:txBody>
+      </p:sp>
+      <p:sp>
+        <p:nvSpPr>
+          <p:cNvPr id="3" name="Content Placeholder 2">
+            <a:extLst>
+              <a:ext uri="{FF2B5EF4-FFF2-40B4-BE49-F238E27FC236}">
+                <a16:creationId xmlns:a16="http://schemas.microsoft.com/office/drawing/2014/main" id="{5CBFDA10-64FE-2A4D-B82A-172CD79A4092}"/>
+              </a:ext>
+            </a:extLst>
+          </p:cNvPr>
+          <p:cNvSpPr>
+            <a:spLocks noGrp="1"/>
+          </p:cNvSpPr>
+          <p:nvPr>
+            <p:ph idx="1"/>
+          </p:nvPr>
+        </p:nvSpPr>
+        <p:spPr/>
+        <p:txBody>
+          <a:bodyPr>
+            <a:normAutofit fontScale="92500" lnSpcReduction="20000"/>
+          </a:bodyPr>
+          <a:lstStyle/>
+          <a:p>
+            <a:r>
+              <a:rPr lang="en-US" dirty="0"/>
+              <a:t>See </a:t>
+            </a:r>
+            <a:r>
+              <a:rPr lang="en-US" dirty="0">
+                <a:hlinkClick r:id="rId2"/>
+              </a:rPr>
+              <a:t>https://www.cs.utexas.edu/~hunt/FMCAD/FMCAD09/slides/talupur.pdf</a:t>
+            </a:r>
+            <a:r>
+              <a:rPr lang="en-US" dirty="0"/>
+              <a:t> </a:t>
+            </a:r>
+          </a:p>
+          <a:p>
+            <a:r>
+              <a:rPr lang="en-US" dirty="0">
+                <a:hlinkClick r:id="rId3"/>
+              </a:rPr>
+              <a:t>https://dl.acm.org/doi/pdf/10.5555/1517424.1517434</a:t>
+            </a:r>
+            <a:r>
+              <a:rPr lang="en-US" dirty="0"/>
+              <a:t> </a:t>
+            </a:r>
+          </a:p>
+          <a:p>
+            <a:r>
+              <a:rPr lang="en-US" dirty="0"/>
+              <a:t>Designers write “protocol flow” diagrams as part of standard documentation</a:t>
+            </a:r>
+          </a:p>
+          <a:p>
+            <a:pPr lvl="1"/>
+            <a:r>
+              <a:rPr lang="en-US" dirty="0"/>
+              <a:t>These are mined to obtain the non-interference lemmas</a:t>
+            </a:r>
+          </a:p>
+          <a:p>
+            <a:r>
+              <a:rPr lang="en-US" dirty="0"/>
+              <a:t>See </a:t>
+            </a:r>
+            <a:r>
+              <a:rPr lang="en-US" dirty="0">
+                <a:hlinkClick r:id="rId4"/>
+              </a:rPr>
+              <a:t>http://formalverification.cs.utah.edu/presentations/fmcad04_tutorial2/chou/ctchou-tutorial.pdf</a:t>
+            </a:r>
+            <a:r>
+              <a:rPr lang="en-US" dirty="0"/>
+              <a:t> for details of how this is done</a:t>
+            </a:r>
+          </a:p>
+          <a:p>
+            <a:r>
+              <a:rPr lang="en-US" dirty="0"/>
+              <a:t>NOTE the table-style specification recommended in the above tutorial at fmcad04 !!</a:t>
+            </a:r>
+          </a:p>
+        </p:txBody>
+      </p:sp>
+    </p:spTree>
+    <p:extLst>
+      <p:ext uri="{BB962C8B-B14F-4D97-AF65-F5344CB8AC3E}">
+        <p14:creationId xmlns:p14="http://schemas.microsoft.com/office/powerpoint/2010/main" val="1395723447"/>
+      </p:ext>
+    </p:extLst>
+  </p:cSld>
+  <p:clrMapOvr>
+    <a:masterClrMapping/>
+  </p:clrMapOvr>
+</p:sld>
+</file>
+
+<file path=ppt/slides/slide23.xml><?xml version="1.0" encoding="utf-8"?>
+<p:sld xmlns:a="http://schemas.openxmlformats.org/drawingml/2006/main" xmlns:r="http://schemas.openxmlformats.org/officeDocument/2006/relationships" xmlns:p="http://schemas.openxmlformats.org/presentationml/2006/main">
+  <p:cSld>
+    <p:spTree>
+      <p:nvGrpSpPr>
+        <p:cNvPr id="1" name=""/>
+        <p:cNvGrpSpPr/>
+        <p:nvPr/>
+      </p:nvGrpSpPr>
+      <p:grpSpPr>
+        <a:xfrm>
+          <a:off x="0" y="0"/>
+          <a:ext cx="0" cy="0"/>
+          <a:chOff x="0" y="0"/>
+          <a:chExt cx="0" cy="0"/>
+        </a:xfrm>
+      </p:grpSpPr>
+      <p:sp>
+        <p:nvSpPr>
+          <p:cNvPr id="2" name="Title 1">
+            <a:extLst>
+              <a:ext uri="{FF2B5EF4-FFF2-40B4-BE49-F238E27FC236}">
                 <a16:creationId xmlns:a16="http://schemas.microsoft.com/office/drawing/2014/main" id="{136ED242-0996-1944-9EAE-D3C6E08D4D76}"/>
               </a:ext>
             </a:extLst>
@@ -11271,7 +11400,7 @@
 </p:sld>
 </file>
 
-<file path=ppt/slides/slide23.xml><?xml version="1.0" encoding="utf-8"?>
+<file path=ppt/slides/slide24.xml><?xml version="1.0" encoding="utf-8"?>
 <p:sld xmlns:a="http://schemas.openxmlformats.org/drawingml/2006/main" xmlns:r="http://schemas.openxmlformats.org/officeDocument/2006/relationships" xmlns:p="http://schemas.openxmlformats.org/presentationml/2006/main">
   <p:cSld>
     <p:spTree>
@@ -11361,7 +11490,7 @@
 </p:sld>
 </file>
 
-<file path=ppt/slides/slide24.xml><?xml version="1.0" encoding="utf-8"?>
+<file path=ppt/slides/slide25.xml><?xml version="1.0" encoding="utf-8"?>
 <p:sld xmlns:a="http://schemas.openxmlformats.org/drawingml/2006/main" xmlns:r="http://schemas.openxmlformats.org/officeDocument/2006/relationships" xmlns:p="http://schemas.openxmlformats.org/presentationml/2006/main">
   <p:cSld>
     <p:spTree>
@@ -11481,7 +11610,7 @@
 </p:sld>
 </file>
 
-<file path=ppt/slides/slide25.xml><?xml version="1.0" encoding="utf-8"?>
+<file path=ppt/slides/slide26.xml><?xml version="1.0" encoding="utf-8"?>
 <p:sld xmlns:a="http://schemas.openxmlformats.org/drawingml/2006/main" xmlns:r="http://schemas.openxmlformats.org/officeDocument/2006/relationships" xmlns:p="http://schemas.openxmlformats.org/presentationml/2006/main">
   <p:cSld>
     <p:spTree>
@@ -11571,7 +11700,7 @@
 </p:sld>
 </file>
 
-<file path=ppt/slides/slide26.xml><?xml version="1.0" encoding="utf-8"?>
+<file path=ppt/slides/slide27.xml><?xml version="1.0" encoding="utf-8"?>
 <p:sld xmlns:a="http://schemas.openxmlformats.org/drawingml/2006/main" xmlns:r="http://schemas.openxmlformats.org/officeDocument/2006/relationships" xmlns:p="http://schemas.openxmlformats.org/presentationml/2006/main">
   <p:cSld>
     <p:spTree>
@@ -11661,7 +11790,7 @@
 </p:sld>
 </file>
 
-<file path=ppt/slides/slide27.xml><?xml version="1.0" encoding="utf-8"?>
+<file path=ppt/slides/slide28.xml><?xml version="1.0" encoding="utf-8"?>
 <p:sld xmlns:a="http://schemas.openxmlformats.org/drawingml/2006/main" xmlns:r="http://schemas.openxmlformats.org/officeDocument/2006/relationships" xmlns:p="http://schemas.openxmlformats.org/presentationml/2006/main">
   <p:cSld>
     <p:spTree>
@@ -11751,7 +11880,7 @@
 </p:sld>
 </file>
 
-<file path=ppt/slides/slide28.xml><?xml version="1.0" encoding="utf-8"?>
+<file path=ppt/slides/slide29.xml><?xml version="1.0" encoding="utf-8"?>
 <p:sld xmlns:a="http://schemas.openxmlformats.org/drawingml/2006/main" xmlns:r="http://schemas.openxmlformats.org/officeDocument/2006/relationships" xmlns:p="http://schemas.openxmlformats.org/presentationml/2006/main">
   <p:cSld>
     <p:spTree>
@@ -11841,7 +11970,177 @@
 </p:sld>
 </file>
 
-<file path=ppt/slides/slide29.xml><?xml version="1.0" encoding="utf-8"?>
+<file path=ppt/slides/slide3.xml><?xml version="1.0" encoding="utf-8"?>
+<p:sld xmlns:a="http://schemas.openxmlformats.org/drawingml/2006/main" xmlns:r="http://schemas.openxmlformats.org/officeDocument/2006/relationships" xmlns:p="http://schemas.openxmlformats.org/presentationml/2006/main">
+  <p:cSld>
+    <p:spTree>
+      <p:nvGrpSpPr>
+        <p:cNvPr id="1" name=""/>
+        <p:cNvGrpSpPr/>
+        <p:nvPr/>
+      </p:nvGrpSpPr>
+      <p:grpSpPr>
+        <a:xfrm>
+          <a:off x="0" y="0"/>
+          <a:ext cx="0" cy="0"/>
+          <a:chOff x="0" y="0"/>
+          <a:chExt cx="0" cy="0"/>
+        </a:xfrm>
+      </p:grpSpPr>
+      <p:sp>
+        <p:nvSpPr>
+          <p:cNvPr id="2" name="Title 1">
+            <a:extLst>
+              <a:ext uri="{FF2B5EF4-FFF2-40B4-BE49-F238E27FC236}">
+                <a16:creationId xmlns:a16="http://schemas.microsoft.com/office/drawing/2014/main" id="{E0529347-8E03-5745-A305-AF41325E1120}"/>
+              </a:ext>
+            </a:extLst>
+          </p:cNvPr>
+          <p:cNvSpPr>
+            <a:spLocks noGrp="1"/>
+          </p:cNvSpPr>
+          <p:nvPr>
+            <p:ph type="title"/>
+          </p:nvPr>
+        </p:nvSpPr>
+        <p:spPr/>
+        <p:txBody>
+          <a:bodyPr>
+            <a:normAutofit fontScale="90000"/>
+          </a:bodyPr>
+          <a:lstStyle/>
+          <a:p>
+            <a:r>
+              <a:rPr lang="en-US" dirty="0"/>
+              <a:t>What is cache coherence?</a:t>
+            </a:r>
+          </a:p>
+        </p:txBody>
+      </p:sp>
+      <p:sp>
+        <p:nvSpPr>
+          <p:cNvPr id="3" name="Content Placeholder 2">
+            <a:extLst>
+              <a:ext uri="{FF2B5EF4-FFF2-40B4-BE49-F238E27FC236}">
+                <a16:creationId xmlns:a16="http://schemas.microsoft.com/office/drawing/2014/main" id="{F6F2EB0E-4EBA-9E41-A915-2E5A2D97575C}"/>
+              </a:ext>
+            </a:extLst>
+          </p:cNvPr>
+          <p:cNvSpPr>
+            <a:spLocks noGrp="1"/>
+          </p:cNvSpPr>
+          <p:nvPr>
+            <p:ph idx="1"/>
+          </p:nvPr>
+        </p:nvSpPr>
+        <p:spPr/>
+        <p:txBody>
+          <a:bodyPr/>
+          <a:lstStyle/>
+          <a:p>
+            <a:r>
+              <a:rPr lang="en-US" dirty="0"/>
+              <a:t>With shared-memory multiprocessors being the norm, we need a notion of sharing memory “as if it were one common area”</a:t>
+            </a:r>
+          </a:p>
+          <a:p>
+            <a:pPr lvl="1"/>
+            <a:r>
+              <a:rPr lang="en-US" dirty="0"/>
+              <a:t>What does this mean?</a:t>
+            </a:r>
+          </a:p>
+          <a:p>
+            <a:pPr lvl="2"/>
+            <a:r>
+              <a:rPr lang="en-US" dirty="0"/>
+              <a:t>Every write by Pi is readable by Pi as well as </a:t>
+            </a:r>
+            <a:r>
+              <a:rPr lang="en-US" dirty="0" err="1"/>
+              <a:t>Pj</a:t>
+            </a:r>
+            <a:r>
+              <a:rPr lang="en-US" dirty="0"/>
+              <a:t> where </a:t>
+            </a:r>
+            <a:r>
+              <a:rPr lang="en-US" dirty="0" err="1"/>
+              <a:t>i</a:t>
+            </a:r>
+            <a:r>
+              <a:rPr lang="en-US" dirty="0"/>
+              <a:t> != j</a:t>
+            </a:r>
+          </a:p>
+          <a:p>
+            <a:pPr lvl="1"/>
+            <a:r>
+              <a:rPr lang="en-US" dirty="0"/>
+              <a:t>This is not precise-enough</a:t>
+            </a:r>
+          </a:p>
+          <a:p>
+            <a:pPr lvl="2"/>
+            <a:r>
+              <a:rPr lang="en-US" dirty="0"/>
+              <a:t>A program can write more times to a location than once </a:t>
+            </a:r>
+            <a:r>
+              <a:rPr lang="en-US" dirty="0">
+                <a:sym typeface="Wingdings" pitchFamily="2" charset="2"/>
+              </a:rPr>
+              <a:t></a:t>
+            </a:r>
+          </a:p>
+          <a:p>
+            <a:pPr lvl="2"/>
+            <a:r>
+              <a:rPr lang="en-US" dirty="0">
+                <a:sym typeface="Wingdings" pitchFamily="2" charset="2"/>
+              </a:rPr>
+              <a:t>There could be multiple readers of a line</a:t>
+            </a:r>
+          </a:p>
+          <a:p>
+            <a:r>
+              <a:rPr lang="en-US" dirty="0">
+                <a:sym typeface="Wingdings" pitchFamily="2" charset="2"/>
+              </a:rPr>
+              <a:t>So,</a:t>
+            </a:r>
+          </a:p>
+          <a:p>
+            <a:pPr lvl="1"/>
+            <a:r>
+              <a:rPr lang="en-US" dirty="0">
+                <a:sym typeface="Wingdings" pitchFamily="2" charset="2"/>
+              </a:rPr>
+              <a:t>Formally define when write-events are observable by read-events that match</a:t>
+            </a:r>
+          </a:p>
+          <a:p>
+            <a:pPr marL="457200" lvl="1" indent="0">
+              <a:buNone/>
+            </a:pPr>
+            <a:endParaRPr lang="en-US" dirty="0"/>
+          </a:p>
+        </p:txBody>
+      </p:sp>
+    </p:spTree>
+    <p:extLst>
+      <p:ext uri="{BB962C8B-B14F-4D97-AF65-F5344CB8AC3E}">
+        <p14:creationId xmlns:p14="http://schemas.microsoft.com/office/powerpoint/2010/main" val="436531045"/>
+      </p:ext>
+    </p:extLst>
+  </p:cSld>
+  <p:clrMapOvr>
+    <a:masterClrMapping/>
+  </p:clrMapOvr>
+</p:sld>
+</file>
+
+<file path=ppt/slides/slide30.xml><?xml version="1.0" encoding="utf-8"?>
 <p:sld xmlns:a="http://schemas.openxmlformats.org/drawingml/2006/main" xmlns:r="http://schemas.openxmlformats.org/officeDocument/2006/relationships" xmlns:p="http://schemas.openxmlformats.org/presentationml/2006/main">
   <p:cSld>
     <p:spTree>
@@ -11931,177 +12230,7 @@
 </p:sld>
 </file>
 
-<file path=ppt/slides/slide3.xml><?xml version="1.0" encoding="utf-8"?>
-<p:sld xmlns:a="http://schemas.openxmlformats.org/drawingml/2006/main" xmlns:r="http://schemas.openxmlformats.org/officeDocument/2006/relationships" xmlns:p="http://schemas.openxmlformats.org/presentationml/2006/main">
-  <p:cSld>
-    <p:spTree>
-      <p:nvGrpSpPr>
-        <p:cNvPr id="1" name=""/>
-        <p:cNvGrpSpPr/>
-        <p:nvPr/>
-      </p:nvGrpSpPr>
-      <p:grpSpPr>
-        <a:xfrm>
-          <a:off x="0" y="0"/>
-          <a:ext cx="0" cy="0"/>
-          <a:chOff x="0" y="0"/>
-          <a:chExt cx="0" cy="0"/>
-        </a:xfrm>
-      </p:grpSpPr>
-      <p:sp>
-        <p:nvSpPr>
-          <p:cNvPr id="2" name="Title 1">
-            <a:extLst>
-              <a:ext uri="{FF2B5EF4-FFF2-40B4-BE49-F238E27FC236}">
-                <a16:creationId xmlns:a16="http://schemas.microsoft.com/office/drawing/2014/main" id="{E0529347-8E03-5745-A305-AF41325E1120}"/>
-              </a:ext>
-            </a:extLst>
-          </p:cNvPr>
-          <p:cNvSpPr>
-            <a:spLocks noGrp="1"/>
-          </p:cNvSpPr>
-          <p:nvPr>
-            <p:ph type="title"/>
-          </p:nvPr>
-        </p:nvSpPr>
-        <p:spPr/>
-        <p:txBody>
-          <a:bodyPr>
-            <a:normAutofit fontScale="90000"/>
-          </a:bodyPr>
-          <a:lstStyle/>
-          <a:p>
-            <a:r>
-              <a:rPr lang="en-US" dirty="0"/>
-              <a:t>What is cache coherence?</a:t>
-            </a:r>
-          </a:p>
-        </p:txBody>
-      </p:sp>
-      <p:sp>
-        <p:nvSpPr>
-          <p:cNvPr id="3" name="Content Placeholder 2">
-            <a:extLst>
-              <a:ext uri="{FF2B5EF4-FFF2-40B4-BE49-F238E27FC236}">
-                <a16:creationId xmlns:a16="http://schemas.microsoft.com/office/drawing/2014/main" id="{F6F2EB0E-4EBA-9E41-A915-2E5A2D97575C}"/>
-              </a:ext>
-            </a:extLst>
-          </p:cNvPr>
-          <p:cNvSpPr>
-            <a:spLocks noGrp="1"/>
-          </p:cNvSpPr>
-          <p:nvPr>
-            <p:ph idx="1"/>
-          </p:nvPr>
-        </p:nvSpPr>
-        <p:spPr/>
-        <p:txBody>
-          <a:bodyPr/>
-          <a:lstStyle/>
-          <a:p>
-            <a:r>
-              <a:rPr lang="en-US" dirty="0"/>
-              <a:t>With shared-memory multiprocessors being the norm, we need a notion of sharing memory “as if it were one common area”</a:t>
-            </a:r>
-          </a:p>
-          <a:p>
-            <a:pPr lvl="1"/>
-            <a:r>
-              <a:rPr lang="en-US" dirty="0"/>
-              <a:t>What does this mean?</a:t>
-            </a:r>
-          </a:p>
-          <a:p>
-            <a:pPr lvl="2"/>
-            <a:r>
-              <a:rPr lang="en-US" dirty="0"/>
-              <a:t>Every write by Pi is readable by Pi as well as </a:t>
-            </a:r>
-            <a:r>
-              <a:rPr lang="en-US" dirty="0" err="1"/>
-              <a:t>Pj</a:t>
-            </a:r>
-            <a:r>
-              <a:rPr lang="en-US" dirty="0"/>
-              <a:t> where </a:t>
-            </a:r>
-            <a:r>
-              <a:rPr lang="en-US" dirty="0" err="1"/>
-              <a:t>i</a:t>
-            </a:r>
-            <a:r>
-              <a:rPr lang="en-US" dirty="0"/>
-              <a:t> != j</a:t>
-            </a:r>
-          </a:p>
-          <a:p>
-            <a:pPr lvl="1"/>
-            <a:r>
-              <a:rPr lang="en-US" dirty="0"/>
-              <a:t>This is not precise-enough</a:t>
-            </a:r>
-          </a:p>
-          <a:p>
-            <a:pPr lvl="2"/>
-            <a:r>
-              <a:rPr lang="en-US" dirty="0"/>
-              <a:t>A program can write more times to a location than once </a:t>
-            </a:r>
-            <a:r>
-              <a:rPr lang="en-US" dirty="0">
-                <a:sym typeface="Wingdings" pitchFamily="2" charset="2"/>
-              </a:rPr>
-              <a:t></a:t>
-            </a:r>
-          </a:p>
-          <a:p>
-            <a:pPr lvl="2"/>
-            <a:r>
-              <a:rPr lang="en-US" dirty="0">
-                <a:sym typeface="Wingdings" pitchFamily="2" charset="2"/>
-              </a:rPr>
-              <a:t>There could be multiple readers of a line</a:t>
-            </a:r>
-          </a:p>
-          <a:p>
-            <a:r>
-              <a:rPr lang="en-US" dirty="0">
-                <a:sym typeface="Wingdings" pitchFamily="2" charset="2"/>
-              </a:rPr>
-              <a:t>So,</a:t>
-            </a:r>
-          </a:p>
-          <a:p>
-            <a:pPr lvl="1"/>
-            <a:r>
-              <a:rPr lang="en-US" dirty="0">
-                <a:sym typeface="Wingdings" pitchFamily="2" charset="2"/>
-              </a:rPr>
-              <a:t>Formally define when write-events are observable by read-events that match</a:t>
-            </a:r>
-          </a:p>
-          <a:p>
-            <a:pPr marL="457200" lvl="1" indent="0">
-              <a:buNone/>
-            </a:pPr>
-            <a:endParaRPr lang="en-US" dirty="0"/>
-          </a:p>
-        </p:txBody>
-      </p:sp>
-    </p:spTree>
-    <p:extLst>
-      <p:ext uri="{BB962C8B-B14F-4D97-AF65-F5344CB8AC3E}">
-        <p14:creationId xmlns:p14="http://schemas.microsoft.com/office/powerpoint/2010/main" val="436531045"/>
-      </p:ext>
-    </p:extLst>
-  </p:cSld>
-  <p:clrMapOvr>
-    <a:masterClrMapping/>
-  </p:clrMapOvr>
-</p:sld>
-</file>
-
-<file path=ppt/slides/slide30.xml><?xml version="1.0" encoding="utf-8"?>
+<file path=ppt/slides/slide31.xml><?xml version="1.0" encoding="utf-8"?>
 <p:sld xmlns:a="http://schemas.openxmlformats.org/drawingml/2006/main" xmlns:r="http://schemas.openxmlformats.org/officeDocument/2006/relationships" xmlns:p="http://schemas.openxmlformats.org/presentationml/2006/main">
   <p:cSld>
     <p:spTree>
@@ -12191,7 +12320,7 @@
 </p:sld>
 </file>
 
-<file path=ppt/slides/slide31.xml><?xml version="1.0" encoding="utf-8"?>
+<file path=ppt/slides/slide32.xml><?xml version="1.0" encoding="utf-8"?>
 <p:sld xmlns:a="http://schemas.openxmlformats.org/drawingml/2006/main" xmlns:r="http://schemas.openxmlformats.org/officeDocument/2006/relationships" xmlns:p="http://schemas.openxmlformats.org/presentationml/2006/main">
   <p:cSld>
     <p:spTree>
@@ -12281,7 +12410,7 @@
 </p:sld>
 </file>
 
-<file path=ppt/slides/slide32.xml><?xml version="1.0" encoding="utf-8"?>
+<file path=ppt/slides/slide33.xml><?xml version="1.0" encoding="utf-8"?>
 <p:sld xmlns:a="http://schemas.openxmlformats.org/drawingml/2006/main" xmlns:r="http://schemas.openxmlformats.org/officeDocument/2006/relationships" xmlns:p="http://schemas.openxmlformats.org/presentationml/2006/main">
   <p:cSld>
     <p:spTree>
@@ -12371,7 +12500,7 @@
 </p:sld>
 </file>
 
-<file path=ppt/slides/slide33.xml><?xml version="1.0" encoding="utf-8"?>
+<file path=ppt/slides/slide34.xml><?xml version="1.0" encoding="utf-8"?>
 <p:sld xmlns:a="http://schemas.openxmlformats.org/drawingml/2006/main" xmlns:r="http://schemas.openxmlformats.org/officeDocument/2006/relationships" xmlns:p="http://schemas.openxmlformats.org/presentationml/2006/main">
   <p:cSld>
     <p:spTree>
@@ -12461,7 +12590,7 @@
 </p:sld>
 </file>
 
-<file path=ppt/slides/slide34.xml><?xml version="1.0" encoding="utf-8"?>
+<file path=ppt/slides/slide35.xml><?xml version="1.0" encoding="utf-8"?>
 <p:sld xmlns:a="http://schemas.openxmlformats.org/drawingml/2006/main" xmlns:r="http://schemas.openxmlformats.org/officeDocument/2006/relationships" xmlns:p="http://schemas.openxmlformats.org/presentationml/2006/main">
   <p:cSld>
     <p:spTree>
@@ -12551,7 +12680,7 @@
 </p:sld>
 </file>
 
-<file path=ppt/slides/slide35.xml><?xml version="1.0" encoding="utf-8"?>
+<file path=ppt/slides/slide36.xml><?xml version="1.0" encoding="utf-8"?>
 <p:sld xmlns:a="http://schemas.openxmlformats.org/drawingml/2006/main" xmlns:r="http://schemas.openxmlformats.org/officeDocument/2006/relationships" xmlns:p="http://schemas.openxmlformats.org/presentationml/2006/main">
   <p:cSld>
     <p:spTree>
@@ -12641,7 +12770,7 @@
 </p:sld>
 </file>
 
-<file path=ppt/slides/slide36.xml><?xml version="1.0" encoding="utf-8"?>
+<file path=ppt/slides/slide37.xml><?xml version="1.0" encoding="utf-8"?>
 <p:sld xmlns:a="http://schemas.openxmlformats.org/drawingml/2006/main" xmlns:r="http://schemas.openxmlformats.org/officeDocument/2006/relationships" xmlns:p="http://schemas.openxmlformats.org/presentationml/2006/main">
   <p:cSld>
     <p:spTree>
@@ -12731,7 +12860,7 @@
 </p:sld>
 </file>
 
-<file path=ppt/slides/slide37.xml><?xml version="1.0" encoding="utf-8"?>
+<file path=ppt/slides/slide38.xml><?xml version="1.0" encoding="utf-8"?>
 <p:sld xmlns:a="http://schemas.openxmlformats.org/drawingml/2006/main" xmlns:r="http://schemas.openxmlformats.org/officeDocument/2006/relationships" xmlns:p="http://schemas.openxmlformats.org/presentationml/2006/main">
   <p:cSld>
     <p:spTree>
@@ -12821,7 +12950,7 @@
 </p:sld>
 </file>
 
-<file path=ppt/slides/slide38.xml><?xml version="1.0" encoding="utf-8"?>
+<file path=ppt/slides/slide39.xml><?xml version="1.0" encoding="utf-8"?>
 <p:sld xmlns:a="http://schemas.openxmlformats.org/drawingml/2006/main" xmlns:r="http://schemas.openxmlformats.org/officeDocument/2006/relationships" xmlns:p="http://schemas.openxmlformats.org/presentationml/2006/main">
   <p:cSld>
     <p:spTree>
@@ -12911,7 +13040,183 @@
 </p:sld>
 </file>
 
-<file path=ppt/slides/slide39.xml><?xml version="1.0" encoding="utf-8"?>
+<file path=ppt/slides/slide4.xml><?xml version="1.0" encoding="utf-8"?>
+<p:sld xmlns:a="http://schemas.openxmlformats.org/drawingml/2006/main" xmlns:r="http://schemas.openxmlformats.org/officeDocument/2006/relationships" xmlns:p="http://schemas.openxmlformats.org/presentationml/2006/main">
+  <p:cSld>
+    <p:spTree>
+      <p:nvGrpSpPr>
+        <p:cNvPr id="1" name=""/>
+        <p:cNvGrpSpPr/>
+        <p:nvPr/>
+      </p:nvGrpSpPr>
+      <p:grpSpPr>
+        <a:xfrm>
+          <a:off x="0" y="0"/>
+          <a:ext cx="0" cy="0"/>
+          <a:chOff x="0" y="0"/>
+          <a:chExt cx="0" cy="0"/>
+        </a:xfrm>
+      </p:grpSpPr>
+      <p:sp>
+        <p:nvSpPr>
+          <p:cNvPr id="2" name="Title 1">
+            <a:extLst>
+              <a:ext uri="{FF2B5EF4-FFF2-40B4-BE49-F238E27FC236}">
+                <a16:creationId xmlns:a16="http://schemas.microsoft.com/office/drawing/2014/main" id="{E0529347-8E03-5745-A305-AF41325E1120}"/>
+              </a:ext>
+            </a:extLst>
+          </p:cNvPr>
+          <p:cNvSpPr>
+            <a:spLocks noGrp="1"/>
+          </p:cNvSpPr>
+          <p:nvPr>
+            <p:ph type="title"/>
+          </p:nvPr>
+        </p:nvSpPr>
+        <p:spPr/>
+        <p:txBody>
+          <a:bodyPr>
+            <a:normAutofit fontScale="90000"/>
+          </a:bodyPr>
+          <a:lstStyle/>
+          <a:p>
+            <a:r>
+              <a:rPr lang="en-US" dirty="0"/>
+              <a:t>What is cache coherence?</a:t>
+            </a:r>
+          </a:p>
+        </p:txBody>
+      </p:sp>
+      <p:sp>
+        <p:nvSpPr>
+          <p:cNvPr id="3" name="Content Placeholder 2">
+            <a:extLst>
+              <a:ext uri="{FF2B5EF4-FFF2-40B4-BE49-F238E27FC236}">
+                <a16:creationId xmlns:a16="http://schemas.microsoft.com/office/drawing/2014/main" id="{F6F2EB0E-4EBA-9E41-A915-2E5A2D97575C}"/>
+              </a:ext>
+            </a:extLst>
+          </p:cNvPr>
+          <p:cNvSpPr>
+            <a:spLocks noGrp="1"/>
+          </p:cNvSpPr>
+          <p:nvPr>
+            <p:ph idx="1"/>
+          </p:nvPr>
+        </p:nvSpPr>
+        <p:spPr/>
+        <p:txBody>
+          <a:bodyPr>
+            <a:normAutofit/>
+          </a:bodyPr>
+          <a:lstStyle/>
+          <a:p>
+            <a:r>
+              <a:rPr lang="en-US" dirty="0"/>
+              <a:t>To define memory views as shared by multiple processors, we need to define a formal shared memory consistency model</a:t>
+            </a:r>
+          </a:p>
+          <a:p>
+            <a:r>
+              <a:rPr lang="en-US" dirty="0">
+                <a:sym typeface="Wingdings" pitchFamily="2" charset="2"/>
+              </a:rPr>
+              <a:t>Coherence is one of the basic models</a:t>
+            </a:r>
+          </a:p>
+          <a:p>
+            <a:pPr lvl="1"/>
+            <a:r>
+              <a:rPr lang="en-US" dirty="0">
+                <a:sym typeface="Wingdings" pitchFamily="2" charset="2"/>
+              </a:rPr>
+              <a:t>Each location has a latest data that every reader agrees on</a:t>
+            </a:r>
+          </a:p>
+          <a:p>
+            <a:pPr lvl="1"/>
+            <a:r>
+              <a:rPr lang="en-US" dirty="0">
+                <a:sym typeface="Wingdings" pitchFamily="2" charset="2"/>
+              </a:rPr>
+              <a:t>Also known as “per-location sequential consistency”</a:t>
+            </a:r>
+          </a:p>
+          <a:p>
+            <a:r>
+              <a:rPr lang="en-US" dirty="0">
+                <a:sym typeface="Wingdings" pitchFamily="2" charset="2"/>
+              </a:rPr>
+              <a:t>There are some interesting complexity results that help us understand coherence</a:t>
+            </a:r>
+          </a:p>
+          <a:p>
+            <a:pPr lvl="1"/>
+            <a:r>
+              <a:rPr lang="en-US" dirty="0">
+                <a:sym typeface="Wingdings" pitchFamily="2" charset="2"/>
+              </a:rPr>
+              <a:t>Given a “finished execution trace”, checking coherence is NP-Complete</a:t>
+            </a:r>
+          </a:p>
+          <a:p>
+            <a:pPr lvl="2"/>
+            <a:r>
+              <a:rPr lang="en-US" dirty="0">
+                <a:sym typeface="Wingdings" pitchFamily="2" charset="2"/>
+              </a:rPr>
+              <a:t>Very insightful proof by Jason </a:t>
+            </a:r>
+            <a:r>
+              <a:rPr lang="en-US" dirty="0" err="1">
+                <a:sym typeface="Wingdings" pitchFamily="2" charset="2"/>
+              </a:rPr>
+              <a:t>Cantin</a:t>
+            </a:r>
+            <a:r>
+              <a:rPr lang="en-US" dirty="0">
+                <a:sym typeface="Wingdings" pitchFamily="2" charset="2"/>
+              </a:rPr>
+              <a:t> et al</a:t>
+            </a:r>
+          </a:p>
+          <a:p>
+            <a:pPr lvl="2"/>
+            <a:r>
+              <a:rPr lang="en-US" dirty="0">
+                <a:sym typeface="Wingdings" pitchFamily="2" charset="2"/>
+                <a:hlinkClick r:id="rId2"/>
+              </a:rPr>
+              <a:t>https://ieeexplore.ieee.org/stamp/stamp.jsp?arnumber=1435343</a:t>
+            </a:r>
+            <a:r>
+              <a:rPr lang="en-US" dirty="0">
+                <a:sym typeface="Wingdings" pitchFamily="2" charset="2"/>
+              </a:rPr>
+              <a:t>  </a:t>
+            </a:r>
+          </a:p>
+          <a:p>
+            <a:pPr marL="457200" lvl="1" indent="0">
+              <a:buNone/>
+            </a:pPr>
+            <a:endParaRPr lang="en-US" dirty="0"/>
+          </a:p>
+        </p:txBody>
+      </p:sp>
+    </p:spTree>
+    <p:extLst>
+      <p:ext uri="{BB962C8B-B14F-4D97-AF65-F5344CB8AC3E}">
+        <p14:creationId xmlns:p14="http://schemas.microsoft.com/office/powerpoint/2010/main" val="3415468341"/>
+      </p:ext>
+    </p:extLst>
+  </p:cSld>
+  <p:clrMapOvr>
+    <a:masterClrMapping/>
+  </p:clrMapOvr>
+</p:sld>
+</file>
+
+<file path=ppt/slides/slide40.xml><?xml version="1.0" encoding="utf-8"?>
 <p:sld xmlns:a="http://schemas.openxmlformats.org/drawingml/2006/main" xmlns:r="http://schemas.openxmlformats.org/officeDocument/2006/relationships" xmlns:p="http://schemas.openxmlformats.org/presentationml/2006/main">
   <p:cSld>
     <p:spTree>
@@ -13001,183 +13306,7 @@
 </p:sld>
 </file>
 
-<file path=ppt/slides/slide4.xml><?xml version="1.0" encoding="utf-8"?>
-<p:sld xmlns:a="http://schemas.openxmlformats.org/drawingml/2006/main" xmlns:r="http://schemas.openxmlformats.org/officeDocument/2006/relationships" xmlns:p="http://schemas.openxmlformats.org/presentationml/2006/main">
-  <p:cSld>
-    <p:spTree>
-      <p:nvGrpSpPr>
-        <p:cNvPr id="1" name=""/>
-        <p:cNvGrpSpPr/>
-        <p:nvPr/>
-      </p:nvGrpSpPr>
-      <p:grpSpPr>
-        <a:xfrm>
-          <a:off x="0" y="0"/>
-          <a:ext cx="0" cy="0"/>
-          <a:chOff x="0" y="0"/>
-          <a:chExt cx="0" cy="0"/>
-        </a:xfrm>
-      </p:grpSpPr>
-      <p:sp>
-        <p:nvSpPr>
-          <p:cNvPr id="2" name="Title 1">
-            <a:extLst>
-              <a:ext uri="{FF2B5EF4-FFF2-40B4-BE49-F238E27FC236}">
-                <a16:creationId xmlns:a16="http://schemas.microsoft.com/office/drawing/2014/main" id="{E0529347-8E03-5745-A305-AF41325E1120}"/>
-              </a:ext>
-            </a:extLst>
-          </p:cNvPr>
-          <p:cNvSpPr>
-            <a:spLocks noGrp="1"/>
-          </p:cNvSpPr>
-          <p:nvPr>
-            <p:ph type="title"/>
-          </p:nvPr>
-        </p:nvSpPr>
-        <p:spPr/>
-        <p:txBody>
-          <a:bodyPr>
-            <a:normAutofit fontScale="90000"/>
-          </a:bodyPr>
-          <a:lstStyle/>
-          <a:p>
-            <a:r>
-              <a:rPr lang="en-US" dirty="0"/>
-              <a:t>What is cache coherence?</a:t>
-            </a:r>
-          </a:p>
-        </p:txBody>
-      </p:sp>
-      <p:sp>
-        <p:nvSpPr>
-          <p:cNvPr id="3" name="Content Placeholder 2">
-            <a:extLst>
-              <a:ext uri="{FF2B5EF4-FFF2-40B4-BE49-F238E27FC236}">
-                <a16:creationId xmlns:a16="http://schemas.microsoft.com/office/drawing/2014/main" id="{F6F2EB0E-4EBA-9E41-A915-2E5A2D97575C}"/>
-              </a:ext>
-            </a:extLst>
-          </p:cNvPr>
-          <p:cNvSpPr>
-            <a:spLocks noGrp="1"/>
-          </p:cNvSpPr>
-          <p:nvPr>
-            <p:ph idx="1"/>
-          </p:nvPr>
-        </p:nvSpPr>
-        <p:spPr/>
-        <p:txBody>
-          <a:bodyPr>
-            <a:normAutofit/>
-          </a:bodyPr>
-          <a:lstStyle/>
-          <a:p>
-            <a:r>
-              <a:rPr lang="en-US" dirty="0"/>
-              <a:t>To define memory views as shared by multiple processors, we need to define a formal shared memory consistency model</a:t>
-            </a:r>
-          </a:p>
-          <a:p>
-            <a:r>
-              <a:rPr lang="en-US" dirty="0">
-                <a:sym typeface="Wingdings" pitchFamily="2" charset="2"/>
-              </a:rPr>
-              <a:t>Coherence is one of the basic models</a:t>
-            </a:r>
-          </a:p>
-          <a:p>
-            <a:pPr lvl="1"/>
-            <a:r>
-              <a:rPr lang="en-US" dirty="0">
-                <a:sym typeface="Wingdings" pitchFamily="2" charset="2"/>
-              </a:rPr>
-              <a:t>Each location has a latest data that every reader agrees on</a:t>
-            </a:r>
-          </a:p>
-          <a:p>
-            <a:pPr lvl="1"/>
-            <a:r>
-              <a:rPr lang="en-US" dirty="0">
-                <a:sym typeface="Wingdings" pitchFamily="2" charset="2"/>
-              </a:rPr>
-              <a:t>Also known as “per-location sequential consistency”</a:t>
-            </a:r>
-          </a:p>
-          <a:p>
-            <a:r>
-              <a:rPr lang="en-US" dirty="0">
-                <a:sym typeface="Wingdings" pitchFamily="2" charset="2"/>
-              </a:rPr>
-              <a:t>There are some interesting complexity results that help us understand coherence</a:t>
-            </a:r>
-          </a:p>
-          <a:p>
-            <a:pPr lvl="1"/>
-            <a:r>
-              <a:rPr lang="en-US" dirty="0">
-                <a:sym typeface="Wingdings" pitchFamily="2" charset="2"/>
-              </a:rPr>
-              <a:t>Given a “finished execution trace”, checking coherence is NP-Complete</a:t>
-            </a:r>
-          </a:p>
-          <a:p>
-            <a:pPr lvl="2"/>
-            <a:r>
-              <a:rPr lang="en-US" dirty="0">
-                <a:sym typeface="Wingdings" pitchFamily="2" charset="2"/>
-              </a:rPr>
-              <a:t>Very insightful proof by Jason </a:t>
-            </a:r>
-            <a:r>
-              <a:rPr lang="en-US" dirty="0" err="1">
-                <a:sym typeface="Wingdings" pitchFamily="2" charset="2"/>
-              </a:rPr>
-              <a:t>Cantin</a:t>
-            </a:r>
-            <a:r>
-              <a:rPr lang="en-US" dirty="0">
-                <a:sym typeface="Wingdings" pitchFamily="2" charset="2"/>
-              </a:rPr>
-              <a:t> et al</a:t>
-            </a:r>
-          </a:p>
-          <a:p>
-            <a:pPr lvl="2"/>
-            <a:r>
-              <a:rPr lang="en-US" dirty="0">
-                <a:sym typeface="Wingdings" pitchFamily="2" charset="2"/>
-                <a:hlinkClick r:id="rId2"/>
-              </a:rPr>
-              <a:t>https://ieeexplore.ieee.org/stamp/stamp.jsp?arnumber=1435343</a:t>
-            </a:r>
-            <a:r>
-              <a:rPr lang="en-US" dirty="0">
-                <a:sym typeface="Wingdings" pitchFamily="2" charset="2"/>
-              </a:rPr>
-              <a:t>  </a:t>
-            </a:r>
-          </a:p>
-          <a:p>
-            <a:pPr marL="457200" lvl="1" indent="0">
-              <a:buNone/>
-            </a:pPr>
-            <a:endParaRPr lang="en-US" dirty="0"/>
-          </a:p>
-        </p:txBody>
-      </p:sp>
-    </p:spTree>
-    <p:extLst>
-      <p:ext uri="{BB962C8B-B14F-4D97-AF65-F5344CB8AC3E}">
-        <p14:creationId xmlns:p14="http://schemas.microsoft.com/office/powerpoint/2010/main" val="3415468341"/>
-      </p:ext>
-    </p:extLst>
-  </p:cSld>
-  <p:clrMapOvr>
-    <a:masterClrMapping/>
-  </p:clrMapOvr>
-</p:sld>
-</file>
-
-<file path=ppt/slides/slide40.xml><?xml version="1.0" encoding="utf-8"?>
+<file path=ppt/slides/slide41.xml><?xml version="1.0" encoding="utf-8"?>
 <p:sld xmlns:a="http://schemas.openxmlformats.org/drawingml/2006/main" xmlns:r="http://schemas.openxmlformats.org/officeDocument/2006/relationships" xmlns:p="http://schemas.openxmlformats.org/presentationml/2006/main">
   <p:cSld>
     <p:spTree>
@@ -13267,7 +13396,7 @@
 </p:sld>
 </file>
 
-<file path=ppt/slides/slide41.xml><?xml version="1.0" encoding="utf-8"?>
+<file path=ppt/slides/slide42.xml><?xml version="1.0" encoding="utf-8"?>
 <p:sld xmlns:a="http://schemas.openxmlformats.org/drawingml/2006/main" xmlns:r="http://schemas.openxmlformats.org/officeDocument/2006/relationships" xmlns:p="http://schemas.openxmlformats.org/presentationml/2006/main">
   <p:cSld>
     <p:spTree>
@@ -13357,7 +13486,7 @@
 </p:sld>
 </file>
 
-<file path=ppt/slides/slide42.xml><?xml version="1.0" encoding="utf-8"?>
+<file path=ppt/slides/slide43.xml><?xml version="1.0" encoding="utf-8"?>
 <p:sld xmlns:a="http://schemas.openxmlformats.org/drawingml/2006/main" xmlns:r="http://schemas.openxmlformats.org/officeDocument/2006/relationships" xmlns:p="http://schemas.openxmlformats.org/presentationml/2006/main">
   <p:cSld>
     <p:spTree>
@@ -13525,7 +13654,7 @@
         <p:spPr>
           <a:xfrm>
             <a:off x="838200" y="1405131"/>
-            <a:ext cx="6529396" cy="2831024"/>
+            <a:ext cx="4753708" cy="2061119"/>
           </a:xfrm>
           <a:prstGeom prst="rect">
             <a:avLst/>
@@ -13546,8 +13675,8 @@
         </p:nvSpPr>
         <p:spPr>
           <a:xfrm>
-            <a:off x="3081866" y="4526844"/>
-            <a:ext cx="7428637" cy="1477328"/>
+            <a:off x="735623" y="3584718"/>
+            <a:ext cx="10720754" cy="3139321"/>
           </a:xfrm>
           <a:prstGeom prst="rect">
             <a:avLst/>
@@ -13555,44 +13684,110 @@
           <a:noFill/>
         </p:spPr>
         <p:txBody>
-          <a:bodyPr wrap="none" rtlCol="0">
+          <a:bodyPr wrap="square" rtlCol="0">
             <a:spAutoFit/>
           </a:bodyPr>
           <a:lstStyle/>
           <a:p>
             <a:r>
+              <a:rPr lang="en-US" sz="1200" dirty="0"/>
+              <a:t>Given four processes (or hardware threads) and reads/writes</a:t>
+            </a:r>
+          </a:p>
+          <a:p>
+            <a:r>
+              <a:rPr lang="en-US" sz="1200" dirty="0"/>
+              <a:t>Per location (“</a:t>
+            </a:r>
+            <a:r>
+              <a:rPr lang="en-US" sz="1200" dirty="0" err="1"/>
+              <a:t>a_u</a:t>
+            </a:r>
+            <a:r>
+              <a:rPr lang="en-US" sz="1200" dirty="0"/>
+              <a:t>” in this case) explain read-value outcomes.</a:t>
+            </a:r>
+          </a:p>
+          <a:p>
+            <a:r>
+              <a:rPr lang="en-US" sz="1200" dirty="0"/>
+              <a:t>Here we explain as if this interleaving took place.</a:t>
+            </a:r>
+          </a:p>
+          <a:p>
+            <a:r>
+              <a:rPr lang="en-US" sz="1200" dirty="0"/>
+              <a:t>The inability find such an explanation means the system is incoherent</a:t>
+            </a:r>
+          </a:p>
+          <a:p>
+            <a:r>
+              <a:rPr lang="en-US" sz="1200" dirty="0"/>
+              <a:t>Cool piece of encoding by </a:t>
+            </a:r>
+            <a:r>
+              <a:rPr lang="en-US" sz="1200" dirty="0" err="1"/>
+              <a:t>Cantin</a:t>
+            </a:r>
+            <a:r>
+              <a:rPr lang="en-US" sz="1200" dirty="0"/>
+              <a:t>: Given a 3SAT formula, he generates a shared memory execution such that the formula is SAT </a:t>
+            </a:r>
+            <a:r>
+              <a:rPr lang="en-US" sz="1200" dirty="0" err="1"/>
+              <a:t>iff</a:t>
+            </a:r>
+            <a:r>
+              <a:rPr lang="en-US" sz="1200" dirty="0"/>
+              <a:t> the execution is coherent!</a:t>
+            </a:r>
+          </a:p>
+          <a:p>
+            <a:endParaRPr lang="en-US" sz="1200" dirty="0"/>
+          </a:p>
+          <a:p>
+            <a:r>
+              <a:rPr lang="en-US" sz="1200" dirty="0"/>
+              <a:t>If you are looking forward to challenging yourself in your growth as a professional CS researcher, you should not pass up such opportunities (follow such proofs). I can help if you are interested!</a:t>
+            </a:r>
+            <a:endParaRPr lang="en-US" dirty="0"/>
+          </a:p>
+          <a:p>
+            <a:r>
               <a:rPr lang="en-US" dirty="0"/>
-              <a:t>Given four processes (or hardware threads) and reads/writes</a:t>
+              <a:t>When you finish this, you’ll feel a faint glow around your head ;-) </a:t>
             </a:r>
           </a:p>
           <a:p>
             <a:r>
               <a:rPr lang="en-US" dirty="0"/>
-              <a:t>Per location (“</a:t>
-            </a:r>
-            <a:r>
-              <a:rPr lang="en-US" dirty="0" err="1"/>
-              <a:t>a_u</a:t>
-            </a:r>
+              <a:t>ASIDE: There is a panel on “how to become a faculty” tomorrow. I’d say that solving these kinds</a:t>
+            </a:r>
+          </a:p>
+          <a:p>
             <a:r>
               <a:rPr lang="en-US" dirty="0"/>
-              <a:t>” in this case) explain read-value outcomes.</a:t>
+              <a:t>of puzzles can help you!  </a:t>
             </a:r>
           </a:p>
           <a:p>
             <a:r>
               <a:rPr lang="en-US" dirty="0"/>
-              <a:t>Here we explain as if this interleaving took place.</a:t>
-            </a:r>
-          </a:p>
-          <a:p>
+              <a:t>i.e. before you get out of the SoC, try to get the union of knowledge of the SoC faculty</a:t>
+            </a:r>
+          </a:p>
+          <a:p>
+            <a:r>
+              <a:rPr lang="en-US" dirty="0"/>
+              <a:t>* Getting the intersection is a bad idea </a:t>
+            </a:r>
+            <a:r>
+              <a:rPr lang="en-US" dirty="0">
+                <a:sym typeface="Wingdings" pitchFamily="2" charset="2"/>
+              </a:rPr>
+              <a:t> you’ll get close to the null set </a:t>
+            </a:r>
             <a:endParaRPr lang="en-US" dirty="0"/>
-          </a:p>
-          <a:p>
-            <a:r>
-              <a:rPr lang="en-US" dirty="0"/>
-              <a:t>The inability find such an explanation means the system is incoherent</a:t>
-            </a:r>
           </a:p>
         </p:txBody>
       </p:sp>

--- a/Lec19/Lec19.pptx
+++ b/Lec19/Lec19.pptx
@@ -35,9 +35,9 @@
     <p:sldId id="1287" r:id="rId23"/>
     <p:sldId id="1288" r:id="rId24"/>
     <p:sldId id="1311" r:id="rId25"/>
-    <p:sldId id="1305" r:id="rId26"/>
+    <p:sldId id="1310" r:id="rId26"/>
     <p:sldId id="1309" r:id="rId27"/>
-    <p:sldId id="1310" r:id="rId28"/>
+    <p:sldId id="1305" r:id="rId28"/>
     <p:sldId id="1289" r:id="rId29"/>
     <p:sldId id="1290" r:id="rId30"/>
     <p:sldId id="1291" r:id="rId31"/>
@@ -6968,7 +6968,7 @@
           <a:graphicData uri="http://schemas.openxmlformats.org/presentationml/2006/ole">
             <mc:AlternateContent xmlns:mc="http://schemas.openxmlformats.org/markup-compatibility/2006">
               <mc:Choice xmlns:v="urn:schemas-microsoft-com:vml" Requires="v">
-                <p:oleObj spid="_x0000_s10257" name="Visio" r:id="rId4" imgW="3733800" imgH="3136900" progId="Visio.Drawing.6">
+                <p:oleObj spid="_x0000_s10260" name="Visio" r:id="rId4" imgW="3733800" imgH="3136900" progId="Visio.Drawing.6">
                   <p:embed/>
                 </p:oleObj>
               </mc:Choice>
@@ -10099,7 +10099,7 @@
           <a:graphicData uri="http://schemas.openxmlformats.org/presentationml/2006/ole">
             <mc:AlternateContent xmlns:mc="http://schemas.openxmlformats.org/markup-compatibility/2006">
               <mc:Choice xmlns:v="urn:schemas-microsoft-com:vml" Requires="v">
-                <p:oleObj spid="_x0000_s20497" name="Visio" r:id="rId4" imgW="3733800" imgH="1968500" progId="Visio.Drawing.6">
+                <p:oleObj spid="_x0000_s20500" name="Visio" r:id="rId4" imgW="3733800" imgH="1968500" progId="Visio.Drawing.6">
                   <p:embed/>
                 </p:oleObj>
               </mc:Choice>
@@ -10769,7 +10769,7 @@
           <a:graphicData uri="http://schemas.openxmlformats.org/presentationml/2006/ole">
             <mc:AlternateContent xmlns:mc="http://schemas.openxmlformats.org/markup-compatibility/2006">
               <mc:Choice xmlns:v="urn:schemas-microsoft-com:vml" Requires="v">
-                <p:oleObj spid="_x0000_s24583" name="Visio" r:id="rId4" imgW="3733800" imgH="1968500" progId="Visio.Drawing.6">
+                <p:oleObj spid="_x0000_s24586" name="Visio" r:id="rId4" imgW="3733800" imgH="1968500" progId="Visio.Drawing.6">
                   <p:embed/>
                 </p:oleObj>
               </mc:Choice>
@@ -11539,10 +11539,10 @@
       </p:sp>
       <p:pic>
         <p:nvPicPr>
-          <p:cNvPr id="5" name="Picture 4" descr="Text&#10;&#10;Description automatically generated">
-            <a:extLst>
-              <a:ext uri="{FF2B5EF4-FFF2-40B4-BE49-F238E27FC236}">
-                <a16:creationId xmlns:a16="http://schemas.microsoft.com/office/drawing/2014/main" id="{BFD89320-429C-F04C-AB5D-E7771E598F2C}"/>
+          <p:cNvPr id="4" name="Picture 3" descr="Text, letter&#10;&#10;Description automatically generated">
+            <a:extLst>
+              <a:ext uri="{FF2B5EF4-FFF2-40B4-BE49-F238E27FC236}">
+                <a16:creationId xmlns:a16="http://schemas.microsoft.com/office/drawing/2014/main" id="{BECFB103-B1B6-094E-8E37-8B73E404C133}"/>
               </a:ext>
             </a:extLst>
           </p:cNvPr>
@@ -11559,38 +11559,8 @@
         </p:blipFill>
         <p:spPr>
           <a:xfrm>
-            <a:off x="838200" y="1031903"/>
-            <a:ext cx="6375400" cy="2146300"/>
-          </a:xfrm>
-          <a:prstGeom prst="rect">
-            <a:avLst/>
-          </a:prstGeom>
-        </p:spPr>
-      </p:pic>
-      <p:pic>
-        <p:nvPicPr>
-          <p:cNvPr id="7" name="Picture 6" descr="Text&#10;&#10;Description automatically generated">
-            <a:extLst>
-              <a:ext uri="{FF2B5EF4-FFF2-40B4-BE49-F238E27FC236}">
-                <a16:creationId xmlns:a16="http://schemas.microsoft.com/office/drawing/2014/main" id="{40AF45DD-1105-F14F-9061-F366351E5B9B}"/>
-              </a:ext>
-            </a:extLst>
-          </p:cNvPr>
-          <p:cNvPicPr>
-            <a:picLocks noChangeAspect="1"/>
-          </p:cNvPicPr>
-          <p:nvPr/>
-        </p:nvPicPr>
-        <p:blipFill>
-          <a:blip r:embed="rId3"/>
-          <a:stretch>
-            <a:fillRect/>
-          </a:stretch>
-        </p:blipFill>
-        <p:spPr>
-          <a:xfrm>
-            <a:off x="3441700" y="3257550"/>
-            <a:ext cx="7543800" cy="2400300"/>
+            <a:off x="838200" y="1111453"/>
+            <a:ext cx="9829223" cy="5381421"/>
           </a:xfrm>
           <a:prstGeom prst="rect">
             <a:avLst/>
@@ -11600,7 +11570,7 @@
     </p:spTree>
     <p:extLst>
       <p:ext uri="{BB962C8B-B14F-4D97-AF65-F5344CB8AC3E}">
-        <p14:creationId xmlns:p14="http://schemas.microsoft.com/office/powerpoint/2010/main" val="2899091425"/>
+        <p14:creationId xmlns:p14="http://schemas.microsoft.com/office/powerpoint/2010/main" val="1880304940"/>
       </p:ext>
     </p:extLst>
   </p:cSld>
@@ -11749,10 +11719,10 @@
       </p:sp>
       <p:pic>
         <p:nvPicPr>
-          <p:cNvPr id="4" name="Picture 3" descr="Text, letter&#10;&#10;Description automatically generated">
-            <a:extLst>
-              <a:ext uri="{FF2B5EF4-FFF2-40B4-BE49-F238E27FC236}">
-                <a16:creationId xmlns:a16="http://schemas.microsoft.com/office/drawing/2014/main" id="{BECFB103-B1B6-094E-8E37-8B73E404C133}"/>
+          <p:cNvPr id="5" name="Picture 4" descr="Text&#10;&#10;Description automatically generated">
+            <a:extLst>
+              <a:ext uri="{FF2B5EF4-FFF2-40B4-BE49-F238E27FC236}">
+                <a16:creationId xmlns:a16="http://schemas.microsoft.com/office/drawing/2014/main" id="{BFD89320-429C-F04C-AB5D-E7771E598F2C}"/>
               </a:ext>
             </a:extLst>
           </p:cNvPr>
@@ -11769,18 +11739,122 @@
         </p:blipFill>
         <p:spPr>
           <a:xfrm>
-            <a:off x="838200" y="1111453"/>
-            <a:ext cx="9829223" cy="5381421"/>
+            <a:off x="838200" y="1031903"/>
+            <a:ext cx="6375400" cy="2146300"/>
           </a:xfrm>
           <a:prstGeom prst="rect">
             <a:avLst/>
           </a:prstGeom>
         </p:spPr>
       </p:pic>
+      <p:pic>
+        <p:nvPicPr>
+          <p:cNvPr id="7" name="Picture 6" descr="Text&#10;&#10;Description automatically generated">
+            <a:extLst>
+              <a:ext uri="{FF2B5EF4-FFF2-40B4-BE49-F238E27FC236}">
+                <a16:creationId xmlns:a16="http://schemas.microsoft.com/office/drawing/2014/main" id="{40AF45DD-1105-F14F-9061-F366351E5B9B}"/>
+              </a:ext>
+            </a:extLst>
+          </p:cNvPr>
+          <p:cNvPicPr>
+            <a:picLocks noChangeAspect="1"/>
+          </p:cNvPicPr>
+          <p:nvPr/>
+        </p:nvPicPr>
+        <p:blipFill>
+          <a:blip r:embed="rId3"/>
+          <a:stretch>
+            <a:fillRect/>
+          </a:stretch>
+        </p:blipFill>
+        <p:spPr>
+          <a:xfrm>
+            <a:off x="2942492" y="3902320"/>
+            <a:ext cx="7543800" cy="2400300"/>
+          </a:xfrm>
+          <a:prstGeom prst="rect">
+            <a:avLst/>
+          </a:prstGeom>
+        </p:spPr>
+      </p:pic>
+      <p:cxnSp>
+        <p:nvCxnSpPr>
+          <p:cNvPr id="4" name="Straight Arrow Connector 3">
+            <a:extLst>
+              <a:ext uri="{FF2B5EF4-FFF2-40B4-BE49-F238E27FC236}">
+                <a16:creationId xmlns:a16="http://schemas.microsoft.com/office/drawing/2014/main" id="{E4570CCF-8D72-DD49-BBB1-DDE229E01C72}"/>
+              </a:ext>
+            </a:extLst>
+          </p:cNvPr>
+          <p:cNvCxnSpPr/>
+          <p:nvPr/>
+        </p:nvCxnSpPr>
+        <p:spPr>
+          <a:xfrm>
+            <a:off x="1242646" y="4243754"/>
+            <a:ext cx="1699846" cy="0"/>
+          </a:xfrm>
+          <a:prstGeom prst="straightConnector1">
+            <a:avLst/>
+          </a:prstGeom>
+          <a:ln>
+            <a:tailEnd type="triangle"/>
+          </a:ln>
+        </p:spPr>
+        <p:style>
+          <a:lnRef idx="1">
+            <a:schemeClr val="accent1"/>
+          </a:lnRef>
+          <a:fillRef idx="0">
+            <a:schemeClr val="accent1"/>
+          </a:fillRef>
+          <a:effectRef idx="0">
+            <a:schemeClr val="accent1"/>
+          </a:effectRef>
+          <a:fontRef idx="minor">
+            <a:schemeClr val="tx1"/>
+          </a:fontRef>
+        </p:style>
+      </p:cxnSp>
+      <p:sp>
+        <p:nvSpPr>
+          <p:cNvPr id="6" name="TextBox 5">
+            <a:extLst>
+              <a:ext uri="{FF2B5EF4-FFF2-40B4-BE49-F238E27FC236}">
+                <a16:creationId xmlns:a16="http://schemas.microsoft.com/office/drawing/2014/main" id="{29F29116-7696-EB4C-9EC6-EAB8587F9C1B}"/>
+              </a:ext>
+            </a:extLst>
+          </p:cNvPr>
+          <p:cNvSpPr txBox="1"/>
+          <p:nvPr/>
+        </p:nvSpPr>
+        <p:spPr>
+          <a:xfrm>
+            <a:off x="8589595" y="1316997"/>
+            <a:ext cx="2914162" cy="2585323"/>
+          </a:xfrm>
+          <a:prstGeom prst="rect">
+            <a:avLst/>
+          </a:prstGeom>
+          <a:noFill/>
+        </p:spPr>
+        <p:txBody>
+          <a:bodyPr wrap="square" rtlCol="0">
+            <a:spAutoFit/>
+          </a:bodyPr>
+          <a:lstStyle/>
+          <a:p>
+            <a:r>
+              <a:rPr lang="en-US" dirty="0"/>
+              <a:t>The top-left rule is changed to the bottom-right rule in the CMP method, by introducing non-interference lemmas to strengthen the guards. These lemmas are proven in the same model being refined. </a:t>
+            </a:r>
+          </a:p>
+        </p:txBody>
+      </p:sp>
     </p:spTree>
     <p:extLst>
       <p:ext uri="{BB962C8B-B14F-4D97-AF65-F5344CB8AC3E}">
-        <p14:creationId xmlns:p14="http://schemas.microsoft.com/office/powerpoint/2010/main" val="1880304940"/>
+        <p14:creationId xmlns:p14="http://schemas.microsoft.com/office/powerpoint/2010/main" val="2899091425"/>
       </p:ext>
     </p:extLst>
   </p:cSld>

--- a/Lec19/Lec19.pptx
+++ b/Lec19/Lec19.pptx
@@ -5,10 +5,10 @@
     <p:sldMasterId id="2147483648" r:id="rId1"/>
   </p:sldMasterIdLst>
   <p:notesMasterIdLst>
-    <p:notesMasterId r:id="rId45"/>
+    <p:notesMasterId r:id="rId49"/>
   </p:notesMasterIdLst>
   <p:handoutMasterIdLst>
-    <p:handoutMasterId r:id="rId46"/>
+    <p:handoutMasterId r:id="rId50"/>
   </p:handoutMasterIdLst>
   <p:sldIdLst>
     <p:sldId id="414" r:id="rId2"/>
@@ -22,38 +22,42 @@
     <p:sldId id="392" r:id="rId10"/>
     <p:sldId id="395" r:id="rId11"/>
     <p:sldId id="1312" r:id="rId12"/>
-    <p:sldId id="1285" r:id="rId13"/>
-    <p:sldId id="396" r:id="rId14"/>
-    <p:sldId id="397" r:id="rId15"/>
-    <p:sldId id="412" r:id="rId16"/>
-    <p:sldId id="411" r:id="rId17"/>
-    <p:sldId id="408" r:id="rId18"/>
-    <p:sldId id="409" r:id="rId19"/>
-    <p:sldId id="410" r:id="rId20"/>
-    <p:sldId id="383" r:id="rId21"/>
-    <p:sldId id="1286" r:id="rId22"/>
-    <p:sldId id="1287" r:id="rId23"/>
-    <p:sldId id="1288" r:id="rId24"/>
-    <p:sldId id="1311" r:id="rId25"/>
-    <p:sldId id="1310" r:id="rId26"/>
-    <p:sldId id="1309" r:id="rId27"/>
-    <p:sldId id="1305" r:id="rId28"/>
-    <p:sldId id="1289" r:id="rId29"/>
-    <p:sldId id="1290" r:id="rId30"/>
-    <p:sldId id="1291" r:id="rId31"/>
-    <p:sldId id="1292" r:id="rId32"/>
-    <p:sldId id="1293" r:id="rId33"/>
-    <p:sldId id="1294" r:id="rId34"/>
-    <p:sldId id="1295" r:id="rId35"/>
-    <p:sldId id="1296" r:id="rId36"/>
-    <p:sldId id="1297" r:id="rId37"/>
-    <p:sldId id="1298" r:id="rId38"/>
-    <p:sldId id="1299" r:id="rId39"/>
-    <p:sldId id="1300" r:id="rId40"/>
-    <p:sldId id="1301" r:id="rId41"/>
-    <p:sldId id="1302" r:id="rId42"/>
-    <p:sldId id="1303" r:id="rId43"/>
-    <p:sldId id="1304" r:id="rId44"/>
+    <p:sldId id="1313" r:id="rId13"/>
+    <p:sldId id="1314" r:id="rId14"/>
+    <p:sldId id="1315" r:id="rId15"/>
+    <p:sldId id="1316" r:id="rId16"/>
+    <p:sldId id="1285" r:id="rId17"/>
+    <p:sldId id="396" r:id="rId18"/>
+    <p:sldId id="397" r:id="rId19"/>
+    <p:sldId id="412" r:id="rId20"/>
+    <p:sldId id="411" r:id="rId21"/>
+    <p:sldId id="408" r:id="rId22"/>
+    <p:sldId id="409" r:id="rId23"/>
+    <p:sldId id="410" r:id="rId24"/>
+    <p:sldId id="383" r:id="rId25"/>
+    <p:sldId id="1286" r:id="rId26"/>
+    <p:sldId id="1287" r:id="rId27"/>
+    <p:sldId id="1288" r:id="rId28"/>
+    <p:sldId id="1311" r:id="rId29"/>
+    <p:sldId id="1310" r:id="rId30"/>
+    <p:sldId id="1309" r:id="rId31"/>
+    <p:sldId id="1305" r:id="rId32"/>
+    <p:sldId id="1289" r:id="rId33"/>
+    <p:sldId id="1290" r:id="rId34"/>
+    <p:sldId id="1291" r:id="rId35"/>
+    <p:sldId id="1292" r:id="rId36"/>
+    <p:sldId id="1293" r:id="rId37"/>
+    <p:sldId id="1294" r:id="rId38"/>
+    <p:sldId id="1295" r:id="rId39"/>
+    <p:sldId id="1296" r:id="rId40"/>
+    <p:sldId id="1297" r:id="rId41"/>
+    <p:sldId id="1298" r:id="rId42"/>
+    <p:sldId id="1299" r:id="rId43"/>
+    <p:sldId id="1300" r:id="rId44"/>
+    <p:sldId id="1301" r:id="rId45"/>
+    <p:sldId id="1302" r:id="rId46"/>
+    <p:sldId id="1303" r:id="rId47"/>
+    <p:sldId id="1304" r:id="rId48"/>
   </p:sldIdLst>
   <p:sldSz cx="12192000" cy="6858000"/>
   <p:notesSz cx="6858000" cy="9144000"/>
@@ -825,7 +829,7 @@
           <p:cNvPr id="4" name="Rectangle 7">
             <a:extLst>
               <a:ext uri="{FF2B5EF4-FFF2-40B4-BE49-F238E27FC236}">
-                <a16:creationId xmlns:a16="http://schemas.microsoft.com/office/drawing/2014/main" id="{78284663-0E2E-ED42-BD77-D5D1B07636FE}"/>
+                <a16:creationId xmlns:a16="http://schemas.microsoft.com/office/drawing/2014/main" id="{D6FE870E-3532-5B4A-822C-88357790874F}"/>
               </a:ext>
             </a:extLst>
           </p:cNvPr>
@@ -843,10 +847,10 @@
           <a:bodyPr/>
           <a:lstStyle/>
           <a:p>
-            <a:fld id="{F19B37C6-C329-7E4F-8CC3-389D13BFDF8F}" type="slidenum">
+            <a:fld id="{67B7EF8A-9D59-DB4C-A253-D70D0263A994}" type="slidenum">
               <a:rPr lang="en-US" altLang="en-US"/>
               <a:pPr/>
-              <a:t>19</a:t>
+              <a:t>22</a:t>
             </a:fld>
             <a:endParaRPr lang="en-US" altLang="en-US"/>
           </a:p>
@@ -854,10 +858,10 @@
       </p:sp>
       <p:sp>
         <p:nvSpPr>
-          <p:cNvPr id="736258" name="Rectangle 2">
-            <a:extLst>
-              <a:ext uri="{FF2B5EF4-FFF2-40B4-BE49-F238E27FC236}">
-                <a16:creationId xmlns:a16="http://schemas.microsoft.com/office/drawing/2014/main" id="{DCE88AB5-71D0-E844-84B3-0684F3820C81}"/>
+          <p:cNvPr id="734210" name="Rectangle 2">
+            <a:extLst>
+              <a:ext uri="{FF2B5EF4-FFF2-40B4-BE49-F238E27FC236}">
+                <a16:creationId xmlns:a16="http://schemas.microsoft.com/office/drawing/2014/main" id="{05C3FA64-8DAD-6341-BC09-E8B67AB388A2}"/>
               </a:ext>
             </a:extLst>
           </p:cNvPr>
@@ -874,10 +878,10 @@
       </p:sp>
       <p:sp>
         <p:nvSpPr>
-          <p:cNvPr id="736259" name="Rectangle 3">
-            <a:extLst>
-              <a:ext uri="{FF2B5EF4-FFF2-40B4-BE49-F238E27FC236}">
-                <a16:creationId xmlns:a16="http://schemas.microsoft.com/office/drawing/2014/main" id="{E3E9C167-68FD-EF45-A899-67F36B48B38C}"/>
+          <p:cNvPr id="734211" name="Rectangle 3">
+            <a:extLst>
+              <a:ext uri="{FF2B5EF4-FFF2-40B4-BE49-F238E27FC236}">
+                <a16:creationId xmlns:a16="http://schemas.microsoft.com/office/drawing/2014/main" id="{3912373E-FB99-F84E-96C3-D88E6C440621}"/>
               </a:ext>
             </a:extLst>
           </p:cNvPr>
@@ -927,7 +931,7 @@
           <p:cNvPr id="4" name="Rectangle 7">
             <a:extLst>
               <a:ext uri="{FF2B5EF4-FFF2-40B4-BE49-F238E27FC236}">
-                <a16:creationId xmlns:a16="http://schemas.microsoft.com/office/drawing/2014/main" id="{BD363D34-2D77-674D-9C63-98ABA3CCD717}"/>
+                <a16:creationId xmlns:a16="http://schemas.microsoft.com/office/drawing/2014/main" id="{78284663-0E2E-ED42-BD77-D5D1B07636FE}"/>
               </a:ext>
             </a:extLst>
           </p:cNvPr>
@@ -945,10 +949,10 @@
           <a:bodyPr/>
           <a:lstStyle/>
           <a:p>
-            <a:fld id="{1A3A5A11-DECA-1044-AEBD-5F1E09E4FDDF}" type="slidenum">
+            <a:fld id="{F19B37C6-C329-7E4F-8CC3-389D13BFDF8F}" type="slidenum">
               <a:rPr lang="en-US" altLang="en-US"/>
               <a:pPr/>
-              <a:t>20</a:t>
+              <a:t>23</a:t>
             </a:fld>
             <a:endParaRPr lang="en-US" altLang="en-US"/>
           </a:p>
@@ -956,10 +960,10 @@
       </p:sp>
       <p:sp>
         <p:nvSpPr>
-          <p:cNvPr id="657410" name="Rectangle 2">
-            <a:extLst>
-              <a:ext uri="{FF2B5EF4-FFF2-40B4-BE49-F238E27FC236}">
-                <a16:creationId xmlns:a16="http://schemas.microsoft.com/office/drawing/2014/main" id="{18C38AB4-C30B-9C44-A81B-71E39CF414C9}"/>
+          <p:cNvPr id="736258" name="Rectangle 2">
+            <a:extLst>
+              <a:ext uri="{FF2B5EF4-FFF2-40B4-BE49-F238E27FC236}">
+                <a16:creationId xmlns:a16="http://schemas.microsoft.com/office/drawing/2014/main" id="{DCE88AB5-71D0-E844-84B3-0684F3820C81}"/>
               </a:ext>
             </a:extLst>
           </p:cNvPr>
@@ -976,10 +980,10 @@
       </p:sp>
       <p:sp>
         <p:nvSpPr>
-          <p:cNvPr id="657411" name="Rectangle 3">
-            <a:extLst>
-              <a:ext uri="{FF2B5EF4-FFF2-40B4-BE49-F238E27FC236}">
-                <a16:creationId xmlns:a16="http://schemas.microsoft.com/office/drawing/2014/main" id="{22561D5C-C3A6-554F-9F60-2157EC0EA6F1}"/>
+          <p:cNvPr id="736259" name="Rectangle 3">
+            <a:extLst>
+              <a:ext uri="{FF2B5EF4-FFF2-40B4-BE49-F238E27FC236}">
+                <a16:creationId xmlns:a16="http://schemas.microsoft.com/office/drawing/2014/main" id="{E3E9C167-68FD-EF45-A899-67F36B48B38C}"/>
               </a:ext>
             </a:extLst>
           </p:cNvPr>
@@ -1050,7 +1054,109 @@
             <a:fld id="{1A3A5A11-DECA-1044-AEBD-5F1E09E4FDDF}" type="slidenum">
               <a:rPr lang="en-US" altLang="en-US"/>
               <a:pPr/>
-              <a:t>21</a:t>
+              <a:t>24</a:t>
+            </a:fld>
+            <a:endParaRPr lang="en-US" altLang="en-US"/>
+          </a:p>
+        </p:txBody>
+      </p:sp>
+      <p:sp>
+        <p:nvSpPr>
+          <p:cNvPr id="657410" name="Rectangle 2">
+            <a:extLst>
+              <a:ext uri="{FF2B5EF4-FFF2-40B4-BE49-F238E27FC236}">
+                <a16:creationId xmlns:a16="http://schemas.microsoft.com/office/drawing/2014/main" id="{18C38AB4-C30B-9C44-A81B-71E39CF414C9}"/>
+              </a:ext>
+            </a:extLst>
+          </p:cNvPr>
+          <p:cNvSpPr>
+            <a:spLocks noGrp="1" noRot="1" noChangeAspect="1" noChangeArrowheads="1" noTextEdit="1"/>
+          </p:cNvSpPr>
+          <p:nvPr>
+            <p:ph type="sldImg"/>
+          </p:nvPr>
+        </p:nvSpPr>
+        <p:spPr>
+          <a:ln/>
+        </p:spPr>
+      </p:sp>
+      <p:sp>
+        <p:nvSpPr>
+          <p:cNvPr id="657411" name="Rectangle 3">
+            <a:extLst>
+              <a:ext uri="{FF2B5EF4-FFF2-40B4-BE49-F238E27FC236}">
+                <a16:creationId xmlns:a16="http://schemas.microsoft.com/office/drawing/2014/main" id="{22561D5C-C3A6-554F-9F60-2157EC0EA6F1}"/>
+              </a:ext>
+            </a:extLst>
+          </p:cNvPr>
+          <p:cNvSpPr>
+            <a:spLocks noGrp="1" noChangeArrowheads="1"/>
+          </p:cNvSpPr>
+          <p:nvPr>
+            <p:ph type="body" idx="1"/>
+          </p:nvPr>
+        </p:nvSpPr>
+        <p:spPr/>
+        <p:txBody>
+          <a:bodyPr/>
+          <a:lstStyle/>
+          <a:p>
+            <a:endParaRPr lang="en-US" altLang="en-US"/>
+          </a:p>
+        </p:txBody>
+      </p:sp>
+    </p:spTree>
+  </p:cSld>
+  <p:clrMapOvr>
+    <a:masterClrMapping/>
+  </p:clrMapOvr>
+</p:notes>
+</file>
+
+<file path=ppt/notesSlides/notesSlide13.xml><?xml version="1.0" encoding="utf-8"?>
+<p:notes xmlns:a="http://schemas.openxmlformats.org/drawingml/2006/main" xmlns:r="http://schemas.openxmlformats.org/officeDocument/2006/relationships" xmlns:p="http://schemas.openxmlformats.org/presentationml/2006/main">
+  <p:cSld>
+    <p:spTree>
+      <p:nvGrpSpPr>
+        <p:cNvPr id="1" name=""/>
+        <p:cNvGrpSpPr/>
+        <p:nvPr/>
+      </p:nvGrpSpPr>
+      <p:grpSpPr>
+        <a:xfrm>
+          <a:off x="0" y="0"/>
+          <a:ext cx="0" cy="0"/>
+          <a:chOff x="0" y="0"/>
+          <a:chExt cx="0" cy="0"/>
+        </a:xfrm>
+      </p:grpSpPr>
+      <p:sp>
+        <p:nvSpPr>
+          <p:cNvPr id="4" name="Rectangle 7">
+            <a:extLst>
+              <a:ext uri="{FF2B5EF4-FFF2-40B4-BE49-F238E27FC236}">
+                <a16:creationId xmlns:a16="http://schemas.microsoft.com/office/drawing/2014/main" id="{BD363D34-2D77-674D-9C63-98ABA3CCD717}"/>
+              </a:ext>
+            </a:extLst>
+          </p:cNvPr>
+          <p:cNvSpPr>
+            <a:spLocks noGrp="1" noChangeArrowheads="1"/>
+          </p:cNvSpPr>
+          <p:nvPr>
+            <p:ph type="sldNum" sz="quarter" idx="5"/>
+          </p:nvPr>
+        </p:nvSpPr>
+        <p:spPr>
+          <a:ln/>
+        </p:spPr>
+        <p:txBody>
+          <a:bodyPr/>
+          <a:lstStyle/>
+          <a:p>
+            <a:fld id="{1A3A5A11-DECA-1044-AEBD-5F1E09E4FDDF}" type="slidenum">
+              <a:rPr lang="en-US" altLang="en-US"/>
+              <a:pPr/>
+              <a:t>25</a:t>
             </a:fld>
             <a:endParaRPr lang="en-US" altLang="en-US"/>
           </a:p>
@@ -1235,70 +1341,43 @@
       </p:grpSpPr>
       <p:sp>
         <p:nvSpPr>
-          <p:cNvPr id="4" name="Rectangle 7">
-            <a:extLst>
-              <a:ext uri="{FF2B5EF4-FFF2-40B4-BE49-F238E27FC236}">
-                <a16:creationId xmlns:a16="http://schemas.microsoft.com/office/drawing/2014/main" id="{DFD3B0AF-1429-674A-AFC6-D6C694AE17C5}"/>
-              </a:ext>
-            </a:extLst>
-          </p:cNvPr>
-          <p:cNvSpPr>
-            <a:spLocks noGrp="1" noChangeArrowheads="1"/>
-          </p:cNvSpPr>
-          <p:nvPr>
-            <p:ph type="sldNum" sz="quarter" idx="5"/>
-          </p:nvPr>
-        </p:nvSpPr>
-        <p:spPr>
-          <a:ln/>
-        </p:spPr>
+          <p:cNvPr id="2" name="Slide Image Placeholder 1"/>
+          <p:cNvSpPr>
+            <a:spLocks noGrp="1" noRot="1" noChangeAspect="1"/>
+          </p:cNvSpPr>
+          <p:nvPr>
+            <p:ph type="sldImg"/>
+          </p:nvPr>
+        </p:nvSpPr>
+        <p:spPr/>
+      </p:sp>
+      <p:sp>
+        <p:nvSpPr>
+          <p:cNvPr id="3" name="Notes Placeholder 2"/>
+          <p:cNvSpPr>
+            <a:spLocks noGrp="1"/>
+          </p:cNvSpPr>
+          <p:nvPr>
+            <p:ph type="body" idx="1"/>
+          </p:nvPr>
+        </p:nvSpPr>
+        <p:spPr/>
         <p:txBody>
           <a:bodyPr/>
           <a:lstStyle/>
           <a:p>
-            <a:fld id="{4C3F7F00-57E9-1F47-BD77-D70201B2D4B4}" type="slidenum">
-              <a:rPr lang="en-US" altLang="en-US"/>
-              <a:pPr/>
-              <a:t>12</a:t>
-            </a:fld>
-            <a:endParaRPr lang="en-US" altLang="en-US"/>
-          </a:p>
-        </p:txBody>
-      </p:sp>
-      <p:sp>
-        <p:nvSpPr>
-          <p:cNvPr id="700418" name="Rectangle 2">
-            <a:extLst>
-              <a:ext uri="{FF2B5EF4-FFF2-40B4-BE49-F238E27FC236}">
-                <a16:creationId xmlns:a16="http://schemas.microsoft.com/office/drawing/2014/main" id="{1E3462DE-3F5F-2A46-AC25-70FE7682D385}"/>
-              </a:ext>
-            </a:extLst>
-          </p:cNvPr>
-          <p:cNvSpPr>
-            <a:spLocks noGrp="1" noRot="1" noChangeAspect="1" noChangeArrowheads="1" noTextEdit="1"/>
-          </p:cNvSpPr>
-          <p:nvPr>
-            <p:ph type="sldImg"/>
-          </p:nvPr>
-        </p:nvSpPr>
-        <p:spPr>
-          <a:ln/>
-        </p:spPr>
-      </p:sp>
-      <p:sp>
-        <p:nvSpPr>
-          <p:cNvPr id="700419" name="Rectangle 3">
-            <a:extLst>
-              <a:ext uri="{FF2B5EF4-FFF2-40B4-BE49-F238E27FC236}">
-                <a16:creationId xmlns:a16="http://schemas.microsoft.com/office/drawing/2014/main" id="{0C4D6953-F34E-0F44-B0B7-9BB17031B32A}"/>
-              </a:ext>
-            </a:extLst>
-          </p:cNvPr>
-          <p:cNvSpPr>
-            <a:spLocks noGrp="1" noChangeArrowheads="1"/>
-          </p:cNvSpPr>
-          <p:nvPr>
-            <p:ph type="body" idx="1"/>
+            <a:endParaRPr lang="en-US" dirty="0"/>
+          </a:p>
+        </p:txBody>
+      </p:sp>
+      <p:sp>
+        <p:nvSpPr>
+          <p:cNvPr id="4" name="Slide Number Placeholder 3"/>
+          <p:cNvSpPr>
+            <a:spLocks noGrp="1"/>
+          </p:cNvSpPr>
+          <p:nvPr>
+            <p:ph type="sldNum" sz="quarter" idx="5"/>
           </p:nvPr>
         </p:nvSpPr>
         <p:spPr/>
@@ -1306,14 +1385,18 @@
           <a:bodyPr/>
           <a:lstStyle/>
           <a:p>
-            <a:endParaRPr lang="en-US" altLang="en-US"/>
+            <a:fld id="{A5379886-461D-DD47-9D0C-6C305824B494}" type="slidenum">
+              <a:rPr lang="en-US" smtClean="0"/>
+              <a:t>15</a:t>
+            </a:fld>
+            <a:endParaRPr lang="en-US"/>
           </a:p>
         </p:txBody>
       </p:sp>
     </p:spTree>
     <p:extLst>
       <p:ext uri="{BB962C8B-B14F-4D97-AF65-F5344CB8AC3E}">
-        <p14:creationId xmlns:p14="http://schemas.microsoft.com/office/powerpoint/2010/main" val="643332482"/>
+        <p14:creationId xmlns:p14="http://schemas.microsoft.com/office/powerpoint/2010/main" val="3005503062"/>
       </p:ext>
     </p:extLst>
   </p:cSld>
@@ -1345,7 +1428,7 @@
           <p:cNvPr id="4" name="Rectangle 7">
             <a:extLst>
               <a:ext uri="{FF2B5EF4-FFF2-40B4-BE49-F238E27FC236}">
-                <a16:creationId xmlns:a16="http://schemas.microsoft.com/office/drawing/2014/main" id="{25E7D70E-2CF9-0E41-B653-62989EACBB99}"/>
+                <a16:creationId xmlns:a16="http://schemas.microsoft.com/office/drawing/2014/main" id="{DFD3B0AF-1429-674A-AFC6-D6C694AE17C5}"/>
               </a:ext>
             </a:extLst>
           </p:cNvPr>
@@ -1363,10 +1446,10 @@
           <a:bodyPr/>
           <a:lstStyle/>
           <a:p>
-            <a:fld id="{3147B38A-6FD7-7549-A3B4-9082FBFE324A}" type="slidenum">
+            <a:fld id="{4C3F7F00-57E9-1F47-BD77-D70201B2D4B4}" type="slidenum">
               <a:rPr lang="en-US" altLang="en-US"/>
               <a:pPr/>
-              <a:t>13</a:t>
+              <a:t>16</a:t>
             </a:fld>
             <a:endParaRPr lang="en-US" altLang="en-US"/>
           </a:p>
@@ -1374,10 +1457,10 @@
       </p:sp>
       <p:sp>
         <p:nvSpPr>
-          <p:cNvPr id="702466" name="Rectangle 2">
-            <a:extLst>
-              <a:ext uri="{FF2B5EF4-FFF2-40B4-BE49-F238E27FC236}">
-                <a16:creationId xmlns:a16="http://schemas.microsoft.com/office/drawing/2014/main" id="{13F37A5B-AA06-1644-BAE7-36A263543330}"/>
+          <p:cNvPr id="700418" name="Rectangle 2">
+            <a:extLst>
+              <a:ext uri="{FF2B5EF4-FFF2-40B4-BE49-F238E27FC236}">
+                <a16:creationId xmlns:a16="http://schemas.microsoft.com/office/drawing/2014/main" id="{1E3462DE-3F5F-2A46-AC25-70FE7682D385}"/>
               </a:ext>
             </a:extLst>
           </p:cNvPr>
@@ -1394,10 +1477,10 @@
       </p:sp>
       <p:sp>
         <p:nvSpPr>
-          <p:cNvPr id="702467" name="Rectangle 3">
-            <a:extLst>
-              <a:ext uri="{FF2B5EF4-FFF2-40B4-BE49-F238E27FC236}">
-                <a16:creationId xmlns:a16="http://schemas.microsoft.com/office/drawing/2014/main" id="{9DDC884E-30D9-AC4D-B03F-65EB76C497AE}"/>
+          <p:cNvPr id="700419" name="Rectangle 3">
+            <a:extLst>
+              <a:ext uri="{FF2B5EF4-FFF2-40B4-BE49-F238E27FC236}">
+                <a16:creationId xmlns:a16="http://schemas.microsoft.com/office/drawing/2014/main" id="{0C4D6953-F34E-0F44-B0B7-9BB17031B32A}"/>
               </a:ext>
             </a:extLst>
           </p:cNvPr>
@@ -1418,6 +1501,11 @@
         </p:txBody>
       </p:sp>
     </p:spTree>
+    <p:extLst>
+      <p:ext uri="{BB962C8B-B14F-4D97-AF65-F5344CB8AC3E}">
+        <p14:creationId xmlns:p14="http://schemas.microsoft.com/office/powerpoint/2010/main" val="643332482"/>
+      </p:ext>
+    </p:extLst>
   </p:cSld>
   <p:clrMapOvr>
     <a:masterClrMapping/>
@@ -1447,7 +1535,7 @@
           <p:cNvPr id="4" name="Rectangle 7">
             <a:extLst>
               <a:ext uri="{FF2B5EF4-FFF2-40B4-BE49-F238E27FC236}">
-                <a16:creationId xmlns:a16="http://schemas.microsoft.com/office/drawing/2014/main" id="{A0A9697B-97E6-9D47-9C2D-58FCAC0F8AE0}"/>
+                <a16:creationId xmlns:a16="http://schemas.microsoft.com/office/drawing/2014/main" id="{25E7D70E-2CF9-0E41-B653-62989EACBB99}"/>
               </a:ext>
             </a:extLst>
           </p:cNvPr>
@@ -1465,10 +1553,10 @@
           <a:bodyPr/>
           <a:lstStyle/>
           <a:p>
-            <a:fld id="{94DE0AC2-156F-274E-B0B1-352B56D2F946}" type="slidenum">
+            <a:fld id="{3147B38A-6FD7-7549-A3B4-9082FBFE324A}" type="slidenum">
               <a:rPr lang="en-US" altLang="en-US"/>
               <a:pPr/>
-              <a:t>14</a:t>
+              <a:t>17</a:t>
             </a:fld>
             <a:endParaRPr lang="en-US" altLang="en-US"/>
           </a:p>
@@ -1476,10 +1564,10 @@
       </p:sp>
       <p:sp>
         <p:nvSpPr>
-          <p:cNvPr id="704514" name="Rectangle 2">
-            <a:extLst>
-              <a:ext uri="{FF2B5EF4-FFF2-40B4-BE49-F238E27FC236}">
-                <a16:creationId xmlns:a16="http://schemas.microsoft.com/office/drawing/2014/main" id="{7066F1D1-456F-1C49-8535-3F9F97C22BD9}"/>
+          <p:cNvPr id="702466" name="Rectangle 2">
+            <a:extLst>
+              <a:ext uri="{FF2B5EF4-FFF2-40B4-BE49-F238E27FC236}">
+                <a16:creationId xmlns:a16="http://schemas.microsoft.com/office/drawing/2014/main" id="{13F37A5B-AA06-1644-BAE7-36A263543330}"/>
               </a:ext>
             </a:extLst>
           </p:cNvPr>
@@ -1496,10 +1584,10 @@
       </p:sp>
       <p:sp>
         <p:nvSpPr>
-          <p:cNvPr id="704515" name="Rectangle 3">
-            <a:extLst>
-              <a:ext uri="{FF2B5EF4-FFF2-40B4-BE49-F238E27FC236}">
-                <a16:creationId xmlns:a16="http://schemas.microsoft.com/office/drawing/2014/main" id="{29609ACB-B7C3-7840-B543-2EA5CAA0EFD8}"/>
+          <p:cNvPr id="702467" name="Rectangle 3">
+            <a:extLst>
+              <a:ext uri="{FF2B5EF4-FFF2-40B4-BE49-F238E27FC236}">
+                <a16:creationId xmlns:a16="http://schemas.microsoft.com/office/drawing/2014/main" id="{9DDC884E-30D9-AC4D-B03F-65EB76C497AE}"/>
               </a:ext>
             </a:extLst>
           </p:cNvPr>
@@ -1549,7 +1637,7 @@
           <p:cNvPr id="4" name="Rectangle 7">
             <a:extLst>
               <a:ext uri="{FF2B5EF4-FFF2-40B4-BE49-F238E27FC236}">
-                <a16:creationId xmlns:a16="http://schemas.microsoft.com/office/drawing/2014/main" id="{06229B3C-7739-6948-A833-E76C6591F3FA}"/>
+                <a16:creationId xmlns:a16="http://schemas.microsoft.com/office/drawing/2014/main" id="{A0A9697B-97E6-9D47-9C2D-58FCAC0F8AE0}"/>
               </a:ext>
             </a:extLst>
           </p:cNvPr>
@@ -1567,10 +1655,10 @@
           <a:bodyPr/>
           <a:lstStyle/>
           <a:p>
-            <a:fld id="{563F0662-656F-1940-B96D-216931034875}" type="slidenum">
+            <a:fld id="{94DE0AC2-156F-274E-B0B1-352B56D2F946}" type="slidenum">
               <a:rPr lang="en-US" altLang="en-US"/>
               <a:pPr/>
-              <a:t>15</a:t>
+              <a:t>18</a:t>
             </a:fld>
             <a:endParaRPr lang="en-US" altLang="en-US"/>
           </a:p>
@@ -1578,10 +1666,10 @@
       </p:sp>
       <p:sp>
         <p:nvSpPr>
-          <p:cNvPr id="740354" name="Rectangle 2">
-            <a:extLst>
-              <a:ext uri="{FF2B5EF4-FFF2-40B4-BE49-F238E27FC236}">
-                <a16:creationId xmlns:a16="http://schemas.microsoft.com/office/drawing/2014/main" id="{AA14A94B-696C-794A-857B-8F3B54A0AE35}"/>
+          <p:cNvPr id="704514" name="Rectangle 2">
+            <a:extLst>
+              <a:ext uri="{FF2B5EF4-FFF2-40B4-BE49-F238E27FC236}">
+                <a16:creationId xmlns:a16="http://schemas.microsoft.com/office/drawing/2014/main" id="{7066F1D1-456F-1C49-8535-3F9F97C22BD9}"/>
               </a:ext>
             </a:extLst>
           </p:cNvPr>
@@ -1598,10 +1686,10 @@
       </p:sp>
       <p:sp>
         <p:nvSpPr>
-          <p:cNvPr id="740355" name="Rectangle 3">
-            <a:extLst>
-              <a:ext uri="{FF2B5EF4-FFF2-40B4-BE49-F238E27FC236}">
-                <a16:creationId xmlns:a16="http://schemas.microsoft.com/office/drawing/2014/main" id="{BF9C3D28-65F1-1E4B-B48B-6A8D03BABC30}"/>
+          <p:cNvPr id="704515" name="Rectangle 3">
+            <a:extLst>
+              <a:ext uri="{FF2B5EF4-FFF2-40B4-BE49-F238E27FC236}">
+                <a16:creationId xmlns:a16="http://schemas.microsoft.com/office/drawing/2014/main" id="{29609ACB-B7C3-7840-B543-2EA5CAA0EFD8}"/>
               </a:ext>
             </a:extLst>
           </p:cNvPr>
@@ -1651,7 +1739,7 @@
           <p:cNvPr id="4" name="Rectangle 7">
             <a:extLst>
               <a:ext uri="{FF2B5EF4-FFF2-40B4-BE49-F238E27FC236}">
-                <a16:creationId xmlns:a16="http://schemas.microsoft.com/office/drawing/2014/main" id="{1808BF38-2E27-E14E-AA84-1DFB3356F819}"/>
+                <a16:creationId xmlns:a16="http://schemas.microsoft.com/office/drawing/2014/main" id="{06229B3C-7739-6948-A833-E76C6591F3FA}"/>
               </a:ext>
             </a:extLst>
           </p:cNvPr>
@@ -1669,10 +1757,10 @@
           <a:bodyPr/>
           <a:lstStyle/>
           <a:p>
-            <a:fld id="{3EA2A005-DBF8-EC41-913D-D19B735BD189}" type="slidenum">
+            <a:fld id="{563F0662-656F-1940-B96D-216931034875}" type="slidenum">
               <a:rPr lang="en-US" altLang="en-US"/>
               <a:pPr/>
-              <a:t>16</a:t>
+              <a:t>19</a:t>
             </a:fld>
             <a:endParaRPr lang="en-US" altLang="en-US"/>
           </a:p>
@@ -1680,10 +1768,10 @@
       </p:sp>
       <p:sp>
         <p:nvSpPr>
-          <p:cNvPr id="738306" name="Rectangle 2">
-            <a:extLst>
-              <a:ext uri="{FF2B5EF4-FFF2-40B4-BE49-F238E27FC236}">
-                <a16:creationId xmlns:a16="http://schemas.microsoft.com/office/drawing/2014/main" id="{02379353-00EA-634F-9E34-143880A2C41F}"/>
+          <p:cNvPr id="740354" name="Rectangle 2">
+            <a:extLst>
+              <a:ext uri="{FF2B5EF4-FFF2-40B4-BE49-F238E27FC236}">
+                <a16:creationId xmlns:a16="http://schemas.microsoft.com/office/drawing/2014/main" id="{AA14A94B-696C-794A-857B-8F3B54A0AE35}"/>
               </a:ext>
             </a:extLst>
           </p:cNvPr>
@@ -1700,10 +1788,10 @@
       </p:sp>
       <p:sp>
         <p:nvSpPr>
-          <p:cNvPr id="738307" name="Rectangle 3">
-            <a:extLst>
-              <a:ext uri="{FF2B5EF4-FFF2-40B4-BE49-F238E27FC236}">
-                <a16:creationId xmlns:a16="http://schemas.microsoft.com/office/drawing/2014/main" id="{8F7A950E-6293-9044-809C-02E682EFABB5}"/>
+          <p:cNvPr id="740355" name="Rectangle 3">
+            <a:extLst>
+              <a:ext uri="{FF2B5EF4-FFF2-40B4-BE49-F238E27FC236}">
+                <a16:creationId xmlns:a16="http://schemas.microsoft.com/office/drawing/2014/main" id="{BF9C3D28-65F1-1E4B-B48B-6A8D03BABC30}"/>
               </a:ext>
             </a:extLst>
           </p:cNvPr>
@@ -1753,7 +1841,7 @@
           <p:cNvPr id="4" name="Rectangle 7">
             <a:extLst>
               <a:ext uri="{FF2B5EF4-FFF2-40B4-BE49-F238E27FC236}">
-                <a16:creationId xmlns:a16="http://schemas.microsoft.com/office/drawing/2014/main" id="{A22713C1-3DC6-B348-A960-07E077D0EEB0}"/>
+                <a16:creationId xmlns:a16="http://schemas.microsoft.com/office/drawing/2014/main" id="{1808BF38-2E27-E14E-AA84-1DFB3356F819}"/>
               </a:ext>
             </a:extLst>
           </p:cNvPr>
@@ -1771,10 +1859,10 @@
           <a:bodyPr/>
           <a:lstStyle/>
           <a:p>
-            <a:fld id="{AA0E2D05-E339-704D-AC16-F0E81B4CFB3C}" type="slidenum">
+            <a:fld id="{3EA2A005-DBF8-EC41-913D-D19B735BD189}" type="slidenum">
               <a:rPr lang="en-US" altLang="en-US"/>
               <a:pPr/>
-              <a:t>17</a:t>
+              <a:t>20</a:t>
             </a:fld>
             <a:endParaRPr lang="en-US" altLang="en-US"/>
           </a:p>
@@ -1782,10 +1870,10 @@
       </p:sp>
       <p:sp>
         <p:nvSpPr>
-          <p:cNvPr id="730114" name="Rectangle 2">
-            <a:extLst>
-              <a:ext uri="{FF2B5EF4-FFF2-40B4-BE49-F238E27FC236}">
-                <a16:creationId xmlns:a16="http://schemas.microsoft.com/office/drawing/2014/main" id="{76C03427-FF1E-C64F-856E-B830ED0FAA73}"/>
+          <p:cNvPr id="738306" name="Rectangle 2">
+            <a:extLst>
+              <a:ext uri="{FF2B5EF4-FFF2-40B4-BE49-F238E27FC236}">
+                <a16:creationId xmlns:a16="http://schemas.microsoft.com/office/drawing/2014/main" id="{02379353-00EA-634F-9E34-143880A2C41F}"/>
               </a:ext>
             </a:extLst>
           </p:cNvPr>
@@ -1802,10 +1890,10 @@
       </p:sp>
       <p:sp>
         <p:nvSpPr>
-          <p:cNvPr id="730115" name="Rectangle 3">
-            <a:extLst>
-              <a:ext uri="{FF2B5EF4-FFF2-40B4-BE49-F238E27FC236}">
-                <a16:creationId xmlns:a16="http://schemas.microsoft.com/office/drawing/2014/main" id="{AE1BFE86-AB3A-BB45-AED5-D9A4D5CABCBD}"/>
+          <p:cNvPr id="738307" name="Rectangle 3">
+            <a:extLst>
+              <a:ext uri="{FF2B5EF4-FFF2-40B4-BE49-F238E27FC236}">
+                <a16:creationId xmlns:a16="http://schemas.microsoft.com/office/drawing/2014/main" id="{8F7A950E-6293-9044-809C-02E682EFABB5}"/>
               </a:ext>
             </a:extLst>
           </p:cNvPr>
@@ -1855,7 +1943,7 @@
           <p:cNvPr id="4" name="Rectangle 7">
             <a:extLst>
               <a:ext uri="{FF2B5EF4-FFF2-40B4-BE49-F238E27FC236}">
-                <a16:creationId xmlns:a16="http://schemas.microsoft.com/office/drawing/2014/main" id="{D6FE870E-3532-5B4A-822C-88357790874F}"/>
+                <a16:creationId xmlns:a16="http://schemas.microsoft.com/office/drawing/2014/main" id="{A22713C1-3DC6-B348-A960-07E077D0EEB0}"/>
               </a:ext>
             </a:extLst>
           </p:cNvPr>
@@ -1873,10 +1961,10 @@
           <a:bodyPr/>
           <a:lstStyle/>
           <a:p>
-            <a:fld id="{67B7EF8A-9D59-DB4C-A253-D70D0263A994}" type="slidenum">
+            <a:fld id="{AA0E2D05-E339-704D-AC16-F0E81B4CFB3C}" type="slidenum">
               <a:rPr lang="en-US" altLang="en-US"/>
               <a:pPr/>
-              <a:t>18</a:t>
+              <a:t>21</a:t>
             </a:fld>
             <a:endParaRPr lang="en-US" altLang="en-US"/>
           </a:p>
@@ -1884,10 +1972,10 @@
       </p:sp>
       <p:sp>
         <p:nvSpPr>
-          <p:cNvPr id="734210" name="Rectangle 2">
-            <a:extLst>
-              <a:ext uri="{FF2B5EF4-FFF2-40B4-BE49-F238E27FC236}">
-                <a16:creationId xmlns:a16="http://schemas.microsoft.com/office/drawing/2014/main" id="{05C3FA64-8DAD-6341-BC09-E8B67AB388A2}"/>
+          <p:cNvPr id="730114" name="Rectangle 2">
+            <a:extLst>
+              <a:ext uri="{FF2B5EF4-FFF2-40B4-BE49-F238E27FC236}">
+                <a16:creationId xmlns:a16="http://schemas.microsoft.com/office/drawing/2014/main" id="{76C03427-FF1E-C64F-856E-B830ED0FAA73}"/>
               </a:ext>
             </a:extLst>
           </p:cNvPr>
@@ -1904,10 +1992,10 @@
       </p:sp>
       <p:sp>
         <p:nvSpPr>
-          <p:cNvPr id="734211" name="Rectangle 3">
-            <a:extLst>
-              <a:ext uri="{FF2B5EF4-FFF2-40B4-BE49-F238E27FC236}">
-                <a16:creationId xmlns:a16="http://schemas.microsoft.com/office/drawing/2014/main" id="{3912373E-FB99-F84E-96C3-D88E6C440621}"/>
+          <p:cNvPr id="730115" name="Rectangle 3">
+            <a:extLst>
+              <a:ext uri="{FF2B5EF4-FFF2-40B4-BE49-F238E27FC236}">
+                <a16:creationId xmlns:a16="http://schemas.microsoft.com/office/drawing/2014/main" id="{AE1BFE86-AB3A-BB45-AED5-D9A4D5CABCBD}"/>
               </a:ext>
             </a:extLst>
           </p:cNvPr>
@@ -5315,7 +5403,14 @@
           <a:p>
             <a:r>
               <a:rPr lang="en-US" dirty="0"/>
-              <a:t>This is a hugely important topic (invariant discovery)</a:t>
+              <a:t>This is a hugely important topic (inductive invariant discovery)</a:t>
+            </a:r>
+          </a:p>
+          <a:p>
+            <a:pPr lvl="1"/>
+            <a:r>
+              <a:rPr lang="en-US" dirty="0"/>
+              <a:t>Then you can do program-proofs by walking each path or transition rule!</a:t>
             </a:r>
           </a:p>
         </p:txBody>
@@ -5352,45 +5447,15 @@
       </p:grpSpPr>
       <p:sp>
         <p:nvSpPr>
-          <p:cNvPr id="4" name="Slide Number Placeholder 4">
-            <a:extLst>
-              <a:ext uri="{FF2B5EF4-FFF2-40B4-BE49-F238E27FC236}">
-                <a16:creationId xmlns:a16="http://schemas.microsoft.com/office/drawing/2014/main" id="{6296EA76-AB68-B84D-A109-7C639DB92F8F}"/>
+          <p:cNvPr id="2" name="Title 1">
+            <a:extLst>
+              <a:ext uri="{FF2B5EF4-FFF2-40B4-BE49-F238E27FC236}">
+                <a16:creationId xmlns:a16="http://schemas.microsoft.com/office/drawing/2014/main" id="{F96E97B3-2C5D-8F4C-ABC1-15F5792B0D21}"/>
               </a:ext>
             </a:extLst>
           </p:cNvPr>
           <p:cNvSpPr>
             <a:spLocks noGrp="1"/>
-          </p:cNvSpPr>
-          <p:nvPr>
-            <p:ph type="sldNum" sz="quarter" idx="11"/>
-          </p:nvPr>
-        </p:nvSpPr>
-        <p:spPr/>
-        <p:txBody>
-          <a:bodyPr/>
-          <a:lstStyle/>
-          <a:p>
-            <a:fld id="{CCC4F333-A19A-F144-B508-5CE24EDBF3DA}" type="slidenum">
-              <a:rPr lang="en-US" altLang="en-US"/>
-              <a:pPr/>
-              <a:t>12</a:t>
-            </a:fld>
-            <a:endParaRPr lang="en-US" altLang="en-US"/>
-          </a:p>
-        </p:txBody>
-      </p:sp>
-      <p:sp>
-        <p:nvSpPr>
-          <p:cNvPr id="699394" name="Rectangle 2">
-            <a:extLst>
-              <a:ext uri="{FF2B5EF4-FFF2-40B4-BE49-F238E27FC236}">
-                <a16:creationId xmlns:a16="http://schemas.microsoft.com/office/drawing/2014/main" id="{D46078FD-8BDE-9E44-AB06-0BC98CE04462}"/>
-              </a:ext>
-            </a:extLst>
-          </p:cNvPr>
-          <p:cNvSpPr>
-            <a:spLocks noGrp="1" noChangeArrowheads="1"/>
           </p:cNvSpPr>
           <p:nvPr>
             <p:ph type="title"/>
@@ -5404,298 +5469,113 @@
           <a:lstStyle/>
           <a:p>
             <a:r>
-              <a:rPr lang="en-US" altLang="en-US" sz="2800" dirty="0"/>
-              <a:t>Let us understand how we may safely transform such rule-based specifications. The first few will be warmups. Then the real thing!</a:t>
-            </a:r>
-          </a:p>
-        </p:txBody>
-      </p:sp>
-      <p:sp>
-        <p:nvSpPr>
-          <p:cNvPr id="699395" name="Rectangle 3">
-            <a:extLst>
-              <a:ext uri="{FF2B5EF4-FFF2-40B4-BE49-F238E27FC236}">
-                <a16:creationId xmlns:a16="http://schemas.microsoft.com/office/drawing/2014/main" id="{B70A545D-29E9-7448-8BBE-150411B63BD6}"/>
-              </a:ext>
-            </a:extLst>
-          </p:cNvPr>
-          <p:cNvSpPr>
-            <a:spLocks noGrp="1" noChangeArrowheads="1"/>
-          </p:cNvSpPr>
-          <p:nvPr>
-            <p:ph type="body" idx="1"/>
-          </p:nvPr>
-        </p:nvSpPr>
-        <p:spPr>
-          <a:xfrm>
-            <a:off x="2090738" y="1752600"/>
-            <a:ext cx="8272462" cy="4572000"/>
-          </a:xfrm>
-        </p:spPr>
-        <p:txBody>
-          <a:bodyPr>
-            <a:normAutofit fontScale="85000" lnSpcReduction="20000"/>
-          </a:bodyPr>
+              <a:rPr lang="en-US" dirty="0"/>
+              <a:t>Invariants, Inductive Invariants</a:t>
+            </a:r>
+          </a:p>
+        </p:txBody>
+      </p:sp>
+      <p:sp>
+        <p:nvSpPr>
+          <p:cNvPr id="3" name="Content Placeholder 2">
+            <a:extLst>
+              <a:ext uri="{FF2B5EF4-FFF2-40B4-BE49-F238E27FC236}">
+                <a16:creationId xmlns:a16="http://schemas.microsoft.com/office/drawing/2014/main" id="{1B2D6E47-6420-E14E-A250-77D0D086413B}"/>
+              </a:ext>
+            </a:extLst>
+          </p:cNvPr>
+          <p:cNvSpPr>
+            <a:spLocks noGrp="1"/>
+          </p:cNvSpPr>
+          <p:nvPr>
+            <p:ph idx="1"/>
+          </p:nvPr>
+        </p:nvSpPr>
+        <p:spPr/>
+        <p:txBody>
+          <a:bodyPr/>
           <a:lstStyle/>
           <a:p>
-            <a:pPr>
-              <a:lnSpc>
-                <a:spcPct val="100000"/>
-              </a:lnSpc>
-            </a:pPr>
-            <a:r>
-              <a:rPr lang="en-US" altLang="en-US" sz="1900" dirty="0"/>
-              <a:t>Observation: </a:t>
-            </a:r>
-            <a:r>
-              <a:rPr lang="en-US" altLang="en-US" sz="1900" dirty="0">
-                <a:solidFill>
-                  <a:srgbClr val="FF0000"/>
-                </a:solidFill>
-              </a:rPr>
-              <a:t>Weakening a guard is sound</a:t>
-            </a:r>
-          </a:p>
-          <a:p>
-            <a:pPr>
-              <a:lnSpc>
-                <a:spcPct val="100000"/>
-              </a:lnSpc>
-            </a:pPr>
-            <a:r>
-              <a:rPr lang="en-US" altLang="en-US" sz="1900" dirty="0"/>
-              <a:t>Suppose we add a disjunct as below (Cond1) and still manage to show that P is an invariant, then without adding Cond1, the result must still hold</a:t>
-            </a:r>
-          </a:p>
-          <a:p>
-            <a:pPr lvl="1">
-              <a:lnSpc>
-                <a:spcPct val="100000"/>
-              </a:lnSpc>
-              <a:buFont typeface="Wingdings" pitchFamily="2" charset="2"/>
-              <a:buNone/>
-            </a:pPr>
-            <a:r>
-              <a:rPr lang="en-US" altLang="en-US" sz="2000" b="1" dirty="0"/>
-              <a:t>Rule1:  g1 \/ </a:t>
-            </a:r>
-            <a:r>
-              <a:rPr lang="en-US" altLang="en-US" sz="2000" b="1" dirty="0">
-                <a:solidFill>
-                  <a:srgbClr val="0000FF"/>
-                </a:solidFill>
-              </a:rPr>
-              <a:t>Cond1</a:t>
-            </a:r>
-            <a:r>
-              <a:rPr lang="en-US" altLang="en-US" sz="2000" b="1" dirty="0"/>
-              <a:t> </a:t>
-            </a:r>
-            <a:r>
-              <a:rPr lang="en-US" altLang="en-US" sz="2000" b="1" dirty="0">
+            <a:r>
+              <a:rPr lang="en-US" dirty="0"/>
+              <a:t>Consider the transition system</a:t>
+            </a:r>
+          </a:p>
+          <a:p>
+            <a:pPr lvl="1"/>
+            <a:r>
+              <a:rPr lang="en-US" dirty="0"/>
+              <a:t>Init : X == 1  (X is an int var … i.e. +, 0, - )</a:t>
+            </a:r>
+          </a:p>
+          <a:p>
+            <a:pPr lvl="1"/>
+            <a:r>
+              <a:rPr lang="en-US" dirty="0"/>
+              <a:t>Tr1 :  true </a:t>
+            </a:r>
+            <a:r>
+              <a:rPr lang="en-US" dirty="0">
                 <a:sym typeface="Wingdings" pitchFamily="2" charset="2"/>
               </a:rPr>
-              <a:t>==&gt; a1</a:t>
-            </a:r>
-          </a:p>
-          <a:p>
-            <a:pPr lvl="1">
-              <a:lnSpc>
-                <a:spcPct val="100000"/>
-              </a:lnSpc>
-              <a:buFont typeface="Wingdings" pitchFamily="2" charset="2"/>
-              <a:buNone/>
-            </a:pPr>
-            <a:r>
-              <a:rPr lang="en-US" altLang="en-US" sz="2000" b="1" dirty="0">
+              <a:t> x += 2</a:t>
+            </a:r>
+          </a:p>
+          <a:p>
+            <a:pPr lvl="1"/>
+            <a:r>
+              <a:rPr lang="en-US" dirty="0">
                 <a:sym typeface="Wingdings" pitchFamily="2" charset="2"/>
               </a:rPr>
-              <a:t>Rule2:  g2 ==&gt; a2</a:t>
-            </a:r>
-          </a:p>
-          <a:p>
-            <a:pPr lvl="1">
-              <a:lnSpc>
-                <a:spcPct val="100000"/>
-              </a:lnSpc>
-              <a:buFont typeface="Wingdings" pitchFamily="2" charset="2"/>
-              <a:buNone/>
-            </a:pPr>
-            <a:r>
-              <a:rPr lang="en-US" altLang="en-US" sz="2000" b="1" dirty="0">
+              <a:t>Tr2 : true =&gt; x += 3</a:t>
+            </a:r>
+          </a:p>
+          <a:p>
+            <a:pPr lvl="1"/>
+            <a:r>
+              <a:rPr lang="en-US" dirty="0">
                 <a:sym typeface="Wingdings" pitchFamily="2" charset="2"/>
               </a:rPr>
-              <a:t>Invariant P</a:t>
-            </a:r>
-          </a:p>
-          <a:p>
-            <a:pPr lvl="1">
-              <a:lnSpc>
-                <a:spcPct val="100000"/>
-              </a:lnSpc>
-              <a:buFont typeface="Wingdings" pitchFamily="2" charset="2"/>
-              <a:buNone/>
-            </a:pPr>
-            <a:endParaRPr lang="en-US" altLang="en-US" sz="2000" b="1" dirty="0">
-              <a:sym typeface="Wingdings" pitchFamily="2" charset="2"/>
-            </a:endParaRPr>
-          </a:p>
-          <a:p>
-            <a:pPr>
-              <a:lnSpc>
-                <a:spcPct val="100000"/>
-              </a:lnSpc>
-            </a:pPr>
-            <a:r>
-              <a:rPr lang="en-US" altLang="en-US" sz="1900" dirty="0">
+              <a:t>An invariant is x != 0</a:t>
+            </a:r>
+          </a:p>
+          <a:p>
+            <a:pPr lvl="1"/>
+            <a:r>
+              <a:rPr lang="en-US" dirty="0">
                 <a:sym typeface="Wingdings" pitchFamily="2" charset="2"/>
               </a:rPr>
-              <a:t>Reason: Rule1 fires more often with Cond1 added!</a:t>
-            </a:r>
-            <a:endParaRPr lang="en-US" altLang="en-US" sz="1900" dirty="0">
-              <a:solidFill>
-                <a:srgbClr val="0000FF"/>
-              </a:solidFill>
-              <a:sym typeface="Wingdings" pitchFamily="2" charset="2"/>
-            </a:endParaRPr>
-          </a:p>
-          <a:p>
-            <a:pPr>
-              <a:lnSpc>
-                <a:spcPct val="100000"/>
-              </a:lnSpc>
-            </a:pPr>
-            <a:r>
-              <a:rPr lang="en-US" altLang="en-US" sz="1900" dirty="0">
-                <a:solidFill>
-                  <a:srgbClr val="FF0000"/>
-                </a:solidFill>
+              <a:t>But is it inductive?</a:t>
+            </a:r>
+          </a:p>
+          <a:p>
+            <a:pPr lvl="2"/>
+            <a:r>
+              <a:rPr lang="en-US" dirty="0">
                 <a:sym typeface="Wingdings" pitchFamily="2" charset="2"/>
               </a:rPr>
-              <a:t>May get false alarms (</a:t>
-            </a:r>
-            <a:r>
-              <a:rPr lang="en-US" altLang="en-US" sz="1900" b="1" dirty="0">
-                <a:solidFill>
-                  <a:srgbClr val="FF0000"/>
-                </a:solidFill>
+              <a:t>(X != 0) ==?==Tr1 (X!=0) ?</a:t>
+            </a:r>
+          </a:p>
+          <a:p>
+            <a:pPr lvl="2"/>
+            <a:r>
+              <a:rPr lang="en-US" dirty="0">
                 <a:sym typeface="Wingdings" pitchFamily="2" charset="2"/>
               </a:rPr>
-              <a:t>P</a:t>
-            </a:r>
-            <a:r>
-              <a:rPr lang="en-US" altLang="en-US" sz="1900" dirty="0">
-                <a:solidFill>
-                  <a:srgbClr val="FF0000"/>
-                </a:solidFill>
-                <a:sym typeface="Wingdings" pitchFamily="2" charset="2"/>
-              </a:rPr>
-              <a:t> may fail if Rule1 fires spuriously)</a:t>
-            </a:r>
-          </a:p>
-          <a:p>
-            <a:pPr>
-              <a:lnSpc>
-                <a:spcPct val="100000"/>
-              </a:lnSpc>
-            </a:pPr>
-            <a:r>
-              <a:rPr lang="en-US" altLang="en-US" sz="1900" dirty="0">
-                <a:sym typeface="Wingdings" pitchFamily="2" charset="2"/>
-              </a:rPr>
-              <a:t>For many “weak properties” </a:t>
-            </a:r>
-            <a:r>
-              <a:rPr lang="en-US" altLang="en-US" sz="1900" b="1" dirty="0">
-                <a:sym typeface="Wingdings" pitchFamily="2" charset="2"/>
-              </a:rPr>
-              <a:t>P</a:t>
-            </a:r>
-            <a:r>
-              <a:rPr lang="en-US" altLang="en-US" sz="1900" dirty="0">
-                <a:sym typeface="Wingdings" pitchFamily="2" charset="2"/>
-              </a:rPr>
-              <a:t>, </a:t>
-            </a:r>
-            <a:r>
-              <a:rPr lang="en-US" altLang="en-US" sz="1900" dirty="0">
-                <a:solidFill>
-                  <a:srgbClr val="0432FF"/>
-                </a:solidFill>
-                <a:sym typeface="Wingdings" pitchFamily="2" charset="2"/>
-              </a:rPr>
-              <a:t>we can “get away” by guard weakening</a:t>
-            </a:r>
-            <a:endParaRPr lang="en-US" altLang="en-US" sz="1900" dirty="0">
-              <a:sym typeface="Wingdings" pitchFamily="2" charset="2"/>
-            </a:endParaRPr>
-          </a:p>
-          <a:p>
-            <a:pPr lvl="1">
-              <a:lnSpc>
-                <a:spcPct val="100000"/>
-              </a:lnSpc>
-            </a:pPr>
-            <a:r>
-              <a:rPr lang="en-US" altLang="en-US" sz="1700" dirty="0">
-                <a:sym typeface="Wingdings" pitchFamily="2" charset="2"/>
-              </a:rPr>
-              <a:t>This is a standard abstraction, first proposed by </a:t>
-            </a:r>
-            <a:r>
-              <a:rPr lang="en-US" altLang="en-US" sz="1700" dirty="0" err="1">
-                <a:sym typeface="Wingdings" pitchFamily="2" charset="2"/>
-              </a:rPr>
-              <a:t>Kurshan</a:t>
-            </a:r>
-            <a:r>
-              <a:rPr lang="en-US" altLang="en-US" sz="1700" dirty="0">
-                <a:sym typeface="Wingdings" pitchFamily="2" charset="2"/>
-              </a:rPr>
-              <a:t> (E.g. removing a module that is driving this module, letting inputs “dangle”)</a:t>
-            </a:r>
-          </a:p>
-          <a:p>
-            <a:pPr>
-              <a:lnSpc>
-                <a:spcPct val="100000"/>
-              </a:lnSpc>
-            </a:pPr>
-            <a:r>
-              <a:rPr lang="en-US" altLang="en-US" sz="2100" dirty="0">
-                <a:sym typeface="Wingdings" pitchFamily="2" charset="2"/>
-              </a:rPr>
-              <a:t>BUT in the CMP method, we won’t do this – </a:t>
-            </a:r>
-            <a:r>
-              <a:rPr lang="en-US" altLang="en-US" sz="2100" dirty="0">
-                <a:solidFill>
-                  <a:srgbClr val="FF0000"/>
-                </a:solidFill>
-                <a:sym typeface="Wingdings" pitchFamily="2" charset="2"/>
-              </a:rPr>
-              <a:t>rather we will do guard strengthening!</a:t>
-            </a:r>
-          </a:p>
-          <a:p>
-            <a:pPr>
-              <a:lnSpc>
-                <a:spcPct val="100000"/>
-              </a:lnSpc>
-            </a:pPr>
-            <a:r>
-              <a:rPr lang="en-US" altLang="en-US" sz="2100" dirty="0">
-                <a:sym typeface="Wingdings" pitchFamily="2" charset="2"/>
-              </a:rPr>
-              <a:t>Except it is useful to know this disjunction property in thinking about certain steps of CMP</a:t>
-            </a:r>
+              <a:t>(X != 0) ==?==Tr2 (X!=0)?</a:t>
+            </a:r>
+          </a:p>
+          <a:p>
+            <a:pPr lvl="2"/>
+            <a:endParaRPr lang="en-US" dirty="0"/>
           </a:p>
         </p:txBody>
       </p:sp>
     </p:spTree>
     <p:extLst>
       <p:ext uri="{BB962C8B-B14F-4D97-AF65-F5344CB8AC3E}">
-        <p14:creationId xmlns:p14="http://schemas.microsoft.com/office/powerpoint/2010/main" val="424985300"/>
+        <p14:creationId xmlns:p14="http://schemas.microsoft.com/office/powerpoint/2010/main" val="1449907937"/>
       </p:ext>
     </p:extLst>
   </p:cSld>
@@ -5724,10 +5604,10 @@
       </p:grpSpPr>
       <p:sp>
         <p:nvSpPr>
-          <p:cNvPr id="4" name="Slide Number Placeholder 4">
-            <a:extLst>
-              <a:ext uri="{FF2B5EF4-FFF2-40B4-BE49-F238E27FC236}">
-                <a16:creationId xmlns:a16="http://schemas.microsoft.com/office/drawing/2014/main" id="{54A14A4C-5F60-0C4C-AF58-6525AAC45326}"/>
+          <p:cNvPr id="2" name="Title 1">
+            <a:extLst>
+              <a:ext uri="{FF2B5EF4-FFF2-40B4-BE49-F238E27FC236}">
+                <a16:creationId xmlns:a16="http://schemas.microsoft.com/office/drawing/2014/main" id="{F96E97B3-2C5D-8F4C-ABC1-15F5792B0D21}"/>
               </a:ext>
             </a:extLst>
           </p:cNvPr>
@@ -5735,7 +5615,37 @@
             <a:spLocks noGrp="1"/>
           </p:cNvSpPr>
           <p:nvPr>
-            <p:ph type="sldNum" sz="quarter" idx="11"/>
+            <p:ph type="title"/>
+          </p:nvPr>
+        </p:nvSpPr>
+        <p:spPr/>
+        <p:txBody>
+          <a:bodyPr>
+            <a:normAutofit fontScale="90000"/>
+          </a:bodyPr>
+          <a:lstStyle/>
+          <a:p>
+            <a:r>
+              <a:rPr lang="en-US" dirty="0"/>
+              <a:t>Invariants, Inductive Invariants</a:t>
+            </a:r>
+          </a:p>
+        </p:txBody>
+      </p:sp>
+      <p:sp>
+        <p:nvSpPr>
+          <p:cNvPr id="3" name="Content Placeholder 2">
+            <a:extLst>
+              <a:ext uri="{FF2B5EF4-FFF2-40B4-BE49-F238E27FC236}">
+                <a16:creationId xmlns:a16="http://schemas.microsoft.com/office/drawing/2014/main" id="{1B2D6E47-6420-E14E-A250-77D0D086413B}"/>
+              </a:ext>
+            </a:extLst>
+          </p:cNvPr>
+          <p:cNvSpPr>
+            <a:spLocks noGrp="1"/>
+          </p:cNvSpPr>
+          <p:nvPr>
+            <p:ph idx="1"/>
           </p:nvPr>
         </p:nvSpPr>
         <p:spPr/>
@@ -5743,180 +5653,106 @@
           <a:bodyPr/>
           <a:lstStyle/>
           <a:p>
-            <a:fld id="{384077DD-362F-9248-93E9-EF8EE236B452}" type="slidenum">
-              <a:rPr lang="en-US" altLang="en-US"/>
-              <a:pPr/>
-              <a:t>13</a:t>
-            </a:fld>
-            <a:endParaRPr lang="en-US" altLang="en-US"/>
-          </a:p>
-        </p:txBody>
-      </p:sp>
-      <p:sp>
-        <p:nvSpPr>
-          <p:cNvPr id="701442" name="Rectangle 2">
-            <a:extLst>
-              <a:ext uri="{FF2B5EF4-FFF2-40B4-BE49-F238E27FC236}">
-                <a16:creationId xmlns:a16="http://schemas.microsoft.com/office/drawing/2014/main" id="{C30057A7-8E14-AD48-8028-32A1C5C082D8}"/>
-              </a:ext>
-            </a:extLst>
-          </p:cNvPr>
-          <p:cNvSpPr>
-            <a:spLocks noGrp="1" noChangeArrowheads="1"/>
-          </p:cNvSpPr>
-          <p:nvPr>
-            <p:ph type="title"/>
-          </p:nvPr>
-        </p:nvSpPr>
-        <p:spPr/>
-        <p:txBody>
-          <a:bodyPr>
-            <a:normAutofit/>
-          </a:bodyPr>
-          <a:lstStyle/>
-          <a:p>
-            <a:r>
-              <a:rPr lang="en-US" altLang="en-US" sz="3400" dirty="0"/>
-              <a:t>But… Guard Strengthening is, by itself, Unsound</a:t>
-            </a:r>
-          </a:p>
-        </p:txBody>
-      </p:sp>
-      <p:sp>
-        <p:nvSpPr>
-          <p:cNvPr id="701443" name="Rectangle 3">
-            <a:extLst>
-              <a:ext uri="{FF2B5EF4-FFF2-40B4-BE49-F238E27FC236}">
-                <a16:creationId xmlns:a16="http://schemas.microsoft.com/office/drawing/2014/main" id="{6B4784AC-2006-FD45-987D-B0BC370176B9}"/>
-              </a:ext>
-            </a:extLst>
-          </p:cNvPr>
-          <p:cNvSpPr>
-            <a:spLocks noGrp="1" noChangeArrowheads="1"/>
-          </p:cNvSpPr>
-          <p:nvPr>
-            <p:ph type="body" idx="1"/>
-          </p:nvPr>
-        </p:nvSpPr>
-        <p:spPr/>
-        <p:txBody>
-          <a:bodyPr/>
-          <a:lstStyle/>
-          <a:p>
-            <a:r>
-              <a:rPr lang="en-US" altLang="en-US" dirty="0"/>
-              <a:t>Strengthening a guard is not sound</a:t>
-            </a:r>
-          </a:p>
-          <a:p>
-            <a:pPr lvl="1">
-              <a:buFont typeface="Wingdings" pitchFamily="2" charset="2"/>
-              <a:buNone/>
-            </a:pPr>
-            <a:r>
-              <a:rPr lang="en-US" altLang="en-US" b="1" dirty="0"/>
-              <a:t>Rule1:  g1 /\ </a:t>
-            </a:r>
-            <a:r>
-              <a:rPr lang="en-US" altLang="en-US" b="1" dirty="0">
-                <a:solidFill>
-                  <a:srgbClr val="0000FF"/>
-                </a:solidFill>
-              </a:rPr>
-              <a:t>Cond1</a:t>
-            </a:r>
-            <a:r>
-              <a:rPr lang="en-US" altLang="en-US" b="1" dirty="0"/>
-              <a:t> </a:t>
-            </a:r>
-            <a:r>
-              <a:rPr lang="en-US" altLang="en-US" b="1" dirty="0">
+            <a:r>
+              <a:rPr lang="en-US" dirty="0"/>
+              <a:t>Consider the transition system</a:t>
+            </a:r>
+          </a:p>
+          <a:p>
+            <a:pPr lvl="1"/>
+            <a:r>
+              <a:rPr lang="en-US" dirty="0"/>
+              <a:t>Init : X == 1  (X is an int var … i.e. +, 0, - )</a:t>
+            </a:r>
+          </a:p>
+          <a:p>
+            <a:pPr lvl="1"/>
+            <a:r>
+              <a:rPr lang="en-US" dirty="0"/>
+              <a:t>Tr1 :  true </a:t>
+            </a:r>
+            <a:r>
+              <a:rPr lang="en-US" dirty="0">
                 <a:sym typeface="Wingdings" pitchFamily="2" charset="2"/>
               </a:rPr>
-              <a:t>==&gt; a1</a:t>
-            </a:r>
-          </a:p>
-          <a:p>
-            <a:pPr lvl="1">
-              <a:buFont typeface="Wingdings" pitchFamily="2" charset="2"/>
-              <a:buNone/>
-            </a:pPr>
-            <a:r>
-              <a:rPr lang="en-US" altLang="en-US" b="1" dirty="0">
+              <a:t> x += 2</a:t>
+            </a:r>
+          </a:p>
+          <a:p>
+            <a:pPr lvl="1"/>
+            <a:r>
+              <a:rPr lang="en-US" dirty="0">
                 <a:sym typeface="Wingdings" pitchFamily="2" charset="2"/>
               </a:rPr>
-              <a:t>Rule2:  g2 ==&gt; a2</a:t>
-            </a:r>
-          </a:p>
-          <a:p>
-            <a:pPr lvl="1">
-              <a:buFont typeface="Wingdings" pitchFamily="2" charset="2"/>
-              <a:buNone/>
-            </a:pPr>
-            <a:r>
-              <a:rPr lang="en-US" altLang="en-US" b="1" dirty="0">
+              <a:t>Tr2 : true =&gt; x += 3</a:t>
+            </a:r>
+          </a:p>
+          <a:p>
+            <a:pPr lvl="1"/>
+            <a:r>
+              <a:rPr lang="en-US" dirty="0">
                 <a:sym typeface="Wingdings" pitchFamily="2" charset="2"/>
               </a:rPr>
-              <a:t>Invariant P</a:t>
-            </a:r>
-          </a:p>
-          <a:p>
-            <a:r>
-              <a:rPr lang="en-US" altLang="en-US" dirty="0">
+              <a:t>An invariant is x != 0</a:t>
+            </a:r>
+          </a:p>
+          <a:p>
+            <a:pPr lvl="1"/>
+            <a:r>
+              <a:rPr lang="en-US" dirty="0">
                 <a:sym typeface="Wingdings" pitchFamily="2" charset="2"/>
               </a:rPr>
-              <a:t>Reason: Rule1 fires only when </a:t>
-            </a:r>
-            <a:r>
-              <a:rPr lang="en-US" altLang="en-US" b="1" dirty="0">
+              <a:t>But is it inductive?</a:t>
+            </a:r>
+          </a:p>
+          <a:p>
+            <a:pPr lvl="2"/>
+            <a:r>
+              <a:rPr lang="en-US" dirty="0">
                 <a:sym typeface="Wingdings" pitchFamily="2" charset="2"/>
               </a:rPr>
-              <a:t>g1 /\ </a:t>
-            </a:r>
-            <a:r>
-              <a:rPr lang="en-US" altLang="en-US" b="1" dirty="0">
-                <a:solidFill>
-                  <a:srgbClr val="0000FF"/>
-                </a:solidFill>
+              <a:t>(X != 0) ==?==Tr1 (X!=0) ?</a:t>
+            </a:r>
+          </a:p>
+          <a:p>
+            <a:pPr lvl="2"/>
+            <a:r>
+              <a:rPr lang="en-US" dirty="0">
                 <a:sym typeface="Wingdings" pitchFamily="2" charset="2"/>
               </a:rPr>
-              <a:t>Cond1</a:t>
-            </a:r>
-          </a:p>
-          <a:p>
-            <a:r>
-              <a:rPr lang="en-US" altLang="en-US" dirty="0">
+              <a:t>(X != 0) ==?==Tr2 (X!=0)?</a:t>
+            </a:r>
+          </a:p>
+          <a:p>
+            <a:pPr lvl="1"/>
+            <a:r>
+              <a:rPr lang="en-US" dirty="0">
                 <a:sym typeface="Wingdings" pitchFamily="2" charset="2"/>
               </a:rPr>
-              <a:t>So, less behaviors examined in checking </a:t>
-            </a:r>
-            <a:r>
-              <a:rPr lang="en-US" altLang="en-US" b="1" dirty="0">
+              <a:t>No, for X == -2, it is not true!</a:t>
+            </a:r>
+          </a:p>
+          <a:p>
+            <a:pPr lvl="2"/>
+            <a:r>
+              <a:rPr lang="en-US" dirty="0">
                 <a:sym typeface="Wingdings" pitchFamily="2" charset="2"/>
               </a:rPr>
-              <a:t>P</a:t>
-            </a:r>
-          </a:p>
-          <a:p>
-            <a:pPr lvl="1"/>
-            <a:r>
-              <a:rPr lang="en-US" altLang="en-US" b="1" dirty="0">
-                <a:sym typeface="Wingdings" pitchFamily="2" charset="2"/>
-              </a:rPr>
-              <a:t>Thus, verifying _with_ Cond1 means nothing for verification without Cond1</a:t>
-            </a:r>
-          </a:p>
-          <a:p>
-            <a:r>
-              <a:rPr lang="en-US" altLang="en-US" b="1" dirty="0">
-                <a:sym typeface="Wingdings" pitchFamily="2" charset="2"/>
-              </a:rPr>
-              <a:t>But hang on, there is more in the CMP method </a:t>
-            </a:r>
+              <a:t>So what is one inductive invariant for this transition system?</a:t>
+            </a:r>
+          </a:p>
+          <a:p>
+            <a:pPr lvl="2"/>
+            <a:endParaRPr lang="en-US" dirty="0"/>
           </a:p>
         </p:txBody>
       </p:sp>
     </p:spTree>
+    <p:extLst>
+      <p:ext uri="{BB962C8B-B14F-4D97-AF65-F5344CB8AC3E}">
+        <p14:creationId xmlns:p14="http://schemas.microsoft.com/office/powerpoint/2010/main" val="1100890967"/>
+      </p:ext>
+    </p:extLst>
   </p:cSld>
   <p:clrMapOvr>
     <a:masterClrMapping/>
@@ -5943,10 +5779,10 @@
       </p:grpSpPr>
       <p:sp>
         <p:nvSpPr>
-          <p:cNvPr id="6" name="Slide Number Placeholder 4">
-            <a:extLst>
-              <a:ext uri="{FF2B5EF4-FFF2-40B4-BE49-F238E27FC236}">
-                <a16:creationId xmlns:a16="http://schemas.microsoft.com/office/drawing/2014/main" id="{CB03AB5F-183B-2346-B487-51BA01327271}"/>
+          <p:cNvPr id="2" name="Title 1">
+            <a:extLst>
+              <a:ext uri="{FF2B5EF4-FFF2-40B4-BE49-F238E27FC236}">
+                <a16:creationId xmlns:a16="http://schemas.microsoft.com/office/drawing/2014/main" id="{F96E97B3-2C5D-8F4C-ABC1-15F5792B0D21}"/>
               </a:ext>
             </a:extLst>
           </p:cNvPr>
@@ -5954,80 +5790,40 @@
             <a:spLocks noGrp="1"/>
           </p:cNvSpPr>
           <p:nvPr>
-            <p:ph type="sldNum" sz="quarter" idx="11"/>
+            <p:ph type="title"/>
           </p:nvPr>
         </p:nvSpPr>
         <p:spPr/>
         <p:txBody>
-          <a:bodyPr/>
-          <a:lstStyle/>
-          <a:p>
-            <a:fld id="{712C3585-9D46-EA4C-B7BA-F21626C30ABD}" type="slidenum">
-              <a:rPr lang="en-US" altLang="en-US"/>
-              <a:pPr/>
-              <a:t>14</a:t>
-            </a:fld>
-            <a:endParaRPr lang="en-US" altLang="en-US"/>
-          </a:p>
-        </p:txBody>
-      </p:sp>
-      <p:sp>
-        <p:nvSpPr>
-          <p:cNvPr id="703490" name="Rectangle 2">
-            <a:extLst>
-              <a:ext uri="{FF2B5EF4-FFF2-40B4-BE49-F238E27FC236}">
-                <a16:creationId xmlns:a16="http://schemas.microsoft.com/office/drawing/2014/main" id="{2F87F805-E33E-0841-AF0B-EC2D96FAA4EC}"/>
-              </a:ext>
-            </a:extLst>
-          </p:cNvPr>
-          <p:cNvSpPr>
-            <a:spLocks noGrp="1" noChangeArrowheads="1"/>
-          </p:cNvSpPr>
-          <p:nvPr>
-            <p:ph type="title"/>
-          </p:nvPr>
-        </p:nvSpPr>
-        <p:spPr>
-          <a:xfrm>
-            <a:off x="838200" y="365125"/>
-            <a:ext cx="10515600" cy="1023407"/>
-          </a:xfrm>
-        </p:spPr>
-        <p:txBody>
           <a:bodyPr>
-            <a:normAutofit/>
+            <a:normAutofit fontScale="90000"/>
           </a:bodyPr>
           <a:lstStyle/>
           <a:p>
             <a:r>
-              <a:rPr lang="en-US" altLang="en-US" sz="3200" dirty="0"/>
-              <a:t>Guard Strengthening can be made sound, if the conjunct is implied by the guard</a:t>
-            </a:r>
-          </a:p>
-        </p:txBody>
-      </p:sp>
-      <p:sp>
-        <p:nvSpPr>
-          <p:cNvPr id="703491" name="Rectangle 3">
-            <a:extLst>
-              <a:ext uri="{FF2B5EF4-FFF2-40B4-BE49-F238E27FC236}">
-                <a16:creationId xmlns:a16="http://schemas.microsoft.com/office/drawing/2014/main" id="{98050FA8-12F0-C343-9F67-1FA3634BC703}"/>
-              </a:ext>
-            </a:extLst>
-          </p:cNvPr>
-          <p:cNvSpPr>
-            <a:spLocks noGrp="1" noChangeArrowheads="1"/>
-          </p:cNvSpPr>
-          <p:nvPr>
-            <p:ph type="body" idx="1"/>
-          </p:nvPr>
-        </p:nvSpPr>
-        <p:spPr>
-          <a:xfrm>
-            <a:off x="838200" y="1557867"/>
-            <a:ext cx="10515600" cy="5034844"/>
-          </a:xfrm>
-        </p:spPr>
+              <a:rPr lang="en-US" dirty="0"/>
+              <a:t>Invariants, Inductive Invariants</a:t>
+            </a:r>
+          </a:p>
+        </p:txBody>
+      </p:sp>
+      <p:sp>
+        <p:nvSpPr>
+          <p:cNvPr id="3" name="Content Placeholder 2">
+            <a:extLst>
+              <a:ext uri="{FF2B5EF4-FFF2-40B4-BE49-F238E27FC236}">
+                <a16:creationId xmlns:a16="http://schemas.microsoft.com/office/drawing/2014/main" id="{1B2D6E47-6420-E14E-A250-77D0D086413B}"/>
+              </a:ext>
+            </a:extLst>
+          </p:cNvPr>
+          <p:cNvSpPr>
+            <a:spLocks noGrp="1"/>
+          </p:cNvSpPr>
+          <p:nvPr>
+            <p:ph idx="1"/>
+          </p:nvPr>
+        </p:nvSpPr>
+        <p:spPr/>
         <p:txBody>
           <a:bodyPr>
             <a:normAutofit fontScale="85000" lnSpcReduction="20000"/>
@@ -6035,245 +5831,168 @@
           <a:lstStyle/>
           <a:p>
             <a:r>
-              <a:rPr lang="en-US" altLang="en-US" sz="2600" dirty="0"/>
-              <a:t>This is sound</a:t>
-            </a:r>
-          </a:p>
-          <a:p>
-            <a:pPr lvl="1">
-              <a:buFont typeface="Wingdings" pitchFamily="2" charset="2"/>
-              <a:buNone/>
-            </a:pPr>
-            <a:r>
-              <a:rPr lang="en-US" altLang="en-US" sz="2200" b="1" dirty="0"/>
-              <a:t>Rule1:  g1 /\ </a:t>
-            </a:r>
-            <a:r>
-              <a:rPr lang="en-US" altLang="en-US" sz="2200" b="1" dirty="0">
-                <a:solidFill>
-                  <a:srgbClr val="0000FF"/>
-                </a:solidFill>
-              </a:rPr>
-              <a:t>Cond1</a:t>
-            </a:r>
-            <a:r>
-              <a:rPr lang="en-US" altLang="en-US" sz="2200" b="1" dirty="0"/>
-              <a:t> </a:t>
-            </a:r>
-            <a:r>
-              <a:rPr lang="en-US" altLang="en-US" sz="2200" b="1" dirty="0">
+              <a:rPr lang="en-US" dirty="0"/>
+              <a:t>Consider the transition system</a:t>
+            </a:r>
+          </a:p>
+          <a:p>
+            <a:pPr lvl="1"/>
+            <a:r>
+              <a:rPr lang="en-US" dirty="0"/>
+              <a:t>Init : X == 1  (X is an int var … i.e. +, 0, - )</a:t>
+            </a:r>
+          </a:p>
+          <a:p>
+            <a:pPr lvl="1"/>
+            <a:r>
+              <a:rPr lang="en-US" dirty="0"/>
+              <a:t>Tr1 :  true </a:t>
+            </a:r>
+            <a:r>
+              <a:rPr lang="en-US" dirty="0">
                 <a:sym typeface="Wingdings" pitchFamily="2" charset="2"/>
               </a:rPr>
-              <a:t>==&gt; a1</a:t>
-            </a:r>
-          </a:p>
-          <a:p>
-            <a:pPr lvl="1">
-              <a:buFont typeface="Wingdings" pitchFamily="2" charset="2"/>
-              <a:buNone/>
-            </a:pPr>
-            <a:r>
-              <a:rPr lang="en-US" altLang="en-US" sz="2200" b="1" dirty="0">
+              <a:t> x += 2</a:t>
+            </a:r>
+          </a:p>
+          <a:p>
+            <a:pPr lvl="1"/>
+            <a:r>
+              <a:rPr lang="en-US" dirty="0">
                 <a:sym typeface="Wingdings" pitchFamily="2" charset="2"/>
               </a:rPr>
-              <a:t>Rule2:  g2 ==&gt; a2</a:t>
-            </a:r>
-          </a:p>
-          <a:p>
-            <a:pPr lvl="1">
-              <a:buFont typeface="Wingdings" pitchFamily="2" charset="2"/>
-              <a:buNone/>
-            </a:pPr>
-            <a:r>
-              <a:rPr lang="en-US" altLang="en-US" sz="2200" b="1" dirty="0">
+              <a:t>Tr2 : true =&gt; x += 3</a:t>
+            </a:r>
+          </a:p>
+          <a:p>
+            <a:pPr lvl="1"/>
+            <a:r>
+              <a:rPr lang="en-US" dirty="0">
                 <a:sym typeface="Wingdings" pitchFamily="2" charset="2"/>
               </a:rPr>
-              <a:t>Invariant P /\</a:t>
-            </a:r>
-            <a:r>
-              <a:rPr lang="en-US" altLang="en-US" sz="2200" b="1" dirty="0">
-                <a:solidFill>
-                  <a:srgbClr val="0432FF"/>
-                </a:solidFill>
+              <a:t>An invariant is x != 0</a:t>
+            </a:r>
+          </a:p>
+          <a:p>
+            <a:pPr lvl="1"/>
+            <a:r>
+              <a:rPr lang="en-US" dirty="0">
                 <a:sym typeface="Wingdings" pitchFamily="2" charset="2"/>
               </a:rPr>
-              <a:t> (g1 </a:t>
-            </a:r>
-            <a:r>
-              <a:rPr lang="en-US" altLang="en-US" sz="2200" b="1" dirty="0">
-                <a:solidFill>
-                  <a:srgbClr val="0000FF"/>
-                </a:solidFill>
+              <a:t>But is it inductive?</a:t>
+            </a:r>
+          </a:p>
+          <a:p>
+            <a:pPr lvl="2"/>
+            <a:r>
+              <a:rPr lang="en-US" dirty="0">
                 <a:sym typeface="Wingdings" pitchFamily="2" charset="2"/>
               </a:rPr>
-              <a:t>==&gt; Cond1)</a:t>
-            </a:r>
-          </a:p>
-          <a:p>
-            <a:r>
-              <a:rPr lang="en-US" altLang="en-US" sz="2600" dirty="0">
+              <a:t>(X != 0) ==?==Tr1 (X!=0) ?</a:t>
+            </a:r>
+          </a:p>
+          <a:p>
+            <a:pPr lvl="2"/>
+            <a:r>
+              <a:rPr lang="en-US" dirty="0">
                 <a:sym typeface="Wingdings" pitchFamily="2" charset="2"/>
               </a:rPr>
-              <a:t>Reason: Rule1 fires only when </a:t>
-            </a:r>
-            <a:r>
-              <a:rPr lang="en-US" altLang="en-US" sz="2600" b="1" dirty="0">
+              <a:t>(X != 0) ==?==Tr2 (X!=0)?</a:t>
+            </a:r>
+          </a:p>
+          <a:p>
+            <a:pPr lvl="1"/>
+            <a:r>
+              <a:rPr lang="en-US" dirty="0">
                 <a:sym typeface="Wingdings" pitchFamily="2" charset="2"/>
               </a:rPr>
-              <a:t>g1 /\ </a:t>
-            </a:r>
-            <a:r>
-              <a:rPr lang="en-US" altLang="en-US" sz="2600" b="1" dirty="0">
-                <a:solidFill>
-                  <a:srgbClr val="0000FF"/>
-                </a:solidFill>
+              <a:t>No, for X == -2, it is not true!</a:t>
+            </a:r>
+          </a:p>
+          <a:p>
+            <a:pPr lvl="2"/>
+            <a:r>
+              <a:rPr lang="en-US" dirty="0">
                 <a:sym typeface="Wingdings" pitchFamily="2" charset="2"/>
               </a:rPr>
-              <a:t>Cond1</a:t>
-            </a:r>
-          </a:p>
-          <a:p>
-            <a:r>
-              <a:rPr lang="en-US" altLang="en-US" sz="2600" dirty="0">
+              <a:t>So what is one inductive invariant for this transition system?</a:t>
+            </a:r>
+          </a:p>
+          <a:p>
+            <a:pPr lvl="3"/>
+            <a:r>
+              <a:rPr lang="en-US" dirty="0">
                 <a:sym typeface="Wingdings" pitchFamily="2" charset="2"/>
               </a:rPr>
-              <a:t>BUT, </a:t>
-            </a:r>
-            <a:r>
-              <a:rPr lang="en-US" altLang="en-US" sz="2600" b="1" dirty="0">
+              <a:t>How about X &gt;= 0 ?</a:t>
+            </a:r>
+          </a:p>
+          <a:p>
+            <a:pPr lvl="3"/>
+            <a:r>
+              <a:rPr lang="en-US" dirty="0">
                 <a:sym typeface="Wingdings" pitchFamily="2" charset="2"/>
               </a:rPr>
-              <a:t>Cond1</a:t>
-            </a:r>
-            <a:r>
-              <a:rPr lang="en-US" altLang="en-US" sz="2600" dirty="0">
+              <a:t>How about X &gt;= -1 ?</a:t>
+            </a:r>
+          </a:p>
+          <a:p>
+            <a:pPr lvl="3"/>
+            <a:r>
+              <a:rPr lang="en-US" dirty="0">
                 <a:sym typeface="Wingdings" pitchFamily="2" charset="2"/>
               </a:rPr>
-              <a:t> is always implied by </a:t>
-            </a:r>
-            <a:r>
-              <a:rPr lang="en-US" altLang="en-US" sz="2600" b="1" dirty="0">
+              <a:t>How about X &gt;= 1 ?</a:t>
+            </a:r>
+          </a:p>
+          <a:p>
+            <a:pPr lvl="3"/>
+            <a:r>
+              <a:rPr lang="en-US" dirty="0">
                 <a:sym typeface="Wingdings" pitchFamily="2" charset="2"/>
               </a:rPr>
-              <a:t>g1; we are showing g1Cond1 is an invariant also </a:t>
-            </a:r>
-            <a:r>
-              <a:rPr lang="en-US" altLang="en-US" sz="2600" dirty="0">
+              <a:t>…</a:t>
+            </a:r>
+          </a:p>
+          <a:p>
+            <a:pPr lvl="2"/>
+            <a:r>
+              <a:rPr lang="en-US" dirty="0">
                 <a:sym typeface="Wingdings" pitchFamily="2" charset="2"/>
               </a:rPr>
-              <a:t>, so no real loss of states over which Rule1 fires…</a:t>
-            </a:r>
-          </a:p>
-          <a:p>
-            <a:pPr lvl="1"/>
-            <a:r>
-              <a:rPr lang="en-US" altLang="en-US" sz="2200" dirty="0">
+              <a:t>What is the strongest inductive invariant of the above three?</a:t>
+            </a:r>
+          </a:p>
+          <a:p>
+            <a:pPr lvl="2"/>
+            <a:r>
+              <a:rPr lang="en-US" dirty="0">
                 <a:sym typeface="Wingdings" pitchFamily="2" charset="2"/>
               </a:rPr>
-              <a:t>Call this “Guard Strengthening </a:t>
-            </a:r>
-            <a:r>
-              <a:rPr lang="en-US" altLang="en-US" sz="2200" dirty="0">
-                <a:solidFill>
-                  <a:srgbClr val="0432FF"/>
-                </a:solidFill>
+              <a:t>What is the strongest inductive invariant (period) ?</a:t>
+            </a:r>
+          </a:p>
+          <a:p>
+            <a:pPr lvl="3"/>
+            <a:r>
+              <a:rPr lang="en-US" dirty="0">
                 <a:sym typeface="Wingdings" pitchFamily="2" charset="2"/>
               </a:rPr>
-              <a:t>Supported by Lemma</a:t>
-            </a:r>
-            <a:r>
-              <a:rPr lang="en-US" altLang="en-US" sz="2200" dirty="0">
-                <a:sym typeface="Wingdings" pitchFamily="2" charset="2"/>
-              </a:rPr>
-              <a:t>”</a:t>
-            </a:r>
-          </a:p>
-          <a:p>
-            <a:r>
-              <a:rPr lang="en-US" altLang="en-US" sz="2600" dirty="0">
-                <a:sym typeface="Wingdings" pitchFamily="2" charset="2"/>
-              </a:rPr>
-              <a:t>Except, you are showing the invariant in the same modified system!</a:t>
-            </a:r>
-          </a:p>
-          <a:p>
-            <a:pPr lvl="1"/>
-            <a:r>
-              <a:rPr lang="en-US" altLang="en-US" sz="2200" dirty="0">
-                <a:sym typeface="Wingdings" pitchFamily="2" charset="2"/>
-              </a:rPr>
-              <a:t>This is fine:</a:t>
+              <a:t>Answer : = reachable state space!</a:t>
             </a:r>
           </a:p>
           <a:p>
             <a:pPr lvl="2"/>
-            <a:r>
-              <a:rPr lang="en-US" altLang="en-US" sz="1800" dirty="0">
-                <a:sym typeface="Wingdings" pitchFamily="2" charset="2"/>
-              </a:rPr>
-              <a:t>Initial state satisfies P, and also (g1  Cond1). Thus, whenever g1 is true in the initial state, Cond1 is an implied fact. So g1 /\ Cond1 is like g1 by itself.</a:t>
-            </a:r>
-          </a:p>
-          <a:p>
-            <a:pPr lvl="2"/>
-            <a:r>
-              <a:rPr lang="en-US" altLang="en-US" sz="1800" dirty="0">
-                <a:sym typeface="Wingdings" pitchFamily="2" charset="2"/>
-              </a:rPr>
-              <a:t>Thus “a1” can be conducted in the initial state , to obtain the next set of states. (No change </a:t>
-            </a:r>
-            <a:r>
-              <a:rPr lang="en-US" altLang="en-US" sz="1800" dirty="0" err="1">
-                <a:sym typeface="Wingdings" pitchFamily="2" charset="2"/>
-              </a:rPr>
-              <a:t>wrt</a:t>
-            </a:r>
-            <a:r>
-              <a:rPr lang="en-US" altLang="en-US" sz="1800" dirty="0">
-                <a:sym typeface="Wingdings" pitchFamily="2" charset="2"/>
-              </a:rPr>
-              <a:t> g2 and a2, so they are like before.)</a:t>
-            </a:r>
-          </a:p>
-          <a:p>
-            <a:pPr lvl="1"/>
-            <a:r>
-              <a:rPr lang="en-US" altLang="en-US" sz="2200" dirty="0">
-                <a:sym typeface="Wingdings" pitchFamily="2" charset="2"/>
-              </a:rPr>
-              <a:t>In general</a:t>
-            </a:r>
-          </a:p>
-          <a:p>
-            <a:pPr lvl="2"/>
-            <a:r>
-              <a:rPr lang="en-US" altLang="en-US" sz="1800" dirty="0">
-                <a:sym typeface="Wingdings" pitchFamily="2" charset="2"/>
-              </a:rPr>
-              <a:t>At state t (by induction over time), we have P true and (g1  Cond1) true.</a:t>
-            </a:r>
-          </a:p>
-          <a:p>
-            <a:pPr lvl="2"/>
-            <a:r>
-              <a:rPr lang="en-US" altLang="en-US" sz="1800" dirty="0">
-                <a:sym typeface="Wingdings" pitchFamily="2" charset="2"/>
-              </a:rPr>
-              <a:t>Thus , g1, when true, implies Cond1 at time t. Thus g1 /\ Cond1 is like g1 (same truth status) at time t</a:t>
-            </a:r>
-          </a:p>
-          <a:p>
-            <a:pPr lvl="3"/>
-            <a:r>
-              <a:rPr lang="en-US" altLang="en-US" sz="1600" dirty="0">
-                <a:sym typeface="Wingdings" pitchFamily="2" charset="2"/>
-              </a:rPr>
-              <a:t>Thus we can obtain the state at t+1 safely via “a1”</a:t>
-            </a:r>
+            <a:endParaRPr lang="en-US" dirty="0"/>
           </a:p>
         </p:txBody>
       </p:sp>
     </p:spTree>
+    <p:extLst>
+      <p:ext uri="{BB962C8B-B14F-4D97-AF65-F5344CB8AC3E}">
+        <p14:creationId xmlns:p14="http://schemas.microsoft.com/office/powerpoint/2010/main" val="4171290491"/>
+      </p:ext>
+    </p:extLst>
   </p:cSld>
   <p:clrMapOvr>
     <a:masterClrMapping/>
@@ -6300,6 +6019,1112 @@
       </p:grpSpPr>
       <p:sp>
         <p:nvSpPr>
+          <p:cNvPr id="2" name="Title 1">
+            <a:extLst>
+              <a:ext uri="{FF2B5EF4-FFF2-40B4-BE49-F238E27FC236}">
+                <a16:creationId xmlns:a16="http://schemas.microsoft.com/office/drawing/2014/main" id="{F96E97B3-2C5D-8F4C-ABC1-15F5792B0D21}"/>
+              </a:ext>
+            </a:extLst>
+          </p:cNvPr>
+          <p:cNvSpPr>
+            <a:spLocks noGrp="1"/>
+          </p:cNvSpPr>
+          <p:nvPr>
+            <p:ph type="title"/>
+          </p:nvPr>
+        </p:nvSpPr>
+        <p:spPr/>
+        <p:txBody>
+          <a:bodyPr>
+            <a:normAutofit fontScale="90000"/>
+          </a:bodyPr>
+          <a:lstStyle/>
+          <a:p>
+            <a:r>
+              <a:rPr lang="en-US" dirty="0"/>
+              <a:t>New cool find today</a:t>
+            </a:r>
+          </a:p>
+        </p:txBody>
+      </p:sp>
+      <p:sp>
+        <p:nvSpPr>
+          <p:cNvPr id="3" name="Content Placeholder 2">
+            <a:extLst>
+              <a:ext uri="{FF2B5EF4-FFF2-40B4-BE49-F238E27FC236}">
+                <a16:creationId xmlns:a16="http://schemas.microsoft.com/office/drawing/2014/main" id="{1B2D6E47-6420-E14E-A250-77D0D086413B}"/>
+              </a:ext>
+            </a:extLst>
+          </p:cNvPr>
+          <p:cNvSpPr>
+            <a:spLocks noGrp="1"/>
+          </p:cNvSpPr>
+          <p:nvPr>
+            <p:ph idx="1"/>
+          </p:nvPr>
+        </p:nvSpPr>
+        <p:spPr/>
+        <p:txBody>
+          <a:bodyPr>
+            <a:normAutofit/>
+          </a:bodyPr>
+          <a:lstStyle/>
+          <a:p>
+            <a:r>
+              <a:rPr lang="en-US" dirty="0"/>
+              <a:t>New cool find: The I4 tool, and this </a:t>
+            </a:r>
+            <a:r>
+              <a:rPr lang="en-US" dirty="0" err="1"/>
+              <a:t>hotos</a:t>
+            </a:r>
+            <a:r>
+              <a:rPr lang="en-US" dirty="0"/>
+              <a:t> paper !</a:t>
+            </a:r>
+          </a:p>
+          <a:p>
+            <a:pPr lvl="1"/>
+            <a:r>
+              <a:rPr lang="en-US" dirty="0">
+                <a:hlinkClick r:id="rId3"/>
+              </a:rPr>
+              <a:t>https://web.eecs.umich.edu/~manosk/assets/papers/i4-hotos19.pdf</a:t>
+            </a:r>
+            <a:endParaRPr lang="en-US" dirty="0"/>
+          </a:p>
+          <a:p>
+            <a:r>
+              <a:rPr lang="en-US" dirty="0">
+                <a:hlinkClick r:id="rId4"/>
+              </a:rPr>
+              <a:t>https://web.eecs.umich.edu/~manosk/projects.html</a:t>
+            </a:r>
+            <a:r>
+              <a:rPr lang="en-US" dirty="0"/>
+              <a:t> </a:t>
+            </a:r>
+          </a:p>
+          <a:p>
+            <a:r>
+              <a:rPr lang="en-US" dirty="0">
+                <a:hlinkClick r:id="rId5"/>
+              </a:rPr>
+              <a:t>https://web.eecs.umich.edu/~manosk/assets/papers/i4-hotos19-slides.pdf</a:t>
+            </a:r>
+            <a:endParaRPr lang="en-US" dirty="0"/>
+          </a:p>
+          <a:p>
+            <a:endParaRPr lang="en-US" dirty="0"/>
+          </a:p>
+          <a:p>
+            <a:r>
+              <a:rPr lang="en-US" dirty="0"/>
+              <a:t>I AM SUPER-EXCITED – A PROJECT to read and reconstruct</a:t>
+            </a:r>
+          </a:p>
+          <a:p>
+            <a:r>
+              <a:rPr lang="en-US" dirty="0">
+                <a:hlinkClick r:id="rId6"/>
+              </a:rPr>
+              <a:t>https://researchr.org/publication/fmcad-2021</a:t>
+            </a:r>
+            <a:r>
+              <a:rPr lang="en-US" dirty="0"/>
+              <a:t> (automated </a:t>
+            </a:r>
+            <a:r>
+              <a:rPr lang="en-US" dirty="0" err="1"/>
+              <a:t>paxos</a:t>
+            </a:r>
+            <a:r>
+              <a:rPr lang="en-US" dirty="0"/>
+              <a:t> proof ?!)</a:t>
+            </a:r>
+          </a:p>
+        </p:txBody>
+      </p:sp>
+    </p:spTree>
+    <p:extLst>
+      <p:ext uri="{BB962C8B-B14F-4D97-AF65-F5344CB8AC3E}">
+        <p14:creationId xmlns:p14="http://schemas.microsoft.com/office/powerpoint/2010/main" val="3501448716"/>
+      </p:ext>
+    </p:extLst>
+  </p:cSld>
+  <p:clrMapOvr>
+    <a:masterClrMapping/>
+  </p:clrMapOvr>
+</p:sld>
+</file>
+
+<file path=ppt/slides/slide16.xml><?xml version="1.0" encoding="utf-8"?>
+<p:sld xmlns:a="http://schemas.openxmlformats.org/drawingml/2006/main" xmlns:r="http://schemas.openxmlformats.org/officeDocument/2006/relationships" xmlns:p="http://schemas.openxmlformats.org/presentationml/2006/main">
+  <p:cSld>
+    <p:spTree>
+      <p:nvGrpSpPr>
+        <p:cNvPr id="1" name=""/>
+        <p:cNvGrpSpPr/>
+        <p:nvPr/>
+      </p:nvGrpSpPr>
+      <p:grpSpPr>
+        <a:xfrm>
+          <a:off x="0" y="0"/>
+          <a:ext cx="0" cy="0"/>
+          <a:chOff x="0" y="0"/>
+          <a:chExt cx="0" cy="0"/>
+        </a:xfrm>
+      </p:grpSpPr>
+      <p:sp>
+        <p:nvSpPr>
+          <p:cNvPr id="4" name="Slide Number Placeholder 4">
+            <a:extLst>
+              <a:ext uri="{FF2B5EF4-FFF2-40B4-BE49-F238E27FC236}">
+                <a16:creationId xmlns:a16="http://schemas.microsoft.com/office/drawing/2014/main" id="{6296EA76-AB68-B84D-A109-7C639DB92F8F}"/>
+              </a:ext>
+            </a:extLst>
+          </p:cNvPr>
+          <p:cNvSpPr>
+            <a:spLocks noGrp="1"/>
+          </p:cNvSpPr>
+          <p:nvPr>
+            <p:ph type="sldNum" sz="quarter" idx="11"/>
+          </p:nvPr>
+        </p:nvSpPr>
+        <p:spPr/>
+        <p:txBody>
+          <a:bodyPr/>
+          <a:lstStyle/>
+          <a:p>
+            <a:fld id="{CCC4F333-A19A-F144-B508-5CE24EDBF3DA}" type="slidenum">
+              <a:rPr lang="en-US" altLang="en-US"/>
+              <a:pPr/>
+              <a:t>16</a:t>
+            </a:fld>
+            <a:endParaRPr lang="en-US" altLang="en-US"/>
+          </a:p>
+        </p:txBody>
+      </p:sp>
+      <p:sp>
+        <p:nvSpPr>
+          <p:cNvPr id="699394" name="Rectangle 2">
+            <a:extLst>
+              <a:ext uri="{FF2B5EF4-FFF2-40B4-BE49-F238E27FC236}">
+                <a16:creationId xmlns:a16="http://schemas.microsoft.com/office/drawing/2014/main" id="{D46078FD-8BDE-9E44-AB06-0BC98CE04462}"/>
+              </a:ext>
+            </a:extLst>
+          </p:cNvPr>
+          <p:cNvSpPr>
+            <a:spLocks noGrp="1" noChangeArrowheads="1"/>
+          </p:cNvSpPr>
+          <p:nvPr>
+            <p:ph type="title"/>
+          </p:nvPr>
+        </p:nvSpPr>
+        <p:spPr/>
+        <p:txBody>
+          <a:bodyPr>
+            <a:normAutofit fontScale="90000"/>
+          </a:bodyPr>
+          <a:lstStyle/>
+          <a:p>
+            <a:r>
+              <a:rPr lang="en-US" altLang="en-US" sz="2800" dirty="0"/>
+              <a:t>Let us understand how we may safely transform such rule-based specifications. The first few will be warmups. Then the real thing!</a:t>
+            </a:r>
+          </a:p>
+        </p:txBody>
+      </p:sp>
+      <p:sp>
+        <p:nvSpPr>
+          <p:cNvPr id="699395" name="Rectangle 3">
+            <a:extLst>
+              <a:ext uri="{FF2B5EF4-FFF2-40B4-BE49-F238E27FC236}">
+                <a16:creationId xmlns:a16="http://schemas.microsoft.com/office/drawing/2014/main" id="{B70A545D-29E9-7448-8BBE-150411B63BD6}"/>
+              </a:ext>
+            </a:extLst>
+          </p:cNvPr>
+          <p:cNvSpPr>
+            <a:spLocks noGrp="1" noChangeArrowheads="1"/>
+          </p:cNvSpPr>
+          <p:nvPr>
+            <p:ph type="body" idx="1"/>
+          </p:nvPr>
+        </p:nvSpPr>
+        <p:spPr>
+          <a:xfrm>
+            <a:off x="2090738" y="1752600"/>
+            <a:ext cx="8272462" cy="4572000"/>
+          </a:xfrm>
+        </p:spPr>
+        <p:txBody>
+          <a:bodyPr>
+            <a:normAutofit fontScale="85000" lnSpcReduction="20000"/>
+          </a:bodyPr>
+          <a:lstStyle/>
+          <a:p>
+            <a:pPr>
+              <a:lnSpc>
+                <a:spcPct val="100000"/>
+              </a:lnSpc>
+            </a:pPr>
+            <a:r>
+              <a:rPr lang="en-US" altLang="en-US" sz="1900" dirty="0"/>
+              <a:t>Observation: </a:t>
+            </a:r>
+            <a:r>
+              <a:rPr lang="en-US" altLang="en-US" sz="1900" dirty="0">
+                <a:solidFill>
+                  <a:srgbClr val="FF0000"/>
+                </a:solidFill>
+              </a:rPr>
+              <a:t>Weakening a guard is sound</a:t>
+            </a:r>
+          </a:p>
+          <a:p>
+            <a:pPr>
+              <a:lnSpc>
+                <a:spcPct val="100000"/>
+              </a:lnSpc>
+            </a:pPr>
+            <a:r>
+              <a:rPr lang="en-US" altLang="en-US" sz="1900" dirty="0"/>
+              <a:t>Suppose we add a disjunct as below (Cond1) and still manage to show that P is an invariant, then without adding Cond1, the result must still hold</a:t>
+            </a:r>
+          </a:p>
+          <a:p>
+            <a:pPr lvl="1">
+              <a:lnSpc>
+                <a:spcPct val="100000"/>
+              </a:lnSpc>
+              <a:buFont typeface="Wingdings" pitchFamily="2" charset="2"/>
+              <a:buNone/>
+            </a:pPr>
+            <a:r>
+              <a:rPr lang="en-US" altLang="en-US" sz="2000" b="1" dirty="0"/>
+              <a:t>Rule1:  g1 \/ </a:t>
+            </a:r>
+            <a:r>
+              <a:rPr lang="en-US" altLang="en-US" sz="2000" b="1" dirty="0">
+                <a:solidFill>
+                  <a:srgbClr val="0000FF"/>
+                </a:solidFill>
+              </a:rPr>
+              <a:t>Cond1</a:t>
+            </a:r>
+            <a:r>
+              <a:rPr lang="en-US" altLang="en-US" sz="2000" b="1" dirty="0"/>
+              <a:t> </a:t>
+            </a:r>
+            <a:r>
+              <a:rPr lang="en-US" altLang="en-US" sz="2000" b="1" dirty="0">
+                <a:sym typeface="Wingdings" pitchFamily="2" charset="2"/>
+              </a:rPr>
+              <a:t>==&gt; a1</a:t>
+            </a:r>
+          </a:p>
+          <a:p>
+            <a:pPr lvl="1">
+              <a:lnSpc>
+                <a:spcPct val="100000"/>
+              </a:lnSpc>
+              <a:buFont typeface="Wingdings" pitchFamily="2" charset="2"/>
+              <a:buNone/>
+            </a:pPr>
+            <a:r>
+              <a:rPr lang="en-US" altLang="en-US" sz="2000" b="1" dirty="0">
+                <a:sym typeface="Wingdings" pitchFamily="2" charset="2"/>
+              </a:rPr>
+              <a:t>Rule2:  g2 ==&gt; a2</a:t>
+            </a:r>
+          </a:p>
+          <a:p>
+            <a:pPr lvl="1">
+              <a:lnSpc>
+                <a:spcPct val="100000"/>
+              </a:lnSpc>
+              <a:buFont typeface="Wingdings" pitchFamily="2" charset="2"/>
+              <a:buNone/>
+            </a:pPr>
+            <a:r>
+              <a:rPr lang="en-US" altLang="en-US" sz="2000" b="1" dirty="0">
+                <a:sym typeface="Wingdings" pitchFamily="2" charset="2"/>
+              </a:rPr>
+              <a:t>Invariant P</a:t>
+            </a:r>
+          </a:p>
+          <a:p>
+            <a:pPr lvl="1">
+              <a:lnSpc>
+                <a:spcPct val="100000"/>
+              </a:lnSpc>
+              <a:buFont typeface="Wingdings" pitchFamily="2" charset="2"/>
+              <a:buNone/>
+            </a:pPr>
+            <a:endParaRPr lang="en-US" altLang="en-US" sz="2000" b="1" dirty="0">
+              <a:sym typeface="Wingdings" pitchFamily="2" charset="2"/>
+            </a:endParaRPr>
+          </a:p>
+          <a:p>
+            <a:pPr>
+              <a:lnSpc>
+                <a:spcPct val="100000"/>
+              </a:lnSpc>
+            </a:pPr>
+            <a:r>
+              <a:rPr lang="en-US" altLang="en-US" sz="1900" dirty="0">
+                <a:sym typeface="Wingdings" pitchFamily="2" charset="2"/>
+              </a:rPr>
+              <a:t>Reason: Rule1 fires more often with Cond1 added!</a:t>
+            </a:r>
+            <a:endParaRPr lang="en-US" altLang="en-US" sz="1900" dirty="0">
+              <a:solidFill>
+                <a:srgbClr val="0000FF"/>
+              </a:solidFill>
+              <a:sym typeface="Wingdings" pitchFamily="2" charset="2"/>
+            </a:endParaRPr>
+          </a:p>
+          <a:p>
+            <a:pPr>
+              <a:lnSpc>
+                <a:spcPct val="100000"/>
+              </a:lnSpc>
+            </a:pPr>
+            <a:r>
+              <a:rPr lang="en-US" altLang="en-US" sz="1900" dirty="0">
+                <a:solidFill>
+                  <a:srgbClr val="FF0000"/>
+                </a:solidFill>
+                <a:sym typeface="Wingdings" pitchFamily="2" charset="2"/>
+              </a:rPr>
+              <a:t>May get false alarms (</a:t>
+            </a:r>
+            <a:r>
+              <a:rPr lang="en-US" altLang="en-US" sz="1900" b="1" dirty="0">
+                <a:solidFill>
+                  <a:srgbClr val="FF0000"/>
+                </a:solidFill>
+                <a:sym typeface="Wingdings" pitchFamily="2" charset="2"/>
+              </a:rPr>
+              <a:t>P</a:t>
+            </a:r>
+            <a:r>
+              <a:rPr lang="en-US" altLang="en-US" sz="1900" dirty="0">
+                <a:solidFill>
+                  <a:srgbClr val="FF0000"/>
+                </a:solidFill>
+                <a:sym typeface="Wingdings" pitchFamily="2" charset="2"/>
+              </a:rPr>
+              <a:t> may fail if Rule1 fires spuriously)</a:t>
+            </a:r>
+          </a:p>
+          <a:p>
+            <a:pPr>
+              <a:lnSpc>
+                <a:spcPct val="100000"/>
+              </a:lnSpc>
+            </a:pPr>
+            <a:r>
+              <a:rPr lang="en-US" altLang="en-US" sz="1900" dirty="0">
+                <a:sym typeface="Wingdings" pitchFamily="2" charset="2"/>
+              </a:rPr>
+              <a:t>For many “weak properties” </a:t>
+            </a:r>
+            <a:r>
+              <a:rPr lang="en-US" altLang="en-US" sz="1900" b="1" dirty="0">
+                <a:sym typeface="Wingdings" pitchFamily="2" charset="2"/>
+              </a:rPr>
+              <a:t>P</a:t>
+            </a:r>
+            <a:r>
+              <a:rPr lang="en-US" altLang="en-US" sz="1900" dirty="0">
+                <a:sym typeface="Wingdings" pitchFamily="2" charset="2"/>
+              </a:rPr>
+              <a:t>, </a:t>
+            </a:r>
+            <a:r>
+              <a:rPr lang="en-US" altLang="en-US" sz="1900" dirty="0">
+                <a:solidFill>
+                  <a:srgbClr val="0432FF"/>
+                </a:solidFill>
+                <a:sym typeface="Wingdings" pitchFamily="2" charset="2"/>
+              </a:rPr>
+              <a:t>we can “get away” by guard weakening</a:t>
+            </a:r>
+            <a:endParaRPr lang="en-US" altLang="en-US" sz="1900" dirty="0">
+              <a:sym typeface="Wingdings" pitchFamily="2" charset="2"/>
+            </a:endParaRPr>
+          </a:p>
+          <a:p>
+            <a:pPr lvl="1">
+              <a:lnSpc>
+                <a:spcPct val="100000"/>
+              </a:lnSpc>
+            </a:pPr>
+            <a:r>
+              <a:rPr lang="en-US" altLang="en-US" sz="1700" dirty="0">
+                <a:sym typeface="Wingdings" pitchFamily="2" charset="2"/>
+              </a:rPr>
+              <a:t>This is a standard abstraction, first proposed by </a:t>
+            </a:r>
+            <a:r>
+              <a:rPr lang="en-US" altLang="en-US" sz="1700" dirty="0" err="1">
+                <a:sym typeface="Wingdings" pitchFamily="2" charset="2"/>
+              </a:rPr>
+              <a:t>Kurshan</a:t>
+            </a:r>
+            <a:r>
+              <a:rPr lang="en-US" altLang="en-US" sz="1700" dirty="0">
+                <a:sym typeface="Wingdings" pitchFamily="2" charset="2"/>
+              </a:rPr>
+              <a:t> (E.g. removing a module that is driving this module, letting inputs “dangle”)</a:t>
+            </a:r>
+          </a:p>
+          <a:p>
+            <a:pPr>
+              <a:lnSpc>
+                <a:spcPct val="100000"/>
+              </a:lnSpc>
+            </a:pPr>
+            <a:r>
+              <a:rPr lang="en-US" altLang="en-US" sz="2100" dirty="0">
+                <a:sym typeface="Wingdings" pitchFamily="2" charset="2"/>
+              </a:rPr>
+              <a:t>BUT in the CMP method, we won’t do this – </a:t>
+            </a:r>
+            <a:r>
+              <a:rPr lang="en-US" altLang="en-US" sz="2100" dirty="0">
+                <a:solidFill>
+                  <a:srgbClr val="FF0000"/>
+                </a:solidFill>
+                <a:sym typeface="Wingdings" pitchFamily="2" charset="2"/>
+              </a:rPr>
+              <a:t>rather we will do guard strengthening!</a:t>
+            </a:r>
+          </a:p>
+          <a:p>
+            <a:pPr>
+              <a:lnSpc>
+                <a:spcPct val="100000"/>
+              </a:lnSpc>
+            </a:pPr>
+            <a:r>
+              <a:rPr lang="en-US" altLang="en-US" sz="2100" dirty="0">
+                <a:sym typeface="Wingdings" pitchFamily="2" charset="2"/>
+              </a:rPr>
+              <a:t>Except it is useful to know this disjunction property in thinking about certain steps of CMP</a:t>
+            </a:r>
+          </a:p>
+        </p:txBody>
+      </p:sp>
+    </p:spTree>
+    <p:extLst>
+      <p:ext uri="{BB962C8B-B14F-4D97-AF65-F5344CB8AC3E}">
+        <p14:creationId xmlns:p14="http://schemas.microsoft.com/office/powerpoint/2010/main" val="424985300"/>
+      </p:ext>
+    </p:extLst>
+  </p:cSld>
+  <p:clrMapOvr>
+    <a:masterClrMapping/>
+  </p:clrMapOvr>
+</p:sld>
+</file>
+
+<file path=ppt/slides/slide17.xml><?xml version="1.0" encoding="utf-8"?>
+<p:sld xmlns:a="http://schemas.openxmlformats.org/drawingml/2006/main" xmlns:r="http://schemas.openxmlformats.org/officeDocument/2006/relationships" xmlns:p="http://schemas.openxmlformats.org/presentationml/2006/main">
+  <p:cSld>
+    <p:spTree>
+      <p:nvGrpSpPr>
+        <p:cNvPr id="1" name=""/>
+        <p:cNvGrpSpPr/>
+        <p:nvPr/>
+      </p:nvGrpSpPr>
+      <p:grpSpPr>
+        <a:xfrm>
+          <a:off x="0" y="0"/>
+          <a:ext cx="0" cy="0"/>
+          <a:chOff x="0" y="0"/>
+          <a:chExt cx="0" cy="0"/>
+        </a:xfrm>
+      </p:grpSpPr>
+      <p:sp>
+        <p:nvSpPr>
+          <p:cNvPr id="4" name="Slide Number Placeholder 4">
+            <a:extLst>
+              <a:ext uri="{FF2B5EF4-FFF2-40B4-BE49-F238E27FC236}">
+                <a16:creationId xmlns:a16="http://schemas.microsoft.com/office/drawing/2014/main" id="{54A14A4C-5F60-0C4C-AF58-6525AAC45326}"/>
+              </a:ext>
+            </a:extLst>
+          </p:cNvPr>
+          <p:cNvSpPr>
+            <a:spLocks noGrp="1"/>
+          </p:cNvSpPr>
+          <p:nvPr>
+            <p:ph type="sldNum" sz="quarter" idx="11"/>
+          </p:nvPr>
+        </p:nvSpPr>
+        <p:spPr/>
+        <p:txBody>
+          <a:bodyPr/>
+          <a:lstStyle/>
+          <a:p>
+            <a:fld id="{384077DD-362F-9248-93E9-EF8EE236B452}" type="slidenum">
+              <a:rPr lang="en-US" altLang="en-US"/>
+              <a:pPr/>
+              <a:t>17</a:t>
+            </a:fld>
+            <a:endParaRPr lang="en-US" altLang="en-US"/>
+          </a:p>
+        </p:txBody>
+      </p:sp>
+      <p:sp>
+        <p:nvSpPr>
+          <p:cNvPr id="701442" name="Rectangle 2">
+            <a:extLst>
+              <a:ext uri="{FF2B5EF4-FFF2-40B4-BE49-F238E27FC236}">
+                <a16:creationId xmlns:a16="http://schemas.microsoft.com/office/drawing/2014/main" id="{C30057A7-8E14-AD48-8028-32A1C5C082D8}"/>
+              </a:ext>
+            </a:extLst>
+          </p:cNvPr>
+          <p:cNvSpPr>
+            <a:spLocks noGrp="1" noChangeArrowheads="1"/>
+          </p:cNvSpPr>
+          <p:nvPr>
+            <p:ph type="title"/>
+          </p:nvPr>
+        </p:nvSpPr>
+        <p:spPr/>
+        <p:txBody>
+          <a:bodyPr>
+            <a:normAutofit/>
+          </a:bodyPr>
+          <a:lstStyle/>
+          <a:p>
+            <a:r>
+              <a:rPr lang="en-US" altLang="en-US" sz="3400" dirty="0"/>
+              <a:t>But… Guard Strengthening is, by itself, Unsound</a:t>
+            </a:r>
+          </a:p>
+        </p:txBody>
+      </p:sp>
+      <p:sp>
+        <p:nvSpPr>
+          <p:cNvPr id="701443" name="Rectangle 3">
+            <a:extLst>
+              <a:ext uri="{FF2B5EF4-FFF2-40B4-BE49-F238E27FC236}">
+                <a16:creationId xmlns:a16="http://schemas.microsoft.com/office/drawing/2014/main" id="{6B4784AC-2006-FD45-987D-B0BC370176B9}"/>
+              </a:ext>
+            </a:extLst>
+          </p:cNvPr>
+          <p:cNvSpPr>
+            <a:spLocks noGrp="1" noChangeArrowheads="1"/>
+          </p:cNvSpPr>
+          <p:nvPr>
+            <p:ph type="body" idx="1"/>
+          </p:nvPr>
+        </p:nvSpPr>
+        <p:spPr/>
+        <p:txBody>
+          <a:bodyPr/>
+          <a:lstStyle/>
+          <a:p>
+            <a:r>
+              <a:rPr lang="en-US" altLang="en-US" dirty="0"/>
+              <a:t>Strengthening a guard is not sound</a:t>
+            </a:r>
+          </a:p>
+          <a:p>
+            <a:pPr lvl="1">
+              <a:buFont typeface="Wingdings" pitchFamily="2" charset="2"/>
+              <a:buNone/>
+            </a:pPr>
+            <a:r>
+              <a:rPr lang="en-US" altLang="en-US" b="1" dirty="0"/>
+              <a:t>Rule1:  g1 /\ </a:t>
+            </a:r>
+            <a:r>
+              <a:rPr lang="en-US" altLang="en-US" b="1" dirty="0">
+                <a:solidFill>
+                  <a:srgbClr val="0000FF"/>
+                </a:solidFill>
+              </a:rPr>
+              <a:t>Cond1</a:t>
+            </a:r>
+            <a:r>
+              <a:rPr lang="en-US" altLang="en-US" b="1" dirty="0"/>
+              <a:t> </a:t>
+            </a:r>
+            <a:r>
+              <a:rPr lang="en-US" altLang="en-US" b="1" dirty="0">
+                <a:sym typeface="Wingdings" pitchFamily="2" charset="2"/>
+              </a:rPr>
+              <a:t>==&gt; a1</a:t>
+            </a:r>
+          </a:p>
+          <a:p>
+            <a:pPr lvl="1">
+              <a:buFont typeface="Wingdings" pitchFamily="2" charset="2"/>
+              <a:buNone/>
+            </a:pPr>
+            <a:r>
+              <a:rPr lang="en-US" altLang="en-US" b="1" dirty="0">
+                <a:sym typeface="Wingdings" pitchFamily="2" charset="2"/>
+              </a:rPr>
+              <a:t>Rule2:  g2 ==&gt; a2</a:t>
+            </a:r>
+          </a:p>
+          <a:p>
+            <a:pPr lvl="1">
+              <a:buFont typeface="Wingdings" pitchFamily="2" charset="2"/>
+              <a:buNone/>
+            </a:pPr>
+            <a:r>
+              <a:rPr lang="en-US" altLang="en-US" b="1" dirty="0">
+                <a:sym typeface="Wingdings" pitchFamily="2" charset="2"/>
+              </a:rPr>
+              <a:t>Invariant P</a:t>
+            </a:r>
+          </a:p>
+          <a:p>
+            <a:r>
+              <a:rPr lang="en-US" altLang="en-US" dirty="0">
+                <a:sym typeface="Wingdings" pitchFamily="2" charset="2"/>
+              </a:rPr>
+              <a:t>Reason: Rule1 fires only when </a:t>
+            </a:r>
+            <a:r>
+              <a:rPr lang="en-US" altLang="en-US" b="1" dirty="0">
+                <a:sym typeface="Wingdings" pitchFamily="2" charset="2"/>
+              </a:rPr>
+              <a:t>g1 /\ </a:t>
+            </a:r>
+            <a:r>
+              <a:rPr lang="en-US" altLang="en-US" b="1" dirty="0">
+                <a:solidFill>
+                  <a:srgbClr val="0000FF"/>
+                </a:solidFill>
+                <a:sym typeface="Wingdings" pitchFamily="2" charset="2"/>
+              </a:rPr>
+              <a:t>Cond1</a:t>
+            </a:r>
+          </a:p>
+          <a:p>
+            <a:r>
+              <a:rPr lang="en-US" altLang="en-US" dirty="0">
+                <a:sym typeface="Wingdings" pitchFamily="2" charset="2"/>
+              </a:rPr>
+              <a:t>So, less behaviors examined in checking </a:t>
+            </a:r>
+            <a:r>
+              <a:rPr lang="en-US" altLang="en-US" b="1" dirty="0">
+                <a:sym typeface="Wingdings" pitchFamily="2" charset="2"/>
+              </a:rPr>
+              <a:t>P</a:t>
+            </a:r>
+          </a:p>
+          <a:p>
+            <a:pPr lvl="1"/>
+            <a:r>
+              <a:rPr lang="en-US" altLang="en-US" b="1" dirty="0">
+                <a:sym typeface="Wingdings" pitchFamily="2" charset="2"/>
+              </a:rPr>
+              <a:t>Thus, verifying _with_ Cond1 means nothing for verification without Cond1</a:t>
+            </a:r>
+          </a:p>
+          <a:p>
+            <a:r>
+              <a:rPr lang="en-US" altLang="en-US" b="1" dirty="0">
+                <a:sym typeface="Wingdings" pitchFamily="2" charset="2"/>
+              </a:rPr>
+              <a:t>But hang on, there is more in the CMP method </a:t>
+            </a:r>
+          </a:p>
+        </p:txBody>
+      </p:sp>
+    </p:spTree>
+  </p:cSld>
+  <p:clrMapOvr>
+    <a:masterClrMapping/>
+  </p:clrMapOvr>
+</p:sld>
+</file>
+
+<file path=ppt/slides/slide18.xml><?xml version="1.0" encoding="utf-8"?>
+<p:sld xmlns:a="http://schemas.openxmlformats.org/drawingml/2006/main" xmlns:r="http://schemas.openxmlformats.org/officeDocument/2006/relationships" xmlns:p="http://schemas.openxmlformats.org/presentationml/2006/main">
+  <p:cSld>
+    <p:spTree>
+      <p:nvGrpSpPr>
+        <p:cNvPr id="1" name=""/>
+        <p:cNvGrpSpPr/>
+        <p:nvPr/>
+      </p:nvGrpSpPr>
+      <p:grpSpPr>
+        <a:xfrm>
+          <a:off x="0" y="0"/>
+          <a:ext cx="0" cy="0"/>
+          <a:chOff x="0" y="0"/>
+          <a:chExt cx="0" cy="0"/>
+        </a:xfrm>
+      </p:grpSpPr>
+      <p:sp>
+        <p:nvSpPr>
+          <p:cNvPr id="6" name="Slide Number Placeholder 4">
+            <a:extLst>
+              <a:ext uri="{FF2B5EF4-FFF2-40B4-BE49-F238E27FC236}">
+                <a16:creationId xmlns:a16="http://schemas.microsoft.com/office/drawing/2014/main" id="{CB03AB5F-183B-2346-B487-51BA01327271}"/>
+              </a:ext>
+            </a:extLst>
+          </p:cNvPr>
+          <p:cNvSpPr>
+            <a:spLocks noGrp="1"/>
+          </p:cNvSpPr>
+          <p:nvPr>
+            <p:ph type="sldNum" sz="quarter" idx="11"/>
+          </p:nvPr>
+        </p:nvSpPr>
+        <p:spPr/>
+        <p:txBody>
+          <a:bodyPr/>
+          <a:lstStyle/>
+          <a:p>
+            <a:fld id="{712C3585-9D46-EA4C-B7BA-F21626C30ABD}" type="slidenum">
+              <a:rPr lang="en-US" altLang="en-US"/>
+              <a:pPr/>
+              <a:t>18</a:t>
+            </a:fld>
+            <a:endParaRPr lang="en-US" altLang="en-US"/>
+          </a:p>
+        </p:txBody>
+      </p:sp>
+      <p:sp>
+        <p:nvSpPr>
+          <p:cNvPr id="703490" name="Rectangle 2">
+            <a:extLst>
+              <a:ext uri="{FF2B5EF4-FFF2-40B4-BE49-F238E27FC236}">
+                <a16:creationId xmlns:a16="http://schemas.microsoft.com/office/drawing/2014/main" id="{2F87F805-E33E-0841-AF0B-EC2D96FAA4EC}"/>
+              </a:ext>
+            </a:extLst>
+          </p:cNvPr>
+          <p:cNvSpPr>
+            <a:spLocks noGrp="1" noChangeArrowheads="1"/>
+          </p:cNvSpPr>
+          <p:nvPr>
+            <p:ph type="title"/>
+          </p:nvPr>
+        </p:nvSpPr>
+        <p:spPr>
+          <a:xfrm>
+            <a:off x="838200" y="365125"/>
+            <a:ext cx="10515600" cy="1023407"/>
+          </a:xfrm>
+        </p:spPr>
+        <p:txBody>
+          <a:bodyPr>
+            <a:normAutofit/>
+          </a:bodyPr>
+          <a:lstStyle/>
+          <a:p>
+            <a:r>
+              <a:rPr lang="en-US" altLang="en-US" sz="3200" dirty="0"/>
+              <a:t>Guard Strengthening can be made sound, if the conjunct is implied by the guard</a:t>
+            </a:r>
+          </a:p>
+        </p:txBody>
+      </p:sp>
+      <p:sp>
+        <p:nvSpPr>
+          <p:cNvPr id="703491" name="Rectangle 3">
+            <a:extLst>
+              <a:ext uri="{FF2B5EF4-FFF2-40B4-BE49-F238E27FC236}">
+                <a16:creationId xmlns:a16="http://schemas.microsoft.com/office/drawing/2014/main" id="{98050FA8-12F0-C343-9F67-1FA3634BC703}"/>
+              </a:ext>
+            </a:extLst>
+          </p:cNvPr>
+          <p:cNvSpPr>
+            <a:spLocks noGrp="1" noChangeArrowheads="1"/>
+          </p:cNvSpPr>
+          <p:nvPr>
+            <p:ph type="body" idx="1"/>
+          </p:nvPr>
+        </p:nvSpPr>
+        <p:spPr>
+          <a:xfrm>
+            <a:off x="838200" y="1557867"/>
+            <a:ext cx="10515600" cy="5034844"/>
+          </a:xfrm>
+        </p:spPr>
+        <p:txBody>
+          <a:bodyPr>
+            <a:normAutofit fontScale="85000" lnSpcReduction="20000"/>
+          </a:bodyPr>
+          <a:lstStyle/>
+          <a:p>
+            <a:r>
+              <a:rPr lang="en-US" altLang="en-US" sz="2600" dirty="0"/>
+              <a:t>This is sound</a:t>
+            </a:r>
+          </a:p>
+          <a:p>
+            <a:pPr lvl="1">
+              <a:buFont typeface="Wingdings" pitchFamily="2" charset="2"/>
+              <a:buNone/>
+            </a:pPr>
+            <a:r>
+              <a:rPr lang="en-US" altLang="en-US" sz="2200" b="1" dirty="0"/>
+              <a:t>Rule1:  g1 /\ </a:t>
+            </a:r>
+            <a:r>
+              <a:rPr lang="en-US" altLang="en-US" sz="2200" b="1" dirty="0">
+                <a:solidFill>
+                  <a:srgbClr val="0000FF"/>
+                </a:solidFill>
+              </a:rPr>
+              <a:t>Cond1</a:t>
+            </a:r>
+            <a:r>
+              <a:rPr lang="en-US" altLang="en-US" sz="2200" b="1" dirty="0"/>
+              <a:t> </a:t>
+            </a:r>
+            <a:r>
+              <a:rPr lang="en-US" altLang="en-US" sz="2200" b="1" dirty="0">
+                <a:sym typeface="Wingdings" pitchFamily="2" charset="2"/>
+              </a:rPr>
+              <a:t>==&gt; a1</a:t>
+            </a:r>
+          </a:p>
+          <a:p>
+            <a:pPr lvl="1">
+              <a:buFont typeface="Wingdings" pitchFamily="2" charset="2"/>
+              <a:buNone/>
+            </a:pPr>
+            <a:r>
+              <a:rPr lang="en-US" altLang="en-US" sz="2200" b="1" dirty="0">
+                <a:sym typeface="Wingdings" pitchFamily="2" charset="2"/>
+              </a:rPr>
+              <a:t>Rule2:  g2 ==&gt; a2</a:t>
+            </a:r>
+          </a:p>
+          <a:p>
+            <a:pPr lvl="1">
+              <a:buFont typeface="Wingdings" pitchFamily="2" charset="2"/>
+              <a:buNone/>
+            </a:pPr>
+            <a:r>
+              <a:rPr lang="en-US" altLang="en-US" sz="2200" b="1" dirty="0">
+                <a:sym typeface="Wingdings" pitchFamily="2" charset="2"/>
+              </a:rPr>
+              <a:t>Invariant P /\</a:t>
+            </a:r>
+            <a:r>
+              <a:rPr lang="en-US" altLang="en-US" sz="2200" b="1" dirty="0">
+                <a:solidFill>
+                  <a:srgbClr val="0432FF"/>
+                </a:solidFill>
+                <a:sym typeface="Wingdings" pitchFamily="2" charset="2"/>
+              </a:rPr>
+              <a:t> (g1 </a:t>
+            </a:r>
+            <a:r>
+              <a:rPr lang="en-US" altLang="en-US" sz="2200" b="1" dirty="0">
+                <a:solidFill>
+                  <a:srgbClr val="0000FF"/>
+                </a:solidFill>
+                <a:sym typeface="Wingdings" pitchFamily="2" charset="2"/>
+              </a:rPr>
+              <a:t>==&gt; Cond1)</a:t>
+            </a:r>
+          </a:p>
+          <a:p>
+            <a:r>
+              <a:rPr lang="en-US" altLang="en-US" sz="2600" dirty="0">
+                <a:sym typeface="Wingdings" pitchFamily="2" charset="2"/>
+              </a:rPr>
+              <a:t>Reason: Rule1 fires only when </a:t>
+            </a:r>
+            <a:r>
+              <a:rPr lang="en-US" altLang="en-US" sz="2600" b="1" dirty="0">
+                <a:sym typeface="Wingdings" pitchFamily="2" charset="2"/>
+              </a:rPr>
+              <a:t>g1 /\ </a:t>
+            </a:r>
+            <a:r>
+              <a:rPr lang="en-US" altLang="en-US" sz="2600" b="1" dirty="0">
+                <a:solidFill>
+                  <a:srgbClr val="0000FF"/>
+                </a:solidFill>
+                <a:sym typeface="Wingdings" pitchFamily="2" charset="2"/>
+              </a:rPr>
+              <a:t>Cond1</a:t>
+            </a:r>
+          </a:p>
+          <a:p>
+            <a:r>
+              <a:rPr lang="en-US" altLang="en-US" sz="2600" dirty="0">
+                <a:sym typeface="Wingdings" pitchFamily="2" charset="2"/>
+              </a:rPr>
+              <a:t>BUT, </a:t>
+            </a:r>
+            <a:r>
+              <a:rPr lang="en-US" altLang="en-US" sz="2600" b="1" dirty="0">
+                <a:sym typeface="Wingdings" pitchFamily="2" charset="2"/>
+              </a:rPr>
+              <a:t>Cond1</a:t>
+            </a:r>
+            <a:r>
+              <a:rPr lang="en-US" altLang="en-US" sz="2600" dirty="0">
+                <a:sym typeface="Wingdings" pitchFamily="2" charset="2"/>
+              </a:rPr>
+              <a:t> is always implied by </a:t>
+            </a:r>
+            <a:r>
+              <a:rPr lang="en-US" altLang="en-US" sz="2600" b="1" dirty="0">
+                <a:sym typeface="Wingdings" pitchFamily="2" charset="2"/>
+              </a:rPr>
+              <a:t>g1; we are showing g1Cond1 is an invariant also </a:t>
+            </a:r>
+            <a:r>
+              <a:rPr lang="en-US" altLang="en-US" sz="2600" dirty="0">
+                <a:sym typeface="Wingdings" pitchFamily="2" charset="2"/>
+              </a:rPr>
+              <a:t>, so no real loss of states over which Rule1 fires…</a:t>
+            </a:r>
+          </a:p>
+          <a:p>
+            <a:pPr lvl="1"/>
+            <a:r>
+              <a:rPr lang="en-US" altLang="en-US" sz="2200" dirty="0">
+                <a:sym typeface="Wingdings" pitchFamily="2" charset="2"/>
+              </a:rPr>
+              <a:t>Call this “Guard Strengthening </a:t>
+            </a:r>
+            <a:r>
+              <a:rPr lang="en-US" altLang="en-US" sz="2200" dirty="0">
+                <a:solidFill>
+                  <a:srgbClr val="0432FF"/>
+                </a:solidFill>
+                <a:sym typeface="Wingdings" pitchFamily="2" charset="2"/>
+              </a:rPr>
+              <a:t>Supported by Lemma</a:t>
+            </a:r>
+            <a:r>
+              <a:rPr lang="en-US" altLang="en-US" sz="2200" dirty="0">
+                <a:sym typeface="Wingdings" pitchFamily="2" charset="2"/>
+              </a:rPr>
+              <a:t>”</a:t>
+            </a:r>
+          </a:p>
+          <a:p>
+            <a:r>
+              <a:rPr lang="en-US" altLang="en-US" sz="2600" dirty="0">
+                <a:sym typeface="Wingdings" pitchFamily="2" charset="2"/>
+              </a:rPr>
+              <a:t>Except, you are showing the invariant in the same modified system!</a:t>
+            </a:r>
+          </a:p>
+          <a:p>
+            <a:pPr lvl="1"/>
+            <a:r>
+              <a:rPr lang="en-US" altLang="en-US" sz="2200" dirty="0">
+                <a:sym typeface="Wingdings" pitchFamily="2" charset="2"/>
+              </a:rPr>
+              <a:t>This is fine:</a:t>
+            </a:r>
+          </a:p>
+          <a:p>
+            <a:pPr lvl="2"/>
+            <a:r>
+              <a:rPr lang="en-US" altLang="en-US" sz="1800" dirty="0">
+                <a:sym typeface="Wingdings" pitchFamily="2" charset="2"/>
+              </a:rPr>
+              <a:t>Initial state satisfies P, and also (g1  Cond1). Thus, whenever g1 is true in the initial state, Cond1 is an implied fact. So g1 /\ Cond1 is like g1 by itself.</a:t>
+            </a:r>
+          </a:p>
+          <a:p>
+            <a:pPr lvl="2"/>
+            <a:r>
+              <a:rPr lang="en-US" altLang="en-US" sz="1800" dirty="0">
+                <a:sym typeface="Wingdings" pitchFamily="2" charset="2"/>
+              </a:rPr>
+              <a:t>Thus “a1” can be conducted in the initial state , to obtain the next set of states. (No change </a:t>
+            </a:r>
+            <a:r>
+              <a:rPr lang="en-US" altLang="en-US" sz="1800" dirty="0" err="1">
+                <a:sym typeface="Wingdings" pitchFamily="2" charset="2"/>
+              </a:rPr>
+              <a:t>wrt</a:t>
+            </a:r>
+            <a:r>
+              <a:rPr lang="en-US" altLang="en-US" sz="1800" dirty="0">
+                <a:sym typeface="Wingdings" pitchFamily="2" charset="2"/>
+              </a:rPr>
+              <a:t> g2 and a2, so they are like before.)</a:t>
+            </a:r>
+          </a:p>
+          <a:p>
+            <a:pPr lvl="1"/>
+            <a:r>
+              <a:rPr lang="en-US" altLang="en-US" sz="2200" dirty="0">
+                <a:sym typeface="Wingdings" pitchFamily="2" charset="2"/>
+              </a:rPr>
+              <a:t>In general</a:t>
+            </a:r>
+          </a:p>
+          <a:p>
+            <a:pPr lvl="2"/>
+            <a:r>
+              <a:rPr lang="en-US" altLang="en-US" sz="1800" dirty="0">
+                <a:sym typeface="Wingdings" pitchFamily="2" charset="2"/>
+              </a:rPr>
+              <a:t>At state t (by induction over time), we have P true and (g1  Cond1) true.</a:t>
+            </a:r>
+          </a:p>
+          <a:p>
+            <a:pPr lvl="2"/>
+            <a:r>
+              <a:rPr lang="en-US" altLang="en-US" sz="1800" dirty="0">
+                <a:sym typeface="Wingdings" pitchFamily="2" charset="2"/>
+              </a:rPr>
+              <a:t>Thus , g1, when true, implies Cond1 at time t. Thus g1 /\ Cond1 is like g1 (same truth status) at time t</a:t>
+            </a:r>
+          </a:p>
+          <a:p>
+            <a:pPr lvl="3"/>
+            <a:r>
+              <a:rPr lang="en-US" altLang="en-US" sz="1600" dirty="0">
+                <a:sym typeface="Wingdings" pitchFamily="2" charset="2"/>
+              </a:rPr>
+              <a:t>Thus we can obtain the state at t+1 safely via “a1”</a:t>
+            </a:r>
+          </a:p>
+        </p:txBody>
+      </p:sp>
+    </p:spTree>
+  </p:cSld>
+  <p:clrMapOvr>
+    <a:masterClrMapping/>
+  </p:clrMapOvr>
+</p:sld>
+</file>
+
+<file path=ppt/slides/slide19.xml><?xml version="1.0" encoding="utf-8"?>
+<p:sld xmlns:a="http://schemas.openxmlformats.org/drawingml/2006/main" xmlns:r="http://schemas.openxmlformats.org/officeDocument/2006/relationships" xmlns:p="http://schemas.openxmlformats.org/presentationml/2006/main">
+  <p:cSld>
+    <p:spTree>
+      <p:nvGrpSpPr>
+        <p:cNvPr id="1" name=""/>
+        <p:cNvGrpSpPr/>
+        <p:nvPr/>
+      </p:nvGrpSpPr>
+      <p:grpSpPr>
+        <a:xfrm>
+          <a:off x="0" y="0"/>
+          <a:ext cx="0" cy="0"/>
+          <a:chOff x="0" y="0"/>
+          <a:chExt cx="0" cy="0"/>
+        </a:xfrm>
+      </p:grpSpPr>
+      <p:sp>
+        <p:nvSpPr>
           <p:cNvPr id="7" name="Slide Number Placeholder 4">
             <a:extLst>
               <a:ext uri="{FF2B5EF4-FFF2-40B4-BE49-F238E27FC236}">
@@ -6322,7 +7147,7 @@
             <a:fld id="{A2E1FAD9-630B-2C49-ACA2-DED4191688FD}" type="slidenum">
               <a:rPr lang="en-US" altLang="en-US"/>
               <a:pPr/>
-              <a:t>15</a:t>
+              <a:t>19</a:t>
             </a:fld>
             <a:endParaRPr lang="en-US" altLang="en-US"/>
           </a:p>
@@ -6968,7 +7793,7 @@
           <a:graphicData uri="http://schemas.openxmlformats.org/presentationml/2006/ole">
             <mc:AlternateContent xmlns:mc="http://schemas.openxmlformats.org/markup-compatibility/2006">
               <mc:Choice xmlns:v="urn:schemas-microsoft-com:vml" Requires="v">
-                <p:oleObj spid="_x0000_s10260" name="Visio" r:id="rId4" imgW="3733800" imgH="3136900" progId="Visio.Drawing.6">
+                <p:oleObj spid="_x0000_s10264" name="Visio" r:id="rId4" imgW="3733800" imgH="3136900" progId="Visio.Drawing.6">
                   <p:embed/>
                 </p:oleObj>
               </mc:Choice>
@@ -7230,7 +8055,7 @@
 </p:sld>
 </file>
 
-<file path=ppt/slides/slide16.xml><?xml version="1.0" encoding="utf-8"?>
+<file path=ppt/slides/slide2.xml><?xml version="1.0" encoding="utf-8"?>
 <p:sld xmlns:a="http://schemas.openxmlformats.org/drawingml/2006/main" xmlns:r="http://schemas.openxmlformats.org/officeDocument/2006/relationships" xmlns:p="http://schemas.openxmlformats.org/presentationml/2006/main">
   <p:cSld>
     <p:spTree>
@@ -7249,45 +8074,15 @@
       </p:grpSpPr>
       <p:sp>
         <p:nvSpPr>
-          <p:cNvPr id="4" name="Slide Number Placeholder 4">
-            <a:extLst>
-              <a:ext uri="{FF2B5EF4-FFF2-40B4-BE49-F238E27FC236}">
-                <a16:creationId xmlns:a16="http://schemas.microsoft.com/office/drawing/2014/main" id="{461A030F-AD16-9943-AEC3-49BDD026C600}"/>
+          <p:cNvPr id="2" name="Title 1">
+            <a:extLst>
+              <a:ext uri="{FF2B5EF4-FFF2-40B4-BE49-F238E27FC236}">
+                <a16:creationId xmlns:a16="http://schemas.microsoft.com/office/drawing/2014/main" id="{E0529347-8E03-5745-A305-AF41325E1120}"/>
               </a:ext>
             </a:extLst>
           </p:cNvPr>
           <p:cNvSpPr>
             <a:spLocks noGrp="1"/>
-          </p:cNvSpPr>
-          <p:nvPr>
-            <p:ph type="sldNum" sz="quarter" idx="11"/>
-          </p:nvPr>
-        </p:nvSpPr>
-        <p:spPr/>
-        <p:txBody>
-          <a:bodyPr/>
-          <a:lstStyle/>
-          <a:p>
-            <a:fld id="{8815C8A4-232F-1B49-B077-177DB39ECBA0}" type="slidenum">
-              <a:rPr lang="en-US" altLang="en-US"/>
-              <a:pPr/>
-              <a:t>16</a:t>
-            </a:fld>
-            <a:endParaRPr lang="en-US" altLang="en-US"/>
-          </a:p>
-        </p:txBody>
-      </p:sp>
-      <p:sp>
-        <p:nvSpPr>
-          <p:cNvPr id="737282" name="Rectangle 2">
-            <a:extLst>
-              <a:ext uri="{FF2B5EF4-FFF2-40B4-BE49-F238E27FC236}">
-                <a16:creationId xmlns:a16="http://schemas.microsoft.com/office/drawing/2014/main" id="{16B329F7-E383-D44D-89D8-87D61EDFE4F1}"/>
-              </a:ext>
-            </a:extLst>
-          </p:cNvPr>
-          <p:cNvSpPr>
-            <a:spLocks noGrp="1" noChangeArrowheads="1"/>
           </p:cNvSpPr>
           <p:nvPr>
             <p:ph type="title"/>
@@ -7301,26 +8096,26 @@
           <a:lstStyle/>
           <a:p>
             <a:r>
-              <a:rPr lang="en-US" altLang="en-US" dirty="0"/>
-              <a:t>The CMP Approach</a:t>
-            </a:r>
-          </a:p>
-        </p:txBody>
-      </p:sp>
-      <p:sp>
-        <p:nvSpPr>
-          <p:cNvPr id="737283" name="Rectangle 3">
-            <a:extLst>
-              <a:ext uri="{FF2B5EF4-FFF2-40B4-BE49-F238E27FC236}">
-                <a16:creationId xmlns:a16="http://schemas.microsoft.com/office/drawing/2014/main" id="{9CC4CB9F-EA6A-DE43-A474-1F6DD39E40C7}"/>
-              </a:ext>
-            </a:extLst>
-          </p:cNvPr>
-          <p:cNvSpPr>
-            <a:spLocks noGrp="1" noChangeArrowheads="1"/>
-          </p:cNvSpPr>
-          <p:nvPr>
-            <p:ph type="body" idx="1"/>
+              <a:rPr lang="en-US" dirty="0"/>
+              <a:t>Overview of Lecture 19</a:t>
+            </a:r>
+          </a:p>
+        </p:txBody>
+      </p:sp>
+      <p:sp>
+        <p:nvSpPr>
+          <p:cNvPr id="3" name="Content Placeholder 2">
+            <a:extLst>
+              <a:ext uri="{FF2B5EF4-FFF2-40B4-BE49-F238E27FC236}">
+                <a16:creationId xmlns:a16="http://schemas.microsoft.com/office/drawing/2014/main" id="{F6F2EB0E-4EBA-9E41-A915-2E5A2D97575C}"/>
+              </a:ext>
+            </a:extLst>
+          </p:cNvPr>
+          <p:cNvSpPr>
+            <a:spLocks noGrp="1"/>
+          </p:cNvSpPr>
+          <p:nvPr>
+            <p:ph idx="1"/>
           </p:nvPr>
         </p:nvSpPr>
         <p:spPr/>
@@ -7329,19 +8124,52 @@
           <a:lstStyle/>
           <a:p>
             <a:r>
-              <a:rPr lang="en-US" altLang="en-US"/>
-              <a:t>Weaken to the Extreme</a:t>
-            </a:r>
-          </a:p>
-          <a:p>
-            <a:r>
-              <a:rPr lang="en-US" altLang="en-US"/>
-              <a:t>Then Strengthen Back Just Enough (to pass all properties)</a:t>
+              <a:rPr lang="en-US" dirty="0"/>
+              <a:t>Projects</a:t>
+            </a:r>
+          </a:p>
+          <a:p>
+            <a:pPr lvl="1"/>
+            <a:r>
+              <a:rPr lang="en-US" dirty="0"/>
+              <a:t>Please fix meeting this week (schedule online) to</a:t>
+            </a:r>
+          </a:p>
+          <a:p>
+            <a:pPr lvl="2"/>
+            <a:r>
+              <a:rPr lang="en-US" dirty="0"/>
+              <a:t>Select/Refine projects</a:t>
+            </a:r>
+          </a:p>
+          <a:p>
+            <a:pPr lvl="2"/>
+            <a:r>
+              <a:rPr lang="en-US" dirty="0"/>
+              <a:t>Seek resources</a:t>
+            </a:r>
+          </a:p>
+          <a:p>
+            <a:pPr lvl="3"/>
+            <a:r>
+              <a:rPr lang="en-US" dirty="0"/>
+              <a:t>Projects will be the central aspect of your class</a:t>
+            </a:r>
+          </a:p>
+          <a:p>
+            <a:r>
+              <a:rPr lang="en-US" dirty="0"/>
+              <a:t>Today’s topic : Cache Coherence</a:t>
             </a:r>
           </a:p>
         </p:txBody>
       </p:sp>
     </p:spTree>
+    <p:extLst>
+      <p:ext uri="{BB962C8B-B14F-4D97-AF65-F5344CB8AC3E}">
+        <p14:creationId xmlns:p14="http://schemas.microsoft.com/office/powerpoint/2010/main" val="3039521154"/>
+      </p:ext>
+    </p:extLst>
   </p:cSld>
   <p:clrMapOvr>
     <a:masterClrMapping/>
@@ -7349,7 +8177,7 @@
 </p:sld>
 </file>
 
-<file path=ppt/slides/slide17.xml><?xml version="1.0" encoding="utf-8"?>
+<file path=ppt/slides/slide20.xml><?xml version="1.0" encoding="utf-8"?>
 <p:sld xmlns:a="http://schemas.openxmlformats.org/drawingml/2006/main" xmlns:r="http://schemas.openxmlformats.org/officeDocument/2006/relationships" xmlns:p="http://schemas.openxmlformats.org/presentationml/2006/main">
   <p:cSld>
     <p:spTree>
@@ -7368,6 +8196,125 @@
       </p:grpSpPr>
       <p:sp>
         <p:nvSpPr>
+          <p:cNvPr id="4" name="Slide Number Placeholder 4">
+            <a:extLst>
+              <a:ext uri="{FF2B5EF4-FFF2-40B4-BE49-F238E27FC236}">
+                <a16:creationId xmlns:a16="http://schemas.microsoft.com/office/drawing/2014/main" id="{461A030F-AD16-9943-AEC3-49BDD026C600}"/>
+              </a:ext>
+            </a:extLst>
+          </p:cNvPr>
+          <p:cNvSpPr>
+            <a:spLocks noGrp="1"/>
+          </p:cNvSpPr>
+          <p:nvPr>
+            <p:ph type="sldNum" sz="quarter" idx="11"/>
+          </p:nvPr>
+        </p:nvSpPr>
+        <p:spPr/>
+        <p:txBody>
+          <a:bodyPr/>
+          <a:lstStyle/>
+          <a:p>
+            <a:fld id="{8815C8A4-232F-1B49-B077-177DB39ECBA0}" type="slidenum">
+              <a:rPr lang="en-US" altLang="en-US"/>
+              <a:pPr/>
+              <a:t>20</a:t>
+            </a:fld>
+            <a:endParaRPr lang="en-US" altLang="en-US"/>
+          </a:p>
+        </p:txBody>
+      </p:sp>
+      <p:sp>
+        <p:nvSpPr>
+          <p:cNvPr id="737282" name="Rectangle 2">
+            <a:extLst>
+              <a:ext uri="{FF2B5EF4-FFF2-40B4-BE49-F238E27FC236}">
+                <a16:creationId xmlns:a16="http://schemas.microsoft.com/office/drawing/2014/main" id="{16B329F7-E383-D44D-89D8-87D61EDFE4F1}"/>
+              </a:ext>
+            </a:extLst>
+          </p:cNvPr>
+          <p:cNvSpPr>
+            <a:spLocks noGrp="1" noChangeArrowheads="1"/>
+          </p:cNvSpPr>
+          <p:nvPr>
+            <p:ph type="title"/>
+          </p:nvPr>
+        </p:nvSpPr>
+        <p:spPr/>
+        <p:txBody>
+          <a:bodyPr>
+            <a:normAutofit fontScale="90000"/>
+          </a:bodyPr>
+          <a:lstStyle/>
+          <a:p>
+            <a:r>
+              <a:rPr lang="en-US" altLang="en-US" dirty="0"/>
+              <a:t>The CMP Approach</a:t>
+            </a:r>
+          </a:p>
+        </p:txBody>
+      </p:sp>
+      <p:sp>
+        <p:nvSpPr>
+          <p:cNvPr id="737283" name="Rectangle 3">
+            <a:extLst>
+              <a:ext uri="{FF2B5EF4-FFF2-40B4-BE49-F238E27FC236}">
+                <a16:creationId xmlns:a16="http://schemas.microsoft.com/office/drawing/2014/main" id="{9CC4CB9F-EA6A-DE43-A474-1F6DD39E40C7}"/>
+              </a:ext>
+            </a:extLst>
+          </p:cNvPr>
+          <p:cNvSpPr>
+            <a:spLocks noGrp="1" noChangeArrowheads="1"/>
+          </p:cNvSpPr>
+          <p:nvPr>
+            <p:ph type="body" idx="1"/>
+          </p:nvPr>
+        </p:nvSpPr>
+        <p:spPr/>
+        <p:txBody>
+          <a:bodyPr/>
+          <a:lstStyle/>
+          <a:p>
+            <a:r>
+              <a:rPr lang="en-US" altLang="en-US"/>
+              <a:t>Weaken to the Extreme</a:t>
+            </a:r>
+          </a:p>
+          <a:p>
+            <a:r>
+              <a:rPr lang="en-US" altLang="en-US"/>
+              <a:t>Then Strengthen Back Just Enough (to pass all properties)</a:t>
+            </a:r>
+          </a:p>
+        </p:txBody>
+      </p:sp>
+    </p:spTree>
+  </p:cSld>
+  <p:clrMapOvr>
+    <a:masterClrMapping/>
+  </p:clrMapOvr>
+</p:sld>
+</file>
+
+<file path=ppt/slides/slide21.xml><?xml version="1.0" encoding="utf-8"?>
+<p:sld xmlns:a="http://schemas.openxmlformats.org/drawingml/2006/main" xmlns:r="http://schemas.openxmlformats.org/officeDocument/2006/relationships" xmlns:p="http://schemas.openxmlformats.org/presentationml/2006/main">
+  <p:cSld>
+    <p:spTree>
+      <p:nvGrpSpPr>
+        <p:cNvPr id="1" name=""/>
+        <p:cNvGrpSpPr/>
+        <p:nvPr/>
+      </p:nvGrpSpPr>
+      <p:grpSpPr>
+        <a:xfrm>
+          <a:off x="0" y="0"/>
+          <a:ext cx="0" cy="0"/>
+          <a:chOff x="0" y="0"/>
+          <a:chExt cx="0" cy="0"/>
+        </a:xfrm>
+      </p:grpSpPr>
+      <p:sp>
+        <p:nvSpPr>
           <p:cNvPr id="7" name="Slide Number Placeholder 4">
             <a:extLst>
               <a:ext uri="{FF2B5EF4-FFF2-40B4-BE49-F238E27FC236}">
@@ -7390,7 +8337,7 @@
             <a:fld id="{792ABE0A-7EC7-4847-827B-88938AEDCC85}" type="slidenum">
               <a:rPr lang="en-US" altLang="en-US"/>
               <a:pPr/>
-              <a:t>17</a:t>
+              <a:t>21</a:t>
             </a:fld>
             <a:endParaRPr lang="en-US" altLang="en-US"/>
           </a:p>
@@ -8003,7 +8950,7 @@
 </p:sld>
 </file>
 
-<file path=ppt/slides/slide18.xml><?xml version="1.0" encoding="utf-8"?>
+<file path=ppt/slides/slide22.xml><?xml version="1.0" encoding="utf-8"?>
 <p:sld xmlns:a="http://schemas.openxmlformats.org/drawingml/2006/main" xmlns:r="http://schemas.openxmlformats.org/officeDocument/2006/relationships" xmlns:p="http://schemas.openxmlformats.org/presentationml/2006/main">
   <p:cSld>
     <p:spTree>
@@ -8044,7 +8991,7 @@
             <a:fld id="{9EB4539E-5128-4D4D-BDE0-E39F161B0AA1}" type="slidenum">
               <a:rPr lang="en-US" altLang="en-US"/>
               <a:pPr/>
-              <a:t>18</a:t>
+              <a:t>22</a:t>
             </a:fld>
             <a:endParaRPr lang="en-US" altLang="en-US"/>
           </a:p>
@@ -8611,7 +9558,7 @@
 </p:sld>
 </file>
 
-<file path=ppt/slides/slide19.xml><?xml version="1.0" encoding="utf-8"?>
+<file path=ppt/slides/slide23.xml><?xml version="1.0" encoding="utf-8"?>
 <p:sld xmlns:a="http://schemas.openxmlformats.org/drawingml/2006/main" xmlns:r="http://schemas.openxmlformats.org/officeDocument/2006/relationships" xmlns:p="http://schemas.openxmlformats.org/presentationml/2006/main">
   <p:cSld>
     <p:spTree>
@@ -8652,7 +9599,7 @@
             <a:fld id="{30EC2833-F8DE-5947-B809-DCAA39435966}" type="slidenum">
               <a:rPr lang="en-US" altLang="en-US"/>
               <a:pPr/>
-              <a:t>19</a:t>
+              <a:t>23</a:t>
             </a:fld>
             <a:endParaRPr lang="en-US" altLang="en-US"/>
           </a:p>
@@ -9668,7 +10615,7 @@
 </p:sld>
 </file>
 
-<file path=ppt/slides/slide2.xml><?xml version="1.0" encoding="utf-8"?>
+<file path=ppt/slides/slide24.xml><?xml version="1.0" encoding="utf-8"?>
 <p:sld xmlns:a="http://schemas.openxmlformats.org/drawingml/2006/main" xmlns:r="http://schemas.openxmlformats.org/officeDocument/2006/relationships" xmlns:p="http://schemas.openxmlformats.org/presentationml/2006/main">
   <p:cSld>
     <p:spTree>
@@ -9687,128 +10634,6 @@
       </p:grpSpPr>
       <p:sp>
         <p:nvSpPr>
-          <p:cNvPr id="2" name="Title 1">
-            <a:extLst>
-              <a:ext uri="{FF2B5EF4-FFF2-40B4-BE49-F238E27FC236}">
-                <a16:creationId xmlns:a16="http://schemas.microsoft.com/office/drawing/2014/main" id="{E0529347-8E03-5745-A305-AF41325E1120}"/>
-              </a:ext>
-            </a:extLst>
-          </p:cNvPr>
-          <p:cNvSpPr>
-            <a:spLocks noGrp="1"/>
-          </p:cNvSpPr>
-          <p:nvPr>
-            <p:ph type="title"/>
-          </p:nvPr>
-        </p:nvSpPr>
-        <p:spPr/>
-        <p:txBody>
-          <a:bodyPr>
-            <a:normAutofit fontScale="90000"/>
-          </a:bodyPr>
-          <a:lstStyle/>
-          <a:p>
-            <a:r>
-              <a:rPr lang="en-US" dirty="0"/>
-              <a:t>Overview of Lecture 19</a:t>
-            </a:r>
-          </a:p>
-        </p:txBody>
-      </p:sp>
-      <p:sp>
-        <p:nvSpPr>
-          <p:cNvPr id="3" name="Content Placeholder 2">
-            <a:extLst>
-              <a:ext uri="{FF2B5EF4-FFF2-40B4-BE49-F238E27FC236}">
-                <a16:creationId xmlns:a16="http://schemas.microsoft.com/office/drawing/2014/main" id="{F6F2EB0E-4EBA-9E41-A915-2E5A2D97575C}"/>
-              </a:ext>
-            </a:extLst>
-          </p:cNvPr>
-          <p:cNvSpPr>
-            <a:spLocks noGrp="1"/>
-          </p:cNvSpPr>
-          <p:nvPr>
-            <p:ph idx="1"/>
-          </p:nvPr>
-        </p:nvSpPr>
-        <p:spPr/>
-        <p:txBody>
-          <a:bodyPr/>
-          <a:lstStyle/>
-          <a:p>
-            <a:r>
-              <a:rPr lang="en-US" dirty="0"/>
-              <a:t>Projects</a:t>
-            </a:r>
-          </a:p>
-          <a:p>
-            <a:pPr lvl="1"/>
-            <a:r>
-              <a:rPr lang="en-US" dirty="0"/>
-              <a:t>Please fix meeting this week (schedule online) to</a:t>
-            </a:r>
-          </a:p>
-          <a:p>
-            <a:pPr lvl="2"/>
-            <a:r>
-              <a:rPr lang="en-US" dirty="0"/>
-              <a:t>Select/Refine projects</a:t>
-            </a:r>
-          </a:p>
-          <a:p>
-            <a:pPr lvl="2"/>
-            <a:r>
-              <a:rPr lang="en-US" dirty="0"/>
-              <a:t>Seek resources</a:t>
-            </a:r>
-          </a:p>
-          <a:p>
-            <a:pPr lvl="3"/>
-            <a:r>
-              <a:rPr lang="en-US" dirty="0"/>
-              <a:t>Projects will be the central aspect of your class</a:t>
-            </a:r>
-          </a:p>
-          <a:p>
-            <a:r>
-              <a:rPr lang="en-US" dirty="0"/>
-              <a:t>Today’s topic : Cache Coherence</a:t>
-            </a:r>
-          </a:p>
-        </p:txBody>
-      </p:sp>
-    </p:spTree>
-    <p:extLst>
-      <p:ext uri="{BB962C8B-B14F-4D97-AF65-F5344CB8AC3E}">
-        <p14:creationId xmlns:p14="http://schemas.microsoft.com/office/powerpoint/2010/main" val="3039521154"/>
-      </p:ext>
-    </p:extLst>
-  </p:cSld>
-  <p:clrMapOvr>
-    <a:masterClrMapping/>
-  </p:clrMapOvr>
-</p:sld>
-</file>
-
-<file path=ppt/slides/slide20.xml><?xml version="1.0" encoding="utf-8"?>
-<p:sld xmlns:a="http://schemas.openxmlformats.org/drawingml/2006/main" xmlns:r="http://schemas.openxmlformats.org/officeDocument/2006/relationships" xmlns:p="http://schemas.openxmlformats.org/presentationml/2006/main">
-  <p:cSld>
-    <p:spTree>
-      <p:nvGrpSpPr>
-        <p:cNvPr id="1" name=""/>
-        <p:cNvGrpSpPr/>
-        <p:nvPr/>
-      </p:nvGrpSpPr>
-      <p:grpSpPr>
-        <a:xfrm>
-          <a:off x="0" y="0"/>
-          <a:ext cx="0" cy="0"/>
-          <a:chOff x="0" y="0"/>
-          <a:chExt cx="0" cy="0"/>
-        </a:xfrm>
-      </p:grpSpPr>
-      <p:sp>
-        <p:nvSpPr>
           <p:cNvPr id="6" name="Slide Number Placeholder 4">
             <a:extLst>
               <a:ext uri="{FF2B5EF4-FFF2-40B4-BE49-F238E27FC236}">
@@ -9831,7 +10656,7 @@
             <a:fld id="{A1CDEC3F-A323-A849-B43B-B4232CF53285}" type="slidenum">
               <a:rPr lang="en-US" altLang="en-US"/>
               <a:pPr/>
-              <a:t>20</a:t>
+              <a:t>24</a:t>
             </a:fld>
             <a:endParaRPr lang="en-US" altLang="en-US"/>
           </a:p>
@@ -10099,7 +10924,7 @@
           <a:graphicData uri="http://schemas.openxmlformats.org/presentationml/2006/ole">
             <mc:AlternateContent xmlns:mc="http://schemas.openxmlformats.org/markup-compatibility/2006">
               <mc:Choice xmlns:v="urn:schemas-microsoft-com:vml" Requires="v">
-                <p:oleObj spid="_x0000_s20500" name="Visio" r:id="rId4" imgW="3733800" imgH="1968500" progId="Visio.Drawing.6">
+                <p:oleObj spid="_x0000_s20504" name="Visio" r:id="rId4" imgW="3733800" imgH="1968500" progId="Visio.Drawing.6">
                   <p:embed/>
                 </p:oleObj>
               </mc:Choice>
@@ -10457,7 +11282,7 @@
 </p:sld>
 </file>
 
-<file path=ppt/slides/slide21.xml><?xml version="1.0" encoding="utf-8"?>
+<file path=ppt/slides/slide25.xml><?xml version="1.0" encoding="utf-8"?>
 <p:sld xmlns:a="http://schemas.openxmlformats.org/drawingml/2006/main" xmlns:r="http://schemas.openxmlformats.org/officeDocument/2006/relationships" xmlns:p="http://schemas.openxmlformats.org/presentationml/2006/main">
   <p:cSld>
     <p:spTree>
@@ -10498,7 +11323,7 @@
             <a:fld id="{A1CDEC3F-A323-A849-B43B-B4232CF53285}" type="slidenum">
               <a:rPr lang="en-US" altLang="en-US"/>
               <a:pPr/>
-              <a:t>21</a:t>
+              <a:t>25</a:t>
             </a:fld>
             <a:endParaRPr lang="en-US" altLang="en-US"/>
           </a:p>
@@ -10769,7 +11594,7 @@
           <a:graphicData uri="http://schemas.openxmlformats.org/presentationml/2006/ole">
             <mc:AlternateContent xmlns:mc="http://schemas.openxmlformats.org/markup-compatibility/2006">
               <mc:Choice xmlns:v="urn:schemas-microsoft-com:vml" Requires="v">
-                <p:oleObj spid="_x0000_s24586" name="Visio" r:id="rId4" imgW="3733800" imgH="1968500" progId="Visio.Drawing.6">
+                <p:oleObj spid="_x0000_s24590" name="Visio" r:id="rId4" imgW="3733800" imgH="1968500" progId="Visio.Drawing.6">
                   <p:embed/>
                 </p:oleObj>
               </mc:Choice>
@@ -11132,7 +11957,7 @@
 </p:sld>
 </file>
 
-<file path=ppt/slides/slide22.xml><?xml version="1.0" encoding="utf-8"?>
+<file path=ppt/slides/slide26.xml><?xml version="1.0" encoding="utf-8"?>
 <p:sld xmlns:a="http://schemas.openxmlformats.org/drawingml/2006/main" xmlns:r="http://schemas.openxmlformats.org/officeDocument/2006/relationships" xmlns:p="http://schemas.openxmlformats.org/presentationml/2006/main">
   <p:cSld>
     <p:spTree>
@@ -11279,7 +12104,7 @@
 </p:sld>
 </file>
 
-<file path=ppt/slides/slide23.xml><?xml version="1.0" encoding="utf-8"?>
+<file path=ppt/slides/slide27.xml><?xml version="1.0" encoding="utf-8"?>
 <p:sld xmlns:a="http://schemas.openxmlformats.org/drawingml/2006/main" xmlns:r="http://schemas.openxmlformats.org/officeDocument/2006/relationships" xmlns:p="http://schemas.openxmlformats.org/presentationml/2006/main">
   <p:cSld>
     <p:spTree>
@@ -11400,7 +12225,7 @@
 </p:sld>
 </file>
 
-<file path=ppt/slides/slide24.xml><?xml version="1.0" encoding="utf-8"?>
+<file path=ppt/slides/slide28.xml><?xml version="1.0" encoding="utf-8"?>
 <p:sld xmlns:a="http://schemas.openxmlformats.org/drawingml/2006/main" xmlns:r="http://schemas.openxmlformats.org/officeDocument/2006/relationships" xmlns:p="http://schemas.openxmlformats.org/presentationml/2006/main">
   <p:cSld>
     <p:spTree>
@@ -11490,7 +12315,7 @@
 </p:sld>
 </file>
 
-<file path=ppt/slides/slide25.xml><?xml version="1.0" encoding="utf-8"?>
+<file path=ppt/slides/slide29.xml><?xml version="1.0" encoding="utf-8"?>
 <p:sld xmlns:a="http://schemas.openxmlformats.org/drawingml/2006/main" xmlns:r="http://schemas.openxmlformats.org/officeDocument/2006/relationships" xmlns:p="http://schemas.openxmlformats.org/presentationml/2006/main">
   <p:cSld>
     <p:spTree>
@@ -11580,7 +12405,177 @@
 </p:sld>
 </file>
 
-<file path=ppt/slides/slide26.xml><?xml version="1.0" encoding="utf-8"?>
+<file path=ppt/slides/slide3.xml><?xml version="1.0" encoding="utf-8"?>
+<p:sld xmlns:a="http://schemas.openxmlformats.org/drawingml/2006/main" xmlns:r="http://schemas.openxmlformats.org/officeDocument/2006/relationships" xmlns:p="http://schemas.openxmlformats.org/presentationml/2006/main">
+  <p:cSld>
+    <p:spTree>
+      <p:nvGrpSpPr>
+        <p:cNvPr id="1" name=""/>
+        <p:cNvGrpSpPr/>
+        <p:nvPr/>
+      </p:nvGrpSpPr>
+      <p:grpSpPr>
+        <a:xfrm>
+          <a:off x="0" y="0"/>
+          <a:ext cx="0" cy="0"/>
+          <a:chOff x="0" y="0"/>
+          <a:chExt cx="0" cy="0"/>
+        </a:xfrm>
+      </p:grpSpPr>
+      <p:sp>
+        <p:nvSpPr>
+          <p:cNvPr id="2" name="Title 1">
+            <a:extLst>
+              <a:ext uri="{FF2B5EF4-FFF2-40B4-BE49-F238E27FC236}">
+                <a16:creationId xmlns:a16="http://schemas.microsoft.com/office/drawing/2014/main" id="{E0529347-8E03-5745-A305-AF41325E1120}"/>
+              </a:ext>
+            </a:extLst>
+          </p:cNvPr>
+          <p:cNvSpPr>
+            <a:spLocks noGrp="1"/>
+          </p:cNvSpPr>
+          <p:nvPr>
+            <p:ph type="title"/>
+          </p:nvPr>
+        </p:nvSpPr>
+        <p:spPr/>
+        <p:txBody>
+          <a:bodyPr>
+            <a:normAutofit fontScale="90000"/>
+          </a:bodyPr>
+          <a:lstStyle/>
+          <a:p>
+            <a:r>
+              <a:rPr lang="en-US" dirty="0"/>
+              <a:t>What is cache coherence?</a:t>
+            </a:r>
+          </a:p>
+        </p:txBody>
+      </p:sp>
+      <p:sp>
+        <p:nvSpPr>
+          <p:cNvPr id="3" name="Content Placeholder 2">
+            <a:extLst>
+              <a:ext uri="{FF2B5EF4-FFF2-40B4-BE49-F238E27FC236}">
+                <a16:creationId xmlns:a16="http://schemas.microsoft.com/office/drawing/2014/main" id="{F6F2EB0E-4EBA-9E41-A915-2E5A2D97575C}"/>
+              </a:ext>
+            </a:extLst>
+          </p:cNvPr>
+          <p:cNvSpPr>
+            <a:spLocks noGrp="1"/>
+          </p:cNvSpPr>
+          <p:nvPr>
+            <p:ph idx="1"/>
+          </p:nvPr>
+        </p:nvSpPr>
+        <p:spPr/>
+        <p:txBody>
+          <a:bodyPr/>
+          <a:lstStyle/>
+          <a:p>
+            <a:r>
+              <a:rPr lang="en-US" dirty="0"/>
+              <a:t>With shared-memory multiprocessors being the norm, we need a notion of sharing memory “as if it were one common area”</a:t>
+            </a:r>
+          </a:p>
+          <a:p>
+            <a:pPr lvl="1"/>
+            <a:r>
+              <a:rPr lang="en-US" dirty="0"/>
+              <a:t>What does this mean?</a:t>
+            </a:r>
+          </a:p>
+          <a:p>
+            <a:pPr lvl="2"/>
+            <a:r>
+              <a:rPr lang="en-US" dirty="0"/>
+              <a:t>Every write by Pi is readable by Pi as well as </a:t>
+            </a:r>
+            <a:r>
+              <a:rPr lang="en-US" dirty="0" err="1"/>
+              <a:t>Pj</a:t>
+            </a:r>
+            <a:r>
+              <a:rPr lang="en-US" dirty="0"/>
+              <a:t> where </a:t>
+            </a:r>
+            <a:r>
+              <a:rPr lang="en-US" dirty="0" err="1"/>
+              <a:t>i</a:t>
+            </a:r>
+            <a:r>
+              <a:rPr lang="en-US" dirty="0"/>
+              <a:t> != j</a:t>
+            </a:r>
+          </a:p>
+          <a:p>
+            <a:pPr lvl="1"/>
+            <a:r>
+              <a:rPr lang="en-US" dirty="0"/>
+              <a:t>This is not precise-enough</a:t>
+            </a:r>
+          </a:p>
+          <a:p>
+            <a:pPr lvl="2"/>
+            <a:r>
+              <a:rPr lang="en-US" dirty="0"/>
+              <a:t>A program can write more times to a location than once </a:t>
+            </a:r>
+            <a:r>
+              <a:rPr lang="en-US" dirty="0">
+                <a:sym typeface="Wingdings" pitchFamily="2" charset="2"/>
+              </a:rPr>
+              <a:t></a:t>
+            </a:r>
+          </a:p>
+          <a:p>
+            <a:pPr lvl="2"/>
+            <a:r>
+              <a:rPr lang="en-US" dirty="0">
+                <a:sym typeface="Wingdings" pitchFamily="2" charset="2"/>
+              </a:rPr>
+              <a:t>There could be multiple readers of a line</a:t>
+            </a:r>
+          </a:p>
+          <a:p>
+            <a:r>
+              <a:rPr lang="en-US" dirty="0">
+                <a:sym typeface="Wingdings" pitchFamily="2" charset="2"/>
+              </a:rPr>
+              <a:t>So,</a:t>
+            </a:r>
+          </a:p>
+          <a:p>
+            <a:pPr lvl="1"/>
+            <a:r>
+              <a:rPr lang="en-US" dirty="0">
+                <a:sym typeface="Wingdings" pitchFamily="2" charset="2"/>
+              </a:rPr>
+              <a:t>Formally define when write-events are observable by read-events that match</a:t>
+            </a:r>
+          </a:p>
+          <a:p>
+            <a:pPr marL="457200" lvl="1" indent="0">
+              <a:buNone/>
+            </a:pPr>
+            <a:endParaRPr lang="en-US" dirty="0"/>
+          </a:p>
+        </p:txBody>
+      </p:sp>
+    </p:spTree>
+    <p:extLst>
+      <p:ext uri="{BB962C8B-B14F-4D97-AF65-F5344CB8AC3E}">
+        <p14:creationId xmlns:p14="http://schemas.microsoft.com/office/powerpoint/2010/main" val="436531045"/>
+      </p:ext>
+    </p:extLst>
+  </p:cSld>
+  <p:clrMapOvr>
+    <a:masterClrMapping/>
+  </p:clrMapOvr>
+</p:sld>
+</file>
+
+<file path=ppt/slides/slide30.xml><?xml version="1.0" encoding="utf-8"?>
 <p:sld xmlns:a="http://schemas.openxmlformats.org/drawingml/2006/main" xmlns:r="http://schemas.openxmlformats.org/officeDocument/2006/relationships" xmlns:p="http://schemas.openxmlformats.org/presentationml/2006/main">
   <p:cSld>
     <p:spTree>
@@ -11670,7 +12665,7 @@
 </p:sld>
 </file>
 
-<file path=ppt/slides/slide27.xml><?xml version="1.0" encoding="utf-8"?>
+<file path=ppt/slides/slide31.xml><?xml version="1.0" encoding="utf-8"?>
 <p:sld xmlns:a="http://schemas.openxmlformats.org/drawingml/2006/main" xmlns:r="http://schemas.openxmlformats.org/officeDocument/2006/relationships" xmlns:p="http://schemas.openxmlformats.org/presentationml/2006/main">
   <p:cSld>
     <p:spTree>
@@ -11864,7 +12859,7 @@
 </p:sld>
 </file>
 
-<file path=ppt/slides/slide28.xml><?xml version="1.0" encoding="utf-8"?>
+<file path=ppt/slides/slide32.xml><?xml version="1.0" encoding="utf-8"?>
 <p:sld xmlns:a="http://schemas.openxmlformats.org/drawingml/2006/main" xmlns:r="http://schemas.openxmlformats.org/officeDocument/2006/relationships" xmlns:p="http://schemas.openxmlformats.org/presentationml/2006/main">
   <p:cSld>
     <p:spTree>
@@ -11954,7 +12949,7 @@
 </p:sld>
 </file>
 
-<file path=ppt/slides/slide29.xml><?xml version="1.0" encoding="utf-8"?>
+<file path=ppt/slides/slide33.xml><?xml version="1.0" encoding="utf-8"?>
 <p:sld xmlns:a="http://schemas.openxmlformats.org/drawingml/2006/main" xmlns:r="http://schemas.openxmlformats.org/officeDocument/2006/relationships" xmlns:p="http://schemas.openxmlformats.org/presentationml/2006/main">
   <p:cSld>
     <p:spTree>
@@ -12044,177 +13039,7 @@
 </p:sld>
 </file>
 
-<file path=ppt/slides/slide3.xml><?xml version="1.0" encoding="utf-8"?>
-<p:sld xmlns:a="http://schemas.openxmlformats.org/drawingml/2006/main" xmlns:r="http://schemas.openxmlformats.org/officeDocument/2006/relationships" xmlns:p="http://schemas.openxmlformats.org/presentationml/2006/main">
-  <p:cSld>
-    <p:spTree>
-      <p:nvGrpSpPr>
-        <p:cNvPr id="1" name=""/>
-        <p:cNvGrpSpPr/>
-        <p:nvPr/>
-      </p:nvGrpSpPr>
-      <p:grpSpPr>
-        <a:xfrm>
-          <a:off x="0" y="0"/>
-          <a:ext cx="0" cy="0"/>
-          <a:chOff x="0" y="0"/>
-          <a:chExt cx="0" cy="0"/>
-        </a:xfrm>
-      </p:grpSpPr>
-      <p:sp>
-        <p:nvSpPr>
-          <p:cNvPr id="2" name="Title 1">
-            <a:extLst>
-              <a:ext uri="{FF2B5EF4-FFF2-40B4-BE49-F238E27FC236}">
-                <a16:creationId xmlns:a16="http://schemas.microsoft.com/office/drawing/2014/main" id="{E0529347-8E03-5745-A305-AF41325E1120}"/>
-              </a:ext>
-            </a:extLst>
-          </p:cNvPr>
-          <p:cNvSpPr>
-            <a:spLocks noGrp="1"/>
-          </p:cNvSpPr>
-          <p:nvPr>
-            <p:ph type="title"/>
-          </p:nvPr>
-        </p:nvSpPr>
-        <p:spPr/>
-        <p:txBody>
-          <a:bodyPr>
-            <a:normAutofit fontScale="90000"/>
-          </a:bodyPr>
-          <a:lstStyle/>
-          <a:p>
-            <a:r>
-              <a:rPr lang="en-US" dirty="0"/>
-              <a:t>What is cache coherence?</a:t>
-            </a:r>
-          </a:p>
-        </p:txBody>
-      </p:sp>
-      <p:sp>
-        <p:nvSpPr>
-          <p:cNvPr id="3" name="Content Placeholder 2">
-            <a:extLst>
-              <a:ext uri="{FF2B5EF4-FFF2-40B4-BE49-F238E27FC236}">
-                <a16:creationId xmlns:a16="http://schemas.microsoft.com/office/drawing/2014/main" id="{F6F2EB0E-4EBA-9E41-A915-2E5A2D97575C}"/>
-              </a:ext>
-            </a:extLst>
-          </p:cNvPr>
-          <p:cNvSpPr>
-            <a:spLocks noGrp="1"/>
-          </p:cNvSpPr>
-          <p:nvPr>
-            <p:ph idx="1"/>
-          </p:nvPr>
-        </p:nvSpPr>
-        <p:spPr/>
-        <p:txBody>
-          <a:bodyPr/>
-          <a:lstStyle/>
-          <a:p>
-            <a:r>
-              <a:rPr lang="en-US" dirty="0"/>
-              <a:t>With shared-memory multiprocessors being the norm, we need a notion of sharing memory “as if it were one common area”</a:t>
-            </a:r>
-          </a:p>
-          <a:p>
-            <a:pPr lvl="1"/>
-            <a:r>
-              <a:rPr lang="en-US" dirty="0"/>
-              <a:t>What does this mean?</a:t>
-            </a:r>
-          </a:p>
-          <a:p>
-            <a:pPr lvl="2"/>
-            <a:r>
-              <a:rPr lang="en-US" dirty="0"/>
-              <a:t>Every write by Pi is readable by Pi as well as </a:t>
-            </a:r>
-            <a:r>
-              <a:rPr lang="en-US" dirty="0" err="1"/>
-              <a:t>Pj</a:t>
-            </a:r>
-            <a:r>
-              <a:rPr lang="en-US" dirty="0"/>
-              <a:t> where </a:t>
-            </a:r>
-            <a:r>
-              <a:rPr lang="en-US" dirty="0" err="1"/>
-              <a:t>i</a:t>
-            </a:r>
-            <a:r>
-              <a:rPr lang="en-US" dirty="0"/>
-              <a:t> != j</a:t>
-            </a:r>
-          </a:p>
-          <a:p>
-            <a:pPr lvl="1"/>
-            <a:r>
-              <a:rPr lang="en-US" dirty="0"/>
-              <a:t>This is not precise-enough</a:t>
-            </a:r>
-          </a:p>
-          <a:p>
-            <a:pPr lvl="2"/>
-            <a:r>
-              <a:rPr lang="en-US" dirty="0"/>
-              <a:t>A program can write more times to a location than once </a:t>
-            </a:r>
-            <a:r>
-              <a:rPr lang="en-US" dirty="0">
-                <a:sym typeface="Wingdings" pitchFamily="2" charset="2"/>
-              </a:rPr>
-              <a:t></a:t>
-            </a:r>
-          </a:p>
-          <a:p>
-            <a:pPr lvl="2"/>
-            <a:r>
-              <a:rPr lang="en-US" dirty="0">
-                <a:sym typeface="Wingdings" pitchFamily="2" charset="2"/>
-              </a:rPr>
-              <a:t>There could be multiple readers of a line</a:t>
-            </a:r>
-          </a:p>
-          <a:p>
-            <a:r>
-              <a:rPr lang="en-US" dirty="0">
-                <a:sym typeface="Wingdings" pitchFamily="2" charset="2"/>
-              </a:rPr>
-              <a:t>So,</a:t>
-            </a:r>
-          </a:p>
-          <a:p>
-            <a:pPr lvl="1"/>
-            <a:r>
-              <a:rPr lang="en-US" dirty="0">
-                <a:sym typeface="Wingdings" pitchFamily="2" charset="2"/>
-              </a:rPr>
-              <a:t>Formally define when write-events are observable by read-events that match</a:t>
-            </a:r>
-          </a:p>
-          <a:p>
-            <a:pPr marL="457200" lvl="1" indent="0">
-              <a:buNone/>
-            </a:pPr>
-            <a:endParaRPr lang="en-US" dirty="0"/>
-          </a:p>
-        </p:txBody>
-      </p:sp>
-    </p:spTree>
-    <p:extLst>
-      <p:ext uri="{BB962C8B-B14F-4D97-AF65-F5344CB8AC3E}">
-        <p14:creationId xmlns:p14="http://schemas.microsoft.com/office/powerpoint/2010/main" val="436531045"/>
-      </p:ext>
-    </p:extLst>
-  </p:cSld>
-  <p:clrMapOvr>
-    <a:masterClrMapping/>
-  </p:clrMapOvr>
-</p:sld>
-</file>
-
-<file path=ppt/slides/slide30.xml><?xml version="1.0" encoding="utf-8"?>
+<file path=ppt/slides/slide34.xml><?xml version="1.0" encoding="utf-8"?>
 <p:sld xmlns:a="http://schemas.openxmlformats.org/drawingml/2006/main" xmlns:r="http://schemas.openxmlformats.org/officeDocument/2006/relationships" xmlns:p="http://schemas.openxmlformats.org/presentationml/2006/main">
   <p:cSld>
     <p:spTree>
@@ -12304,7 +13129,7 @@
 </p:sld>
 </file>
 
-<file path=ppt/slides/slide31.xml><?xml version="1.0" encoding="utf-8"?>
+<file path=ppt/slides/slide35.xml><?xml version="1.0" encoding="utf-8"?>
 <p:sld xmlns:a="http://schemas.openxmlformats.org/drawingml/2006/main" xmlns:r="http://schemas.openxmlformats.org/officeDocument/2006/relationships" xmlns:p="http://schemas.openxmlformats.org/presentationml/2006/main">
   <p:cSld>
     <p:spTree>
@@ -12394,7 +13219,7 @@
 </p:sld>
 </file>
 
-<file path=ppt/slides/slide32.xml><?xml version="1.0" encoding="utf-8"?>
+<file path=ppt/slides/slide36.xml><?xml version="1.0" encoding="utf-8"?>
 <p:sld xmlns:a="http://schemas.openxmlformats.org/drawingml/2006/main" xmlns:r="http://schemas.openxmlformats.org/officeDocument/2006/relationships" xmlns:p="http://schemas.openxmlformats.org/presentationml/2006/main">
   <p:cSld>
     <p:spTree>
@@ -12484,7 +13309,7 @@
 </p:sld>
 </file>
 
-<file path=ppt/slides/slide33.xml><?xml version="1.0" encoding="utf-8"?>
+<file path=ppt/slides/slide37.xml><?xml version="1.0" encoding="utf-8"?>
 <p:sld xmlns:a="http://schemas.openxmlformats.org/drawingml/2006/main" xmlns:r="http://schemas.openxmlformats.org/officeDocument/2006/relationships" xmlns:p="http://schemas.openxmlformats.org/presentationml/2006/main">
   <p:cSld>
     <p:spTree>
@@ -12574,7 +13399,7 @@
 </p:sld>
 </file>
 
-<file path=ppt/slides/slide34.xml><?xml version="1.0" encoding="utf-8"?>
+<file path=ppt/slides/slide38.xml><?xml version="1.0" encoding="utf-8"?>
 <p:sld xmlns:a="http://schemas.openxmlformats.org/drawingml/2006/main" xmlns:r="http://schemas.openxmlformats.org/officeDocument/2006/relationships" xmlns:p="http://schemas.openxmlformats.org/presentationml/2006/main">
   <p:cSld>
     <p:spTree>
@@ -12664,7 +13489,7 @@
 </p:sld>
 </file>
 
-<file path=ppt/slides/slide35.xml><?xml version="1.0" encoding="utf-8"?>
+<file path=ppt/slides/slide39.xml><?xml version="1.0" encoding="utf-8"?>
 <p:sld xmlns:a="http://schemas.openxmlformats.org/drawingml/2006/main" xmlns:r="http://schemas.openxmlformats.org/officeDocument/2006/relationships" xmlns:p="http://schemas.openxmlformats.org/presentationml/2006/main">
   <p:cSld>
     <p:spTree>
@@ -12754,7 +13579,183 @@
 </p:sld>
 </file>
 
-<file path=ppt/slides/slide36.xml><?xml version="1.0" encoding="utf-8"?>
+<file path=ppt/slides/slide4.xml><?xml version="1.0" encoding="utf-8"?>
+<p:sld xmlns:a="http://schemas.openxmlformats.org/drawingml/2006/main" xmlns:r="http://schemas.openxmlformats.org/officeDocument/2006/relationships" xmlns:p="http://schemas.openxmlformats.org/presentationml/2006/main">
+  <p:cSld>
+    <p:spTree>
+      <p:nvGrpSpPr>
+        <p:cNvPr id="1" name=""/>
+        <p:cNvGrpSpPr/>
+        <p:nvPr/>
+      </p:nvGrpSpPr>
+      <p:grpSpPr>
+        <a:xfrm>
+          <a:off x="0" y="0"/>
+          <a:ext cx="0" cy="0"/>
+          <a:chOff x="0" y="0"/>
+          <a:chExt cx="0" cy="0"/>
+        </a:xfrm>
+      </p:grpSpPr>
+      <p:sp>
+        <p:nvSpPr>
+          <p:cNvPr id="2" name="Title 1">
+            <a:extLst>
+              <a:ext uri="{FF2B5EF4-FFF2-40B4-BE49-F238E27FC236}">
+                <a16:creationId xmlns:a16="http://schemas.microsoft.com/office/drawing/2014/main" id="{E0529347-8E03-5745-A305-AF41325E1120}"/>
+              </a:ext>
+            </a:extLst>
+          </p:cNvPr>
+          <p:cNvSpPr>
+            <a:spLocks noGrp="1"/>
+          </p:cNvSpPr>
+          <p:nvPr>
+            <p:ph type="title"/>
+          </p:nvPr>
+        </p:nvSpPr>
+        <p:spPr/>
+        <p:txBody>
+          <a:bodyPr>
+            <a:normAutofit fontScale="90000"/>
+          </a:bodyPr>
+          <a:lstStyle/>
+          <a:p>
+            <a:r>
+              <a:rPr lang="en-US" dirty="0"/>
+              <a:t>What is cache coherence?</a:t>
+            </a:r>
+          </a:p>
+        </p:txBody>
+      </p:sp>
+      <p:sp>
+        <p:nvSpPr>
+          <p:cNvPr id="3" name="Content Placeholder 2">
+            <a:extLst>
+              <a:ext uri="{FF2B5EF4-FFF2-40B4-BE49-F238E27FC236}">
+                <a16:creationId xmlns:a16="http://schemas.microsoft.com/office/drawing/2014/main" id="{F6F2EB0E-4EBA-9E41-A915-2E5A2D97575C}"/>
+              </a:ext>
+            </a:extLst>
+          </p:cNvPr>
+          <p:cNvSpPr>
+            <a:spLocks noGrp="1"/>
+          </p:cNvSpPr>
+          <p:nvPr>
+            <p:ph idx="1"/>
+          </p:nvPr>
+        </p:nvSpPr>
+        <p:spPr/>
+        <p:txBody>
+          <a:bodyPr>
+            <a:normAutofit/>
+          </a:bodyPr>
+          <a:lstStyle/>
+          <a:p>
+            <a:r>
+              <a:rPr lang="en-US" dirty="0"/>
+              <a:t>To define memory views as shared by multiple processors, we need to define a formal shared memory consistency model</a:t>
+            </a:r>
+          </a:p>
+          <a:p>
+            <a:r>
+              <a:rPr lang="en-US" dirty="0">
+                <a:sym typeface="Wingdings" pitchFamily="2" charset="2"/>
+              </a:rPr>
+              <a:t>Coherence is one of the basic models</a:t>
+            </a:r>
+          </a:p>
+          <a:p>
+            <a:pPr lvl="1"/>
+            <a:r>
+              <a:rPr lang="en-US" dirty="0">
+                <a:sym typeface="Wingdings" pitchFamily="2" charset="2"/>
+              </a:rPr>
+              <a:t>Each location has a latest data that every reader agrees on</a:t>
+            </a:r>
+          </a:p>
+          <a:p>
+            <a:pPr lvl="1"/>
+            <a:r>
+              <a:rPr lang="en-US" dirty="0">
+                <a:sym typeface="Wingdings" pitchFamily="2" charset="2"/>
+              </a:rPr>
+              <a:t>Also known as “per-location sequential consistency”</a:t>
+            </a:r>
+          </a:p>
+          <a:p>
+            <a:r>
+              <a:rPr lang="en-US" dirty="0">
+                <a:sym typeface="Wingdings" pitchFamily="2" charset="2"/>
+              </a:rPr>
+              <a:t>There are some interesting complexity results that help us understand coherence</a:t>
+            </a:r>
+          </a:p>
+          <a:p>
+            <a:pPr lvl="1"/>
+            <a:r>
+              <a:rPr lang="en-US" dirty="0">
+                <a:sym typeface="Wingdings" pitchFamily="2" charset="2"/>
+              </a:rPr>
+              <a:t>Given a “finished execution trace”, checking coherence is NP-Complete</a:t>
+            </a:r>
+          </a:p>
+          <a:p>
+            <a:pPr lvl="2"/>
+            <a:r>
+              <a:rPr lang="en-US" dirty="0">
+                <a:sym typeface="Wingdings" pitchFamily="2" charset="2"/>
+              </a:rPr>
+              <a:t>Very insightful proof by Jason </a:t>
+            </a:r>
+            <a:r>
+              <a:rPr lang="en-US" dirty="0" err="1">
+                <a:sym typeface="Wingdings" pitchFamily="2" charset="2"/>
+              </a:rPr>
+              <a:t>Cantin</a:t>
+            </a:r>
+            <a:r>
+              <a:rPr lang="en-US" dirty="0">
+                <a:sym typeface="Wingdings" pitchFamily="2" charset="2"/>
+              </a:rPr>
+              <a:t> et al</a:t>
+            </a:r>
+          </a:p>
+          <a:p>
+            <a:pPr lvl="2"/>
+            <a:r>
+              <a:rPr lang="en-US" dirty="0">
+                <a:sym typeface="Wingdings" pitchFamily="2" charset="2"/>
+                <a:hlinkClick r:id="rId2"/>
+              </a:rPr>
+              <a:t>https://ieeexplore.ieee.org/stamp/stamp.jsp?arnumber=1435343</a:t>
+            </a:r>
+            <a:r>
+              <a:rPr lang="en-US" dirty="0">
+                <a:sym typeface="Wingdings" pitchFamily="2" charset="2"/>
+              </a:rPr>
+              <a:t>  </a:t>
+            </a:r>
+          </a:p>
+          <a:p>
+            <a:pPr marL="457200" lvl="1" indent="0">
+              <a:buNone/>
+            </a:pPr>
+            <a:endParaRPr lang="en-US" dirty="0"/>
+          </a:p>
+        </p:txBody>
+      </p:sp>
+    </p:spTree>
+    <p:extLst>
+      <p:ext uri="{BB962C8B-B14F-4D97-AF65-F5344CB8AC3E}">
+        <p14:creationId xmlns:p14="http://schemas.microsoft.com/office/powerpoint/2010/main" val="3415468341"/>
+      </p:ext>
+    </p:extLst>
+  </p:cSld>
+  <p:clrMapOvr>
+    <a:masterClrMapping/>
+  </p:clrMapOvr>
+</p:sld>
+</file>
+
+<file path=ppt/slides/slide40.xml><?xml version="1.0" encoding="utf-8"?>
 <p:sld xmlns:a="http://schemas.openxmlformats.org/drawingml/2006/main" xmlns:r="http://schemas.openxmlformats.org/officeDocument/2006/relationships" xmlns:p="http://schemas.openxmlformats.org/presentationml/2006/main">
   <p:cSld>
     <p:spTree>
@@ -12844,7 +13845,7 @@
 </p:sld>
 </file>
 
-<file path=ppt/slides/slide37.xml><?xml version="1.0" encoding="utf-8"?>
+<file path=ppt/slides/slide41.xml><?xml version="1.0" encoding="utf-8"?>
 <p:sld xmlns:a="http://schemas.openxmlformats.org/drawingml/2006/main" xmlns:r="http://schemas.openxmlformats.org/officeDocument/2006/relationships" xmlns:p="http://schemas.openxmlformats.org/presentationml/2006/main">
   <p:cSld>
     <p:spTree>
@@ -12934,7 +13935,7 @@
 </p:sld>
 </file>
 
-<file path=ppt/slides/slide38.xml><?xml version="1.0" encoding="utf-8"?>
+<file path=ppt/slides/slide42.xml><?xml version="1.0" encoding="utf-8"?>
 <p:sld xmlns:a="http://schemas.openxmlformats.org/drawingml/2006/main" xmlns:r="http://schemas.openxmlformats.org/officeDocument/2006/relationships" xmlns:p="http://schemas.openxmlformats.org/presentationml/2006/main">
   <p:cSld>
     <p:spTree>
@@ -13024,7 +14025,7 @@
 </p:sld>
 </file>
 
-<file path=ppt/slides/slide39.xml><?xml version="1.0" encoding="utf-8"?>
+<file path=ppt/slides/slide43.xml><?xml version="1.0" encoding="utf-8"?>
 <p:sld xmlns:a="http://schemas.openxmlformats.org/drawingml/2006/main" xmlns:r="http://schemas.openxmlformats.org/officeDocument/2006/relationships" xmlns:p="http://schemas.openxmlformats.org/presentationml/2006/main">
   <p:cSld>
     <p:spTree>
@@ -13114,183 +14115,7 @@
 </p:sld>
 </file>
 
-<file path=ppt/slides/slide4.xml><?xml version="1.0" encoding="utf-8"?>
-<p:sld xmlns:a="http://schemas.openxmlformats.org/drawingml/2006/main" xmlns:r="http://schemas.openxmlformats.org/officeDocument/2006/relationships" xmlns:p="http://schemas.openxmlformats.org/presentationml/2006/main">
-  <p:cSld>
-    <p:spTree>
-      <p:nvGrpSpPr>
-        <p:cNvPr id="1" name=""/>
-        <p:cNvGrpSpPr/>
-        <p:nvPr/>
-      </p:nvGrpSpPr>
-      <p:grpSpPr>
-        <a:xfrm>
-          <a:off x="0" y="0"/>
-          <a:ext cx="0" cy="0"/>
-          <a:chOff x="0" y="0"/>
-          <a:chExt cx="0" cy="0"/>
-        </a:xfrm>
-      </p:grpSpPr>
-      <p:sp>
-        <p:nvSpPr>
-          <p:cNvPr id="2" name="Title 1">
-            <a:extLst>
-              <a:ext uri="{FF2B5EF4-FFF2-40B4-BE49-F238E27FC236}">
-                <a16:creationId xmlns:a16="http://schemas.microsoft.com/office/drawing/2014/main" id="{E0529347-8E03-5745-A305-AF41325E1120}"/>
-              </a:ext>
-            </a:extLst>
-          </p:cNvPr>
-          <p:cNvSpPr>
-            <a:spLocks noGrp="1"/>
-          </p:cNvSpPr>
-          <p:nvPr>
-            <p:ph type="title"/>
-          </p:nvPr>
-        </p:nvSpPr>
-        <p:spPr/>
-        <p:txBody>
-          <a:bodyPr>
-            <a:normAutofit fontScale="90000"/>
-          </a:bodyPr>
-          <a:lstStyle/>
-          <a:p>
-            <a:r>
-              <a:rPr lang="en-US" dirty="0"/>
-              <a:t>What is cache coherence?</a:t>
-            </a:r>
-          </a:p>
-        </p:txBody>
-      </p:sp>
-      <p:sp>
-        <p:nvSpPr>
-          <p:cNvPr id="3" name="Content Placeholder 2">
-            <a:extLst>
-              <a:ext uri="{FF2B5EF4-FFF2-40B4-BE49-F238E27FC236}">
-                <a16:creationId xmlns:a16="http://schemas.microsoft.com/office/drawing/2014/main" id="{F6F2EB0E-4EBA-9E41-A915-2E5A2D97575C}"/>
-              </a:ext>
-            </a:extLst>
-          </p:cNvPr>
-          <p:cNvSpPr>
-            <a:spLocks noGrp="1"/>
-          </p:cNvSpPr>
-          <p:nvPr>
-            <p:ph idx="1"/>
-          </p:nvPr>
-        </p:nvSpPr>
-        <p:spPr/>
-        <p:txBody>
-          <a:bodyPr>
-            <a:normAutofit/>
-          </a:bodyPr>
-          <a:lstStyle/>
-          <a:p>
-            <a:r>
-              <a:rPr lang="en-US" dirty="0"/>
-              <a:t>To define memory views as shared by multiple processors, we need to define a formal shared memory consistency model</a:t>
-            </a:r>
-          </a:p>
-          <a:p>
-            <a:r>
-              <a:rPr lang="en-US" dirty="0">
-                <a:sym typeface="Wingdings" pitchFamily="2" charset="2"/>
-              </a:rPr>
-              <a:t>Coherence is one of the basic models</a:t>
-            </a:r>
-          </a:p>
-          <a:p>
-            <a:pPr lvl="1"/>
-            <a:r>
-              <a:rPr lang="en-US" dirty="0">
-                <a:sym typeface="Wingdings" pitchFamily="2" charset="2"/>
-              </a:rPr>
-              <a:t>Each location has a latest data that every reader agrees on</a:t>
-            </a:r>
-          </a:p>
-          <a:p>
-            <a:pPr lvl="1"/>
-            <a:r>
-              <a:rPr lang="en-US" dirty="0">
-                <a:sym typeface="Wingdings" pitchFamily="2" charset="2"/>
-              </a:rPr>
-              <a:t>Also known as “per-location sequential consistency”</a:t>
-            </a:r>
-          </a:p>
-          <a:p>
-            <a:r>
-              <a:rPr lang="en-US" dirty="0">
-                <a:sym typeface="Wingdings" pitchFamily="2" charset="2"/>
-              </a:rPr>
-              <a:t>There are some interesting complexity results that help us understand coherence</a:t>
-            </a:r>
-          </a:p>
-          <a:p>
-            <a:pPr lvl="1"/>
-            <a:r>
-              <a:rPr lang="en-US" dirty="0">
-                <a:sym typeface="Wingdings" pitchFamily="2" charset="2"/>
-              </a:rPr>
-              <a:t>Given a “finished execution trace”, checking coherence is NP-Complete</a:t>
-            </a:r>
-          </a:p>
-          <a:p>
-            <a:pPr lvl="2"/>
-            <a:r>
-              <a:rPr lang="en-US" dirty="0">
-                <a:sym typeface="Wingdings" pitchFamily="2" charset="2"/>
-              </a:rPr>
-              <a:t>Very insightful proof by Jason </a:t>
-            </a:r>
-            <a:r>
-              <a:rPr lang="en-US" dirty="0" err="1">
-                <a:sym typeface="Wingdings" pitchFamily="2" charset="2"/>
-              </a:rPr>
-              <a:t>Cantin</a:t>
-            </a:r>
-            <a:r>
-              <a:rPr lang="en-US" dirty="0">
-                <a:sym typeface="Wingdings" pitchFamily="2" charset="2"/>
-              </a:rPr>
-              <a:t> et al</a:t>
-            </a:r>
-          </a:p>
-          <a:p>
-            <a:pPr lvl="2"/>
-            <a:r>
-              <a:rPr lang="en-US" dirty="0">
-                <a:sym typeface="Wingdings" pitchFamily="2" charset="2"/>
-                <a:hlinkClick r:id="rId2"/>
-              </a:rPr>
-              <a:t>https://ieeexplore.ieee.org/stamp/stamp.jsp?arnumber=1435343</a:t>
-            </a:r>
-            <a:r>
-              <a:rPr lang="en-US" dirty="0">
-                <a:sym typeface="Wingdings" pitchFamily="2" charset="2"/>
-              </a:rPr>
-              <a:t>  </a:t>
-            </a:r>
-          </a:p>
-          <a:p>
-            <a:pPr marL="457200" lvl="1" indent="0">
-              <a:buNone/>
-            </a:pPr>
-            <a:endParaRPr lang="en-US" dirty="0"/>
-          </a:p>
-        </p:txBody>
-      </p:sp>
-    </p:spTree>
-    <p:extLst>
-      <p:ext uri="{BB962C8B-B14F-4D97-AF65-F5344CB8AC3E}">
-        <p14:creationId xmlns:p14="http://schemas.microsoft.com/office/powerpoint/2010/main" val="3415468341"/>
-      </p:ext>
-    </p:extLst>
-  </p:cSld>
-  <p:clrMapOvr>
-    <a:masterClrMapping/>
-  </p:clrMapOvr>
-</p:sld>
-</file>
-
-<file path=ppt/slides/slide40.xml><?xml version="1.0" encoding="utf-8"?>
+<file path=ppt/slides/slide44.xml><?xml version="1.0" encoding="utf-8"?>
 <p:sld xmlns:a="http://schemas.openxmlformats.org/drawingml/2006/main" xmlns:r="http://schemas.openxmlformats.org/officeDocument/2006/relationships" xmlns:p="http://schemas.openxmlformats.org/presentationml/2006/main">
   <p:cSld>
     <p:spTree>
@@ -13380,7 +14205,7 @@
 </p:sld>
 </file>
 
-<file path=ppt/slides/slide41.xml><?xml version="1.0" encoding="utf-8"?>
+<file path=ppt/slides/slide45.xml><?xml version="1.0" encoding="utf-8"?>
 <p:sld xmlns:a="http://schemas.openxmlformats.org/drawingml/2006/main" xmlns:r="http://schemas.openxmlformats.org/officeDocument/2006/relationships" xmlns:p="http://schemas.openxmlformats.org/presentationml/2006/main">
   <p:cSld>
     <p:spTree>
@@ -13470,7 +14295,7 @@
 </p:sld>
 </file>
 
-<file path=ppt/slides/slide42.xml><?xml version="1.0" encoding="utf-8"?>
+<file path=ppt/slides/slide46.xml><?xml version="1.0" encoding="utf-8"?>
 <p:sld xmlns:a="http://schemas.openxmlformats.org/drawingml/2006/main" xmlns:r="http://schemas.openxmlformats.org/officeDocument/2006/relationships" xmlns:p="http://schemas.openxmlformats.org/presentationml/2006/main">
   <p:cSld>
     <p:spTree>
@@ -13560,7 +14385,7 @@
 </p:sld>
 </file>
 
-<file path=ppt/slides/slide43.xml><?xml version="1.0" encoding="utf-8"?>
+<file path=ppt/slides/slide47.xml><?xml version="1.0" encoding="utf-8"?>
 <p:sld xmlns:a="http://schemas.openxmlformats.org/drawingml/2006/main" xmlns:r="http://schemas.openxmlformats.org/officeDocument/2006/relationships" xmlns:p="http://schemas.openxmlformats.org/presentationml/2006/main">
   <p:cSld>
     <p:spTree>
